--- a/Presentation.pptx
+++ b/Presentation.pptx
@@ -5,17 +5,24 @@
     <p:sldMasterId id="2147483840" r:id="rId1"/>
   </p:sldMasterIdLst>
   <p:notesMasterIdLst>
-    <p:notesMasterId r:id="rId10"/>
+    <p:notesMasterId r:id="rId17"/>
   </p:notesMasterIdLst>
   <p:sldIdLst>
     <p:sldId id="256" r:id="rId2"/>
     <p:sldId id="260" r:id="rId3"/>
     <p:sldId id="257" r:id="rId4"/>
-    <p:sldId id="262" r:id="rId5"/>
-    <p:sldId id="261" r:id="rId6"/>
+    <p:sldId id="261" r:id="rId5"/>
+    <p:sldId id="262" r:id="rId6"/>
     <p:sldId id="258" r:id="rId7"/>
-    <p:sldId id="264" r:id="rId8"/>
-    <p:sldId id="259" r:id="rId9"/>
+    <p:sldId id="268" r:id="rId8"/>
+    <p:sldId id="265" r:id="rId9"/>
+    <p:sldId id="266" r:id="rId10"/>
+    <p:sldId id="264" r:id="rId11"/>
+    <p:sldId id="267" r:id="rId12"/>
+    <p:sldId id="269" r:id="rId13"/>
+    <p:sldId id="271" r:id="rId14"/>
+    <p:sldId id="270" r:id="rId15"/>
+    <p:sldId id="272" r:id="rId16"/>
   </p:sldIdLst>
   <p:sldSz cx="12192000" cy="6858000"/>
   <p:notesSz cx="6858000" cy="9144000"/>
@@ -123,6 +130,753 @@
 </file>
 
 <file path=ppt/diagrams/colors1.xml><?xml version="1.0" encoding="utf-8"?>
+<dgm:colorsDef xmlns:dgm="http://schemas.openxmlformats.org/drawingml/2006/diagram" xmlns:a="http://schemas.openxmlformats.org/drawingml/2006/main" uniqueId="urn:microsoft.com/office/officeart/2005/8/colors/accent1_2">
+  <dgm:title val=""/>
+  <dgm:desc val=""/>
+  <dgm:catLst>
+    <dgm:cat type="accent1" pri="11200"/>
+  </dgm:catLst>
+  <dgm:styleLbl name="node0">
+    <dgm:fillClrLst meth="repeat">
+      <a:schemeClr val="accent1"/>
+    </dgm:fillClrLst>
+    <dgm:linClrLst meth="repeat">
+      <a:schemeClr val="lt1"/>
+    </dgm:linClrLst>
+    <dgm:effectClrLst/>
+    <dgm:txLinClrLst/>
+    <dgm:txFillClrLst/>
+    <dgm:txEffectClrLst/>
+  </dgm:styleLbl>
+  <dgm:styleLbl name="alignNode1">
+    <dgm:fillClrLst meth="repeat">
+      <a:schemeClr val="accent1"/>
+    </dgm:fillClrLst>
+    <dgm:linClrLst meth="repeat">
+      <a:schemeClr val="accent1"/>
+    </dgm:linClrLst>
+    <dgm:effectClrLst/>
+    <dgm:txLinClrLst/>
+    <dgm:txFillClrLst/>
+    <dgm:txEffectClrLst/>
+  </dgm:styleLbl>
+  <dgm:styleLbl name="node1">
+    <dgm:fillClrLst meth="repeat">
+      <a:schemeClr val="accent1"/>
+    </dgm:fillClrLst>
+    <dgm:linClrLst meth="repeat">
+      <a:schemeClr val="lt1"/>
+    </dgm:linClrLst>
+    <dgm:effectClrLst/>
+    <dgm:txLinClrLst/>
+    <dgm:txFillClrLst/>
+    <dgm:txEffectClrLst/>
+  </dgm:styleLbl>
+  <dgm:styleLbl name="lnNode1">
+    <dgm:fillClrLst meth="repeat">
+      <a:schemeClr val="accent1"/>
+    </dgm:fillClrLst>
+    <dgm:linClrLst meth="repeat">
+      <a:schemeClr val="lt1"/>
+    </dgm:linClrLst>
+    <dgm:effectClrLst/>
+    <dgm:txLinClrLst/>
+    <dgm:txFillClrLst/>
+    <dgm:txEffectClrLst/>
+  </dgm:styleLbl>
+  <dgm:styleLbl name="vennNode1">
+    <dgm:fillClrLst meth="repeat">
+      <a:schemeClr val="accent1">
+        <a:alpha val="50000"/>
+      </a:schemeClr>
+    </dgm:fillClrLst>
+    <dgm:linClrLst meth="repeat">
+      <a:schemeClr val="lt1"/>
+    </dgm:linClrLst>
+    <dgm:effectClrLst/>
+    <dgm:txLinClrLst/>
+    <dgm:txFillClrLst/>
+    <dgm:txEffectClrLst/>
+  </dgm:styleLbl>
+  <dgm:styleLbl name="node2">
+    <dgm:fillClrLst meth="repeat">
+      <a:schemeClr val="accent1"/>
+    </dgm:fillClrLst>
+    <dgm:linClrLst meth="repeat">
+      <a:schemeClr val="lt1"/>
+    </dgm:linClrLst>
+    <dgm:effectClrLst/>
+    <dgm:txLinClrLst/>
+    <dgm:txFillClrLst/>
+    <dgm:txEffectClrLst/>
+  </dgm:styleLbl>
+  <dgm:styleLbl name="node3">
+    <dgm:fillClrLst meth="repeat">
+      <a:schemeClr val="accent1"/>
+    </dgm:fillClrLst>
+    <dgm:linClrLst meth="repeat">
+      <a:schemeClr val="lt1"/>
+    </dgm:linClrLst>
+    <dgm:effectClrLst/>
+    <dgm:txLinClrLst/>
+    <dgm:txFillClrLst/>
+    <dgm:txEffectClrLst/>
+  </dgm:styleLbl>
+  <dgm:styleLbl name="node4">
+    <dgm:fillClrLst meth="repeat">
+      <a:schemeClr val="accent1"/>
+    </dgm:fillClrLst>
+    <dgm:linClrLst meth="repeat">
+      <a:schemeClr val="lt1"/>
+    </dgm:linClrLst>
+    <dgm:effectClrLst/>
+    <dgm:txLinClrLst/>
+    <dgm:txFillClrLst/>
+    <dgm:txEffectClrLst/>
+  </dgm:styleLbl>
+  <dgm:styleLbl name="fgImgPlace1">
+    <dgm:fillClrLst meth="repeat">
+      <a:schemeClr val="accent1">
+        <a:tint val="50000"/>
+      </a:schemeClr>
+    </dgm:fillClrLst>
+    <dgm:linClrLst meth="repeat">
+      <a:schemeClr val="lt1"/>
+    </dgm:linClrLst>
+    <dgm:effectClrLst/>
+    <dgm:txLinClrLst/>
+    <dgm:txFillClrLst meth="repeat">
+      <a:schemeClr val="lt1"/>
+    </dgm:txFillClrLst>
+    <dgm:txEffectClrLst/>
+  </dgm:styleLbl>
+  <dgm:styleLbl name="alignImgPlace1">
+    <dgm:fillClrLst meth="repeat">
+      <a:schemeClr val="accent1">
+        <a:tint val="50000"/>
+      </a:schemeClr>
+    </dgm:fillClrLst>
+    <dgm:linClrLst meth="repeat">
+      <a:schemeClr val="lt1"/>
+    </dgm:linClrLst>
+    <dgm:effectClrLst/>
+    <dgm:txLinClrLst/>
+    <dgm:txFillClrLst meth="repeat">
+      <a:schemeClr val="lt1"/>
+    </dgm:txFillClrLst>
+    <dgm:txEffectClrLst/>
+  </dgm:styleLbl>
+  <dgm:styleLbl name="bgImgPlace1">
+    <dgm:fillClrLst meth="repeat">
+      <a:schemeClr val="accent1">
+        <a:tint val="50000"/>
+      </a:schemeClr>
+    </dgm:fillClrLst>
+    <dgm:linClrLst meth="repeat">
+      <a:schemeClr val="lt1"/>
+    </dgm:linClrLst>
+    <dgm:effectClrLst/>
+    <dgm:txLinClrLst/>
+    <dgm:txFillClrLst meth="repeat">
+      <a:schemeClr val="lt1"/>
+    </dgm:txFillClrLst>
+    <dgm:txEffectClrLst/>
+  </dgm:styleLbl>
+  <dgm:styleLbl name="sibTrans2D1">
+    <dgm:fillClrLst meth="repeat">
+      <a:schemeClr val="accent1">
+        <a:tint val="60000"/>
+      </a:schemeClr>
+    </dgm:fillClrLst>
+    <dgm:linClrLst meth="repeat">
+      <a:schemeClr val="accent1">
+        <a:tint val="60000"/>
+      </a:schemeClr>
+    </dgm:linClrLst>
+    <dgm:effectClrLst/>
+    <dgm:txLinClrLst/>
+    <dgm:txFillClrLst/>
+    <dgm:txEffectClrLst/>
+  </dgm:styleLbl>
+  <dgm:styleLbl name="fgSibTrans2D1">
+    <dgm:fillClrLst meth="repeat">
+      <a:schemeClr val="accent1">
+        <a:tint val="60000"/>
+      </a:schemeClr>
+    </dgm:fillClrLst>
+    <dgm:linClrLst meth="repeat">
+      <a:schemeClr val="accent1">
+        <a:tint val="60000"/>
+      </a:schemeClr>
+    </dgm:linClrLst>
+    <dgm:effectClrLst/>
+    <dgm:txLinClrLst/>
+    <dgm:txFillClrLst/>
+    <dgm:txEffectClrLst/>
+  </dgm:styleLbl>
+  <dgm:styleLbl name="bgSibTrans2D1">
+    <dgm:fillClrLst meth="repeat">
+      <a:schemeClr val="accent1">
+        <a:tint val="60000"/>
+      </a:schemeClr>
+    </dgm:fillClrLst>
+    <dgm:linClrLst meth="repeat">
+      <a:schemeClr val="accent1">
+        <a:tint val="60000"/>
+      </a:schemeClr>
+    </dgm:linClrLst>
+    <dgm:effectClrLst/>
+    <dgm:txLinClrLst/>
+    <dgm:txFillClrLst/>
+    <dgm:txEffectClrLst/>
+  </dgm:styleLbl>
+  <dgm:styleLbl name="sibTrans1D1">
+    <dgm:fillClrLst meth="repeat">
+      <a:schemeClr val="accent1"/>
+    </dgm:fillClrLst>
+    <dgm:linClrLst meth="repeat">
+      <a:schemeClr val="accent1"/>
+    </dgm:linClrLst>
+    <dgm:effectClrLst/>
+    <dgm:txLinClrLst/>
+    <dgm:txFillClrLst meth="repeat">
+      <a:schemeClr val="tx1"/>
+    </dgm:txFillClrLst>
+    <dgm:txEffectClrLst/>
+  </dgm:styleLbl>
+  <dgm:styleLbl name="callout">
+    <dgm:fillClrLst meth="repeat">
+      <a:schemeClr val="accent1"/>
+    </dgm:fillClrLst>
+    <dgm:linClrLst meth="repeat">
+      <a:schemeClr val="accent1">
+        <a:tint val="50000"/>
+      </a:schemeClr>
+    </dgm:linClrLst>
+    <dgm:effectClrLst/>
+    <dgm:txLinClrLst/>
+    <dgm:txFillClrLst meth="repeat">
+      <a:schemeClr val="tx1"/>
+    </dgm:txFillClrLst>
+    <dgm:txEffectClrLst/>
+  </dgm:styleLbl>
+  <dgm:styleLbl name="asst0">
+    <dgm:fillClrLst meth="repeat">
+      <a:schemeClr val="accent1"/>
+    </dgm:fillClrLst>
+    <dgm:linClrLst meth="repeat">
+      <a:schemeClr val="lt1"/>
+    </dgm:linClrLst>
+    <dgm:effectClrLst/>
+    <dgm:txLinClrLst/>
+    <dgm:txFillClrLst/>
+    <dgm:txEffectClrLst/>
+  </dgm:styleLbl>
+  <dgm:styleLbl name="asst1">
+    <dgm:fillClrLst meth="repeat">
+      <a:schemeClr val="accent1"/>
+    </dgm:fillClrLst>
+    <dgm:linClrLst meth="repeat">
+      <a:schemeClr val="lt1"/>
+    </dgm:linClrLst>
+    <dgm:effectClrLst/>
+    <dgm:txLinClrLst/>
+    <dgm:txFillClrLst/>
+    <dgm:txEffectClrLst/>
+  </dgm:styleLbl>
+  <dgm:styleLbl name="asst2">
+    <dgm:fillClrLst meth="repeat">
+      <a:schemeClr val="accent1"/>
+    </dgm:fillClrLst>
+    <dgm:linClrLst meth="repeat">
+      <a:schemeClr val="lt1"/>
+    </dgm:linClrLst>
+    <dgm:effectClrLst/>
+    <dgm:txLinClrLst/>
+    <dgm:txFillClrLst/>
+    <dgm:txEffectClrLst/>
+  </dgm:styleLbl>
+  <dgm:styleLbl name="asst3">
+    <dgm:fillClrLst meth="repeat">
+      <a:schemeClr val="accent1"/>
+    </dgm:fillClrLst>
+    <dgm:linClrLst meth="repeat">
+      <a:schemeClr val="lt1"/>
+    </dgm:linClrLst>
+    <dgm:effectClrLst/>
+    <dgm:txLinClrLst/>
+    <dgm:txFillClrLst/>
+    <dgm:txEffectClrLst/>
+  </dgm:styleLbl>
+  <dgm:styleLbl name="asst4">
+    <dgm:fillClrLst meth="repeat">
+      <a:schemeClr val="accent1"/>
+    </dgm:fillClrLst>
+    <dgm:linClrLst meth="repeat">
+      <a:schemeClr val="lt1"/>
+    </dgm:linClrLst>
+    <dgm:effectClrLst/>
+    <dgm:txLinClrLst/>
+    <dgm:txFillClrLst/>
+    <dgm:txEffectClrLst/>
+  </dgm:styleLbl>
+  <dgm:styleLbl name="parChTrans2D1">
+    <dgm:fillClrLst meth="repeat">
+      <a:schemeClr val="accent1">
+        <a:tint val="60000"/>
+      </a:schemeClr>
+    </dgm:fillClrLst>
+    <dgm:linClrLst meth="repeat">
+      <a:schemeClr val="accent1">
+        <a:tint val="60000"/>
+      </a:schemeClr>
+    </dgm:linClrLst>
+    <dgm:effectClrLst/>
+    <dgm:txLinClrLst/>
+    <dgm:txFillClrLst meth="repeat">
+      <a:schemeClr val="lt1"/>
+    </dgm:txFillClrLst>
+    <dgm:txEffectClrLst/>
+  </dgm:styleLbl>
+  <dgm:styleLbl name="parChTrans2D2">
+    <dgm:fillClrLst meth="repeat">
+      <a:schemeClr val="accent1"/>
+    </dgm:fillClrLst>
+    <dgm:linClrLst meth="repeat">
+      <a:schemeClr val="accent1"/>
+    </dgm:linClrLst>
+    <dgm:effectClrLst/>
+    <dgm:txLinClrLst/>
+    <dgm:txFillClrLst meth="repeat">
+      <a:schemeClr val="lt1"/>
+    </dgm:txFillClrLst>
+    <dgm:txEffectClrLst/>
+  </dgm:styleLbl>
+  <dgm:styleLbl name="parChTrans2D3">
+    <dgm:fillClrLst meth="repeat">
+      <a:schemeClr val="accent1"/>
+    </dgm:fillClrLst>
+    <dgm:linClrLst meth="repeat">
+      <a:schemeClr val="accent1"/>
+    </dgm:linClrLst>
+    <dgm:effectClrLst/>
+    <dgm:txLinClrLst/>
+    <dgm:txFillClrLst meth="repeat">
+      <a:schemeClr val="lt1"/>
+    </dgm:txFillClrLst>
+    <dgm:txEffectClrLst/>
+  </dgm:styleLbl>
+  <dgm:styleLbl name="parChTrans2D4">
+    <dgm:fillClrLst meth="repeat">
+      <a:schemeClr val="accent1"/>
+    </dgm:fillClrLst>
+    <dgm:linClrLst meth="repeat">
+      <a:schemeClr val="accent1"/>
+    </dgm:linClrLst>
+    <dgm:effectClrLst/>
+    <dgm:txLinClrLst/>
+    <dgm:txFillClrLst meth="repeat">
+      <a:schemeClr val="lt1"/>
+    </dgm:txFillClrLst>
+    <dgm:txEffectClrLst/>
+  </dgm:styleLbl>
+  <dgm:styleLbl name="parChTrans1D1">
+    <dgm:fillClrLst meth="repeat">
+      <a:schemeClr val="accent1"/>
+    </dgm:fillClrLst>
+    <dgm:linClrLst meth="repeat">
+      <a:schemeClr val="accent1">
+        <a:shade val="60000"/>
+      </a:schemeClr>
+    </dgm:linClrLst>
+    <dgm:effectClrLst/>
+    <dgm:txLinClrLst/>
+    <dgm:txFillClrLst meth="repeat">
+      <a:schemeClr val="tx1"/>
+    </dgm:txFillClrLst>
+    <dgm:txEffectClrLst/>
+  </dgm:styleLbl>
+  <dgm:styleLbl name="parChTrans1D2">
+    <dgm:fillClrLst meth="repeat">
+      <a:schemeClr val="accent1"/>
+    </dgm:fillClrLst>
+    <dgm:linClrLst meth="repeat">
+      <a:schemeClr val="accent1">
+        <a:shade val="60000"/>
+      </a:schemeClr>
+    </dgm:linClrLst>
+    <dgm:effectClrLst/>
+    <dgm:txLinClrLst/>
+    <dgm:txFillClrLst meth="repeat">
+      <a:schemeClr val="tx1"/>
+    </dgm:txFillClrLst>
+    <dgm:txEffectClrLst/>
+  </dgm:styleLbl>
+  <dgm:styleLbl name="parChTrans1D3">
+    <dgm:fillClrLst meth="repeat">
+      <a:schemeClr val="accent1"/>
+    </dgm:fillClrLst>
+    <dgm:linClrLst meth="repeat">
+      <a:schemeClr val="accent1">
+        <a:shade val="80000"/>
+      </a:schemeClr>
+    </dgm:linClrLst>
+    <dgm:effectClrLst/>
+    <dgm:txLinClrLst/>
+    <dgm:txFillClrLst meth="repeat">
+      <a:schemeClr val="tx1"/>
+    </dgm:txFillClrLst>
+    <dgm:txEffectClrLst/>
+  </dgm:styleLbl>
+  <dgm:styleLbl name="parChTrans1D4">
+    <dgm:fillClrLst meth="repeat">
+      <a:schemeClr val="accent1"/>
+    </dgm:fillClrLst>
+    <dgm:linClrLst meth="repeat">
+      <a:schemeClr val="accent1">
+        <a:shade val="80000"/>
+      </a:schemeClr>
+    </dgm:linClrLst>
+    <dgm:effectClrLst/>
+    <dgm:txLinClrLst/>
+    <dgm:txFillClrLst meth="repeat">
+      <a:schemeClr val="tx1"/>
+    </dgm:txFillClrLst>
+    <dgm:txEffectClrLst/>
+  </dgm:styleLbl>
+  <dgm:styleLbl name="fgAcc1">
+    <dgm:fillClrLst meth="repeat">
+      <a:schemeClr val="lt1">
+        <a:alpha val="90000"/>
+      </a:schemeClr>
+    </dgm:fillClrLst>
+    <dgm:linClrLst meth="repeat">
+      <a:schemeClr val="accent1"/>
+    </dgm:linClrLst>
+    <dgm:effectClrLst/>
+    <dgm:txLinClrLst/>
+    <dgm:txFillClrLst meth="repeat">
+      <a:schemeClr val="dk1"/>
+    </dgm:txFillClrLst>
+    <dgm:txEffectClrLst/>
+  </dgm:styleLbl>
+  <dgm:styleLbl name="conFgAcc1">
+    <dgm:fillClrLst meth="repeat">
+      <a:schemeClr val="lt1">
+        <a:alpha val="90000"/>
+      </a:schemeClr>
+    </dgm:fillClrLst>
+    <dgm:linClrLst meth="repeat">
+      <a:schemeClr val="accent1"/>
+    </dgm:linClrLst>
+    <dgm:effectClrLst/>
+    <dgm:txLinClrLst/>
+    <dgm:txFillClrLst meth="repeat">
+      <a:schemeClr val="dk1"/>
+    </dgm:txFillClrLst>
+    <dgm:txEffectClrLst/>
+  </dgm:styleLbl>
+  <dgm:styleLbl name="alignAcc1">
+    <dgm:fillClrLst meth="repeat">
+      <a:schemeClr val="lt1">
+        <a:alpha val="90000"/>
+      </a:schemeClr>
+    </dgm:fillClrLst>
+    <dgm:linClrLst meth="repeat">
+      <a:schemeClr val="accent1"/>
+    </dgm:linClrLst>
+    <dgm:effectClrLst/>
+    <dgm:txLinClrLst/>
+    <dgm:txFillClrLst meth="repeat">
+      <a:schemeClr val="dk1"/>
+    </dgm:txFillClrLst>
+    <dgm:txEffectClrLst/>
+  </dgm:styleLbl>
+  <dgm:styleLbl name="trAlignAcc1">
+    <dgm:fillClrLst meth="repeat">
+      <a:schemeClr val="lt1">
+        <a:alpha val="40000"/>
+      </a:schemeClr>
+    </dgm:fillClrLst>
+    <dgm:linClrLst meth="repeat">
+      <a:schemeClr val="accent1"/>
+    </dgm:linClrLst>
+    <dgm:effectClrLst/>
+    <dgm:txLinClrLst/>
+    <dgm:txFillClrLst meth="repeat">
+      <a:schemeClr val="dk1"/>
+    </dgm:txFillClrLst>
+    <dgm:txEffectClrLst/>
+  </dgm:styleLbl>
+  <dgm:styleLbl name="bgAcc1">
+    <dgm:fillClrLst meth="repeat">
+      <a:schemeClr val="lt1">
+        <a:alpha val="90000"/>
+      </a:schemeClr>
+    </dgm:fillClrLst>
+    <dgm:linClrLst meth="repeat">
+      <a:schemeClr val="accent1"/>
+    </dgm:linClrLst>
+    <dgm:effectClrLst/>
+    <dgm:txLinClrLst/>
+    <dgm:txFillClrLst meth="repeat">
+      <a:schemeClr val="dk1"/>
+    </dgm:txFillClrLst>
+    <dgm:txEffectClrLst/>
+  </dgm:styleLbl>
+  <dgm:styleLbl name="solidFgAcc1">
+    <dgm:fillClrLst meth="repeat">
+      <a:schemeClr val="lt1"/>
+    </dgm:fillClrLst>
+    <dgm:linClrLst meth="repeat">
+      <a:schemeClr val="accent1"/>
+    </dgm:linClrLst>
+    <dgm:effectClrLst/>
+    <dgm:txLinClrLst/>
+    <dgm:txFillClrLst meth="repeat">
+      <a:schemeClr val="dk1"/>
+    </dgm:txFillClrLst>
+    <dgm:txEffectClrLst/>
+  </dgm:styleLbl>
+  <dgm:styleLbl name="solidAlignAcc1">
+    <dgm:fillClrLst meth="repeat">
+      <a:schemeClr val="lt1"/>
+    </dgm:fillClrLst>
+    <dgm:linClrLst meth="repeat">
+      <a:schemeClr val="accent1"/>
+    </dgm:linClrLst>
+    <dgm:effectClrLst/>
+    <dgm:txLinClrLst/>
+    <dgm:txFillClrLst meth="repeat">
+      <a:schemeClr val="dk1"/>
+    </dgm:txFillClrLst>
+    <dgm:txEffectClrLst/>
+  </dgm:styleLbl>
+  <dgm:styleLbl name="solidBgAcc1">
+    <dgm:fillClrLst meth="repeat">
+      <a:schemeClr val="lt1"/>
+    </dgm:fillClrLst>
+    <dgm:linClrLst meth="repeat">
+      <a:schemeClr val="accent1"/>
+    </dgm:linClrLst>
+    <dgm:effectClrLst/>
+    <dgm:txLinClrLst/>
+    <dgm:txFillClrLst meth="repeat">
+      <a:schemeClr val="dk1"/>
+    </dgm:txFillClrLst>
+    <dgm:txEffectClrLst/>
+  </dgm:styleLbl>
+  <dgm:styleLbl name="fgAccFollowNode1">
+    <dgm:fillClrLst meth="repeat">
+      <a:schemeClr val="accent1">
+        <a:alpha val="90000"/>
+        <a:tint val="40000"/>
+      </a:schemeClr>
+    </dgm:fillClrLst>
+    <dgm:linClrLst meth="repeat">
+      <a:schemeClr val="accent1">
+        <a:alpha val="90000"/>
+        <a:tint val="40000"/>
+      </a:schemeClr>
+    </dgm:linClrLst>
+    <dgm:effectClrLst/>
+    <dgm:txLinClrLst/>
+    <dgm:txFillClrLst meth="repeat">
+      <a:schemeClr val="dk1"/>
+    </dgm:txFillClrLst>
+    <dgm:txEffectClrLst/>
+  </dgm:styleLbl>
+  <dgm:styleLbl name="alignAccFollowNode1">
+    <dgm:fillClrLst meth="repeat">
+      <a:schemeClr val="accent1">
+        <a:alpha val="90000"/>
+        <a:tint val="40000"/>
+      </a:schemeClr>
+    </dgm:fillClrLst>
+    <dgm:linClrLst meth="repeat">
+      <a:schemeClr val="accent1">
+        <a:alpha val="90000"/>
+        <a:tint val="40000"/>
+      </a:schemeClr>
+    </dgm:linClrLst>
+    <dgm:effectClrLst/>
+    <dgm:txLinClrLst/>
+    <dgm:txFillClrLst meth="repeat">
+      <a:schemeClr val="dk1"/>
+    </dgm:txFillClrLst>
+    <dgm:txEffectClrLst/>
+  </dgm:styleLbl>
+  <dgm:styleLbl name="bgAccFollowNode1">
+    <dgm:fillClrLst meth="repeat">
+      <a:schemeClr val="accent1">
+        <a:alpha val="90000"/>
+        <a:tint val="40000"/>
+      </a:schemeClr>
+    </dgm:fillClrLst>
+    <dgm:linClrLst meth="repeat">
+      <a:schemeClr val="accent1">
+        <a:alpha val="90000"/>
+        <a:tint val="40000"/>
+      </a:schemeClr>
+    </dgm:linClrLst>
+    <dgm:effectClrLst/>
+    <dgm:txLinClrLst/>
+    <dgm:txFillClrLst meth="repeat">
+      <a:schemeClr val="dk1"/>
+    </dgm:txFillClrLst>
+    <dgm:txEffectClrLst/>
+  </dgm:styleLbl>
+  <dgm:styleLbl name="fgAcc0">
+    <dgm:fillClrLst meth="repeat">
+      <a:schemeClr val="lt1">
+        <a:alpha val="90000"/>
+      </a:schemeClr>
+    </dgm:fillClrLst>
+    <dgm:linClrLst meth="repeat">
+      <a:schemeClr val="accent1"/>
+    </dgm:linClrLst>
+    <dgm:effectClrLst/>
+    <dgm:txLinClrLst/>
+    <dgm:txFillClrLst meth="repeat">
+      <a:schemeClr val="dk1"/>
+    </dgm:txFillClrLst>
+    <dgm:txEffectClrLst/>
+  </dgm:styleLbl>
+  <dgm:styleLbl name="fgAcc2">
+    <dgm:fillClrLst meth="repeat">
+      <a:schemeClr val="lt1">
+        <a:alpha val="90000"/>
+      </a:schemeClr>
+    </dgm:fillClrLst>
+    <dgm:linClrLst meth="repeat">
+      <a:schemeClr val="accent1"/>
+    </dgm:linClrLst>
+    <dgm:effectClrLst/>
+    <dgm:txLinClrLst/>
+    <dgm:txFillClrLst meth="repeat">
+      <a:schemeClr val="dk1"/>
+    </dgm:txFillClrLst>
+    <dgm:txEffectClrLst/>
+  </dgm:styleLbl>
+  <dgm:styleLbl name="fgAcc3">
+    <dgm:fillClrLst meth="repeat">
+      <a:schemeClr val="lt1">
+        <a:alpha val="90000"/>
+      </a:schemeClr>
+    </dgm:fillClrLst>
+    <dgm:linClrLst meth="repeat">
+      <a:schemeClr val="accent1"/>
+    </dgm:linClrLst>
+    <dgm:effectClrLst/>
+    <dgm:txLinClrLst/>
+    <dgm:txFillClrLst meth="repeat">
+      <a:schemeClr val="dk1"/>
+    </dgm:txFillClrLst>
+    <dgm:txEffectClrLst/>
+  </dgm:styleLbl>
+  <dgm:styleLbl name="fgAcc4">
+    <dgm:fillClrLst meth="repeat">
+      <a:schemeClr val="lt1">
+        <a:alpha val="90000"/>
+      </a:schemeClr>
+    </dgm:fillClrLst>
+    <dgm:linClrLst meth="repeat">
+      <a:schemeClr val="accent1"/>
+    </dgm:linClrLst>
+    <dgm:effectClrLst/>
+    <dgm:txLinClrLst/>
+    <dgm:txFillClrLst meth="repeat">
+      <a:schemeClr val="dk1"/>
+    </dgm:txFillClrLst>
+    <dgm:txEffectClrLst/>
+  </dgm:styleLbl>
+  <dgm:styleLbl name="bgShp">
+    <dgm:fillClrLst meth="repeat">
+      <a:schemeClr val="accent1">
+        <a:tint val="40000"/>
+      </a:schemeClr>
+    </dgm:fillClrLst>
+    <dgm:linClrLst meth="repeat">
+      <a:schemeClr val="accent1"/>
+    </dgm:linClrLst>
+    <dgm:effectClrLst/>
+    <dgm:txLinClrLst/>
+    <dgm:txFillClrLst meth="repeat">
+      <a:schemeClr val="dk1"/>
+    </dgm:txFillClrLst>
+    <dgm:txEffectClrLst/>
+  </dgm:styleLbl>
+  <dgm:styleLbl name="dkBgShp">
+    <dgm:fillClrLst meth="repeat">
+      <a:schemeClr val="accent1">
+        <a:shade val="80000"/>
+      </a:schemeClr>
+    </dgm:fillClrLst>
+    <dgm:linClrLst meth="repeat">
+      <a:schemeClr val="accent1"/>
+    </dgm:linClrLst>
+    <dgm:effectClrLst/>
+    <dgm:txLinClrLst/>
+    <dgm:txFillClrLst meth="repeat">
+      <a:schemeClr val="lt1"/>
+    </dgm:txFillClrLst>
+    <dgm:txEffectClrLst/>
+  </dgm:styleLbl>
+  <dgm:styleLbl name="trBgShp">
+    <dgm:fillClrLst meth="repeat">
+      <a:schemeClr val="accent1">
+        <a:tint val="50000"/>
+        <a:alpha val="40000"/>
+      </a:schemeClr>
+    </dgm:fillClrLst>
+    <dgm:linClrLst meth="repeat">
+      <a:schemeClr val="accent1"/>
+    </dgm:linClrLst>
+    <dgm:effectClrLst/>
+    <dgm:txLinClrLst/>
+    <dgm:txFillClrLst meth="repeat">
+      <a:schemeClr val="lt1"/>
+    </dgm:txFillClrLst>
+    <dgm:txEffectClrLst/>
+  </dgm:styleLbl>
+  <dgm:styleLbl name="fgShp">
+    <dgm:fillClrLst meth="repeat">
+      <a:schemeClr val="accent1">
+        <a:tint val="60000"/>
+      </a:schemeClr>
+    </dgm:fillClrLst>
+    <dgm:linClrLst meth="repeat">
+      <a:schemeClr val="lt1"/>
+    </dgm:linClrLst>
+    <dgm:effectClrLst/>
+    <dgm:txLinClrLst/>
+    <dgm:txFillClrLst meth="repeat">
+      <a:schemeClr val="dk1"/>
+    </dgm:txFillClrLst>
+    <dgm:txEffectClrLst/>
+  </dgm:styleLbl>
+  <dgm:styleLbl name="revTx">
+    <dgm:fillClrLst meth="repeat">
+      <a:schemeClr val="lt1">
+        <a:alpha val="0"/>
+      </a:schemeClr>
+    </dgm:fillClrLst>
+    <dgm:linClrLst meth="repeat">
+      <a:schemeClr val="dk1">
+        <a:alpha val="0"/>
+      </a:schemeClr>
+    </dgm:linClrLst>
+    <dgm:effectClrLst/>
+    <dgm:txLinClrLst/>
+    <dgm:txFillClrLst meth="repeat">
+      <a:schemeClr val="tx1"/>
+    </dgm:txFillClrLst>
+    <dgm:txEffectClrLst/>
+  </dgm:styleLbl>
+</dgm:colorsDef>
+</file>
+
+<file path=ppt/diagrams/colors2.xml><?xml version="1.0" encoding="utf-8"?>
 <dgm:colorsDef xmlns:dgm="http://schemas.openxmlformats.org/drawingml/2006/diagram" xmlns:a="http://schemas.openxmlformats.org/drawingml/2006/main" uniqueId="urn:microsoft.com/office/officeart/2005/8/colors/accent1_2">
   <dgm:title val=""/>
   <dgm:desc val=""/>
@@ -1076,6 +1830,13 @@
         </dgm:presLayoutVars>
       </dgm:prSet>
       <dgm:spPr/>
+      <dgm:t>
+        <a:bodyPr/>
+        <a:lstStyle/>
+        <a:p>
+          <a:endParaRPr lang="en-CA"/>
+        </a:p>
+      </dgm:t>
     </dgm:pt>
     <dgm:pt modelId="{9D315564-F76F-433C-958A-873B30D82F08}" type="pres">
       <dgm:prSet presAssocID="{1692019D-9163-467C-8365-A7A5A70F0177}" presName="node" presStyleLbl="node1" presStyleIdx="0" presStyleCnt="5">
@@ -1084,14 +1845,35 @@
         </dgm:presLayoutVars>
       </dgm:prSet>
       <dgm:spPr/>
+      <dgm:t>
+        <a:bodyPr/>
+        <a:lstStyle/>
+        <a:p>
+          <a:endParaRPr lang="en-CA"/>
+        </a:p>
+      </dgm:t>
     </dgm:pt>
     <dgm:pt modelId="{8A158840-F645-4D70-8E21-73D9E9FCD3A4}" type="pres">
       <dgm:prSet presAssocID="{D1411753-4EFD-4826-AF76-87EA7D8DB46B}" presName="sibTrans" presStyleLbl="sibTrans2D1" presStyleIdx="0" presStyleCnt="5"/>
       <dgm:spPr/>
+      <dgm:t>
+        <a:bodyPr/>
+        <a:lstStyle/>
+        <a:p>
+          <a:endParaRPr lang="en-CA"/>
+        </a:p>
+      </dgm:t>
     </dgm:pt>
     <dgm:pt modelId="{5E6D65AB-28B7-451C-A5F8-951FBFB9B159}" type="pres">
       <dgm:prSet presAssocID="{D1411753-4EFD-4826-AF76-87EA7D8DB46B}" presName="connectorText" presStyleLbl="sibTrans2D1" presStyleIdx="0" presStyleCnt="5"/>
       <dgm:spPr/>
+      <dgm:t>
+        <a:bodyPr/>
+        <a:lstStyle/>
+        <a:p>
+          <a:endParaRPr lang="en-CA"/>
+        </a:p>
+      </dgm:t>
     </dgm:pt>
     <dgm:pt modelId="{ECE1EF9D-F7CC-4C26-9964-C7CF712F19C5}" type="pres">
       <dgm:prSet presAssocID="{C4926E18-DEF9-424B-B2A9-F23898D34B72}" presName="node" presStyleLbl="node1" presStyleIdx="1" presStyleCnt="5">
@@ -1100,14 +1882,35 @@
         </dgm:presLayoutVars>
       </dgm:prSet>
       <dgm:spPr/>
+      <dgm:t>
+        <a:bodyPr/>
+        <a:lstStyle/>
+        <a:p>
+          <a:endParaRPr lang="en-CA"/>
+        </a:p>
+      </dgm:t>
     </dgm:pt>
     <dgm:pt modelId="{AEA56B59-05FF-4EC2-9B9B-95BBB05ACCD9}" type="pres">
       <dgm:prSet presAssocID="{1C982C65-B470-4FF5-8F70-DC848FE4139A}" presName="sibTrans" presStyleLbl="sibTrans2D1" presStyleIdx="1" presStyleCnt="5"/>
       <dgm:spPr/>
+      <dgm:t>
+        <a:bodyPr/>
+        <a:lstStyle/>
+        <a:p>
+          <a:endParaRPr lang="en-CA"/>
+        </a:p>
+      </dgm:t>
     </dgm:pt>
     <dgm:pt modelId="{6A34212F-583D-4155-9B97-3CFC880215C9}" type="pres">
       <dgm:prSet presAssocID="{1C982C65-B470-4FF5-8F70-DC848FE4139A}" presName="connectorText" presStyleLbl="sibTrans2D1" presStyleIdx="1" presStyleCnt="5"/>
       <dgm:spPr/>
+      <dgm:t>
+        <a:bodyPr/>
+        <a:lstStyle/>
+        <a:p>
+          <a:endParaRPr lang="en-CA"/>
+        </a:p>
+      </dgm:t>
     </dgm:pt>
     <dgm:pt modelId="{2994FFAD-C826-4D64-97C0-2E2D356D9168}" type="pres">
       <dgm:prSet presAssocID="{1CCEC596-1C9F-481F-A6F3-235EB61CE86C}" presName="node" presStyleLbl="node1" presStyleIdx="2" presStyleCnt="5">
@@ -1116,14 +1919,35 @@
         </dgm:presLayoutVars>
       </dgm:prSet>
       <dgm:spPr/>
+      <dgm:t>
+        <a:bodyPr/>
+        <a:lstStyle/>
+        <a:p>
+          <a:endParaRPr lang="en-CA"/>
+        </a:p>
+      </dgm:t>
     </dgm:pt>
     <dgm:pt modelId="{AA7BBA46-3746-4402-8F12-8263CCD81017}" type="pres">
       <dgm:prSet presAssocID="{5D1D4291-E7CD-40D6-AE96-87FFE6495F01}" presName="sibTrans" presStyleLbl="sibTrans2D1" presStyleIdx="2" presStyleCnt="5"/>
       <dgm:spPr/>
+      <dgm:t>
+        <a:bodyPr/>
+        <a:lstStyle/>
+        <a:p>
+          <a:endParaRPr lang="en-CA"/>
+        </a:p>
+      </dgm:t>
     </dgm:pt>
     <dgm:pt modelId="{E12E7ACA-51D1-41E3-9D03-AF6E0FAA9D9D}" type="pres">
       <dgm:prSet presAssocID="{5D1D4291-E7CD-40D6-AE96-87FFE6495F01}" presName="connectorText" presStyleLbl="sibTrans2D1" presStyleIdx="2" presStyleCnt="5"/>
       <dgm:spPr/>
+      <dgm:t>
+        <a:bodyPr/>
+        <a:lstStyle/>
+        <a:p>
+          <a:endParaRPr lang="en-CA"/>
+        </a:p>
+      </dgm:t>
     </dgm:pt>
     <dgm:pt modelId="{8C02EF4C-48DF-42A5-A40C-0F48C14E5256}" type="pres">
       <dgm:prSet presAssocID="{E0136D70-D16B-4F12-B33A-F946998B1887}" presName="node" presStyleLbl="node1" presStyleIdx="3" presStyleCnt="5">
@@ -1143,10 +1967,24 @@
     <dgm:pt modelId="{40FDC16D-7655-4CB6-BAEA-1960AAD053A3}" type="pres">
       <dgm:prSet presAssocID="{F22906F3-B47B-45B7-9B14-4FD8B8E8BBAE}" presName="sibTrans" presStyleLbl="sibTrans2D1" presStyleIdx="3" presStyleCnt="5"/>
       <dgm:spPr/>
+      <dgm:t>
+        <a:bodyPr/>
+        <a:lstStyle/>
+        <a:p>
+          <a:endParaRPr lang="en-CA"/>
+        </a:p>
+      </dgm:t>
     </dgm:pt>
     <dgm:pt modelId="{61F3795E-695C-44AC-8BA6-9B259FD3BC9C}" type="pres">
       <dgm:prSet presAssocID="{F22906F3-B47B-45B7-9B14-4FD8B8E8BBAE}" presName="connectorText" presStyleLbl="sibTrans2D1" presStyleIdx="3" presStyleCnt="5"/>
       <dgm:spPr/>
+      <dgm:t>
+        <a:bodyPr/>
+        <a:lstStyle/>
+        <a:p>
+          <a:endParaRPr lang="en-CA"/>
+        </a:p>
+      </dgm:t>
     </dgm:pt>
     <dgm:pt modelId="{65E0A73F-6551-4BBE-A03C-7F4FAB2CC9D8}" type="pres">
       <dgm:prSet presAssocID="{903EFB56-5B11-4AC8-9255-F3893F8B4DE4}" presName="node" presStyleLbl="node1" presStyleIdx="4" presStyleCnt="5">
@@ -1155,14 +1993,35 @@
         </dgm:presLayoutVars>
       </dgm:prSet>
       <dgm:spPr/>
+      <dgm:t>
+        <a:bodyPr/>
+        <a:lstStyle/>
+        <a:p>
+          <a:endParaRPr lang="en-CA"/>
+        </a:p>
+      </dgm:t>
     </dgm:pt>
     <dgm:pt modelId="{55BCCD0A-B83F-4063-9417-3F4A26376EB4}" type="pres">
       <dgm:prSet presAssocID="{92E8EA80-B1B1-44FA-816B-39D877F416AC}" presName="sibTrans" presStyleLbl="sibTrans2D1" presStyleIdx="4" presStyleCnt="5"/>
       <dgm:spPr/>
+      <dgm:t>
+        <a:bodyPr/>
+        <a:lstStyle/>
+        <a:p>
+          <a:endParaRPr lang="en-CA"/>
+        </a:p>
+      </dgm:t>
     </dgm:pt>
     <dgm:pt modelId="{5B119983-4A13-4C5E-951C-AFFAB54D829A}" type="pres">
       <dgm:prSet presAssocID="{92E8EA80-B1B1-44FA-816B-39D877F416AC}" presName="connectorText" presStyleLbl="sibTrans2D1" presStyleIdx="4" presStyleCnt="5"/>
       <dgm:spPr/>
+      <dgm:t>
+        <a:bodyPr/>
+        <a:lstStyle/>
+        <a:p>
+          <a:endParaRPr lang="en-CA"/>
+        </a:p>
+      </dgm:t>
     </dgm:pt>
   </dgm:ptLst>
   <dgm:cxnLst>
@@ -1213,6 +2072,284 @@
 </dgm:dataModel>
 </file>
 
+<file path=ppt/diagrams/data2.xml><?xml version="1.0" encoding="utf-8"?>
+<dgm:dataModel xmlns:dgm="http://schemas.openxmlformats.org/drawingml/2006/diagram" xmlns:a="http://schemas.openxmlformats.org/drawingml/2006/main">
+  <dgm:ptLst>
+    <dgm:pt modelId="{80CAC405-041B-4CA4-B352-BF22628B3AFD}" type="doc">
+      <dgm:prSet loTypeId="urn:microsoft.com/office/officeart/2005/8/layout/lProcess2" loCatId="list" qsTypeId="urn:microsoft.com/office/officeart/2005/8/quickstyle/simple1" qsCatId="simple" csTypeId="urn:microsoft.com/office/officeart/2005/8/colors/accent1_2" csCatId="accent1" phldr="1"/>
+      <dgm:spPr/>
+    </dgm:pt>
+    <dgm:pt modelId="{A06436D0-E8A4-460A-8C35-194AEC354E61}">
+      <dgm:prSet phldrT="[Text]"/>
+      <dgm:spPr/>
+      <dgm:t>
+        <a:bodyPr/>
+        <a:lstStyle/>
+        <a:p>
+          <a:r>
+            <a:rPr lang="en-CA" dirty="0" smtClean="0"/>
+            <a:t>Portability</a:t>
+          </a:r>
+          <a:endParaRPr lang="en-CA" dirty="0"/>
+        </a:p>
+      </dgm:t>
+    </dgm:pt>
+    <dgm:pt modelId="{3D46C4C4-36CB-43FD-91A6-57B4770EEB0B}" type="parTrans" cxnId="{7ACE8556-EEDC-4D9B-A7CE-E0A1C5299B78}">
+      <dgm:prSet/>
+      <dgm:spPr/>
+      <dgm:t>
+        <a:bodyPr/>
+        <a:lstStyle/>
+        <a:p>
+          <a:endParaRPr lang="en-CA"/>
+        </a:p>
+      </dgm:t>
+    </dgm:pt>
+    <dgm:pt modelId="{4BBC2011-8E9D-4272-BD63-8DB3B25FF128}" type="sibTrans" cxnId="{7ACE8556-EEDC-4D9B-A7CE-E0A1C5299B78}">
+      <dgm:prSet/>
+      <dgm:spPr/>
+      <dgm:t>
+        <a:bodyPr/>
+        <a:lstStyle/>
+        <a:p>
+          <a:endParaRPr lang="en-CA"/>
+        </a:p>
+      </dgm:t>
+    </dgm:pt>
+    <dgm:pt modelId="{3BF231F0-32EC-4C14-9FD1-1345300A8023}">
+      <dgm:prSet phldrT="[Text]"/>
+      <dgm:spPr/>
+      <dgm:t>
+        <a:bodyPr/>
+        <a:lstStyle/>
+        <a:p>
+          <a:r>
+            <a:rPr lang="en-CA" dirty="0" smtClean="0"/>
+            <a:t>Simplicity</a:t>
+          </a:r>
+          <a:endParaRPr lang="en-CA" dirty="0"/>
+        </a:p>
+      </dgm:t>
+    </dgm:pt>
+    <dgm:pt modelId="{C7362860-43BD-4949-A869-54EC254D8B53}" type="parTrans" cxnId="{F91616D4-2E97-4594-9FBD-4BDA72957333}">
+      <dgm:prSet/>
+      <dgm:spPr/>
+      <dgm:t>
+        <a:bodyPr/>
+        <a:lstStyle/>
+        <a:p>
+          <a:endParaRPr lang="en-CA"/>
+        </a:p>
+      </dgm:t>
+    </dgm:pt>
+    <dgm:pt modelId="{D0C3E0B8-16B3-4083-AD09-4015BE8FE830}" type="sibTrans" cxnId="{F91616D4-2E97-4594-9FBD-4BDA72957333}">
+      <dgm:prSet/>
+      <dgm:spPr/>
+      <dgm:t>
+        <a:bodyPr/>
+        <a:lstStyle/>
+        <a:p>
+          <a:endParaRPr lang="en-CA"/>
+        </a:p>
+      </dgm:t>
+    </dgm:pt>
+    <dgm:pt modelId="{87B62544-8F5B-4A1D-987A-0309DC9BEF18}">
+      <dgm:prSet phldrT="[Text]"/>
+      <dgm:spPr/>
+      <dgm:t>
+        <a:bodyPr/>
+        <a:lstStyle/>
+        <a:p>
+          <a:r>
+            <a:rPr lang="en-CA" dirty="0" smtClean="0"/>
+            <a:t>Reusability</a:t>
+          </a:r>
+          <a:endParaRPr lang="en-CA" dirty="0"/>
+        </a:p>
+      </dgm:t>
+    </dgm:pt>
+    <dgm:pt modelId="{A9841138-0983-446D-B1ED-3929F5F23872}" type="parTrans" cxnId="{2410EF80-2E77-482D-BF90-66A4812E4ED6}">
+      <dgm:prSet/>
+      <dgm:spPr/>
+      <dgm:t>
+        <a:bodyPr/>
+        <a:lstStyle/>
+        <a:p>
+          <a:endParaRPr lang="en-CA"/>
+        </a:p>
+      </dgm:t>
+    </dgm:pt>
+    <dgm:pt modelId="{C79DCD8A-65A7-4B63-BD2C-36ACB17E8E5D}" type="sibTrans" cxnId="{2410EF80-2E77-482D-BF90-66A4812E4ED6}">
+      <dgm:prSet/>
+      <dgm:spPr/>
+      <dgm:t>
+        <a:bodyPr/>
+        <a:lstStyle/>
+        <a:p>
+          <a:endParaRPr lang="en-CA"/>
+        </a:p>
+      </dgm:t>
+    </dgm:pt>
+    <dgm:pt modelId="{5ED3C5AB-14F5-4FC9-A645-82EA9FFCE18F}" type="pres">
+      <dgm:prSet presAssocID="{80CAC405-041B-4CA4-B352-BF22628B3AFD}" presName="theList" presStyleCnt="0">
+        <dgm:presLayoutVars>
+          <dgm:dir/>
+          <dgm:animLvl val="lvl"/>
+          <dgm:resizeHandles val="exact"/>
+        </dgm:presLayoutVars>
+      </dgm:prSet>
+      <dgm:spPr/>
+    </dgm:pt>
+    <dgm:pt modelId="{32B822FE-9007-4B35-A6DF-C6A80773C093}" type="pres">
+      <dgm:prSet presAssocID="{A06436D0-E8A4-460A-8C35-194AEC354E61}" presName="compNode" presStyleCnt="0"/>
+      <dgm:spPr/>
+    </dgm:pt>
+    <dgm:pt modelId="{9A721A4D-6E1A-434D-B41E-D8D73502A968}" type="pres">
+      <dgm:prSet presAssocID="{A06436D0-E8A4-460A-8C35-194AEC354E61}" presName="aNode" presStyleLbl="bgShp" presStyleIdx="0" presStyleCnt="3"/>
+      <dgm:spPr/>
+      <dgm:t>
+        <a:bodyPr/>
+        <a:lstStyle/>
+        <a:p>
+          <a:endParaRPr lang="en-CA"/>
+        </a:p>
+      </dgm:t>
+    </dgm:pt>
+    <dgm:pt modelId="{596ED06B-9FFC-420D-9EF6-2E6E7CB9BCAD}" type="pres">
+      <dgm:prSet presAssocID="{A06436D0-E8A4-460A-8C35-194AEC354E61}" presName="textNode" presStyleLbl="bgShp" presStyleIdx="0" presStyleCnt="3"/>
+      <dgm:spPr/>
+      <dgm:t>
+        <a:bodyPr/>
+        <a:lstStyle/>
+        <a:p>
+          <a:endParaRPr lang="en-CA"/>
+        </a:p>
+      </dgm:t>
+    </dgm:pt>
+    <dgm:pt modelId="{4EBB13E7-8A05-421E-AC72-ED44A590F852}" type="pres">
+      <dgm:prSet presAssocID="{A06436D0-E8A4-460A-8C35-194AEC354E61}" presName="compChildNode" presStyleCnt="0"/>
+      <dgm:spPr/>
+    </dgm:pt>
+    <dgm:pt modelId="{3093ABE1-A5EB-41D1-8D3C-70695C762619}" type="pres">
+      <dgm:prSet presAssocID="{A06436D0-E8A4-460A-8C35-194AEC354E61}" presName="theInnerList" presStyleCnt="0"/>
+      <dgm:spPr/>
+    </dgm:pt>
+    <dgm:pt modelId="{8ACD6582-AD5B-4FF7-8BDE-B15C315A197A}" type="pres">
+      <dgm:prSet presAssocID="{A06436D0-E8A4-460A-8C35-194AEC354E61}" presName="aSpace" presStyleCnt="0"/>
+      <dgm:spPr/>
+    </dgm:pt>
+    <dgm:pt modelId="{EE3DA3D7-8ACC-45D9-9BAA-9FFC5D6BAD5D}" type="pres">
+      <dgm:prSet presAssocID="{3BF231F0-32EC-4C14-9FD1-1345300A8023}" presName="compNode" presStyleCnt="0"/>
+      <dgm:spPr/>
+    </dgm:pt>
+    <dgm:pt modelId="{A5704B7A-E30A-424F-921E-18D199ED3C6F}" type="pres">
+      <dgm:prSet presAssocID="{3BF231F0-32EC-4C14-9FD1-1345300A8023}" presName="aNode" presStyleLbl="bgShp" presStyleIdx="1" presStyleCnt="3"/>
+      <dgm:spPr/>
+      <dgm:t>
+        <a:bodyPr/>
+        <a:lstStyle/>
+        <a:p>
+          <a:endParaRPr lang="en-CA"/>
+        </a:p>
+      </dgm:t>
+    </dgm:pt>
+    <dgm:pt modelId="{710629D4-2B8A-45A0-B101-7119428199CB}" type="pres">
+      <dgm:prSet presAssocID="{3BF231F0-32EC-4C14-9FD1-1345300A8023}" presName="textNode" presStyleLbl="bgShp" presStyleIdx="1" presStyleCnt="3"/>
+      <dgm:spPr/>
+      <dgm:t>
+        <a:bodyPr/>
+        <a:lstStyle/>
+        <a:p>
+          <a:endParaRPr lang="en-CA"/>
+        </a:p>
+      </dgm:t>
+    </dgm:pt>
+    <dgm:pt modelId="{77B63874-413A-47EB-9637-236FAB5CFC14}" type="pres">
+      <dgm:prSet presAssocID="{3BF231F0-32EC-4C14-9FD1-1345300A8023}" presName="compChildNode" presStyleCnt="0"/>
+      <dgm:spPr/>
+    </dgm:pt>
+    <dgm:pt modelId="{54EC43D0-3471-41BC-8A24-41DE6E23595A}" type="pres">
+      <dgm:prSet presAssocID="{3BF231F0-32EC-4C14-9FD1-1345300A8023}" presName="theInnerList" presStyleCnt="0"/>
+      <dgm:spPr/>
+    </dgm:pt>
+    <dgm:pt modelId="{E69FB041-84D4-4AF4-9DC9-6AC4846571A6}" type="pres">
+      <dgm:prSet presAssocID="{3BF231F0-32EC-4C14-9FD1-1345300A8023}" presName="aSpace" presStyleCnt="0"/>
+      <dgm:spPr/>
+    </dgm:pt>
+    <dgm:pt modelId="{8412C4DC-EFC6-4594-A2E6-8EA81827EE0D}" type="pres">
+      <dgm:prSet presAssocID="{87B62544-8F5B-4A1D-987A-0309DC9BEF18}" presName="compNode" presStyleCnt="0"/>
+      <dgm:spPr/>
+    </dgm:pt>
+    <dgm:pt modelId="{373B1A94-283C-4792-BF3F-E51E34177409}" type="pres">
+      <dgm:prSet presAssocID="{87B62544-8F5B-4A1D-987A-0309DC9BEF18}" presName="aNode" presStyleLbl="bgShp" presStyleIdx="2" presStyleCnt="3"/>
+      <dgm:spPr/>
+      <dgm:t>
+        <a:bodyPr/>
+        <a:lstStyle/>
+        <a:p>
+          <a:endParaRPr lang="en-CA"/>
+        </a:p>
+      </dgm:t>
+    </dgm:pt>
+    <dgm:pt modelId="{124B4892-AF6A-42E9-9AC8-3872EE74AE02}" type="pres">
+      <dgm:prSet presAssocID="{87B62544-8F5B-4A1D-987A-0309DC9BEF18}" presName="textNode" presStyleLbl="bgShp" presStyleIdx="2" presStyleCnt="3"/>
+      <dgm:spPr/>
+      <dgm:t>
+        <a:bodyPr/>
+        <a:lstStyle/>
+        <a:p>
+          <a:endParaRPr lang="en-CA"/>
+        </a:p>
+      </dgm:t>
+    </dgm:pt>
+    <dgm:pt modelId="{7199B7D6-BF7A-49F4-B5C7-8056A2EAED7C}" type="pres">
+      <dgm:prSet presAssocID="{87B62544-8F5B-4A1D-987A-0309DC9BEF18}" presName="compChildNode" presStyleCnt="0"/>
+      <dgm:spPr/>
+    </dgm:pt>
+    <dgm:pt modelId="{E5991E9F-5375-4B94-8CC9-D1C528D8D9B5}" type="pres">
+      <dgm:prSet presAssocID="{87B62544-8F5B-4A1D-987A-0309DC9BEF18}" presName="theInnerList" presStyleCnt="0"/>
+      <dgm:spPr/>
+    </dgm:pt>
+  </dgm:ptLst>
+  <dgm:cxnLst>
+    <dgm:cxn modelId="{5D926414-2AD4-4AE3-A2D9-CBDC1AED458B}" type="presOf" srcId="{A06436D0-E8A4-460A-8C35-194AEC354E61}" destId="{9A721A4D-6E1A-434D-B41E-D8D73502A968}" srcOrd="0" destOrd="0" presId="urn:microsoft.com/office/officeart/2005/8/layout/lProcess2"/>
+    <dgm:cxn modelId="{E05DFEAD-076A-414A-A2E5-ED79D86FF548}" type="presOf" srcId="{80CAC405-041B-4CA4-B352-BF22628B3AFD}" destId="{5ED3C5AB-14F5-4FC9-A645-82EA9FFCE18F}" srcOrd="0" destOrd="0" presId="urn:microsoft.com/office/officeart/2005/8/layout/lProcess2"/>
+    <dgm:cxn modelId="{7ACE8556-EEDC-4D9B-A7CE-E0A1C5299B78}" srcId="{80CAC405-041B-4CA4-B352-BF22628B3AFD}" destId="{A06436D0-E8A4-460A-8C35-194AEC354E61}" srcOrd="0" destOrd="0" parTransId="{3D46C4C4-36CB-43FD-91A6-57B4770EEB0B}" sibTransId="{4BBC2011-8E9D-4272-BD63-8DB3B25FF128}"/>
+    <dgm:cxn modelId="{82157F95-65CA-47BD-A9E4-E0E4BBB59952}" type="presOf" srcId="{87B62544-8F5B-4A1D-987A-0309DC9BEF18}" destId="{373B1A94-283C-4792-BF3F-E51E34177409}" srcOrd="0" destOrd="0" presId="urn:microsoft.com/office/officeart/2005/8/layout/lProcess2"/>
+    <dgm:cxn modelId="{10A1AA38-4C8D-42A0-8E7B-8FA63519924D}" type="presOf" srcId="{A06436D0-E8A4-460A-8C35-194AEC354E61}" destId="{596ED06B-9FFC-420D-9EF6-2E6E7CB9BCAD}" srcOrd="1" destOrd="0" presId="urn:microsoft.com/office/officeart/2005/8/layout/lProcess2"/>
+    <dgm:cxn modelId="{F91616D4-2E97-4594-9FBD-4BDA72957333}" srcId="{80CAC405-041B-4CA4-B352-BF22628B3AFD}" destId="{3BF231F0-32EC-4C14-9FD1-1345300A8023}" srcOrd="1" destOrd="0" parTransId="{C7362860-43BD-4949-A869-54EC254D8B53}" sibTransId="{D0C3E0B8-16B3-4083-AD09-4015BE8FE830}"/>
+    <dgm:cxn modelId="{2410EF80-2E77-482D-BF90-66A4812E4ED6}" srcId="{80CAC405-041B-4CA4-B352-BF22628B3AFD}" destId="{87B62544-8F5B-4A1D-987A-0309DC9BEF18}" srcOrd="2" destOrd="0" parTransId="{A9841138-0983-446D-B1ED-3929F5F23872}" sibTransId="{C79DCD8A-65A7-4B63-BD2C-36ACB17E8E5D}"/>
+    <dgm:cxn modelId="{138E5A0E-5497-47BC-A3AE-E14E824D319B}" type="presOf" srcId="{87B62544-8F5B-4A1D-987A-0309DC9BEF18}" destId="{124B4892-AF6A-42E9-9AC8-3872EE74AE02}" srcOrd="1" destOrd="0" presId="urn:microsoft.com/office/officeart/2005/8/layout/lProcess2"/>
+    <dgm:cxn modelId="{D43438AE-18C2-4DC0-9DF8-6DA88423377B}" type="presOf" srcId="{3BF231F0-32EC-4C14-9FD1-1345300A8023}" destId="{710629D4-2B8A-45A0-B101-7119428199CB}" srcOrd="1" destOrd="0" presId="urn:microsoft.com/office/officeart/2005/8/layout/lProcess2"/>
+    <dgm:cxn modelId="{C8A16E35-A0D2-4B70-8829-F6160BDF5D9E}" type="presOf" srcId="{3BF231F0-32EC-4C14-9FD1-1345300A8023}" destId="{A5704B7A-E30A-424F-921E-18D199ED3C6F}" srcOrd="0" destOrd="0" presId="urn:microsoft.com/office/officeart/2005/8/layout/lProcess2"/>
+    <dgm:cxn modelId="{A8110D82-67E3-4001-B0D7-DF301B27E9E3}" type="presParOf" srcId="{5ED3C5AB-14F5-4FC9-A645-82EA9FFCE18F}" destId="{32B822FE-9007-4B35-A6DF-C6A80773C093}" srcOrd="0" destOrd="0" presId="urn:microsoft.com/office/officeart/2005/8/layout/lProcess2"/>
+    <dgm:cxn modelId="{30693FED-543C-49D6-ACD7-75E76005B65F}" type="presParOf" srcId="{32B822FE-9007-4B35-A6DF-C6A80773C093}" destId="{9A721A4D-6E1A-434D-B41E-D8D73502A968}" srcOrd="0" destOrd="0" presId="urn:microsoft.com/office/officeart/2005/8/layout/lProcess2"/>
+    <dgm:cxn modelId="{063872EF-DCF5-4386-AE37-62B4E39D6423}" type="presParOf" srcId="{32B822FE-9007-4B35-A6DF-C6A80773C093}" destId="{596ED06B-9FFC-420D-9EF6-2E6E7CB9BCAD}" srcOrd="1" destOrd="0" presId="urn:microsoft.com/office/officeart/2005/8/layout/lProcess2"/>
+    <dgm:cxn modelId="{23583829-D9E2-49FA-9C80-E56606DE183F}" type="presParOf" srcId="{32B822FE-9007-4B35-A6DF-C6A80773C093}" destId="{4EBB13E7-8A05-421E-AC72-ED44A590F852}" srcOrd="2" destOrd="0" presId="urn:microsoft.com/office/officeart/2005/8/layout/lProcess2"/>
+    <dgm:cxn modelId="{56786CCC-C361-4D75-A384-10A56092BBDB}" type="presParOf" srcId="{4EBB13E7-8A05-421E-AC72-ED44A590F852}" destId="{3093ABE1-A5EB-41D1-8D3C-70695C762619}" srcOrd="0" destOrd="0" presId="urn:microsoft.com/office/officeart/2005/8/layout/lProcess2"/>
+    <dgm:cxn modelId="{D8C68728-34C1-49AE-94C7-73E0F2CE0A0A}" type="presParOf" srcId="{5ED3C5AB-14F5-4FC9-A645-82EA9FFCE18F}" destId="{8ACD6582-AD5B-4FF7-8BDE-B15C315A197A}" srcOrd="1" destOrd="0" presId="urn:microsoft.com/office/officeart/2005/8/layout/lProcess2"/>
+    <dgm:cxn modelId="{25C54821-62EA-450C-9D8C-B2C70A507836}" type="presParOf" srcId="{5ED3C5AB-14F5-4FC9-A645-82EA9FFCE18F}" destId="{EE3DA3D7-8ACC-45D9-9BAA-9FFC5D6BAD5D}" srcOrd="2" destOrd="0" presId="urn:microsoft.com/office/officeart/2005/8/layout/lProcess2"/>
+    <dgm:cxn modelId="{B666628F-8B9B-444A-BDF1-60B9B372E087}" type="presParOf" srcId="{EE3DA3D7-8ACC-45D9-9BAA-9FFC5D6BAD5D}" destId="{A5704B7A-E30A-424F-921E-18D199ED3C6F}" srcOrd="0" destOrd="0" presId="urn:microsoft.com/office/officeart/2005/8/layout/lProcess2"/>
+    <dgm:cxn modelId="{5264EFE6-F3FE-461F-9794-1CEECB4E67D2}" type="presParOf" srcId="{EE3DA3D7-8ACC-45D9-9BAA-9FFC5D6BAD5D}" destId="{710629D4-2B8A-45A0-B101-7119428199CB}" srcOrd="1" destOrd="0" presId="urn:microsoft.com/office/officeart/2005/8/layout/lProcess2"/>
+    <dgm:cxn modelId="{EB9575F5-2E64-479C-B770-0712FE8FF0D1}" type="presParOf" srcId="{EE3DA3D7-8ACC-45D9-9BAA-9FFC5D6BAD5D}" destId="{77B63874-413A-47EB-9637-236FAB5CFC14}" srcOrd="2" destOrd="0" presId="urn:microsoft.com/office/officeart/2005/8/layout/lProcess2"/>
+    <dgm:cxn modelId="{9CE7E48F-C889-4A88-AF77-87A7A8605937}" type="presParOf" srcId="{77B63874-413A-47EB-9637-236FAB5CFC14}" destId="{54EC43D0-3471-41BC-8A24-41DE6E23595A}" srcOrd="0" destOrd="0" presId="urn:microsoft.com/office/officeart/2005/8/layout/lProcess2"/>
+    <dgm:cxn modelId="{91D7A868-E529-4065-892C-21D20ED553CF}" type="presParOf" srcId="{5ED3C5AB-14F5-4FC9-A645-82EA9FFCE18F}" destId="{E69FB041-84D4-4AF4-9DC9-6AC4846571A6}" srcOrd="3" destOrd="0" presId="urn:microsoft.com/office/officeart/2005/8/layout/lProcess2"/>
+    <dgm:cxn modelId="{9DDF91B0-9A89-44B7-878D-C07B62F74183}" type="presParOf" srcId="{5ED3C5AB-14F5-4FC9-A645-82EA9FFCE18F}" destId="{8412C4DC-EFC6-4594-A2E6-8EA81827EE0D}" srcOrd="4" destOrd="0" presId="urn:microsoft.com/office/officeart/2005/8/layout/lProcess2"/>
+    <dgm:cxn modelId="{7E8C71CD-3DB3-4F0B-9DFB-AC198577891C}" type="presParOf" srcId="{8412C4DC-EFC6-4594-A2E6-8EA81827EE0D}" destId="{373B1A94-283C-4792-BF3F-E51E34177409}" srcOrd="0" destOrd="0" presId="urn:microsoft.com/office/officeart/2005/8/layout/lProcess2"/>
+    <dgm:cxn modelId="{AB2A1ADB-7FF4-44EC-9E68-1D3158E9E9E2}" type="presParOf" srcId="{8412C4DC-EFC6-4594-A2E6-8EA81827EE0D}" destId="{124B4892-AF6A-42E9-9AC8-3872EE74AE02}" srcOrd="1" destOrd="0" presId="urn:microsoft.com/office/officeart/2005/8/layout/lProcess2"/>
+    <dgm:cxn modelId="{AECCF35B-FE51-49CA-91AE-D31FFEAF1674}" type="presParOf" srcId="{8412C4DC-EFC6-4594-A2E6-8EA81827EE0D}" destId="{7199B7D6-BF7A-49F4-B5C7-8056A2EAED7C}" srcOrd="2" destOrd="0" presId="urn:microsoft.com/office/officeart/2005/8/layout/lProcess2"/>
+    <dgm:cxn modelId="{FCA9D583-9FA7-4E2D-819C-428DA222555F}" type="presParOf" srcId="{7199B7D6-BF7A-49F4-B5C7-8056A2EAED7C}" destId="{E5991E9F-5375-4B94-8CC9-D1C528D8D9B5}" srcOrd="0" destOrd="0" presId="urn:microsoft.com/office/officeart/2005/8/layout/lProcess2"/>
+  </dgm:cxnLst>
+  <dgm:bg/>
+  <dgm:whole/>
+  <dgm:extLst>
+    <a:ext uri="http://schemas.microsoft.com/office/drawing/2008/diagram">
+      <dsp:dataModelExt xmlns:dsp="http://schemas.microsoft.com/office/drawing/2008/diagram" relId="rId6" minVer="http://schemas.openxmlformats.org/drawingml/2006/diagram"/>
+    </a:ext>
+  </dgm:extLst>
+</dgm:dataModel>
+</file>
+
 <file path=ppt/diagrams/drawing1.xml><?xml version="1.0" encoding="utf-8"?>
 <dsp:drawing xmlns:dgm="http://schemas.openxmlformats.org/drawingml/2006/diagram" xmlns:dsp="http://schemas.microsoft.com/office/drawing/2008/diagram" xmlns:a="http://schemas.openxmlformats.org/drawingml/2006/main">
   <dsp:spTree>
@@ -1228,8 +2365,8 @@
       </dsp:nvSpPr>
       <dsp:spPr>
         <a:xfrm>
-          <a:off x="2160909" y="355"/>
-          <a:ext cx="1088380" cy="1088380"/>
+          <a:off x="2789907" y="459"/>
+          <a:ext cx="1405185" cy="1405185"/>
         </a:xfrm>
         <a:prstGeom prst="ellipse">
           <a:avLst/>
@@ -1270,12 +2407,12 @@
         </a:fontRef>
       </dsp:style>
       <dsp:txBody>
-        <a:bodyPr spcFirstLastPara="0" vert="horz" wrap="square" lIns="19050" tIns="19050" rIns="19050" bIns="19050" numCol="1" spcCol="1270" anchor="ctr" anchorCtr="0">
+        <a:bodyPr spcFirstLastPara="0" vert="horz" wrap="square" lIns="24130" tIns="24130" rIns="24130" bIns="24130" numCol="1" spcCol="1270" anchor="ctr" anchorCtr="0">
           <a:noAutofit/>
         </a:bodyPr>
         <a:lstStyle/>
         <a:p>
-          <a:pPr lvl="0" algn="ctr" defTabSz="666750">
+          <a:pPr lvl="0" algn="ctr" defTabSz="844550">
             <a:lnSpc>
               <a:spcPct val="90000"/>
             </a:lnSpc>
@@ -1287,15 +2424,15 @@
             </a:spcAft>
           </a:pPr>
           <a:r>
-            <a:rPr lang="en-CA" sz="1500" kern="1200" dirty="0" smtClean="0"/>
+            <a:rPr lang="en-CA" sz="1900" kern="1200" dirty="0" smtClean="0"/>
             <a:t>Generate</a:t>
           </a:r>
-          <a:endParaRPr lang="en-CA" sz="1500" kern="1200" dirty="0"/>
+          <a:endParaRPr lang="en-CA" sz="1900" kern="1200" dirty="0"/>
         </a:p>
       </dsp:txBody>
       <dsp:txXfrm>
-        <a:off x="2320299" y="159745"/>
-        <a:ext cx="769600" cy="769600"/>
+        <a:off x="2995692" y="206244"/>
+        <a:ext cx="993615" cy="993615"/>
       </dsp:txXfrm>
     </dsp:sp>
     <dsp:sp modelId="{8A158840-F645-4D70-8E21-73D9E9FCD3A4}">
@@ -1305,8 +2442,8 @@
       </dsp:nvSpPr>
       <dsp:spPr>
         <a:xfrm rot="2160000">
-          <a:off x="3215124" y="836892"/>
-          <a:ext cx="290294" cy="367328"/>
+          <a:off x="4150982" y="1080494"/>
+          <a:ext cx="374793" cy="474250"/>
         </a:xfrm>
         <a:prstGeom prst="rightArrow">
           <a:avLst>
@@ -1348,7 +2485,7 @@
         </a:bodyPr>
         <a:lstStyle/>
         <a:p>
-          <a:pPr lvl="0" algn="ctr" defTabSz="533400">
+          <a:pPr lvl="0" algn="ctr" defTabSz="666750">
             <a:lnSpc>
               <a:spcPct val="90000"/>
             </a:lnSpc>
@@ -1359,12 +2496,12 @@
               <a:spcPct val="35000"/>
             </a:spcAft>
           </a:pPr>
-          <a:endParaRPr lang="en-CA" sz="1200" kern="1200"/>
+          <a:endParaRPr lang="en-CA" sz="1500" kern="1200"/>
         </a:p>
       </dsp:txBody>
       <dsp:txXfrm>
-        <a:off x="3223440" y="884763"/>
-        <a:ext cx="203206" cy="220396"/>
+        <a:off x="4161719" y="1142299"/>
+        <a:ext cx="262355" cy="284550"/>
       </dsp:txXfrm>
     </dsp:sp>
     <dsp:sp modelId="{ECE1EF9D-F7CC-4C26-9964-C7CF712F19C5}">
@@ -1374,8 +2511,8 @@
       </dsp:nvSpPr>
       <dsp:spPr>
         <a:xfrm>
-          <a:off x="3484547" y="962034"/>
-          <a:ext cx="1088380" cy="1088380"/>
+          <a:off x="4498829" y="1242063"/>
+          <a:ext cx="1405185" cy="1405185"/>
         </a:xfrm>
         <a:prstGeom prst="ellipse">
           <a:avLst/>
@@ -1416,12 +2553,12 @@
         </a:fontRef>
       </dsp:style>
       <dsp:txBody>
-        <a:bodyPr spcFirstLastPara="0" vert="horz" wrap="square" lIns="19050" tIns="19050" rIns="19050" bIns="19050" numCol="1" spcCol="1270" anchor="ctr" anchorCtr="0">
+        <a:bodyPr spcFirstLastPara="0" vert="horz" wrap="square" lIns="24130" tIns="24130" rIns="24130" bIns="24130" numCol="1" spcCol="1270" anchor="ctr" anchorCtr="0">
           <a:noAutofit/>
         </a:bodyPr>
         <a:lstStyle/>
         <a:p>
-          <a:pPr lvl="0" algn="ctr" defTabSz="666750">
+          <a:pPr lvl="0" algn="ctr" defTabSz="844550">
             <a:lnSpc>
               <a:spcPct val="90000"/>
             </a:lnSpc>
@@ -1433,15 +2570,15 @@
             </a:spcAft>
           </a:pPr>
           <a:r>
-            <a:rPr lang="en-CA" sz="1500" kern="1200" dirty="0" smtClean="0"/>
+            <a:rPr lang="en-CA" sz="1900" kern="1200" dirty="0" smtClean="0"/>
             <a:t>Mutate</a:t>
           </a:r>
-          <a:endParaRPr lang="en-CA" sz="1500" kern="1200" dirty="0"/>
+          <a:endParaRPr lang="en-CA" sz="1900" kern="1200" dirty="0"/>
         </a:p>
       </dsp:txBody>
       <dsp:txXfrm>
-        <a:off x="3643937" y="1121424"/>
-        <a:ext cx="769600" cy="769600"/>
+        <a:off x="4704614" y="1447848"/>
+        <a:ext cx="993615" cy="993615"/>
       </dsp:txXfrm>
     </dsp:sp>
     <dsp:sp modelId="{AEA56B59-05FF-4EC2-9B9B-95BBB05ACCD9}">
@@ -1451,8 +2588,8 @@
       </dsp:nvSpPr>
       <dsp:spPr>
         <a:xfrm rot="6480000">
-          <a:off x="3633336" y="2092761"/>
-          <a:ext cx="290294" cy="367328"/>
+          <a:off x="4690927" y="2701922"/>
+          <a:ext cx="374793" cy="474250"/>
         </a:xfrm>
         <a:prstGeom prst="rightArrow">
           <a:avLst>
@@ -1494,7 +2631,7 @@
         </a:bodyPr>
         <a:lstStyle/>
         <a:p>
-          <a:pPr lvl="0" algn="ctr" defTabSz="533400">
+          <a:pPr lvl="0" algn="ctr" defTabSz="666750">
             <a:lnSpc>
               <a:spcPct val="90000"/>
             </a:lnSpc>
@@ -1505,12 +2642,12 @@
               <a:spcPct val="35000"/>
             </a:spcAft>
           </a:pPr>
-          <a:endParaRPr lang="en-CA" sz="1200" kern="1200"/>
+          <a:endParaRPr lang="en-CA" sz="1500" kern="1200"/>
         </a:p>
       </dsp:txBody>
       <dsp:txXfrm rot="10800000">
-        <a:off x="3690336" y="2124814"/>
-        <a:ext cx="203206" cy="220396"/>
+        <a:off x="4764519" y="2743305"/>
+        <a:ext cx="262355" cy="284550"/>
       </dsp:txXfrm>
     </dsp:sp>
     <dsp:sp modelId="{2994FFAD-C826-4D64-97C0-2E2D356D9168}">
@@ -1520,8 +2657,8 @@
       </dsp:nvSpPr>
       <dsp:spPr>
         <a:xfrm>
-          <a:off x="2978962" y="2518064"/>
-          <a:ext cx="1088380" cy="1088380"/>
+          <a:off x="3846078" y="3251021"/>
+          <a:ext cx="1405185" cy="1405185"/>
         </a:xfrm>
         <a:prstGeom prst="ellipse">
           <a:avLst/>
@@ -1562,12 +2699,12 @@
         </a:fontRef>
       </dsp:style>
       <dsp:txBody>
-        <a:bodyPr spcFirstLastPara="0" vert="horz" wrap="square" lIns="19050" tIns="19050" rIns="19050" bIns="19050" numCol="1" spcCol="1270" anchor="ctr" anchorCtr="0">
+        <a:bodyPr spcFirstLastPara="0" vert="horz" wrap="square" lIns="24130" tIns="24130" rIns="24130" bIns="24130" numCol="1" spcCol="1270" anchor="ctr" anchorCtr="0">
           <a:noAutofit/>
         </a:bodyPr>
         <a:lstStyle/>
         <a:p>
-          <a:pPr lvl="0" algn="ctr" defTabSz="666750">
+          <a:pPr lvl="0" algn="ctr" defTabSz="844550">
             <a:lnSpc>
               <a:spcPct val="90000"/>
             </a:lnSpc>
@@ -1579,15 +2716,15 @@
             </a:spcAft>
           </a:pPr>
           <a:r>
-            <a:rPr lang="en-CA" sz="1500" kern="1200" dirty="0" smtClean="0"/>
+            <a:rPr lang="en-CA" sz="1900" kern="1200" dirty="0" smtClean="0"/>
             <a:t>Simulate</a:t>
           </a:r>
-          <a:endParaRPr lang="en-CA" sz="1500" kern="1200" dirty="0"/>
+          <a:endParaRPr lang="en-CA" sz="1900" kern="1200" dirty="0"/>
         </a:p>
       </dsp:txBody>
       <dsp:txXfrm>
-        <a:off x="3138352" y="2677454"/>
-        <a:ext cx="769600" cy="769600"/>
+        <a:off x="4051863" y="3456806"/>
+        <a:ext cx="993615" cy="993615"/>
       </dsp:txXfrm>
     </dsp:sp>
     <dsp:sp modelId="{AA7BBA46-3746-4402-8F12-8263CCD81017}">
@@ -1597,8 +2734,8 @@
       </dsp:nvSpPr>
       <dsp:spPr>
         <a:xfrm rot="10800000">
-          <a:off x="2568168" y="2878589"/>
-          <a:ext cx="290294" cy="367328"/>
+          <a:off x="3315710" y="3716489"/>
+          <a:ext cx="374793" cy="474250"/>
         </a:xfrm>
         <a:prstGeom prst="rightArrow">
           <a:avLst>
@@ -1640,7 +2777,7 @@
         </a:bodyPr>
         <a:lstStyle/>
         <a:p>
-          <a:pPr lvl="0" algn="ctr" defTabSz="533400">
+          <a:pPr lvl="0" algn="ctr" defTabSz="666750">
             <a:lnSpc>
               <a:spcPct val="90000"/>
             </a:lnSpc>
@@ -1651,12 +2788,12 @@
               <a:spcPct val="35000"/>
             </a:spcAft>
           </a:pPr>
-          <a:endParaRPr lang="en-CA" sz="1200" kern="1200"/>
+          <a:endParaRPr lang="en-CA" sz="1500" kern="1200"/>
         </a:p>
       </dsp:txBody>
       <dsp:txXfrm rot="10800000">
-        <a:off x="2655256" y="2952055"/>
-        <a:ext cx="203206" cy="220396"/>
+        <a:off x="3428148" y="3811339"/>
+        <a:ext cx="262355" cy="284550"/>
       </dsp:txXfrm>
     </dsp:sp>
     <dsp:sp modelId="{8C02EF4C-48DF-42A5-A40C-0F48C14E5256}">
@@ -1666,8 +2803,8 @@
       </dsp:nvSpPr>
       <dsp:spPr>
         <a:xfrm>
-          <a:off x="1342856" y="2518064"/>
-          <a:ext cx="1088380" cy="1088380"/>
+          <a:off x="1733735" y="3251021"/>
+          <a:ext cx="1405185" cy="1405185"/>
         </a:xfrm>
         <a:prstGeom prst="ellipse">
           <a:avLst/>
@@ -1708,12 +2845,12 @@
         </a:fontRef>
       </dsp:style>
       <dsp:txBody>
-        <a:bodyPr spcFirstLastPara="0" vert="horz" wrap="square" lIns="19050" tIns="19050" rIns="19050" bIns="19050" numCol="1" spcCol="1270" anchor="ctr" anchorCtr="0">
+        <a:bodyPr spcFirstLastPara="0" vert="horz" wrap="square" lIns="24130" tIns="24130" rIns="24130" bIns="24130" numCol="1" spcCol="1270" anchor="ctr" anchorCtr="0">
           <a:noAutofit/>
         </a:bodyPr>
         <a:lstStyle/>
         <a:p>
-          <a:pPr lvl="0" algn="ctr" defTabSz="666750">
+          <a:pPr lvl="0" algn="ctr" defTabSz="844550">
             <a:lnSpc>
               <a:spcPct val="90000"/>
             </a:lnSpc>
@@ -1725,15 +2862,15 @@
             </a:spcAft>
           </a:pPr>
           <a:r>
-            <a:rPr lang="en-CA" sz="1500" kern="1200" dirty="0" smtClean="0"/>
+            <a:rPr lang="en-CA" sz="1900" kern="1200" dirty="0" smtClean="0"/>
             <a:t>Rank</a:t>
           </a:r>
-          <a:endParaRPr lang="en-CA" sz="1500" kern="1200" dirty="0"/>
+          <a:endParaRPr lang="en-CA" sz="1900" kern="1200" dirty="0"/>
         </a:p>
       </dsp:txBody>
       <dsp:txXfrm>
-        <a:off x="1502246" y="2677454"/>
-        <a:ext cx="769600" cy="769600"/>
+        <a:off x="1939520" y="3456806"/>
+        <a:ext cx="993615" cy="993615"/>
       </dsp:txXfrm>
     </dsp:sp>
     <dsp:sp modelId="{40FDC16D-7655-4CB6-BAEA-1960AAD053A3}">
@@ -1743,8 +2880,8 @@
       </dsp:nvSpPr>
       <dsp:spPr>
         <a:xfrm rot="15120000">
-          <a:off x="1491646" y="2108389"/>
-          <a:ext cx="290294" cy="367328"/>
+          <a:off x="1925834" y="2722098"/>
+          <a:ext cx="374793" cy="474250"/>
         </a:xfrm>
         <a:prstGeom prst="rightArrow">
           <a:avLst>
@@ -1786,7 +2923,7 @@
         </a:bodyPr>
         <a:lstStyle/>
         <a:p>
-          <a:pPr lvl="0" algn="ctr" defTabSz="533400">
+          <a:pPr lvl="0" algn="ctr" defTabSz="666750">
             <a:lnSpc>
               <a:spcPct val="90000"/>
             </a:lnSpc>
@@ -1797,12 +2934,12 @@
               <a:spcPct val="35000"/>
             </a:spcAft>
           </a:pPr>
-          <a:endParaRPr lang="en-CA" sz="1200" kern="1200"/>
+          <a:endParaRPr lang="en-CA" sz="1500" kern="1200"/>
         </a:p>
       </dsp:txBody>
       <dsp:txXfrm rot="10800000">
-        <a:off x="1548646" y="2223268"/>
-        <a:ext cx="203206" cy="220396"/>
+        <a:off x="1999426" y="2870415"/>
+        <a:ext cx="262355" cy="284550"/>
       </dsp:txXfrm>
     </dsp:sp>
     <dsp:sp modelId="{65E0A73F-6551-4BBE-A03C-7F4FAB2CC9D8}">
@@ -1812,8 +2949,8 @@
       </dsp:nvSpPr>
       <dsp:spPr>
         <a:xfrm>
-          <a:off x="837272" y="962034"/>
-          <a:ext cx="1088380" cy="1088380"/>
+          <a:off x="1080985" y="1242063"/>
+          <a:ext cx="1405185" cy="1405185"/>
         </a:xfrm>
         <a:prstGeom prst="ellipse">
           <a:avLst/>
@@ -1854,12 +2991,12 @@
         </a:fontRef>
       </dsp:style>
       <dsp:txBody>
-        <a:bodyPr spcFirstLastPara="0" vert="horz" wrap="square" lIns="19050" tIns="19050" rIns="19050" bIns="19050" numCol="1" spcCol="1270" anchor="ctr" anchorCtr="0">
+        <a:bodyPr spcFirstLastPara="0" vert="horz" wrap="square" lIns="24130" tIns="24130" rIns="24130" bIns="24130" numCol="1" spcCol="1270" anchor="ctr" anchorCtr="0">
           <a:noAutofit/>
         </a:bodyPr>
         <a:lstStyle/>
         <a:p>
-          <a:pPr lvl="0" algn="ctr" defTabSz="666750">
+          <a:pPr lvl="0" algn="ctr" defTabSz="844550">
             <a:lnSpc>
               <a:spcPct val="90000"/>
             </a:lnSpc>
@@ -1871,15 +3008,15 @@
             </a:spcAft>
           </a:pPr>
           <a:r>
-            <a:rPr lang="en-CA" sz="1500" kern="1200" dirty="0" smtClean="0"/>
+            <a:rPr lang="en-CA" sz="1900" kern="1200" dirty="0" smtClean="0"/>
             <a:t>Select</a:t>
           </a:r>
-          <a:endParaRPr lang="en-CA" sz="1500" kern="1200" dirty="0"/>
+          <a:endParaRPr lang="en-CA" sz="1900" kern="1200" dirty="0"/>
         </a:p>
       </dsp:txBody>
       <dsp:txXfrm>
-        <a:off x="996662" y="1121424"/>
-        <a:ext cx="769600" cy="769600"/>
+        <a:off x="1286770" y="1447848"/>
+        <a:ext cx="993615" cy="993615"/>
       </dsp:txXfrm>
     </dsp:sp>
     <dsp:sp modelId="{55BCCD0A-B83F-4063-9417-3F4A26376EB4}">
@@ -1889,8 +3026,8 @@
       </dsp:nvSpPr>
       <dsp:spPr>
         <a:xfrm rot="19440000">
-          <a:off x="1891487" y="846550"/>
-          <a:ext cx="290294" cy="367328"/>
+          <a:off x="2442060" y="1092964"/>
+          <a:ext cx="374793" cy="474250"/>
         </a:xfrm>
         <a:prstGeom prst="rightArrow">
           <a:avLst>
@@ -1932,7 +3069,7 @@
         </a:bodyPr>
         <a:lstStyle/>
         <a:p>
-          <a:pPr lvl="0" algn="ctr" defTabSz="533400">
+          <a:pPr lvl="0" algn="ctr" defTabSz="666750">
             <a:lnSpc>
               <a:spcPct val="90000"/>
             </a:lnSpc>
@@ -1943,12 +3080,234 @@
               <a:spcPct val="35000"/>
             </a:spcAft>
           </a:pPr>
-          <a:endParaRPr lang="en-CA" sz="1200" kern="1200"/>
+          <a:endParaRPr lang="en-CA" sz="1500" kern="1200"/>
         </a:p>
       </dsp:txBody>
       <dsp:txXfrm>
-        <a:off x="1899803" y="945611"/>
-        <a:ext cx="203206" cy="220396"/>
+        <a:off x="2452797" y="1220859"/>
+        <a:ext cx="262355" cy="284550"/>
+      </dsp:txXfrm>
+    </dsp:sp>
+  </dsp:spTree>
+</dsp:drawing>
+</file>
+
+<file path=ppt/diagrams/drawing2.xml><?xml version="1.0" encoding="utf-8"?>
+<dsp:drawing xmlns:dgm="http://schemas.openxmlformats.org/drawingml/2006/diagram" xmlns:dsp="http://schemas.microsoft.com/office/drawing/2008/diagram" xmlns:a="http://schemas.openxmlformats.org/drawingml/2006/main">
+  <dsp:spTree>
+    <dsp:nvGrpSpPr>
+      <dsp:cNvPr id="0" name=""/>
+      <dsp:cNvGrpSpPr/>
+    </dsp:nvGrpSpPr>
+    <dsp:grpSpPr/>
+    <dsp:sp modelId="{9A721A4D-6E1A-434D-B41E-D8D73502A968}">
+      <dsp:nvSpPr>
+        <dsp:cNvPr id="0" name=""/>
+        <dsp:cNvSpPr/>
+      </dsp:nvSpPr>
+      <dsp:spPr>
+        <a:xfrm>
+          <a:off x="1312" y="0"/>
+          <a:ext cx="3413047" cy="3767137"/>
+        </a:xfrm>
+        <a:prstGeom prst="roundRect">
+          <a:avLst>
+            <a:gd name="adj" fmla="val 10000"/>
+          </a:avLst>
+        </a:prstGeom>
+        <a:solidFill>
+          <a:schemeClr val="accent1">
+            <a:tint val="40000"/>
+            <a:hueOff val="0"/>
+            <a:satOff val="0"/>
+            <a:lumOff val="0"/>
+            <a:alphaOff val="0"/>
+          </a:schemeClr>
+        </a:solidFill>
+        <a:ln>
+          <a:noFill/>
+        </a:ln>
+        <a:effectLst/>
+      </dsp:spPr>
+      <dsp:style>
+        <a:lnRef idx="0">
+          <a:scrgbClr r="0" g="0" b="0"/>
+        </a:lnRef>
+        <a:fillRef idx="1">
+          <a:scrgbClr r="0" g="0" b="0"/>
+        </a:fillRef>
+        <a:effectRef idx="0">
+          <a:scrgbClr r="0" g="0" b="0"/>
+        </a:effectRef>
+        <a:fontRef idx="minor"/>
+      </dsp:style>
+      <dsp:txBody>
+        <a:bodyPr spcFirstLastPara="0" vert="horz" wrap="square" lIns="198120" tIns="198120" rIns="198120" bIns="198120" numCol="1" spcCol="1270" anchor="ctr" anchorCtr="0">
+          <a:noAutofit/>
+        </a:bodyPr>
+        <a:lstStyle/>
+        <a:p>
+          <a:pPr lvl="0" algn="ctr" defTabSz="2311400">
+            <a:lnSpc>
+              <a:spcPct val="90000"/>
+            </a:lnSpc>
+            <a:spcBef>
+              <a:spcPct val="0"/>
+            </a:spcBef>
+            <a:spcAft>
+              <a:spcPct val="35000"/>
+            </a:spcAft>
+          </a:pPr>
+          <a:r>
+            <a:rPr lang="en-CA" sz="5200" kern="1200" dirty="0" smtClean="0"/>
+            <a:t>Portability</a:t>
+          </a:r>
+          <a:endParaRPr lang="en-CA" sz="5200" kern="1200" dirty="0"/>
+        </a:p>
+      </dsp:txBody>
+      <dsp:txXfrm>
+        <a:off x="1312" y="0"/>
+        <a:ext cx="3413047" cy="1130141"/>
+      </dsp:txXfrm>
+    </dsp:sp>
+    <dsp:sp modelId="{A5704B7A-E30A-424F-921E-18D199ED3C6F}">
+      <dsp:nvSpPr>
+        <dsp:cNvPr id="0" name=""/>
+        <dsp:cNvSpPr/>
+      </dsp:nvSpPr>
+      <dsp:spPr>
+        <a:xfrm>
+          <a:off x="3670338" y="0"/>
+          <a:ext cx="3413047" cy="3767137"/>
+        </a:xfrm>
+        <a:prstGeom prst="roundRect">
+          <a:avLst>
+            <a:gd name="adj" fmla="val 10000"/>
+          </a:avLst>
+        </a:prstGeom>
+        <a:solidFill>
+          <a:schemeClr val="accent1">
+            <a:tint val="40000"/>
+            <a:hueOff val="0"/>
+            <a:satOff val="0"/>
+            <a:lumOff val="0"/>
+            <a:alphaOff val="0"/>
+          </a:schemeClr>
+        </a:solidFill>
+        <a:ln>
+          <a:noFill/>
+        </a:ln>
+        <a:effectLst/>
+      </dsp:spPr>
+      <dsp:style>
+        <a:lnRef idx="0">
+          <a:scrgbClr r="0" g="0" b="0"/>
+        </a:lnRef>
+        <a:fillRef idx="1">
+          <a:scrgbClr r="0" g="0" b="0"/>
+        </a:fillRef>
+        <a:effectRef idx="0">
+          <a:scrgbClr r="0" g="0" b="0"/>
+        </a:effectRef>
+        <a:fontRef idx="minor"/>
+      </dsp:style>
+      <dsp:txBody>
+        <a:bodyPr spcFirstLastPara="0" vert="horz" wrap="square" lIns="198120" tIns="198120" rIns="198120" bIns="198120" numCol="1" spcCol="1270" anchor="ctr" anchorCtr="0">
+          <a:noAutofit/>
+        </a:bodyPr>
+        <a:lstStyle/>
+        <a:p>
+          <a:pPr lvl="0" algn="ctr" defTabSz="2311400">
+            <a:lnSpc>
+              <a:spcPct val="90000"/>
+            </a:lnSpc>
+            <a:spcBef>
+              <a:spcPct val="0"/>
+            </a:spcBef>
+            <a:spcAft>
+              <a:spcPct val="35000"/>
+            </a:spcAft>
+          </a:pPr>
+          <a:r>
+            <a:rPr lang="en-CA" sz="5200" kern="1200" dirty="0" smtClean="0"/>
+            <a:t>Simplicity</a:t>
+          </a:r>
+          <a:endParaRPr lang="en-CA" sz="5200" kern="1200" dirty="0"/>
+        </a:p>
+      </dsp:txBody>
+      <dsp:txXfrm>
+        <a:off x="3670338" y="0"/>
+        <a:ext cx="3413047" cy="1130141"/>
+      </dsp:txXfrm>
+    </dsp:sp>
+    <dsp:sp modelId="{373B1A94-283C-4792-BF3F-E51E34177409}">
+      <dsp:nvSpPr>
+        <dsp:cNvPr id="0" name=""/>
+        <dsp:cNvSpPr/>
+      </dsp:nvSpPr>
+      <dsp:spPr>
+        <a:xfrm>
+          <a:off x="7339364" y="0"/>
+          <a:ext cx="3413047" cy="3767137"/>
+        </a:xfrm>
+        <a:prstGeom prst="roundRect">
+          <a:avLst>
+            <a:gd name="adj" fmla="val 10000"/>
+          </a:avLst>
+        </a:prstGeom>
+        <a:solidFill>
+          <a:schemeClr val="accent1">
+            <a:tint val="40000"/>
+            <a:hueOff val="0"/>
+            <a:satOff val="0"/>
+            <a:lumOff val="0"/>
+            <a:alphaOff val="0"/>
+          </a:schemeClr>
+        </a:solidFill>
+        <a:ln>
+          <a:noFill/>
+        </a:ln>
+        <a:effectLst/>
+      </dsp:spPr>
+      <dsp:style>
+        <a:lnRef idx="0">
+          <a:scrgbClr r="0" g="0" b="0"/>
+        </a:lnRef>
+        <a:fillRef idx="1">
+          <a:scrgbClr r="0" g="0" b="0"/>
+        </a:fillRef>
+        <a:effectRef idx="0">
+          <a:scrgbClr r="0" g="0" b="0"/>
+        </a:effectRef>
+        <a:fontRef idx="minor"/>
+      </dsp:style>
+      <dsp:txBody>
+        <a:bodyPr spcFirstLastPara="0" vert="horz" wrap="square" lIns="198120" tIns="198120" rIns="198120" bIns="198120" numCol="1" spcCol="1270" anchor="ctr" anchorCtr="0">
+          <a:noAutofit/>
+        </a:bodyPr>
+        <a:lstStyle/>
+        <a:p>
+          <a:pPr lvl="0" algn="ctr" defTabSz="2311400">
+            <a:lnSpc>
+              <a:spcPct val="90000"/>
+            </a:lnSpc>
+            <a:spcBef>
+              <a:spcPct val="0"/>
+            </a:spcBef>
+            <a:spcAft>
+              <a:spcPct val="35000"/>
+            </a:spcAft>
+          </a:pPr>
+          <a:r>
+            <a:rPr lang="en-CA" sz="5200" kern="1200" dirty="0" smtClean="0"/>
+            <a:t>Reusability</a:t>
+          </a:r>
+          <a:endParaRPr lang="en-CA" sz="5200" kern="1200" dirty="0"/>
+        </a:p>
+      </dsp:txBody>
+      <dsp:txXfrm>
+        <a:off x="7339364" y="0"/>
+        <a:ext cx="3413047" cy="1130141"/>
       </dsp:txXfrm>
     </dsp:sp>
   </dsp:spTree>
@@ -2166,7 +3525,1268 @@
 </dgm:layoutDef>
 </file>
 
+<file path=ppt/diagrams/layout2.xml><?xml version="1.0" encoding="utf-8"?>
+<dgm:layoutDef xmlns:dgm="http://schemas.openxmlformats.org/drawingml/2006/diagram" xmlns:a="http://schemas.openxmlformats.org/drawingml/2006/main" uniqueId="urn:microsoft.com/office/officeart/2005/8/layout/lProcess2">
+  <dgm:title val=""/>
+  <dgm:desc val=""/>
+  <dgm:catLst>
+    <dgm:cat type="list" pri="10000"/>
+    <dgm:cat type="relationship" pri="13000"/>
+  </dgm:catLst>
+  <dgm:sampData>
+    <dgm:dataModel>
+      <dgm:ptLst>
+        <dgm:pt modelId="0" type="doc"/>
+        <dgm:pt modelId="1">
+          <dgm:prSet phldr="1"/>
+        </dgm:pt>
+        <dgm:pt modelId="11">
+          <dgm:prSet phldr="1"/>
+        </dgm:pt>
+        <dgm:pt modelId="12">
+          <dgm:prSet phldr="1"/>
+        </dgm:pt>
+        <dgm:pt modelId="2">
+          <dgm:prSet phldr="1"/>
+        </dgm:pt>
+        <dgm:pt modelId="21">
+          <dgm:prSet phldr="1"/>
+        </dgm:pt>
+        <dgm:pt modelId="22">
+          <dgm:prSet phldr="1"/>
+        </dgm:pt>
+        <dgm:pt modelId="3">
+          <dgm:prSet phldr="1"/>
+        </dgm:pt>
+        <dgm:pt modelId="31">
+          <dgm:prSet phldr="1"/>
+        </dgm:pt>
+        <dgm:pt modelId="32">
+          <dgm:prSet phldr="1"/>
+        </dgm:pt>
+      </dgm:ptLst>
+      <dgm:cxnLst>
+        <dgm:cxn modelId="4" srcId="0" destId="1" srcOrd="0" destOrd="0"/>
+        <dgm:cxn modelId="5" srcId="0" destId="2" srcOrd="1" destOrd="0"/>
+        <dgm:cxn modelId="13" srcId="1" destId="11" srcOrd="0" destOrd="0"/>
+        <dgm:cxn modelId="14" srcId="1" destId="12" srcOrd="0" destOrd="0"/>
+        <dgm:cxn modelId="23" srcId="2" destId="21" srcOrd="0" destOrd="0"/>
+        <dgm:cxn modelId="24" srcId="2" destId="22" srcOrd="0" destOrd="0"/>
+        <dgm:cxn modelId="33" srcId="3" destId="31" srcOrd="0" destOrd="0"/>
+        <dgm:cxn modelId="34" srcId="3" destId="32" srcOrd="0" destOrd="0"/>
+      </dgm:cxnLst>
+      <dgm:bg/>
+      <dgm:whole/>
+    </dgm:dataModel>
+  </dgm:sampData>
+  <dgm:styleData useDef="1">
+    <dgm:dataModel>
+      <dgm:ptLst/>
+      <dgm:bg/>
+      <dgm:whole/>
+    </dgm:dataModel>
+  </dgm:styleData>
+  <dgm:clrData useDef="1">
+    <dgm:dataModel>
+      <dgm:ptLst/>
+      <dgm:bg/>
+      <dgm:whole/>
+    </dgm:dataModel>
+  </dgm:clrData>
+  <dgm:layoutNode name="theList">
+    <dgm:varLst>
+      <dgm:dir/>
+      <dgm:animLvl val="lvl"/>
+      <dgm:resizeHandles val="exact"/>
+    </dgm:varLst>
+    <dgm:choose name="Name0">
+      <dgm:if name="Name1" func="var" arg="dir" op="equ" val="norm">
+        <dgm:alg type="lin"/>
+      </dgm:if>
+      <dgm:else name="Name2">
+        <dgm:alg type="lin">
+          <dgm:param type="linDir" val="fromR"/>
+        </dgm:alg>
+      </dgm:else>
+    </dgm:choose>
+    <dgm:shape xmlns:r="http://schemas.openxmlformats.org/officeDocument/2006/relationships" r:blip="">
+      <dgm:adjLst/>
+    </dgm:shape>
+    <dgm:presOf/>
+    <dgm:constrLst>
+      <dgm:constr type="w" for="ch" forName="compNode" refType="w"/>
+      <dgm:constr type="h" for="ch" forName="compNode" refType="h"/>
+      <dgm:constr type="w" for="ch" forName="aSpace" refType="w" fact="0.075"/>
+      <dgm:constr type="h" for="des" forName="aSpace2" refType="h" fact="0.1"/>
+      <dgm:constr type="primFontSz" for="des" forName="textNode" op="equ"/>
+      <dgm:constr type="primFontSz" for="des" forName="childNode" op="equ"/>
+    </dgm:constrLst>
+    <dgm:ruleLst/>
+    <dgm:forEach name="aNodeForEach" axis="ch" ptType="node">
+      <dgm:layoutNode name="compNode">
+        <dgm:alg type="composite"/>
+        <dgm:shape xmlns:r="http://schemas.openxmlformats.org/officeDocument/2006/relationships" r:blip="">
+          <dgm:adjLst/>
+        </dgm:shape>
+        <dgm:presOf/>
+        <dgm:constrLst>
+          <dgm:constr type="w" for="ch" forName="aNode" refType="w"/>
+          <dgm:constr type="h" for="ch" forName="aNode" refType="h"/>
+          <dgm:constr type="w" for="ch" forName="textNode" refType="w"/>
+          <dgm:constr type="h" for="ch" forName="textNode" refType="h" fact="0.3"/>
+          <dgm:constr type="ctrX" for="ch" forName="textNode" refType="w" fact="0.5"/>
+          <dgm:constr type="w" for="ch" forName="compChildNode" refType="w" fact="0.8"/>
+          <dgm:constr type="h" for="ch" forName="compChildNode" refType="h" fact="0.65"/>
+          <dgm:constr type="t" for="ch" forName="compChildNode" refType="h" fact="0.3"/>
+          <dgm:constr type="ctrX" for="ch" forName="compChildNode" refType="w" fact="0.5"/>
+        </dgm:constrLst>
+        <dgm:ruleLst/>
+        <dgm:layoutNode name="aNode" styleLbl="bgShp">
+          <dgm:alg type="sp"/>
+          <dgm:shape xmlns:r="http://schemas.openxmlformats.org/officeDocument/2006/relationships" type="roundRect" r:blip="">
+            <dgm:adjLst>
+              <dgm:adj idx="1" val="0.1"/>
+            </dgm:adjLst>
+          </dgm:shape>
+          <dgm:presOf axis="self"/>
+          <dgm:constrLst/>
+          <dgm:ruleLst/>
+        </dgm:layoutNode>
+        <dgm:layoutNode name="textNode" styleLbl="bgShp">
+          <dgm:alg type="tx"/>
+          <dgm:shape xmlns:r="http://schemas.openxmlformats.org/officeDocument/2006/relationships" type="rect" r:blip="" hideGeom="1">
+            <dgm:adjLst>
+              <dgm:adj idx="1" val="0.1"/>
+            </dgm:adjLst>
+          </dgm:shape>
+          <dgm:presOf axis="self"/>
+          <dgm:constrLst>
+            <dgm:constr type="primFontSz" val="65"/>
+            <dgm:constr type="lMarg" refType="primFontSz" fact="0.3"/>
+            <dgm:constr type="rMarg" refType="primFontSz" fact="0.3"/>
+            <dgm:constr type="tMarg" refType="primFontSz" fact="0.3"/>
+            <dgm:constr type="bMarg" refType="primFontSz" fact="0.3"/>
+          </dgm:constrLst>
+          <dgm:ruleLst>
+            <dgm:rule type="primFontSz" val="5" fact="NaN" max="NaN"/>
+          </dgm:ruleLst>
+        </dgm:layoutNode>
+        <dgm:layoutNode name="compChildNode">
+          <dgm:alg type="composite"/>
+          <dgm:shape xmlns:r="http://schemas.openxmlformats.org/officeDocument/2006/relationships" r:blip="">
+            <dgm:adjLst/>
+          </dgm:shape>
+          <dgm:presOf/>
+          <dgm:constrLst>
+            <dgm:constr type="w" for="des" forName="childNode" refType="w"/>
+            <dgm:constr type="h" for="des" forName="childNode" refType="h"/>
+          </dgm:constrLst>
+          <dgm:ruleLst/>
+          <dgm:layoutNode name="theInnerList">
+            <dgm:alg type="lin">
+              <dgm:param type="linDir" val="fromT"/>
+            </dgm:alg>
+            <dgm:shape xmlns:r="http://schemas.openxmlformats.org/officeDocument/2006/relationships" r:blip="">
+              <dgm:adjLst/>
+            </dgm:shape>
+            <dgm:presOf/>
+            <dgm:constrLst/>
+            <dgm:ruleLst/>
+            <dgm:forEach name="childNodeForEach" axis="ch" ptType="node">
+              <dgm:layoutNode name="childNode" styleLbl="node1">
+                <dgm:varLst>
+                  <dgm:bulletEnabled val="1"/>
+                </dgm:varLst>
+                <dgm:alg type="tx"/>
+                <dgm:shape xmlns:r="http://schemas.openxmlformats.org/officeDocument/2006/relationships" type="roundRect" r:blip="">
+                  <dgm:adjLst>
+                    <dgm:adj idx="1" val="0.1"/>
+                  </dgm:adjLst>
+                </dgm:shape>
+                <dgm:presOf axis="desOrSelf" ptType="node"/>
+                <dgm:constrLst>
+                  <dgm:constr type="primFontSz" val="65"/>
+                  <dgm:constr type="tMarg" refType="primFontSz" fact="0.15"/>
+                  <dgm:constr type="bMarg" refType="primFontSz" fact="0.15"/>
+                  <dgm:constr type="lMarg" refType="primFontSz" fact="0.2"/>
+                  <dgm:constr type="rMarg" refType="primFontSz" fact="0.2"/>
+                </dgm:constrLst>
+                <dgm:ruleLst>
+                  <dgm:rule type="primFontSz" val="5" fact="NaN" max="NaN"/>
+                </dgm:ruleLst>
+              </dgm:layoutNode>
+              <dgm:choose name="Name3">
+                <dgm:if name="Name4" axis="self" ptType="node" func="revPos" op="equ" val="1"/>
+                <dgm:else name="Name5">
+                  <dgm:layoutNode name="aSpace2">
+                    <dgm:alg type="sp"/>
+                    <dgm:shape xmlns:r="http://schemas.openxmlformats.org/officeDocument/2006/relationships" r:blip="">
+                      <dgm:adjLst/>
+                    </dgm:shape>
+                    <dgm:presOf/>
+                    <dgm:constrLst/>
+                    <dgm:ruleLst/>
+                  </dgm:layoutNode>
+                </dgm:else>
+              </dgm:choose>
+            </dgm:forEach>
+          </dgm:layoutNode>
+        </dgm:layoutNode>
+      </dgm:layoutNode>
+      <dgm:choose name="Name6">
+        <dgm:if name="Name7" axis="self" ptType="node" func="revPos" op="equ" val="1"/>
+        <dgm:else name="Name8">
+          <dgm:layoutNode name="aSpace">
+            <dgm:alg type="sp"/>
+            <dgm:shape xmlns:r="http://schemas.openxmlformats.org/officeDocument/2006/relationships" r:blip="">
+              <dgm:adjLst/>
+            </dgm:shape>
+            <dgm:presOf/>
+            <dgm:constrLst/>
+            <dgm:ruleLst/>
+          </dgm:layoutNode>
+        </dgm:else>
+      </dgm:choose>
+    </dgm:forEach>
+  </dgm:layoutNode>
+</dgm:layoutDef>
+</file>
+
 <file path=ppt/diagrams/quickStyle1.xml><?xml version="1.0" encoding="utf-8"?>
+<dgm:styleDef xmlns:dgm="http://schemas.openxmlformats.org/drawingml/2006/diagram" xmlns:a="http://schemas.openxmlformats.org/drawingml/2006/main" uniqueId="urn:microsoft.com/office/officeart/2005/8/quickstyle/simple1">
+  <dgm:title val=""/>
+  <dgm:desc val=""/>
+  <dgm:catLst>
+    <dgm:cat type="simple" pri="10100"/>
+  </dgm:catLst>
+  <dgm:scene3d>
+    <a:camera prst="orthographicFront"/>
+    <a:lightRig rig="threePt" dir="t"/>
+  </dgm:scene3d>
+  <dgm:styleLbl name="node0">
+    <dgm:scene3d>
+      <a:camera prst="orthographicFront"/>
+      <a:lightRig rig="threePt" dir="t"/>
+    </dgm:scene3d>
+    <dgm:sp3d/>
+    <dgm:txPr/>
+    <dgm:style>
+      <a:lnRef idx="2">
+        <a:scrgbClr r="0" g="0" b="0"/>
+      </a:lnRef>
+      <a:fillRef idx="1">
+        <a:scrgbClr r="0" g="0" b="0"/>
+      </a:fillRef>
+      <a:effectRef idx="0">
+        <a:scrgbClr r="0" g="0" b="0"/>
+      </a:effectRef>
+      <a:fontRef idx="minor">
+        <a:schemeClr val="lt1"/>
+      </a:fontRef>
+    </dgm:style>
+  </dgm:styleLbl>
+  <dgm:styleLbl name="lnNode1">
+    <dgm:scene3d>
+      <a:camera prst="orthographicFront"/>
+      <a:lightRig rig="threePt" dir="t"/>
+    </dgm:scene3d>
+    <dgm:sp3d/>
+    <dgm:txPr/>
+    <dgm:style>
+      <a:lnRef idx="2">
+        <a:scrgbClr r="0" g="0" b="0"/>
+      </a:lnRef>
+      <a:fillRef idx="1">
+        <a:scrgbClr r="0" g="0" b="0"/>
+      </a:fillRef>
+      <a:effectRef idx="0">
+        <a:scrgbClr r="0" g="0" b="0"/>
+      </a:effectRef>
+      <a:fontRef idx="minor">
+        <a:schemeClr val="lt1"/>
+      </a:fontRef>
+    </dgm:style>
+  </dgm:styleLbl>
+  <dgm:styleLbl name="vennNode1">
+    <dgm:scene3d>
+      <a:camera prst="orthographicFront"/>
+      <a:lightRig rig="threePt" dir="t"/>
+    </dgm:scene3d>
+    <dgm:sp3d/>
+    <dgm:txPr/>
+    <dgm:style>
+      <a:lnRef idx="2">
+        <a:scrgbClr r="0" g="0" b="0"/>
+      </a:lnRef>
+      <a:fillRef idx="1">
+        <a:scrgbClr r="0" g="0" b="0"/>
+      </a:fillRef>
+      <a:effectRef idx="0">
+        <a:scrgbClr r="0" g="0" b="0"/>
+      </a:effectRef>
+      <a:fontRef idx="minor">
+        <a:schemeClr val="tx1"/>
+      </a:fontRef>
+    </dgm:style>
+  </dgm:styleLbl>
+  <dgm:styleLbl name="alignNode1">
+    <dgm:scene3d>
+      <a:camera prst="orthographicFront"/>
+      <a:lightRig rig="threePt" dir="t"/>
+    </dgm:scene3d>
+    <dgm:sp3d/>
+    <dgm:txPr/>
+    <dgm:style>
+      <a:lnRef idx="2">
+        <a:scrgbClr r="0" g="0" b="0"/>
+      </a:lnRef>
+      <a:fillRef idx="1">
+        <a:scrgbClr r="0" g="0" b="0"/>
+      </a:fillRef>
+      <a:effectRef idx="0">
+        <a:scrgbClr r="0" g="0" b="0"/>
+      </a:effectRef>
+      <a:fontRef idx="minor">
+        <a:schemeClr val="lt1"/>
+      </a:fontRef>
+    </dgm:style>
+  </dgm:styleLbl>
+  <dgm:styleLbl name="node1">
+    <dgm:scene3d>
+      <a:camera prst="orthographicFront"/>
+      <a:lightRig rig="threePt" dir="t"/>
+    </dgm:scene3d>
+    <dgm:sp3d/>
+    <dgm:txPr/>
+    <dgm:style>
+      <a:lnRef idx="2">
+        <a:scrgbClr r="0" g="0" b="0"/>
+      </a:lnRef>
+      <a:fillRef idx="1">
+        <a:scrgbClr r="0" g="0" b="0"/>
+      </a:fillRef>
+      <a:effectRef idx="0">
+        <a:scrgbClr r="0" g="0" b="0"/>
+      </a:effectRef>
+      <a:fontRef idx="minor">
+        <a:schemeClr val="lt1"/>
+      </a:fontRef>
+    </dgm:style>
+  </dgm:styleLbl>
+  <dgm:styleLbl name="node2">
+    <dgm:scene3d>
+      <a:camera prst="orthographicFront"/>
+      <a:lightRig rig="threePt" dir="t"/>
+    </dgm:scene3d>
+    <dgm:sp3d/>
+    <dgm:txPr/>
+    <dgm:style>
+      <a:lnRef idx="2">
+        <a:scrgbClr r="0" g="0" b="0"/>
+      </a:lnRef>
+      <a:fillRef idx="1">
+        <a:scrgbClr r="0" g="0" b="0"/>
+      </a:fillRef>
+      <a:effectRef idx="0">
+        <a:scrgbClr r="0" g="0" b="0"/>
+      </a:effectRef>
+      <a:fontRef idx="minor">
+        <a:schemeClr val="lt1"/>
+      </a:fontRef>
+    </dgm:style>
+  </dgm:styleLbl>
+  <dgm:styleLbl name="node3">
+    <dgm:scene3d>
+      <a:camera prst="orthographicFront"/>
+      <a:lightRig rig="threePt" dir="t"/>
+    </dgm:scene3d>
+    <dgm:sp3d/>
+    <dgm:txPr/>
+    <dgm:style>
+      <a:lnRef idx="2">
+        <a:scrgbClr r="0" g="0" b="0"/>
+      </a:lnRef>
+      <a:fillRef idx="1">
+        <a:scrgbClr r="0" g="0" b="0"/>
+      </a:fillRef>
+      <a:effectRef idx="0">
+        <a:scrgbClr r="0" g="0" b="0"/>
+      </a:effectRef>
+      <a:fontRef idx="minor">
+        <a:schemeClr val="lt1"/>
+      </a:fontRef>
+    </dgm:style>
+  </dgm:styleLbl>
+  <dgm:styleLbl name="node4">
+    <dgm:scene3d>
+      <a:camera prst="orthographicFront"/>
+      <a:lightRig rig="threePt" dir="t"/>
+    </dgm:scene3d>
+    <dgm:sp3d/>
+    <dgm:txPr/>
+    <dgm:style>
+      <a:lnRef idx="2">
+        <a:scrgbClr r="0" g="0" b="0"/>
+      </a:lnRef>
+      <a:fillRef idx="1">
+        <a:scrgbClr r="0" g="0" b="0"/>
+      </a:fillRef>
+      <a:effectRef idx="0">
+        <a:scrgbClr r="0" g="0" b="0"/>
+      </a:effectRef>
+      <a:fontRef idx="minor">
+        <a:schemeClr val="lt1"/>
+      </a:fontRef>
+    </dgm:style>
+  </dgm:styleLbl>
+  <dgm:styleLbl name="fgImgPlace1">
+    <dgm:scene3d>
+      <a:camera prst="orthographicFront"/>
+      <a:lightRig rig="threePt" dir="t"/>
+    </dgm:scene3d>
+    <dgm:sp3d/>
+    <dgm:txPr/>
+    <dgm:style>
+      <a:lnRef idx="2">
+        <a:scrgbClr r="0" g="0" b="0"/>
+      </a:lnRef>
+      <a:fillRef idx="1">
+        <a:scrgbClr r="0" g="0" b="0"/>
+      </a:fillRef>
+      <a:effectRef idx="0">
+        <a:scrgbClr r="0" g="0" b="0"/>
+      </a:effectRef>
+      <a:fontRef idx="minor"/>
+    </dgm:style>
+  </dgm:styleLbl>
+  <dgm:styleLbl name="alignImgPlace1">
+    <dgm:scene3d>
+      <a:camera prst="orthographicFront"/>
+      <a:lightRig rig="threePt" dir="t"/>
+    </dgm:scene3d>
+    <dgm:sp3d/>
+    <dgm:txPr/>
+    <dgm:style>
+      <a:lnRef idx="2">
+        <a:scrgbClr r="0" g="0" b="0"/>
+      </a:lnRef>
+      <a:fillRef idx="1">
+        <a:scrgbClr r="0" g="0" b="0"/>
+      </a:fillRef>
+      <a:effectRef idx="0">
+        <a:scrgbClr r="0" g="0" b="0"/>
+      </a:effectRef>
+      <a:fontRef idx="minor"/>
+    </dgm:style>
+  </dgm:styleLbl>
+  <dgm:styleLbl name="bgImgPlace1">
+    <dgm:scene3d>
+      <a:camera prst="orthographicFront"/>
+      <a:lightRig rig="threePt" dir="t"/>
+    </dgm:scene3d>
+    <dgm:sp3d/>
+    <dgm:txPr/>
+    <dgm:style>
+      <a:lnRef idx="2">
+        <a:scrgbClr r="0" g="0" b="0"/>
+      </a:lnRef>
+      <a:fillRef idx="1">
+        <a:scrgbClr r="0" g="0" b="0"/>
+      </a:fillRef>
+      <a:effectRef idx="0">
+        <a:scrgbClr r="0" g="0" b="0"/>
+      </a:effectRef>
+      <a:fontRef idx="minor"/>
+    </dgm:style>
+  </dgm:styleLbl>
+  <dgm:styleLbl name="sibTrans2D1">
+    <dgm:scene3d>
+      <a:camera prst="orthographicFront"/>
+      <a:lightRig rig="threePt" dir="t"/>
+    </dgm:scene3d>
+    <dgm:sp3d/>
+    <dgm:txPr/>
+    <dgm:style>
+      <a:lnRef idx="0">
+        <a:scrgbClr r="0" g="0" b="0"/>
+      </a:lnRef>
+      <a:fillRef idx="1">
+        <a:scrgbClr r="0" g="0" b="0"/>
+      </a:fillRef>
+      <a:effectRef idx="0">
+        <a:scrgbClr r="0" g="0" b="0"/>
+      </a:effectRef>
+      <a:fontRef idx="minor">
+        <a:schemeClr val="lt1"/>
+      </a:fontRef>
+    </dgm:style>
+  </dgm:styleLbl>
+  <dgm:styleLbl name="fgSibTrans2D1">
+    <dgm:scene3d>
+      <a:camera prst="orthographicFront"/>
+      <a:lightRig rig="threePt" dir="t"/>
+    </dgm:scene3d>
+    <dgm:sp3d/>
+    <dgm:txPr/>
+    <dgm:style>
+      <a:lnRef idx="0">
+        <a:scrgbClr r="0" g="0" b="0"/>
+      </a:lnRef>
+      <a:fillRef idx="1">
+        <a:scrgbClr r="0" g="0" b="0"/>
+      </a:fillRef>
+      <a:effectRef idx="0">
+        <a:scrgbClr r="0" g="0" b="0"/>
+      </a:effectRef>
+      <a:fontRef idx="minor">
+        <a:schemeClr val="lt1"/>
+      </a:fontRef>
+    </dgm:style>
+  </dgm:styleLbl>
+  <dgm:styleLbl name="bgSibTrans2D1">
+    <dgm:scene3d>
+      <a:camera prst="orthographicFront"/>
+      <a:lightRig rig="threePt" dir="t"/>
+    </dgm:scene3d>
+    <dgm:sp3d/>
+    <dgm:txPr/>
+    <dgm:style>
+      <a:lnRef idx="0">
+        <a:scrgbClr r="0" g="0" b="0"/>
+      </a:lnRef>
+      <a:fillRef idx="1">
+        <a:scrgbClr r="0" g="0" b="0"/>
+      </a:fillRef>
+      <a:effectRef idx="0">
+        <a:scrgbClr r="0" g="0" b="0"/>
+      </a:effectRef>
+      <a:fontRef idx="minor">
+        <a:schemeClr val="lt1"/>
+      </a:fontRef>
+    </dgm:style>
+  </dgm:styleLbl>
+  <dgm:styleLbl name="sibTrans1D1">
+    <dgm:scene3d>
+      <a:camera prst="orthographicFront"/>
+      <a:lightRig rig="threePt" dir="t"/>
+    </dgm:scene3d>
+    <dgm:sp3d/>
+    <dgm:txPr/>
+    <dgm:style>
+      <a:lnRef idx="1">
+        <a:scrgbClr r="0" g="0" b="0"/>
+      </a:lnRef>
+      <a:fillRef idx="0">
+        <a:scrgbClr r="0" g="0" b="0"/>
+      </a:fillRef>
+      <a:effectRef idx="0">
+        <a:scrgbClr r="0" g="0" b="0"/>
+      </a:effectRef>
+      <a:fontRef idx="minor"/>
+    </dgm:style>
+  </dgm:styleLbl>
+  <dgm:styleLbl name="callout">
+    <dgm:scene3d>
+      <a:camera prst="orthographicFront"/>
+      <a:lightRig rig="threePt" dir="t"/>
+    </dgm:scene3d>
+    <dgm:sp3d/>
+    <dgm:txPr/>
+    <dgm:style>
+      <a:lnRef idx="2">
+        <a:scrgbClr r="0" g="0" b="0"/>
+      </a:lnRef>
+      <a:fillRef idx="1">
+        <a:scrgbClr r="0" g="0" b="0"/>
+      </a:fillRef>
+      <a:effectRef idx="0">
+        <a:scrgbClr r="0" g="0" b="0"/>
+      </a:effectRef>
+      <a:fontRef idx="minor"/>
+    </dgm:style>
+  </dgm:styleLbl>
+  <dgm:styleLbl name="asst0">
+    <dgm:scene3d>
+      <a:camera prst="orthographicFront"/>
+      <a:lightRig rig="threePt" dir="t"/>
+    </dgm:scene3d>
+    <dgm:sp3d/>
+    <dgm:txPr/>
+    <dgm:style>
+      <a:lnRef idx="2">
+        <a:scrgbClr r="0" g="0" b="0"/>
+      </a:lnRef>
+      <a:fillRef idx="1">
+        <a:scrgbClr r="0" g="0" b="0"/>
+      </a:fillRef>
+      <a:effectRef idx="0">
+        <a:scrgbClr r="0" g="0" b="0"/>
+      </a:effectRef>
+      <a:fontRef idx="minor">
+        <a:schemeClr val="lt1"/>
+      </a:fontRef>
+    </dgm:style>
+  </dgm:styleLbl>
+  <dgm:styleLbl name="asst1">
+    <dgm:scene3d>
+      <a:camera prst="orthographicFront"/>
+      <a:lightRig rig="threePt" dir="t"/>
+    </dgm:scene3d>
+    <dgm:sp3d/>
+    <dgm:txPr/>
+    <dgm:style>
+      <a:lnRef idx="2">
+        <a:scrgbClr r="0" g="0" b="0"/>
+      </a:lnRef>
+      <a:fillRef idx="1">
+        <a:scrgbClr r="0" g="0" b="0"/>
+      </a:fillRef>
+      <a:effectRef idx="0">
+        <a:scrgbClr r="0" g="0" b="0"/>
+      </a:effectRef>
+      <a:fontRef idx="minor">
+        <a:schemeClr val="lt1"/>
+      </a:fontRef>
+    </dgm:style>
+  </dgm:styleLbl>
+  <dgm:styleLbl name="asst2">
+    <dgm:scene3d>
+      <a:camera prst="orthographicFront"/>
+      <a:lightRig rig="threePt" dir="t"/>
+    </dgm:scene3d>
+    <dgm:sp3d/>
+    <dgm:txPr/>
+    <dgm:style>
+      <a:lnRef idx="2">
+        <a:scrgbClr r="0" g="0" b="0"/>
+      </a:lnRef>
+      <a:fillRef idx="1">
+        <a:scrgbClr r="0" g="0" b="0"/>
+      </a:fillRef>
+      <a:effectRef idx="0">
+        <a:scrgbClr r="0" g="0" b="0"/>
+      </a:effectRef>
+      <a:fontRef idx="minor">
+        <a:schemeClr val="lt1"/>
+      </a:fontRef>
+    </dgm:style>
+  </dgm:styleLbl>
+  <dgm:styleLbl name="asst3">
+    <dgm:scene3d>
+      <a:camera prst="orthographicFront"/>
+      <a:lightRig rig="threePt" dir="t"/>
+    </dgm:scene3d>
+    <dgm:sp3d/>
+    <dgm:txPr/>
+    <dgm:style>
+      <a:lnRef idx="2">
+        <a:scrgbClr r="0" g="0" b="0"/>
+      </a:lnRef>
+      <a:fillRef idx="1">
+        <a:scrgbClr r="0" g="0" b="0"/>
+      </a:fillRef>
+      <a:effectRef idx="0">
+        <a:scrgbClr r="0" g="0" b="0"/>
+      </a:effectRef>
+      <a:fontRef idx="minor">
+        <a:schemeClr val="lt1"/>
+      </a:fontRef>
+    </dgm:style>
+  </dgm:styleLbl>
+  <dgm:styleLbl name="asst4">
+    <dgm:scene3d>
+      <a:camera prst="orthographicFront"/>
+      <a:lightRig rig="threePt" dir="t"/>
+    </dgm:scene3d>
+    <dgm:sp3d/>
+    <dgm:txPr/>
+    <dgm:style>
+      <a:lnRef idx="2">
+        <a:scrgbClr r="0" g="0" b="0"/>
+      </a:lnRef>
+      <a:fillRef idx="1">
+        <a:scrgbClr r="0" g="0" b="0"/>
+      </a:fillRef>
+      <a:effectRef idx="0">
+        <a:scrgbClr r="0" g="0" b="0"/>
+      </a:effectRef>
+      <a:fontRef idx="minor">
+        <a:schemeClr val="lt1"/>
+      </a:fontRef>
+    </dgm:style>
+  </dgm:styleLbl>
+  <dgm:styleLbl name="parChTrans2D1">
+    <dgm:scene3d>
+      <a:camera prst="orthographicFront"/>
+      <a:lightRig rig="threePt" dir="t"/>
+    </dgm:scene3d>
+    <dgm:sp3d/>
+    <dgm:txPr/>
+    <dgm:style>
+      <a:lnRef idx="2">
+        <a:scrgbClr r="0" g="0" b="0"/>
+      </a:lnRef>
+      <a:fillRef idx="1">
+        <a:scrgbClr r="0" g="0" b="0"/>
+      </a:fillRef>
+      <a:effectRef idx="0">
+        <a:scrgbClr r="0" g="0" b="0"/>
+      </a:effectRef>
+      <a:fontRef idx="minor">
+        <a:schemeClr val="lt1"/>
+      </a:fontRef>
+    </dgm:style>
+  </dgm:styleLbl>
+  <dgm:styleLbl name="parChTrans2D2">
+    <dgm:scene3d>
+      <a:camera prst="orthographicFront"/>
+      <a:lightRig rig="threePt" dir="t"/>
+    </dgm:scene3d>
+    <dgm:sp3d/>
+    <dgm:txPr/>
+    <dgm:style>
+      <a:lnRef idx="2">
+        <a:scrgbClr r="0" g="0" b="0"/>
+      </a:lnRef>
+      <a:fillRef idx="1">
+        <a:scrgbClr r="0" g="0" b="0"/>
+      </a:fillRef>
+      <a:effectRef idx="0">
+        <a:scrgbClr r="0" g="0" b="0"/>
+      </a:effectRef>
+      <a:fontRef idx="minor">
+        <a:schemeClr val="lt1"/>
+      </a:fontRef>
+    </dgm:style>
+  </dgm:styleLbl>
+  <dgm:styleLbl name="parChTrans2D3">
+    <dgm:scene3d>
+      <a:camera prst="orthographicFront"/>
+      <a:lightRig rig="threePt" dir="t"/>
+    </dgm:scene3d>
+    <dgm:sp3d/>
+    <dgm:txPr/>
+    <dgm:style>
+      <a:lnRef idx="2">
+        <a:scrgbClr r="0" g="0" b="0"/>
+      </a:lnRef>
+      <a:fillRef idx="1">
+        <a:scrgbClr r="0" g="0" b="0"/>
+      </a:fillRef>
+      <a:effectRef idx="0">
+        <a:scrgbClr r="0" g="0" b="0"/>
+      </a:effectRef>
+      <a:fontRef idx="minor">
+        <a:schemeClr val="lt1"/>
+      </a:fontRef>
+    </dgm:style>
+  </dgm:styleLbl>
+  <dgm:styleLbl name="parChTrans2D4">
+    <dgm:scene3d>
+      <a:camera prst="orthographicFront"/>
+      <a:lightRig rig="threePt" dir="t"/>
+    </dgm:scene3d>
+    <dgm:sp3d/>
+    <dgm:txPr/>
+    <dgm:style>
+      <a:lnRef idx="2">
+        <a:scrgbClr r="0" g="0" b="0"/>
+      </a:lnRef>
+      <a:fillRef idx="1">
+        <a:scrgbClr r="0" g="0" b="0"/>
+      </a:fillRef>
+      <a:effectRef idx="0">
+        <a:scrgbClr r="0" g="0" b="0"/>
+      </a:effectRef>
+      <a:fontRef idx="minor">
+        <a:schemeClr val="lt1"/>
+      </a:fontRef>
+    </dgm:style>
+  </dgm:styleLbl>
+  <dgm:styleLbl name="parChTrans1D1">
+    <dgm:scene3d>
+      <a:camera prst="orthographicFront"/>
+      <a:lightRig rig="threePt" dir="t"/>
+    </dgm:scene3d>
+    <dgm:sp3d/>
+    <dgm:txPr/>
+    <dgm:style>
+      <a:lnRef idx="2">
+        <a:scrgbClr r="0" g="0" b="0"/>
+      </a:lnRef>
+      <a:fillRef idx="0">
+        <a:scrgbClr r="0" g="0" b="0"/>
+      </a:fillRef>
+      <a:effectRef idx="0">
+        <a:scrgbClr r="0" g="0" b="0"/>
+      </a:effectRef>
+      <a:fontRef idx="minor"/>
+    </dgm:style>
+  </dgm:styleLbl>
+  <dgm:styleLbl name="parChTrans1D2">
+    <dgm:scene3d>
+      <a:camera prst="orthographicFront"/>
+      <a:lightRig rig="threePt" dir="t"/>
+    </dgm:scene3d>
+    <dgm:sp3d/>
+    <dgm:txPr/>
+    <dgm:style>
+      <a:lnRef idx="2">
+        <a:scrgbClr r="0" g="0" b="0"/>
+      </a:lnRef>
+      <a:fillRef idx="0">
+        <a:scrgbClr r="0" g="0" b="0"/>
+      </a:fillRef>
+      <a:effectRef idx="0">
+        <a:scrgbClr r="0" g="0" b="0"/>
+      </a:effectRef>
+      <a:fontRef idx="minor"/>
+    </dgm:style>
+  </dgm:styleLbl>
+  <dgm:styleLbl name="parChTrans1D3">
+    <dgm:scene3d>
+      <a:camera prst="orthographicFront"/>
+      <a:lightRig rig="threePt" dir="t"/>
+    </dgm:scene3d>
+    <dgm:sp3d/>
+    <dgm:txPr/>
+    <dgm:style>
+      <a:lnRef idx="2">
+        <a:scrgbClr r="0" g="0" b="0"/>
+      </a:lnRef>
+      <a:fillRef idx="0">
+        <a:scrgbClr r="0" g="0" b="0"/>
+      </a:fillRef>
+      <a:effectRef idx="0">
+        <a:scrgbClr r="0" g="0" b="0"/>
+      </a:effectRef>
+      <a:fontRef idx="minor"/>
+    </dgm:style>
+  </dgm:styleLbl>
+  <dgm:styleLbl name="parChTrans1D4">
+    <dgm:scene3d>
+      <a:camera prst="orthographicFront"/>
+      <a:lightRig rig="threePt" dir="t"/>
+    </dgm:scene3d>
+    <dgm:sp3d/>
+    <dgm:txPr/>
+    <dgm:style>
+      <a:lnRef idx="2">
+        <a:scrgbClr r="0" g="0" b="0"/>
+      </a:lnRef>
+      <a:fillRef idx="0">
+        <a:scrgbClr r="0" g="0" b="0"/>
+      </a:fillRef>
+      <a:effectRef idx="0">
+        <a:scrgbClr r="0" g="0" b="0"/>
+      </a:effectRef>
+      <a:fontRef idx="minor"/>
+    </dgm:style>
+  </dgm:styleLbl>
+  <dgm:styleLbl name="fgAcc1">
+    <dgm:scene3d>
+      <a:camera prst="orthographicFront"/>
+      <a:lightRig rig="threePt" dir="t"/>
+    </dgm:scene3d>
+    <dgm:sp3d/>
+    <dgm:txPr/>
+    <dgm:style>
+      <a:lnRef idx="2">
+        <a:scrgbClr r="0" g="0" b="0"/>
+      </a:lnRef>
+      <a:fillRef idx="1">
+        <a:scrgbClr r="0" g="0" b="0"/>
+      </a:fillRef>
+      <a:effectRef idx="0">
+        <a:scrgbClr r="0" g="0" b="0"/>
+      </a:effectRef>
+      <a:fontRef idx="minor"/>
+    </dgm:style>
+  </dgm:styleLbl>
+  <dgm:styleLbl name="conFgAcc1">
+    <dgm:scene3d>
+      <a:camera prst="orthographicFront"/>
+      <a:lightRig rig="threePt" dir="t"/>
+    </dgm:scene3d>
+    <dgm:sp3d/>
+    <dgm:txPr/>
+    <dgm:style>
+      <a:lnRef idx="2">
+        <a:scrgbClr r="0" g="0" b="0"/>
+      </a:lnRef>
+      <a:fillRef idx="1">
+        <a:scrgbClr r="0" g="0" b="0"/>
+      </a:fillRef>
+      <a:effectRef idx="0">
+        <a:scrgbClr r="0" g="0" b="0"/>
+      </a:effectRef>
+      <a:fontRef idx="minor"/>
+    </dgm:style>
+  </dgm:styleLbl>
+  <dgm:styleLbl name="alignAcc1">
+    <dgm:scene3d>
+      <a:camera prst="orthographicFront"/>
+      <a:lightRig rig="threePt" dir="t"/>
+    </dgm:scene3d>
+    <dgm:sp3d/>
+    <dgm:txPr/>
+    <dgm:style>
+      <a:lnRef idx="2">
+        <a:scrgbClr r="0" g="0" b="0"/>
+      </a:lnRef>
+      <a:fillRef idx="1">
+        <a:scrgbClr r="0" g="0" b="0"/>
+      </a:fillRef>
+      <a:effectRef idx="0">
+        <a:scrgbClr r="0" g="0" b="0"/>
+      </a:effectRef>
+      <a:fontRef idx="minor"/>
+    </dgm:style>
+  </dgm:styleLbl>
+  <dgm:styleLbl name="trAlignAcc1">
+    <dgm:scene3d>
+      <a:camera prst="orthographicFront"/>
+      <a:lightRig rig="threePt" dir="t"/>
+    </dgm:scene3d>
+    <dgm:sp3d/>
+    <dgm:txPr/>
+    <dgm:style>
+      <a:lnRef idx="1">
+        <a:scrgbClr r="0" g="0" b="0"/>
+      </a:lnRef>
+      <a:fillRef idx="1">
+        <a:scrgbClr r="0" g="0" b="0"/>
+      </a:fillRef>
+      <a:effectRef idx="0">
+        <a:scrgbClr r="0" g="0" b="0"/>
+      </a:effectRef>
+      <a:fontRef idx="minor"/>
+    </dgm:style>
+  </dgm:styleLbl>
+  <dgm:styleLbl name="bgAcc1">
+    <dgm:scene3d>
+      <a:camera prst="orthographicFront"/>
+      <a:lightRig rig="threePt" dir="t"/>
+    </dgm:scene3d>
+    <dgm:sp3d/>
+    <dgm:txPr/>
+    <dgm:style>
+      <a:lnRef idx="2">
+        <a:scrgbClr r="0" g="0" b="0"/>
+      </a:lnRef>
+      <a:fillRef idx="1">
+        <a:scrgbClr r="0" g="0" b="0"/>
+      </a:fillRef>
+      <a:effectRef idx="0">
+        <a:scrgbClr r="0" g="0" b="0"/>
+      </a:effectRef>
+      <a:fontRef idx="minor"/>
+    </dgm:style>
+  </dgm:styleLbl>
+  <dgm:styleLbl name="solidFgAcc1">
+    <dgm:scene3d>
+      <a:camera prst="orthographicFront"/>
+      <a:lightRig rig="threePt" dir="t"/>
+    </dgm:scene3d>
+    <dgm:sp3d/>
+    <dgm:txPr/>
+    <dgm:style>
+      <a:lnRef idx="2">
+        <a:scrgbClr r="0" g="0" b="0"/>
+      </a:lnRef>
+      <a:fillRef idx="1">
+        <a:scrgbClr r="0" g="0" b="0"/>
+      </a:fillRef>
+      <a:effectRef idx="0">
+        <a:scrgbClr r="0" g="0" b="0"/>
+      </a:effectRef>
+      <a:fontRef idx="minor"/>
+    </dgm:style>
+  </dgm:styleLbl>
+  <dgm:styleLbl name="solidAlignAcc1">
+    <dgm:scene3d>
+      <a:camera prst="orthographicFront"/>
+      <a:lightRig rig="threePt" dir="t"/>
+    </dgm:scene3d>
+    <dgm:sp3d/>
+    <dgm:txPr/>
+    <dgm:style>
+      <a:lnRef idx="2">
+        <a:scrgbClr r="0" g="0" b="0"/>
+      </a:lnRef>
+      <a:fillRef idx="1">
+        <a:scrgbClr r="0" g="0" b="0"/>
+      </a:fillRef>
+      <a:effectRef idx="0">
+        <a:scrgbClr r="0" g="0" b="0"/>
+      </a:effectRef>
+      <a:fontRef idx="minor"/>
+    </dgm:style>
+  </dgm:styleLbl>
+  <dgm:styleLbl name="solidBgAcc1">
+    <dgm:scene3d>
+      <a:camera prst="orthographicFront"/>
+      <a:lightRig rig="threePt" dir="t"/>
+    </dgm:scene3d>
+    <dgm:sp3d/>
+    <dgm:txPr/>
+    <dgm:style>
+      <a:lnRef idx="2">
+        <a:scrgbClr r="0" g="0" b="0"/>
+      </a:lnRef>
+      <a:fillRef idx="1">
+        <a:scrgbClr r="0" g="0" b="0"/>
+      </a:fillRef>
+      <a:effectRef idx="0">
+        <a:scrgbClr r="0" g="0" b="0"/>
+      </a:effectRef>
+      <a:fontRef idx="minor"/>
+    </dgm:style>
+  </dgm:styleLbl>
+  <dgm:styleLbl name="fgAccFollowNode1">
+    <dgm:scene3d>
+      <a:camera prst="orthographicFront"/>
+      <a:lightRig rig="threePt" dir="t"/>
+    </dgm:scene3d>
+    <dgm:sp3d/>
+    <dgm:txPr/>
+    <dgm:style>
+      <a:lnRef idx="2">
+        <a:scrgbClr r="0" g="0" b="0"/>
+      </a:lnRef>
+      <a:fillRef idx="1">
+        <a:scrgbClr r="0" g="0" b="0"/>
+      </a:fillRef>
+      <a:effectRef idx="0">
+        <a:scrgbClr r="0" g="0" b="0"/>
+      </a:effectRef>
+      <a:fontRef idx="minor"/>
+    </dgm:style>
+  </dgm:styleLbl>
+  <dgm:styleLbl name="alignAccFollowNode1">
+    <dgm:scene3d>
+      <a:camera prst="orthographicFront"/>
+      <a:lightRig rig="threePt" dir="t"/>
+    </dgm:scene3d>
+    <dgm:sp3d/>
+    <dgm:txPr/>
+    <dgm:style>
+      <a:lnRef idx="2">
+        <a:scrgbClr r="0" g="0" b="0"/>
+      </a:lnRef>
+      <a:fillRef idx="1">
+        <a:scrgbClr r="0" g="0" b="0"/>
+      </a:fillRef>
+      <a:effectRef idx="0">
+        <a:scrgbClr r="0" g="0" b="0"/>
+      </a:effectRef>
+      <a:fontRef idx="minor"/>
+    </dgm:style>
+  </dgm:styleLbl>
+  <dgm:styleLbl name="bgAccFollowNode1">
+    <dgm:scene3d>
+      <a:camera prst="orthographicFront"/>
+      <a:lightRig rig="threePt" dir="t"/>
+    </dgm:scene3d>
+    <dgm:sp3d/>
+    <dgm:txPr/>
+    <dgm:style>
+      <a:lnRef idx="2">
+        <a:scrgbClr r="0" g="0" b="0"/>
+      </a:lnRef>
+      <a:fillRef idx="1">
+        <a:scrgbClr r="0" g="0" b="0"/>
+      </a:fillRef>
+      <a:effectRef idx="0">
+        <a:scrgbClr r="0" g="0" b="0"/>
+      </a:effectRef>
+      <a:fontRef idx="minor"/>
+    </dgm:style>
+  </dgm:styleLbl>
+  <dgm:styleLbl name="fgAcc0">
+    <dgm:scene3d>
+      <a:camera prst="orthographicFront"/>
+      <a:lightRig rig="threePt" dir="t"/>
+    </dgm:scene3d>
+    <dgm:sp3d/>
+    <dgm:txPr/>
+    <dgm:style>
+      <a:lnRef idx="2">
+        <a:scrgbClr r="0" g="0" b="0"/>
+      </a:lnRef>
+      <a:fillRef idx="1">
+        <a:scrgbClr r="0" g="0" b="0"/>
+      </a:fillRef>
+      <a:effectRef idx="0">
+        <a:scrgbClr r="0" g="0" b="0"/>
+      </a:effectRef>
+      <a:fontRef idx="minor"/>
+    </dgm:style>
+  </dgm:styleLbl>
+  <dgm:styleLbl name="fgAcc2">
+    <dgm:scene3d>
+      <a:camera prst="orthographicFront"/>
+      <a:lightRig rig="threePt" dir="t"/>
+    </dgm:scene3d>
+    <dgm:sp3d/>
+    <dgm:txPr/>
+    <dgm:style>
+      <a:lnRef idx="2">
+        <a:scrgbClr r="0" g="0" b="0"/>
+      </a:lnRef>
+      <a:fillRef idx="1">
+        <a:scrgbClr r="0" g="0" b="0"/>
+      </a:fillRef>
+      <a:effectRef idx="0">
+        <a:scrgbClr r="0" g="0" b="0"/>
+      </a:effectRef>
+      <a:fontRef idx="minor"/>
+    </dgm:style>
+  </dgm:styleLbl>
+  <dgm:styleLbl name="fgAcc3">
+    <dgm:scene3d>
+      <a:camera prst="orthographicFront"/>
+      <a:lightRig rig="threePt" dir="t"/>
+    </dgm:scene3d>
+    <dgm:sp3d/>
+    <dgm:txPr/>
+    <dgm:style>
+      <a:lnRef idx="2">
+        <a:scrgbClr r="0" g="0" b="0"/>
+      </a:lnRef>
+      <a:fillRef idx="1">
+        <a:scrgbClr r="0" g="0" b="0"/>
+      </a:fillRef>
+      <a:effectRef idx="0">
+        <a:scrgbClr r="0" g="0" b="0"/>
+      </a:effectRef>
+      <a:fontRef idx="minor"/>
+    </dgm:style>
+  </dgm:styleLbl>
+  <dgm:styleLbl name="fgAcc4">
+    <dgm:scene3d>
+      <a:camera prst="orthographicFront"/>
+      <a:lightRig rig="threePt" dir="t"/>
+    </dgm:scene3d>
+    <dgm:sp3d/>
+    <dgm:txPr/>
+    <dgm:style>
+      <a:lnRef idx="2">
+        <a:scrgbClr r="0" g="0" b="0"/>
+      </a:lnRef>
+      <a:fillRef idx="1">
+        <a:scrgbClr r="0" g="0" b="0"/>
+      </a:fillRef>
+      <a:effectRef idx="0">
+        <a:scrgbClr r="0" g="0" b="0"/>
+      </a:effectRef>
+      <a:fontRef idx="minor"/>
+    </dgm:style>
+  </dgm:styleLbl>
+  <dgm:styleLbl name="bgShp">
+    <dgm:scene3d>
+      <a:camera prst="orthographicFront"/>
+      <a:lightRig rig="threePt" dir="t"/>
+    </dgm:scene3d>
+    <dgm:sp3d/>
+    <dgm:txPr/>
+    <dgm:style>
+      <a:lnRef idx="0">
+        <a:scrgbClr r="0" g="0" b="0"/>
+      </a:lnRef>
+      <a:fillRef idx="1">
+        <a:scrgbClr r="0" g="0" b="0"/>
+      </a:fillRef>
+      <a:effectRef idx="0">
+        <a:scrgbClr r="0" g="0" b="0"/>
+      </a:effectRef>
+      <a:fontRef idx="minor"/>
+    </dgm:style>
+  </dgm:styleLbl>
+  <dgm:styleLbl name="dkBgShp">
+    <dgm:scene3d>
+      <a:camera prst="orthographicFront"/>
+      <a:lightRig rig="threePt" dir="t"/>
+    </dgm:scene3d>
+    <dgm:sp3d/>
+    <dgm:txPr/>
+    <dgm:style>
+      <a:lnRef idx="0">
+        <a:scrgbClr r="0" g="0" b="0"/>
+      </a:lnRef>
+      <a:fillRef idx="1">
+        <a:scrgbClr r="0" g="0" b="0"/>
+      </a:fillRef>
+      <a:effectRef idx="0">
+        <a:scrgbClr r="0" g="0" b="0"/>
+      </a:effectRef>
+      <a:fontRef idx="minor"/>
+    </dgm:style>
+  </dgm:styleLbl>
+  <dgm:styleLbl name="trBgShp">
+    <dgm:scene3d>
+      <a:camera prst="orthographicFront"/>
+      <a:lightRig rig="threePt" dir="t"/>
+    </dgm:scene3d>
+    <dgm:sp3d/>
+    <dgm:txPr/>
+    <dgm:style>
+      <a:lnRef idx="0">
+        <a:scrgbClr r="0" g="0" b="0"/>
+      </a:lnRef>
+      <a:fillRef idx="1">
+        <a:scrgbClr r="0" g="0" b="0"/>
+      </a:fillRef>
+      <a:effectRef idx="0">
+        <a:scrgbClr r="0" g="0" b="0"/>
+      </a:effectRef>
+      <a:fontRef idx="minor"/>
+    </dgm:style>
+  </dgm:styleLbl>
+  <dgm:styleLbl name="fgShp">
+    <dgm:scene3d>
+      <a:camera prst="orthographicFront"/>
+      <a:lightRig rig="threePt" dir="t"/>
+    </dgm:scene3d>
+    <dgm:sp3d/>
+    <dgm:txPr/>
+    <dgm:style>
+      <a:lnRef idx="2">
+        <a:scrgbClr r="0" g="0" b="0"/>
+      </a:lnRef>
+      <a:fillRef idx="1">
+        <a:scrgbClr r="0" g="0" b="0"/>
+      </a:fillRef>
+      <a:effectRef idx="0">
+        <a:scrgbClr r="0" g="0" b="0"/>
+      </a:effectRef>
+      <a:fontRef idx="minor"/>
+    </dgm:style>
+  </dgm:styleLbl>
+  <dgm:styleLbl name="revTx">
+    <dgm:scene3d>
+      <a:camera prst="orthographicFront"/>
+      <a:lightRig rig="threePt" dir="t"/>
+    </dgm:scene3d>
+    <dgm:sp3d/>
+    <dgm:txPr/>
+    <dgm:style>
+      <a:lnRef idx="0">
+        <a:scrgbClr r="0" g="0" b="0"/>
+      </a:lnRef>
+      <a:fillRef idx="0">
+        <a:scrgbClr r="0" g="0" b="0"/>
+      </a:fillRef>
+      <a:effectRef idx="0">
+        <a:scrgbClr r="0" g="0" b="0"/>
+      </a:effectRef>
+      <a:fontRef idx="minor"/>
+    </dgm:style>
+  </dgm:styleLbl>
+</dgm:styleDef>
+</file>
+
+<file path=ppt/diagrams/quickStyle2.xml><?xml version="1.0" encoding="utf-8"?>
 <dgm:styleDef xmlns:dgm="http://schemas.openxmlformats.org/drawingml/2006/diagram" xmlns:a="http://schemas.openxmlformats.org/drawingml/2006/main" uniqueId="urn:microsoft.com/office/officeart/2005/8/quickstyle/simple1">
   <dgm:title val=""/>
   <dgm:desc val=""/>
@@ -3282,7 +5902,7 @@
           <a:p>
             <a:fld id="{51A22B42-34D3-4B01-BF3D-F69359E82423}" type="datetimeFigureOut">
               <a:rPr lang="en-US"/>
-              <a:t>11/26/2016</a:t>
+              <a:t>11/27/2016</a:t>
             </a:fld>
             <a:endParaRPr lang="en-US"/>
           </a:p>
@@ -3801,90 +6421,6 @@
 </p:notes>
 </file>
 
-<file path=ppt/notesSlides/notesSlide4.xml><?xml version="1.0" encoding="utf-8"?>
-<p:notes xmlns:a="http://schemas.openxmlformats.org/drawingml/2006/main" xmlns:r="http://schemas.openxmlformats.org/officeDocument/2006/relationships" xmlns:p="http://schemas.openxmlformats.org/presentationml/2006/main">
-  <p:cSld>
-    <p:spTree>
-      <p:nvGrpSpPr>
-        <p:cNvPr id="1" name=""/>
-        <p:cNvGrpSpPr/>
-        <p:nvPr/>
-      </p:nvGrpSpPr>
-      <p:grpSpPr>
-        <a:xfrm>
-          <a:off x="0" y="0"/>
-          <a:ext cx="0" cy="0"/>
-          <a:chOff x="0" y="0"/>
-          <a:chExt cx="0" cy="0"/>
-        </a:xfrm>
-      </p:grpSpPr>
-      <p:sp>
-        <p:nvSpPr>
-          <p:cNvPr id="2" name="Slide Image Placeholder 1"/>
-          <p:cNvSpPr>
-            <a:spLocks noGrp="1" noRot="1" noChangeAspect="1"/>
-          </p:cNvSpPr>
-          <p:nvPr>
-            <p:ph type="sldImg"/>
-          </p:nvPr>
-        </p:nvSpPr>
-        <p:spPr/>
-      </p:sp>
-      <p:sp>
-        <p:nvSpPr>
-          <p:cNvPr id="3" name="Notes Placeholder 2"/>
-          <p:cNvSpPr>
-            <a:spLocks noGrp="1"/>
-          </p:cNvSpPr>
-          <p:nvPr>
-            <p:ph type="body" idx="1"/>
-          </p:nvPr>
-        </p:nvSpPr>
-        <p:spPr/>
-        <p:txBody>
-          <a:bodyPr/>
-          <a:lstStyle/>
-          <a:p>
-            <a:endParaRPr lang="en-US"/>
-          </a:p>
-        </p:txBody>
-      </p:sp>
-      <p:sp>
-        <p:nvSpPr>
-          <p:cNvPr id="4" name="Slide Number Placeholder 3"/>
-          <p:cNvSpPr>
-            <a:spLocks noGrp="1"/>
-          </p:cNvSpPr>
-          <p:nvPr>
-            <p:ph type="sldNum" sz="quarter" idx="10"/>
-          </p:nvPr>
-        </p:nvSpPr>
-        <p:spPr/>
-        <p:txBody>
-          <a:bodyPr/>
-          <a:lstStyle/>
-          <a:p>
-            <a:fld id="{C514522E-2B9E-47F3-AF8C-45BE613AE236}" type="slidenum">
-              <a:rPr lang="en-US"/>
-              <a:t>8</a:t>
-            </a:fld>
-            <a:endParaRPr lang="en-US"/>
-          </a:p>
-        </p:txBody>
-      </p:sp>
-    </p:spTree>
-    <p:extLst>
-      <p:ext uri="{BB962C8B-B14F-4D97-AF65-F5344CB8AC3E}">
-        <p14:creationId xmlns:p14="http://schemas.microsoft.com/office/powerpoint/2010/main" val="2474919455"/>
-      </p:ext>
-    </p:extLst>
-  </p:cSld>
-  <p:clrMapOvr>
-    <a:masterClrMapping/>
-  </p:clrMapOvr>
-</p:notes>
-</file>
-
 <file path=ppt/slideLayouts/slideLayout1.xml><?xml version="1.0" encoding="utf-8"?>
 <p:sldLayout xmlns:a="http://schemas.openxmlformats.org/drawingml/2006/main" xmlns:r="http://schemas.openxmlformats.org/officeDocument/2006/relationships" xmlns:p="http://schemas.openxmlformats.org/presentationml/2006/main" type="title" preserve="1">
   <p:cSld name="Title Slide">
@@ -4041,7 +6577,7 @@
             <a:fld id="{5586B75A-687E-405C-8A0B-8D00578BA2C3}" type="datetimeFigureOut">
               <a:rPr lang="en-US" dirty="0"/>
               <a:pPr/>
-              <a:t>11/26/2016</a:t>
+              <a:t>11/27/2016</a:t>
             </a:fld>
             <a:endParaRPr lang="en-US" dirty="0"/>
           </a:p>
@@ -4207,7 +6743,7 @@
           <a:p>
             <a:fld id="{5F4E5243-F52A-4D37-9694-EB26C6C31910}" type="datetimeFigureOut">
               <a:rPr lang="en-US" dirty="0"/>
-              <a:t>11/26/2016</a:t>
+              <a:t>11/27/2016</a:t>
             </a:fld>
             <a:endParaRPr lang="en-US" dirty="0"/>
           </a:p>
@@ -4382,7 +6918,7 @@
           <a:p>
             <a:fld id="{3A77B6E1-634A-48DC-9E8B-D894023267EF}" type="datetimeFigureOut">
               <a:rPr lang="en-US" dirty="0"/>
-              <a:t>11/26/2016</a:t>
+              <a:t>11/27/2016</a:t>
             </a:fld>
             <a:endParaRPr lang="en-US" dirty="0"/>
           </a:p>
@@ -4547,7 +7083,7 @@
           <a:p>
             <a:fld id="{7B2D3E9E-A95C-48F2-B4BF-A71542E0BE9A}" type="datetimeFigureOut">
               <a:rPr lang="en-US" dirty="0"/>
-              <a:t>11/26/2016</a:t>
+              <a:t>11/27/2016</a:t>
             </a:fld>
             <a:endParaRPr lang="en-US" dirty="0"/>
           </a:p>
@@ -4807,7 +7343,7 @@
             <a:fld id="{5586B75A-687E-405C-8A0B-8D00578BA2C3}" type="datetimeFigureOut">
               <a:rPr lang="en-US" dirty="0"/>
               <a:pPr/>
-              <a:t>11/26/2016</a:t>
+              <a:t>11/27/2016</a:t>
             </a:fld>
             <a:endParaRPr lang="en-US" dirty="0"/>
           </a:p>
@@ -5091,7 +7627,7 @@
           <a:p>
             <a:fld id="{F12952B5-7A2F-4CC8-B7CE-9234E21C2837}" type="datetimeFigureOut">
               <a:rPr lang="en-US" dirty="0"/>
-              <a:t>11/26/2016</a:t>
+              <a:t>11/27/2016</a:t>
             </a:fld>
             <a:endParaRPr lang="en-US" dirty="0"/>
           </a:p>
@@ -5515,7 +8051,7 @@
           <a:p>
             <a:fld id="{CE1DA07A-9201-4B4B-BAF2-015AFA30F520}" type="datetimeFigureOut">
               <a:rPr lang="en-US" dirty="0"/>
-              <a:t>11/26/2016</a:t>
+              <a:t>11/27/2016</a:t>
             </a:fld>
             <a:endParaRPr lang="en-US" dirty="0"/>
           </a:p>
@@ -5628,7 +8164,7 @@
           <a:p>
             <a:fld id="{73D7E00A-486F-4252-8B1D-E32645521F49}" type="datetimeFigureOut">
               <a:rPr lang="en-US" dirty="0"/>
-              <a:t>11/26/2016</a:t>
+              <a:t>11/27/2016</a:t>
             </a:fld>
             <a:endParaRPr lang="en-US" dirty="0"/>
           </a:p>
@@ -5718,7 +8254,7 @@
           <a:p>
             <a:fld id="{8DDF5F92-E675-4B36-9A60-69A962A68675}" type="datetimeFigureOut">
               <a:rPr lang="en-US" dirty="0"/>
-              <a:t>11/26/2016</a:t>
+              <a:t>11/27/2016</a:t>
             </a:fld>
             <a:endParaRPr lang="en-US" dirty="0"/>
           </a:p>
@@ -6069,7 +8605,7 @@
           <a:p>
             <a:fld id="{AF6E2C9B-5FA2-460D-9BE7-B0812FC2A6FF}" type="datetimeFigureOut">
               <a:rPr lang="en-US" dirty="0"/>
-              <a:t>11/26/2016</a:t>
+              <a:t>11/27/2016</a:t>
             </a:fld>
             <a:endParaRPr lang="en-US" dirty="0"/>
           </a:p>
@@ -6369,7 +8905,7 @@
             <a:fld id="{5586B75A-687E-405C-8A0B-8D00578BA2C3}" type="datetimeFigureOut">
               <a:rPr lang="en-US" dirty="0"/>
               <a:pPr/>
-              <a:t>11/26/2016</a:t>
+              <a:t>11/27/2016</a:t>
             </a:fld>
             <a:endParaRPr lang="en-US" dirty="0"/>
           </a:p>
@@ -6579,7 +9115,7 @@
             <a:fld id="{5586B75A-687E-405C-8A0B-8D00578BA2C3}" type="datetimeFigureOut">
               <a:rPr lang="en-US" dirty="0"/>
               <a:pPr/>
-              <a:t>11/26/2016</a:t>
+              <a:t>11/27/2016</a:t>
             </a:fld>
             <a:endParaRPr lang="en-US" dirty="0"/>
           </a:p>
@@ -7028,6 +9564,10 @@
           <a:lstStyle/>
           <a:p>
             <a:r>
+              <a:rPr lang="en-US" dirty="0" smtClean="0"/>
+              <a:t>Introducing </a:t>
+            </a:r>
+            <a:r>
               <a:rPr lang="en-US" dirty="0" err="1" smtClean="0"/>
               <a:t>GrateBox</a:t>
             </a:r>
@@ -7050,30 +9590,7 @@
           <a:bodyPr/>
           <a:lstStyle/>
           <a:p>
-            <a:r>
-              <a:rPr lang="en-US" dirty="0" smtClean="0"/>
-              <a:t>“Don’t Be An Ass</a:t>
-            </a:r>
-            <a:r>
-              <a:rPr lang="en-US" dirty="0" smtClean="0"/>
-              <a:t>”</a:t>
-            </a:r>
-            <a:r>
-              <a:rPr lang="en-US" dirty="0"/>
-              <a:t> </a:t>
-            </a:r>
-            <a:r>
-              <a:rPr lang="en-US" dirty="0" smtClean="0"/>
-              <a:t>– Eric </a:t>
-            </a:r>
-            <a:r>
-              <a:rPr lang="en-US" dirty="0" err="1" smtClean="0"/>
-              <a:t>Chaput</a:t>
-            </a:r>
-            <a:r>
-              <a:rPr lang="en-US" dirty="0" smtClean="0"/>
-              <a:t>, 2016</a:t>
-            </a:r>
+            <a:endParaRPr lang="en-US" dirty="0" smtClean="0"/>
           </a:p>
         </p:txBody>
       </p:sp>
@@ -7129,6 +9646,1325 @@
 </p:sld>
 </file>
 
+<file path=ppt/slides/slide10.xml><?xml version="1.0" encoding="utf-8"?>
+<p:sld xmlns:a="http://schemas.openxmlformats.org/drawingml/2006/main" xmlns:r="http://schemas.openxmlformats.org/officeDocument/2006/relationships" xmlns:p="http://schemas.openxmlformats.org/presentationml/2006/main">
+  <p:cSld>
+    <p:spTree>
+      <p:nvGrpSpPr>
+        <p:cNvPr id="1" name=""/>
+        <p:cNvGrpSpPr/>
+        <p:nvPr/>
+      </p:nvGrpSpPr>
+      <p:grpSpPr>
+        <a:xfrm>
+          <a:off x="0" y="0"/>
+          <a:ext cx="0" cy="0"/>
+          <a:chOff x="0" y="0"/>
+          <a:chExt cx="0" cy="0"/>
+        </a:xfrm>
+      </p:grpSpPr>
+      <p:sp>
+        <p:nvSpPr>
+          <p:cNvPr id="4" name="Title 3"/>
+          <p:cNvSpPr>
+            <a:spLocks noGrp="1"/>
+          </p:cNvSpPr>
+          <p:nvPr>
+            <p:ph type="title"/>
+          </p:nvPr>
+        </p:nvSpPr>
+        <p:spPr/>
+        <p:txBody>
+          <a:bodyPr/>
+          <a:lstStyle/>
+          <a:p>
+            <a:r>
+              <a:rPr lang="en-CA" dirty="0" smtClean="0"/>
+              <a:t>Meet Portability</a:t>
+            </a:r>
+            <a:endParaRPr lang="en-CA" dirty="0"/>
+          </a:p>
+        </p:txBody>
+      </p:sp>
+      <p:sp>
+        <p:nvSpPr>
+          <p:cNvPr id="5" name="Content Placeholder 4"/>
+          <p:cNvSpPr>
+            <a:spLocks noGrp="1"/>
+          </p:cNvSpPr>
+          <p:nvPr>
+            <p:ph idx="1"/>
+          </p:nvPr>
+        </p:nvSpPr>
+        <p:spPr/>
+        <p:txBody>
+          <a:bodyPr>
+            <a:normAutofit/>
+          </a:bodyPr>
+          <a:lstStyle/>
+          <a:p>
+            <a:pPr>
+              <a:buClr>
+                <a:schemeClr val="accent1"/>
+              </a:buClr>
+              <a:buFont typeface="Wingdings" panose="05000000000000000000" pitchFamily="2" charset="2"/>
+              <a:buChar char="§"/>
+            </a:pPr>
+            <a:r>
+              <a:rPr lang="en-US" dirty="0"/>
+              <a:t> </a:t>
+            </a:r>
+            <a:r>
+              <a:rPr lang="en-US" dirty="0" smtClean="0"/>
+              <a:t> As an web application, </a:t>
+            </a:r>
+            <a:r>
+              <a:rPr lang="en-US" dirty="0" err="1" smtClean="0"/>
+              <a:t>GrateBox</a:t>
+            </a:r>
+            <a:r>
+              <a:rPr lang="en-US" dirty="0"/>
+              <a:t> </a:t>
+            </a:r>
+            <a:r>
+              <a:rPr lang="en-US" dirty="0" smtClean="0"/>
+              <a:t>runs on </a:t>
+            </a:r>
+            <a:r>
+              <a:rPr lang="en-US" b="1" dirty="0" smtClean="0"/>
+              <a:t>all </a:t>
+            </a:r>
+            <a:r>
+              <a:rPr lang="en-US" dirty="0" smtClean="0"/>
+              <a:t>major web browsers.</a:t>
+            </a:r>
+            <a:endParaRPr lang="en-US" dirty="0" smtClean="0"/>
+          </a:p>
+        </p:txBody>
+      </p:sp>
+      <p:sp>
+        <p:nvSpPr>
+          <p:cNvPr id="2" name="AutoShape 10" descr="Image result for ubuntu"/>
+          <p:cNvSpPr>
+            <a:spLocks noChangeAspect="1" noChangeArrowheads="1"/>
+          </p:cNvSpPr>
+          <p:nvPr/>
+        </p:nvSpPr>
+        <p:spPr bwMode="auto">
+          <a:xfrm>
+            <a:off x="155575" y="-144463"/>
+            <a:ext cx="304800" cy="304801"/>
+          </a:xfrm>
+          <a:prstGeom prst="rect">
+            <a:avLst/>
+          </a:prstGeom>
+          <a:noFill/>
+          <a:extLst>
+            <a:ext uri="{909E8E84-426E-40DD-AFC4-6F175D3DCCD1}">
+              <a14:hiddenFill xmlns:a14="http://schemas.microsoft.com/office/drawing/2010/main">
+                <a:solidFill>
+                  <a:srgbClr val="FFFFFF"/>
+                </a:solidFill>
+              </a14:hiddenFill>
+            </a:ext>
+          </a:extLst>
+        </p:spPr>
+        <p:txBody>
+          <a:bodyPr vert="horz" wrap="square" lIns="91440" tIns="45720" rIns="91440" bIns="45720" numCol="1" anchor="t" anchorCtr="0" compatLnSpc="1">
+            <a:prstTxWarp prst="textNoShape">
+              <a:avLst/>
+            </a:prstTxWarp>
+          </a:bodyPr>
+          <a:lstStyle/>
+          <a:p>
+            <a:endParaRPr lang="en-CA"/>
+          </a:p>
+        </p:txBody>
+      </p:sp>
+      <p:sp>
+        <p:nvSpPr>
+          <p:cNvPr id="3" name="AutoShape 12" descr="Image result for ubuntu"/>
+          <p:cNvSpPr>
+            <a:spLocks noChangeAspect="1" noChangeArrowheads="1"/>
+          </p:cNvSpPr>
+          <p:nvPr/>
+        </p:nvSpPr>
+        <p:spPr bwMode="auto">
+          <a:xfrm>
+            <a:off x="307975" y="7937"/>
+            <a:ext cx="304800" cy="304801"/>
+          </a:xfrm>
+          <a:prstGeom prst="rect">
+            <a:avLst/>
+          </a:prstGeom>
+          <a:noFill/>
+          <a:extLst>
+            <a:ext uri="{909E8E84-426E-40DD-AFC4-6F175D3DCCD1}">
+              <a14:hiddenFill xmlns:a14="http://schemas.microsoft.com/office/drawing/2010/main">
+                <a:solidFill>
+                  <a:srgbClr val="FFFFFF"/>
+                </a:solidFill>
+              </a14:hiddenFill>
+            </a:ext>
+          </a:extLst>
+        </p:spPr>
+        <p:txBody>
+          <a:bodyPr vert="horz" wrap="square" lIns="91440" tIns="45720" rIns="91440" bIns="45720" numCol="1" anchor="t" anchorCtr="0" compatLnSpc="1">
+            <a:prstTxWarp prst="textNoShape">
+              <a:avLst/>
+            </a:prstTxWarp>
+          </a:bodyPr>
+          <a:lstStyle/>
+          <a:p>
+            <a:endParaRPr lang="en-CA"/>
+          </a:p>
+        </p:txBody>
+      </p:sp>
+      <p:sp>
+        <p:nvSpPr>
+          <p:cNvPr id="6" name="AutoShape 14" descr="Image result for ubuntu"/>
+          <p:cNvSpPr>
+            <a:spLocks noChangeAspect="1" noChangeArrowheads="1"/>
+          </p:cNvSpPr>
+          <p:nvPr/>
+        </p:nvSpPr>
+        <p:spPr bwMode="auto">
+          <a:xfrm>
+            <a:off x="460375" y="160337"/>
+            <a:ext cx="304800" cy="304801"/>
+          </a:xfrm>
+          <a:prstGeom prst="rect">
+            <a:avLst/>
+          </a:prstGeom>
+          <a:noFill/>
+          <a:extLst>
+            <a:ext uri="{909E8E84-426E-40DD-AFC4-6F175D3DCCD1}">
+              <a14:hiddenFill xmlns:a14="http://schemas.microsoft.com/office/drawing/2010/main">
+                <a:solidFill>
+                  <a:srgbClr val="FFFFFF"/>
+                </a:solidFill>
+              </a14:hiddenFill>
+            </a:ext>
+          </a:extLst>
+        </p:spPr>
+        <p:txBody>
+          <a:bodyPr vert="horz" wrap="square" lIns="91440" tIns="45720" rIns="91440" bIns="45720" numCol="1" anchor="t" anchorCtr="0" compatLnSpc="1">
+            <a:prstTxWarp prst="textNoShape">
+              <a:avLst/>
+            </a:prstTxWarp>
+          </a:bodyPr>
+          <a:lstStyle/>
+          <a:p>
+            <a:endParaRPr lang="en-CA"/>
+          </a:p>
+        </p:txBody>
+      </p:sp>
+      <p:sp>
+        <p:nvSpPr>
+          <p:cNvPr id="7" name="AutoShape 16" descr="Image result for ubuntu"/>
+          <p:cNvSpPr>
+            <a:spLocks noChangeAspect="1" noChangeArrowheads="1"/>
+          </p:cNvSpPr>
+          <p:nvPr/>
+        </p:nvSpPr>
+        <p:spPr bwMode="auto">
+          <a:xfrm>
+            <a:off x="612775" y="312737"/>
+            <a:ext cx="304800" cy="304801"/>
+          </a:xfrm>
+          <a:prstGeom prst="rect">
+            <a:avLst/>
+          </a:prstGeom>
+          <a:noFill/>
+          <a:extLst>
+            <a:ext uri="{909E8E84-426E-40DD-AFC4-6F175D3DCCD1}">
+              <a14:hiddenFill xmlns:a14="http://schemas.microsoft.com/office/drawing/2010/main">
+                <a:solidFill>
+                  <a:srgbClr val="FFFFFF"/>
+                </a:solidFill>
+              </a14:hiddenFill>
+            </a:ext>
+          </a:extLst>
+        </p:spPr>
+        <p:txBody>
+          <a:bodyPr vert="horz" wrap="square" lIns="91440" tIns="45720" rIns="91440" bIns="45720" numCol="1" anchor="t" anchorCtr="0" compatLnSpc="1">
+            <a:prstTxWarp prst="textNoShape">
+              <a:avLst/>
+            </a:prstTxWarp>
+          </a:bodyPr>
+          <a:lstStyle/>
+          <a:p>
+            <a:endParaRPr lang="en-CA"/>
+          </a:p>
+        </p:txBody>
+      </p:sp>
+      <p:sp>
+        <p:nvSpPr>
+          <p:cNvPr id="8" name="AutoShape 18" descr="Image result for ubuntu"/>
+          <p:cNvSpPr>
+            <a:spLocks noChangeAspect="1" noChangeArrowheads="1"/>
+          </p:cNvSpPr>
+          <p:nvPr/>
+        </p:nvSpPr>
+        <p:spPr bwMode="auto">
+          <a:xfrm>
+            <a:off x="765175" y="465137"/>
+            <a:ext cx="304800" cy="304801"/>
+          </a:xfrm>
+          <a:prstGeom prst="rect">
+            <a:avLst/>
+          </a:prstGeom>
+          <a:noFill/>
+          <a:extLst>
+            <a:ext uri="{909E8E84-426E-40DD-AFC4-6F175D3DCCD1}">
+              <a14:hiddenFill xmlns:a14="http://schemas.microsoft.com/office/drawing/2010/main">
+                <a:solidFill>
+                  <a:srgbClr val="FFFFFF"/>
+                </a:solidFill>
+              </a14:hiddenFill>
+            </a:ext>
+          </a:extLst>
+        </p:spPr>
+        <p:txBody>
+          <a:bodyPr vert="horz" wrap="square" lIns="91440" tIns="45720" rIns="91440" bIns="45720" numCol="1" anchor="t" anchorCtr="0" compatLnSpc="1">
+            <a:prstTxWarp prst="textNoShape">
+              <a:avLst/>
+            </a:prstTxWarp>
+          </a:bodyPr>
+          <a:lstStyle/>
+          <a:p>
+            <a:endParaRPr lang="en-CA"/>
+          </a:p>
+        </p:txBody>
+      </p:sp>
+      <p:sp>
+        <p:nvSpPr>
+          <p:cNvPr id="9" name="AutoShape 20" descr="Image result for ubuntu"/>
+          <p:cNvSpPr>
+            <a:spLocks noChangeAspect="1" noChangeArrowheads="1"/>
+          </p:cNvSpPr>
+          <p:nvPr/>
+        </p:nvSpPr>
+        <p:spPr bwMode="auto">
+          <a:xfrm>
+            <a:off x="917575" y="617537"/>
+            <a:ext cx="304800" cy="304801"/>
+          </a:xfrm>
+          <a:prstGeom prst="rect">
+            <a:avLst/>
+          </a:prstGeom>
+          <a:noFill/>
+          <a:extLst>
+            <a:ext uri="{909E8E84-426E-40DD-AFC4-6F175D3DCCD1}">
+              <a14:hiddenFill xmlns:a14="http://schemas.microsoft.com/office/drawing/2010/main">
+                <a:solidFill>
+                  <a:srgbClr val="FFFFFF"/>
+                </a:solidFill>
+              </a14:hiddenFill>
+            </a:ext>
+          </a:extLst>
+        </p:spPr>
+        <p:txBody>
+          <a:bodyPr vert="horz" wrap="square" lIns="91440" tIns="45720" rIns="91440" bIns="45720" numCol="1" anchor="t" anchorCtr="0" compatLnSpc="1">
+            <a:prstTxWarp prst="textNoShape">
+              <a:avLst/>
+            </a:prstTxWarp>
+          </a:bodyPr>
+          <a:lstStyle/>
+          <a:p>
+            <a:endParaRPr lang="en-CA"/>
+          </a:p>
+        </p:txBody>
+      </p:sp>
+      <p:sp>
+        <p:nvSpPr>
+          <p:cNvPr id="10" name="AutoShape 22" descr="Image result for ubuntu"/>
+          <p:cNvSpPr>
+            <a:spLocks noChangeAspect="1" noChangeArrowheads="1"/>
+          </p:cNvSpPr>
+          <p:nvPr/>
+        </p:nvSpPr>
+        <p:spPr bwMode="auto">
+          <a:xfrm>
+            <a:off x="1069975" y="769937"/>
+            <a:ext cx="304800" cy="304801"/>
+          </a:xfrm>
+          <a:prstGeom prst="rect">
+            <a:avLst/>
+          </a:prstGeom>
+          <a:noFill/>
+          <a:extLst>
+            <a:ext uri="{909E8E84-426E-40DD-AFC4-6F175D3DCCD1}">
+              <a14:hiddenFill xmlns:a14="http://schemas.microsoft.com/office/drawing/2010/main">
+                <a:solidFill>
+                  <a:srgbClr val="FFFFFF"/>
+                </a:solidFill>
+              </a14:hiddenFill>
+            </a:ext>
+          </a:extLst>
+        </p:spPr>
+        <p:txBody>
+          <a:bodyPr vert="horz" wrap="square" lIns="91440" tIns="45720" rIns="91440" bIns="45720" numCol="1" anchor="t" anchorCtr="0" compatLnSpc="1">
+            <a:prstTxWarp prst="textNoShape">
+              <a:avLst/>
+            </a:prstTxWarp>
+          </a:bodyPr>
+          <a:lstStyle/>
+          <a:p>
+            <a:endParaRPr lang="en-CA"/>
+          </a:p>
+        </p:txBody>
+      </p:sp>
+      <p:sp>
+        <p:nvSpPr>
+          <p:cNvPr id="11" name="AutoShape 24" descr="Image result for ubuntu"/>
+          <p:cNvSpPr>
+            <a:spLocks noChangeAspect="1" noChangeArrowheads="1"/>
+          </p:cNvSpPr>
+          <p:nvPr/>
+        </p:nvSpPr>
+        <p:spPr bwMode="auto">
+          <a:xfrm>
+            <a:off x="1222375" y="922337"/>
+            <a:ext cx="304800" cy="304801"/>
+          </a:xfrm>
+          <a:prstGeom prst="rect">
+            <a:avLst/>
+          </a:prstGeom>
+          <a:noFill/>
+          <a:extLst>
+            <a:ext uri="{909E8E84-426E-40DD-AFC4-6F175D3DCCD1}">
+              <a14:hiddenFill xmlns:a14="http://schemas.microsoft.com/office/drawing/2010/main">
+                <a:solidFill>
+                  <a:srgbClr val="FFFFFF"/>
+                </a:solidFill>
+              </a14:hiddenFill>
+            </a:ext>
+          </a:extLst>
+        </p:spPr>
+        <p:txBody>
+          <a:bodyPr vert="horz" wrap="square" lIns="91440" tIns="45720" rIns="91440" bIns="45720" numCol="1" anchor="t" anchorCtr="0" compatLnSpc="1">
+            <a:prstTxWarp prst="textNoShape">
+              <a:avLst/>
+            </a:prstTxWarp>
+          </a:bodyPr>
+          <a:lstStyle/>
+          <a:p>
+            <a:endParaRPr lang="en-CA"/>
+          </a:p>
+        </p:txBody>
+      </p:sp>
+      <p:sp>
+        <p:nvSpPr>
+          <p:cNvPr id="12" name="AutoShape 26" descr="Image result for ubuntu"/>
+          <p:cNvSpPr>
+            <a:spLocks noChangeAspect="1" noChangeArrowheads="1"/>
+          </p:cNvSpPr>
+          <p:nvPr/>
+        </p:nvSpPr>
+        <p:spPr bwMode="auto">
+          <a:xfrm>
+            <a:off x="1374775" y="1074737"/>
+            <a:ext cx="304800" cy="304801"/>
+          </a:xfrm>
+          <a:prstGeom prst="rect">
+            <a:avLst/>
+          </a:prstGeom>
+          <a:noFill/>
+          <a:extLst>
+            <a:ext uri="{909E8E84-426E-40DD-AFC4-6F175D3DCCD1}">
+              <a14:hiddenFill xmlns:a14="http://schemas.microsoft.com/office/drawing/2010/main">
+                <a:solidFill>
+                  <a:srgbClr val="FFFFFF"/>
+                </a:solidFill>
+              </a14:hiddenFill>
+            </a:ext>
+          </a:extLst>
+        </p:spPr>
+        <p:txBody>
+          <a:bodyPr vert="horz" wrap="square" lIns="91440" tIns="45720" rIns="91440" bIns="45720" numCol="1" anchor="t" anchorCtr="0" compatLnSpc="1">
+            <a:prstTxWarp prst="textNoShape">
+              <a:avLst/>
+            </a:prstTxWarp>
+          </a:bodyPr>
+          <a:lstStyle/>
+          <a:p>
+            <a:endParaRPr lang="en-CA"/>
+          </a:p>
+        </p:txBody>
+      </p:sp>
+      <p:sp>
+        <p:nvSpPr>
+          <p:cNvPr id="13" name="AutoShape 28" descr="Image result for ubuntu"/>
+          <p:cNvSpPr>
+            <a:spLocks noChangeAspect="1" noChangeArrowheads="1"/>
+          </p:cNvSpPr>
+          <p:nvPr/>
+        </p:nvSpPr>
+        <p:spPr bwMode="auto">
+          <a:xfrm>
+            <a:off x="1527175" y="1227137"/>
+            <a:ext cx="304800" cy="304801"/>
+          </a:xfrm>
+          <a:prstGeom prst="rect">
+            <a:avLst/>
+          </a:prstGeom>
+          <a:noFill/>
+          <a:extLst>
+            <a:ext uri="{909E8E84-426E-40DD-AFC4-6F175D3DCCD1}">
+              <a14:hiddenFill xmlns:a14="http://schemas.microsoft.com/office/drawing/2010/main">
+                <a:solidFill>
+                  <a:srgbClr val="FFFFFF"/>
+                </a:solidFill>
+              </a14:hiddenFill>
+            </a:ext>
+          </a:extLst>
+        </p:spPr>
+        <p:txBody>
+          <a:bodyPr vert="horz" wrap="square" lIns="91440" tIns="45720" rIns="91440" bIns="45720" numCol="1" anchor="t" anchorCtr="0" compatLnSpc="1">
+            <a:prstTxWarp prst="textNoShape">
+              <a:avLst/>
+            </a:prstTxWarp>
+          </a:bodyPr>
+          <a:lstStyle/>
+          <a:p>
+            <a:endParaRPr lang="en-CA"/>
+          </a:p>
+        </p:txBody>
+      </p:sp>
+      <p:pic>
+        <p:nvPicPr>
+          <p:cNvPr id="2084" name="Picture 36" descr="Image result for google chrome"/>
+          <p:cNvPicPr>
+            <a:picLocks noChangeAspect="1" noChangeArrowheads="1"/>
+          </p:cNvPicPr>
+          <p:nvPr/>
+        </p:nvPicPr>
+        <p:blipFill>
+          <a:blip r:embed="rId2">
+            <a:extLst>
+              <a:ext uri="{28A0092B-C50C-407E-A947-70E740481C1C}">
+                <a14:useLocalDpi xmlns:a14="http://schemas.microsoft.com/office/drawing/2010/main" val="0"/>
+              </a:ext>
+            </a:extLst>
+          </a:blip>
+          <a:srcRect/>
+          <a:stretch>
+            <a:fillRect/>
+          </a:stretch>
+        </p:blipFill>
+        <p:spPr bwMode="auto">
+          <a:xfrm>
+            <a:off x="460375" y="2511222"/>
+            <a:ext cx="2509838" cy="2509838"/>
+          </a:xfrm>
+          <a:prstGeom prst="rect">
+            <a:avLst/>
+          </a:prstGeom>
+          <a:noFill/>
+          <a:extLst>
+            <a:ext uri="{909E8E84-426E-40DD-AFC4-6F175D3DCCD1}">
+              <a14:hiddenFill xmlns:a14="http://schemas.microsoft.com/office/drawing/2010/main">
+                <a:solidFill>
+                  <a:srgbClr val="FFFFFF"/>
+                </a:solidFill>
+              </a14:hiddenFill>
+            </a:ext>
+          </a:extLst>
+        </p:spPr>
+      </p:pic>
+      <p:pic>
+        <p:nvPicPr>
+          <p:cNvPr id="2086" name="Picture 38" descr="Image result for firefox"/>
+          <p:cNvPicPr>
+            <a:picLocks noChangeAspect="1" noChangeArrowheads="1"/>
+          </p:cNvPicPr>
+          <p:nvPr/>
+        </p:nvPicPr>
+        <p:blipFill>
+          <a:blip r:embed="rId3">
+            <a:extLst>
+              <a:ext uri="{28A0092B-C50C-407E-A947-70E740481C1C}">
+                <a14:useLocalDpi xmlns:a14="http://schemas.microsoft.com/office/drawing/2010/main" val="0"/>
+              </a:ext>
+            </a:extLst>
+          </a:blip>
+          <a:srcRect/>
+          <a:stretch>
+            <a:fillRect/>
+          </a:stretch>
+        </p:blipFill>
+        <p:spPr bwMode="auto">
+          <a:xfrm>
+            <a:off x="2817813" y="3987800"/>
+            <a:ext cx="2542291" cy="2641600"/>
+          </a:xfrm>
+          <a:prstGeom prst="rect">
+            <a:avLst/>
+          </a:prstGeom>
+          <a:noFill/>
+          <a:extLst>
+            <a:ext uri="{909E8E84-426E-40DD-AFC4-6F175D3DCCD1}">
+              <a14:hiddenFill xmlns:a14="http://schemas.microsoft.com/office/drawing/2010/main">
+                <a:solidFill>
+                  <a:srgbClr val="FFFFFF"/>
+                </a:solidFill>
+              </a14:hiddenFill>
+            </a:ext>
+          </a:extLst>
+        </p:spPr>
+      </p:pic>
+      <p:pic>
+        <p:nvPicPr>
+          <p:cNvPr id="2088" name="Picture 40" descr="Image result for microsoft edge"/>
+          <p:cNvPicPr>
+            <a:picLocks noChangeAspect="1" noChangeArrowheads="1"/>
+          </p:cNvPicPr>
+          <p:nvPr/>
+        </p:nvPicPr>
+        <p:blipFill>
+          <a:blip r:embed="rId4">
+            <a:extLst>
+              <a:ext uri="{28A0092B-C50C-407E-A947-70E740481C1C}">
+                <a14:useLocalDpi xmlns:a14="http://schemas.microsoft.com/office/drawing/2010/main" val="0"/>
+              </a:ext>
+            </a:extLst>
+          </a:blip>
+          <a:srcRect/>
+          <a:stretch>
+            <a:fillRect/>
+          </a:stretch>
+        </p:blipFill>
+        <p:spPr bwMode="auto">
+          <a:xfrm>
+            <a:off x="5233104" y="2579282"/>
+            <a:ext cx="2192907" cy="2373718"/>
+          </a:xfrm>
+          <a:prstGeom prst="rect">
+            <a:avLst/>
+          </a:prstGeom>
+          <a:noFill/>
+          <a:extLst>
+            <a:ext uri="{909E8E84-426E-40DD-AFC4-6F175D3DCCD1}">
+              <a14:hiddenFill xmlns:a14="http://schemas.microsoft.com/office/drawing/2010/main">
+                <a:solidFill>
+                  <a:srgbClr val="FFFFFF"/>
+                </a:solidFill>
+              </a14:hiddenFill>
+            </a:ext>
+          </a:extLst>
+        </p:spPr>
+      </p:pic>
+      <p:pic>
+        <p:nvPicPr>
+          <p:cNvPr id="2090" name="Picture 42" descr="Image result for safari"/>
+          <p:cNvPicPr>
+            <a:picLocks noChangeAspect="1" noChangeArrowheads="1"/>
+          </p:cNvPicPr>
+          <p:nvPr/>
+        </p:nvPicPr>
+        <p:blipFill>
+          <a:blip r:embed="rId5">
+            <a:extLst>
+              <a:ext uri="{28A0092B-C50C-407E-A947-70E740481C1C}">
+                <a14:useLocalDpi xmlns:a14="http://schemas.microsoft.com/office/drawing/2010/main" val="0"/>
+              </a:ext>
+            </a:extLst>
+          </a:blip>
+          <a:srcRect/>
+          <a:stretch>
+            <a:fillRect/>
+          </a:stretch>
+        </p:blipFill>
+        <p:spPr bwMode="auto">
+          <a:xfrm>
+            <a:off x="7426011" y="4089400"/>
+            <a:ext cx="2438400" cy="2438400"/>
+          </a:xfrm>
+          <a:prstGeom prst="rect">
+            <a:avLst/>
+          </a:prstGeom>
+          <a:noFill/>
+          <a:extLst>
+            <a:ext uri="{909E8E84-426E-40DD-AFC4-6F175D3DCCD1}">
+              <a14:hiddenFill xmlns:a14="http://schemas.microsoft.com/office/drawing/2010/main">
+                <a:solidFill>
+                  <a:srgbClr val="FFFFFF"/>
+                </a:solidFill>
+              </a14:hiddenFill>
+            </a:ext>
+          </a:extLst>
+        </p:spPr>
+      </p:pic>
+      <p:pic>
+        <p:nvPicPr>
+          <p:cNvPr id="2092" name="Picture 44" descr="Image result for opera browser"/>
+          <p:cNvPicPr>
+            <a:picLocks noChangeAspect="1" noChangeArrowheads="1"/>
+          </p:cNvPicPr>
+          <p:nvPr/>
+        </p:nvPicPr>
+        <p:blipFill>
+          <a:blip r:embed="rId6">
+            <a:extLst>
+              <a:ext uri="{28A0092B-C50C-407E-A947-70E740481C1C}">
+                <a14:useLocalDpi xmlns:a14="http://schemas.microsoft.com/office/drawing/2010/main" val="0"/>
+              </a:ext>
+            </a:extLst>
+          </a:blip>
+          <a:srcRect/>
+          <a:stretch>
+            <a:fillRect/>
+          </a:stretch>
+        </p:blipFill>
+        <p:spPr bwMode="auto">
+          <a:xfrm>
+            <a:off x="9207500" y="2286000"/>
+            <a:ext cx="2667000" cy="2667000"/>
+          </a:xfrm>
+          <a:prstGeom prst="rect">
+            <a:avLst/>
+          </a:prstGeom>
+          <a:noFill/>
+          <a:extLst>
+            <a:ext uri="{909E8E84-426E-40DD-AFC4-6F175D3DCCD1}">
+              <a14:hiddenFill xmlns:a14="http://schemas.microsoft.com/office/drawing/2010/main">
+                <a:solidFill>
+                  <a:srgbClr val="FFFFFF"/>
+                </a:solidFill>
+              </a14:hiddenFill>
+            </a:ext>
+          </a:extLst>
+        </p:spPr>
+      </p:pic>
+    </p:spTree>
+    <p:extLst>
+      <p:ext uri="{BB962C8B-B14F-4D97-AF65-F5344CB8AC3E}">
+        <p14:creationId xmlns:p14="http://schemas.microsoft.com/office/powerpoint/2010/main" val="775267141"/>
+      </p:ext>
+    </p:extLst>
+  </p:cSld>
+  <p:clrMapOvr>
+    <a:masterClrMapping/>
+  </p:clrMapOvr>
+  <p:timing>
+    <p:tnLst>
+      <p:par>
+        <p:cTn id="1" dur="indefinite" restart="never" nodeType="tmRoot"/>
+      </p:par>
+    </p:tnLst>
+  </p:timing>
+</p:sld>
+</file>
+
+<file path=ppt/slides/slide11.xml><?xml version="1.0" encoding="utf-8"?>
+<p:sld xmlns:a="http://schemas.openxmlformats.org/drawingml/2006/main" xmlns:r="http://schemas.openxmlformats.org/officeDocument/2006/relationships" xmlns:p="http://schemas.openxmlformats.org/presentationml/2006/main">
+  <p:cSld>
+    <p:spTree>
+      <p:nvGrpSpPr>
+        <p:cNvPr id="1" name=""/>
+        <p:cNvGrpSpPr/>
+        <p:nvPr/>
+      </p:nvGrpSpPr>
+      <p:grpSpPr>
+        <a:xfrm>
+          <a:off x="0" y="0"/>
+          <a:ext cx="0" cy="0"/>
+          <a:chOff x="0" y="0"/>
+          <a:chExt cx="0" cy="0"/>
+        </a:xfrm>
+      </p:grpSpPr>
+      <p:sp>
+        <p:nvSpPr>
+          <p:cNvPr id="2" name="Title 1"/>
+          <p:cNvSpPr>
+            <a:spLocks noGrp="1"/>
+          </p:cNvSpPr>
+          <p:nvPr>
+            <p:ph type="title"/>
+          </p:nvPr>
+        </p:nvSpPr>
+        <p:spPr/>
+        <p:txBody>
+          <a:bodyPr/>
+          <a:lstStyle/>
+          <a:p>
+            <a:r>
+              <a:rPr lang="en-CA" dirty="0" smtClean="0"/>
+              <a:t>Machine Learning Made Simple</a:t>
+            </a:r>
+            <a:endParaRPr lang="en-CA" dirty="0"/>
+          </a:p>
+        </p:txBody>
+      </p:sp>
+      <p:sp>
+        <p:nvSpPr>
+          <p:cNvPr id="3" name="Content Placeholder 2"/>
+          <p:cNvSpPr>
+            <a:spLocks noGrp="1"/>
+          </p:cNvSpPr>
+          <p:nvPr>
+            <p:ph idx="1"/>
+          </p:nvPr>
+        </p:nvSpPr>
+        <p:spPr/>
+        <p:txBody>
+          <a:bodyPr/>
+          <a:lstStyle/>
+          <a:p>
+            <a:pPr>
+              <a:buClr>
+                <a:schemeClr val="accent1"/>
+              </a:buClr>
+              <a:buFont typeface="Wingdings" panose="05000000000000000000" pitchFamily="2" charset="2"/>
+              <a:buChar char="§"/>
+            </a:pPr>
+            <a:r>
+              <a:rPr lang="en-CA" dirty="0" smtClean="0"/>
+              <a:t>  All of the features are directly accessible on </a:t>
+            </a:r>
+            <a:r>
+              <a:rPr lang="en-CA" b="1" dirty="0" smtClean="0"/>
+              <a:t>one</a:t>
+            </a:r>
+            <a:r>
+              <a:rPr lang="en-CA" dirty="0" smtClean="0"/>
+              <a:t>  page </a:t>
+            </a:r>
+          </a:p>
+        </p:txBody>
+      </p:sp>
+    </p:spTree>
+    <p:extLst>
+      <p:ext uri="{BB962C8B-B14F-4D97-AF65-F5344CB8AC3E}">
+        <p14:creationId xmlns:p14="http://schemas.microsoft.com/office/powerpoint/2010/main" val="2865639674"/>
+      </p:ext>
+    </p:extLst>
+  </p:cSld>
+  <p:clrMapOvr>
+    <a:masterClrMapping/>
+  </p:clrMapOvr>
+</p:sld>
+</file>
+
+<file path=ppt/slides/slide12.xml><?xml version="1.0" encoding="utf-8"?>
+<p:sld xmlns:a="http://schemas.openxmlformats.org/drawingml/2006/main" xmlns:r="http://schemas.openxmlformats.org/officeDocument/2006/relationships" xmlns:p="http://schemas.openxmlformats.org/presentationml/2006/main">
+  <p:cSld>
+    <p:spTree>
+      <p:nvGrpSpPr>
+        <p:cNvPr id="1" name=""/>
+        <p:cNvGrpSpPr/>
+        <p:nvPr/>
+      </p:nvGrpSpPr>
+      <p:grpSpPr>
+        <a:xfrm>
+          <a:off x="0" y="0"/>
+          <a:ext cx="0" cy="0"/>
+          <a:chOff x="0" y="0"/>
+          <a:chExt cx="0" cy="0"/>
+        </a:xfrm>
+      </p:grpSpPr>
+      <p:sp>
+        <p:nvSpPr>
+          <p:cNvPr id="2" name="Title 1"/>
+          <p:cNvSpPr>
+            <a:spLocks noGrp="1"/>
+          </p:cNvSpPr>
+          <p:nvPr>
+            <p:ph type="title"/>
+          </p:nvPr>
+        </p:nvSpPr>
+        <p:spPr/>
+        <p:txBody>
+          <a:bodyPr/>
+          <a:lstStyle/>
+          <a:p>
+            <a:r>
+              <a:rPr lang="en-CA" dirty="0" smtClean="0"/>
+              <a:t>Machine Learning Made Simple</a:t>
+            </a:r>
+            <a:endParaRPr lang="en-CA" dirty="0"/>
+          </a:p>
+        </p:txBody>
+      </p:sp>
+      <p:sp>
+        <p:nvSpPr>
+          <p:cNvPr id="3" name="Content Placeholder 2"/>
+          <p:cNvSpPr>
+            <a:spLocks noGrp="1"/>
+          </p:cNvSpPr>
+          <p:nvPr>
+            <p:ph idx="1"/>
+          </p:nvPr>
+        </p:nvSpPr>
+        <p:spPr/>
+        <p:txBody>
+          <a:bodyPr/>
+          <a:lstStyle/>
+          <a:p>
+            <a:pPr>
+              <a:buClr>
+                <a:schemeClr val="accent1"/>
+              </a:buClr>
+              <a:buFont typeface="Wingdings" panose="05000000000000000000" pitchFamily="2" charset="2"/>
+              <a:buChar char="§"/>
+            </a:pPr>
+            <a:r>
+              <a:rPr lang="en-CA" dirty="0" smtClean="0"/>
+              <a:t>  70% of respondents in a usability survey gave </a:t>
+            </a:r>
+            <a:r>
+              <a:rPr lang="en-CA" dirty="0" err="1" smtClean="0"/>
+              <a:t>GrateBox</a:t>
+            </a:r>
+            <a:r>
+              <a:rPr lang="en-CA" dirty="0" smtClean="0"/>
+              <a:t> 3/3 for overall user experience.</a:t>
+            </a:r>
+          </a:p>
+        </p:txBody>
+      </p:sp>
+      <p:pic>
+        <p:nvPicPr>
+          <p:cNvPr id="5122" name="Picture 2"/>
+          <p:cNvPicPr>
+            <a:picLocks noChangeAspect="1" noChangeArrowheads="1"/>
+          </p:cNvPicPr>
+          <p:nvPr/>
+        </p:nvPicPr>
+        <p:blipFill>
+          <a:blip r:embed="rId2">
+            <a:extLst>
+              <a:ext uri="{28A0092B-C50C-407E-A947-70E740481C1C}">
+                <a14:useLocalDpi xmlns:a14="http://schemas.microsoft.com/office/drawing/2010/main" val="0"/>
+              </a:ext>
+            </a:extLst>
+          </a:blip>
+          <a:srcRect/>
+          <a:stretch>
+            <a:fillRect/>
+          </a:stretch>
+        </p:blipFill>
+        <p:spPr bwMode="auto">
+          <a:xfrm>
+            <a:off x="2965450" y="2967037"/>
+            <a:ext cx="6438900" cy="3438525"/>
+          </a:xfrm>
+          <a:prstGeom prst="rect">
+            <a:avLst/>
+          </a:prstGeom>
+          <a:noFill/>
+          <a:ln>
+            <a:noFill/>
+          </a:ln>
+          <a:extLst>
+            <a:ext uri="{909E8E84-426E-40DD-AFC4-6F175D3DCCD1}">
+              <a14:hiddenFill xmlns:a14="http://schemas.microsoft.com/office/drawing/2010/main">
+                <a:solidFill>
+                  <a:schemeClr val="accent1"/>
+                </a:solidFill>
+              </a14:hiddenFill>
+            </a:ext>
+            <a:ext uri="{91240B29-F687-4F45-9708-019B960494DF}">
+              <a14:hiddenLine xmlns:a14="http://schemas.microsoft.com/office/drawing/2010/main" w="9525">
+                <a:solidFill>
+                  <a:schemeClr val="tx1"/>
+                </a:solidFill>
+                <a:miter lim="800000"/>
+                <a:headEnd/>
+                <a:tailEnd/>
+              </a14:hiddenLine>
+            </a:ext>
+          </a:extLst>
+        </p:spPr>
+      </p:pic>
+    </p:spTree>
+    <p:extLst>
+      <p:ext uri="{BB962C8B-B14F-4D97-AF65-F5344CB8AC3E}">
+        <p14:creationId xmlns:p14="http://schemas.microsoft.com/office/powerpoint/2010/main" val="107566532"/>
+      </p:ext>
+    </p:extLst>
+  </p:cSld>
+  <p:clrMapOvr>
+    <a:masterClrMapping/>
+  </p:clrMapOvr>
+</p:sld>
+</file>
+
+<file path=ppt/slides/slide13.xml><?xml version="1.0" encoding="utf-8"?>
+<p:sld xmlns:a="http://schemas.openxmlformats.org/drawingml/2006/main" xmlns:r="http://schemas.openxmlformats.org/officeDocument/2006/relationships" xmlns:p="http://schemas.openxmlformats.org/presentationml/2006/main">
+  <p:cSld>
+    <p:spTree>
+      <p:nvGrpSpPr>
+        <p:cNvPr id="1" name=""/>
+        <p:cNvGrpSpPr/>
+        <p:nvPr/>
+      </p:nvGrpSpPr>
+      <p:grpSpPr>
+        <a:xfrm>
+          <a:off x="0" y="0"/>
+          <a:ext cx="0" cy="0"/>
+          <a:chOff x="0" y="0"/>
+          <a:chExt cx="0" cy="0"/>
+        </a:xfrm>
+      </p:grpSpPr>
+      <p:sp>
+        <p:nvSpPr>
+          <p:cNvPr id="2" name="Title 1"/>
+          <p:cNvSpPr>
+            <a:spLocks noGrp="1"/>
+          </p:cNvSpPr>
+          <p:nvPr>
+            <p:ph type="title"/>
+          </p:nvPr>
+        </p:nvSpPr>
+        <p:spPr/>
+        <p:txBody>
+          <a:bodyPr/>
+          <a:lstStyle/>
+          <a:p>
+            <a:r>
+              <a:rPr lang="en-CA" dirty="0" smtClean="0"/>
+              <a:t>Want to Play Again?</a:t>
+            </a:r>
+            <a:endParaRPr lang="en-CA" dirty="0"/>
+          </a:p>
+        </p:txBody>
+      </p:sp>
+      <p:sp>
+        <p:nvSpPr>
+          <p:cNvPr id="3" name="Content Placeholder 2"/>
+          <p:cNvSpPr>
+            <a:spLocks noGrp="1"/>
+          </p:cNvSpPr>
+          <p:nvPr>
+            <p:ph idx="1"/>
+          </p:nvPr>
+        </p:nvSpPr>
+        <p:spPr/>
+        <p:txBody>
+          <a:bodyPr/>
+          <a:lstStyle/>
+          <a:p>
+            <a:pPr>
+              <a:buClr>
+                <a:schemeClr val="accent1"/>
+              </a:buClr>
+              <a:buFont typeface="Wingdings" panose="05000000000000000000" pitchFamily="2" charset="2"/>
+              <a:buChar char="§"/>
+            </a:pPr>
+            <a:r>
+              <a:rPr lang="en-US" dirty="0"/>
+              <a:t> </a:t>
+            </a:r>
+            <a:r>
+              <a:rPr lang="en-US" dirty="0" smtClean="0"/>
+              <a:t>Everyday is a new adventure with </a:t>
+            </a:r>
+            <a:r>
+              <a:rPr lang="en-US" dirty="0" err="1" smtClean="0"/>
+              <a:t>GrateBox</a:t>
+            </a:r>
+            <a:r>
+              <a:rPr lang="en-US" dirty="0"/>
+              <a:t>!</a:t>
+            </a:r>
+            <a:endParaRPr lang="en-US" dirty="0" smtClean="0"/>
+          </a:p>
+          <a:p>
+            <a:pPr>
+              <a:buClr>
+                <a:schemeClr val="accent1"/>
+              </a:buClr>
+              <a:buFont typeface="Wingdings" panose="05000000000000000000" pitchFamily="2" charset="2"/>
+              <a:buChar char="§"/>
+            </a:pPr>
+            <a:r>
+              <a:rPr lang="en-US" dirty="0"/>
+              <a:t> </a:t>
+            </a:r>
+            <a:r>
+              <a:rPr lang="en-US" dirty="0" smtClean="0"/>
+              <a:t>The random nature of Genetic Algorithm allows for new cars to be generated with each generation.</a:t>
+            </a:r>
+          </a:p>
+          <a:p>
+            <a:pPr>
+              <a:buClr>
+                <a:schemeClr val="accent1"/>
+              </a:buClr>
+              <a:buFont typeface="Wingdings" panose="05000000000000000000" pitchFamily="2" charset="2"/>
+              <a:buChar char="§"/>
+            </a:pPr>
+            <a:r>
+              <a:rPr lang="en-US" dirty="0"/>
+              <a:t> </a:t>
+            </a:r>
+            <a:r>
+              <a:rPr lang="en-US" dirty="0" smtClean="0"/>
+              <a:t> Every time you run the program, you’re bound to see new cars with new designs!</a:t>
+            </a:r>
+            <a:endParaRPr lang="en-CA" dirty="0"/>
+          </a:p>
+        </p:txBody>
+      </p:sp>
+    </p:spTree>
+    <p:extLst>
+      <p:ext uri="{BB962C8B-B14F-4D97-AF65-F5344CB8AC3E}">
+        <p14:creationId xmlns:p14="http://schemas.microsoft.com/office/powerpoint/2010/main" val="3053256050"/>
+      </p:ext>
+    </p:extLst>
+  </p:cSld>
+  <p:clrMapOvr>
+    <a:masterClrMapping/>
+  </p:clrMapOvr>
+</p:sld>
+</file>
+
+<file path=ppt/slides/slide14.xml><?xml version="1.0" encoding="utf-8"?>
+<p:sld xmlns:a="http://schemas.openxmlformats.org/drawingml/2006/main" xmlns:r="http://schemas.openxmlformats.org/officeDocument/2006/relationships" xmlns:p="http://schemas.openxmlformats.org/presentationml/2006/main">
+  <p:cSld>
+    <p:spTree>
+      <p:nvGrpSpPr>
+        <p:cNvPr id="1" name=""/>
+        <p:cNvGrpSpPr/>
+        <p:nvPr/>
+      </p:nvGrpSpPr>
+      <p:grpSpPr>
+        <a:xfrm>
+          <a:off x="0" y="0"/>
+          <a:ext cx="0" cy="0"/>
+          <a:chOff x="0" y="0"/>
+          <a:chExt cx="0" cy="0"/>
+        </a:xfrm>
+      </p:grpSpPr>
+      <p:sp>
+        <p:nvSpPr>
+          <p:cNvPr id="2" name="Title 1"/>
+          <p:cNvSpPr>
+            <a:spLocks noGrp="1"/>
+          </p:cNvSpPr>
+          <p:nvPr>
+            <p:ph type="title"/>
+          </p:nvPr>
+        </p:nvSpPr>
+        <p:spPr/>
+        <p:txBody>
+          <a:bodyPr/>
+          <a:lstStyle/>
+          <a:p>
+            <a:r>
+              <a:rPr lang="en-CA" dirty="0" smtClean="0"/>
+              <a:t>Something for the Developers Too!</a:t>
+            </a:r>
+            <a:endParaRPr lang="en-CA" dirty="0"/>
+          </a:p>
+        </p:txBody>
+      </p:sp>
+      <p:sp>
+        <p:nvSpPr>
+          <p:cNvPr id="3" name="Content Placeholder 2"/>
+          <p:cNvSpPr>
+            <a:spLocks noGrp="1"/>
+          </p:cNvSpPr>
+          <p:nvPr>
+            <p:ph idx="1"/>
+          </p:nvPr>
+        </p:nvSpPr>
+        <p:spPr/>
+        <p:txBody>
+          <a:bodyPr/>
+          <a:lstStyle/>
+          <a:p>
+            <a:pPr>
+              <a:buClr>
+                <a:schemeClr val="accent1"/>
+              </a:buClr>
+              <a:buFont typeface="Wingdings" panose="05000000000000000000" pitchFamily="2" charset="2"/>
+              <a:buChar char="§"/>
+            </a:pPr>
+            <a:r>
+              <a:rPr lang="en-US" dirty="0"/>
+              <a:t> </a:t>
+            </a:r>
+            <a:r>
+              <a:rPr lang="en-US" dirty="0" smtClean="0"/>
+              <a:t>Interested in getting into Genetic Algorithms as a developer?</a:t>
+            </a:r>
+          </a:p>
+          <a:p>
+            <a:pPr>
+              <a:buClr>
+                <a:schemeClr val="accent1"/>
+              </a:buClr>
+              <a:buFont typeface="Wingdings" panose="05000000000000000000" pitchFamily="2" charset="2"/>
+              <a:buChar char="§"/>
+            </a:pPr>
+            <a:r>
+              <a:rPr lang="en-US" dirty="0"/>
+              <a:t> </a:t>
+            </a:r>
+            <a:r>
+              <a:rPr lang="en-US" dirty="0" smtClean="0"/>
+              <a:t> </a:t>
+            </a:r>
+            <a:r>
+              <a:rPr lang="en-US" dirty="0" err="1" smtClean="0"/>
+              <a:t>GrateBox</a:t>
+            </a:r>
+            <a:r>
+              <a:rPr lang="en-US" dirty="0" smtClean="0"/>
+              <a:t> is meticulously documented so anyone can contribute to the ever-growing body of code.</a:t>
+            </a:r>
+          </a:p>
+          <a:p>
+            <a:pPr>
+              <a:buClr>
+                <a:schemeClr val="accent1"/>
+              </a:buClr>
+              <a:buFont typeface="Wingdings" panose="05000000000000000000" pitchFamily="2" charset="2"/>
+              <a:buChar char="§"/>
+            </a:pPr>
+            <a:r>
+              <a:rPr lang="en-US" dirty="0"/>
+              <a:t> </a:t>
+            </a:r>
+            <a:r>
+              <a:rPr lang="en-US" dirty="0" smtClean="0"/>
+              <a:t> Our open source license allows anyone to modify, redistribute, and share the code.</a:t>
+            </a:r>
+            <a:endParaRPr lang="en-CA" dirty="0"/>
+          </a:p>
+        </p:txBody>
+      </p:sp>
+    </p:spTree>
+    <p:extLst>
+      <p:ext uri="{BB962C8B-B14F-4D97-AF65-F5344CB8AC3E}">
+        <p14:creationId xmlns:p14="http://schemas.microsoft.com/office/powerpoint/2010/main" val="1667083250"/>
+      </p:ext>
+    </p:extLst>
+  </p:cSld>
+  <p:clrMapOvr>
+    <a:masterClrMapping/>
+  </p:clrMapOvr>
+</p:sld>
+</file>
+
+<file path=ppt/slides/slide15.xml><?xml version="1.0" encoding="utf-8"?>
+<p:sld xmlns:a="http://schemas.openxmlformats.org/drawingml/2006/main" xmlns:r="http://schemas.openxmlformats.org/officeDocument/2006/relationships" xmlns:p="http://schemas.openxmlformats.org/presentationml/2006/main">
+  <p:cSld>
+    <p:spTree>
+      <p:nvGrpSpPr>
+        <p:cNvPr id="1" name=""/>
+        <p:cNvGrpSpPr/>
+        <p:nvPr/>
+      </p:nvGrpSpPr>
+      <p:grpSpPr>
+        <a:xfrm>
+          <a:off x="0" y="0"/>
+          <a:ext cx="0" cy="0"/>
+          <a:chOff x="0" y="0"/>
+          <a:chExt cx="0" cy="0"/>
+        </a:xfrm>
+      </p:grpSpPr>
+      <p:sp>
+        <p:nvSpPr>
+          <p:cNvPr id="4" name="Title 3"/>
+          <p:cNvSpPr>
+            <a:spLocks noGrp="1"/>
+          </p:cNvSpPr>
+          <p:nvPr>
+            <p:ph type="ctrTitle"/>
+          </p:nvPr>
+        </p:nvSpPr>
+        <p:spPr/>
+        <p:txBody>
+          <a:bodyPr/>
+          <a:lstStyle/>
+          <a:p>
+            <a:r>
+              <a:rPr lang="en-CA" dirty="0" smtClean="0"/>
+              <a:t>So, Let’s Play…</a:t>
+            </a:r>
+            <a:endParaRPr lang="en-CA" dirty="0"/>
+          </a:p>
+        </p:txBody>
+      </p:sp>
+      <p:sp>
+        <p:nvSpPr>
+          <p:cNvPr id="5" name="Subtitle 4"/>
+          <p:cNvSpPr>
+            <a:spLocks noGrp="1"/>
+          </p:cNvSpPr>
+          <p:nvPr>
+            <p:ph type="subTitle" idx="1"/>
+          </p:nvPr>
+        </p:nvSpPr>
+        <p:spPr/>
+        <p:txBody>
+          <a:bodyPr/>
+          <a:lstStyle/>
+          <a:p>
+            <a:r>
+              <a:rPr lang="en-CA" dirty="0" smtClean="0"/>
+              <a:t>… Any Questions?</a:t>
+            </a:r>
+            <a:endParaRPr lang="en-CA" dirty="0"/>
+          </a:p>
+        </p:txBody>
+      </p:sp>
+      <p:pic>
+        <p:nvPicPr>
+          <p:cNvPr id="6" name="Picture 5"/>
+          <p:cNvPicPr>
+            <a:picLocks noChangeAspect="1"/>
+          </p:cNvPicPr>
+          <p:nvPr/>
+        </p:nvPicPr>
+        <p:blipFill rotWithShape="1">
+          <a:blip r:embed="rId2">
+            <a:clrChange>
+              <a:clrFrom>
+                <a:srgbClr val="FFFFFF"/>
+              </a:clrFrom>
+              <a:clrTo>
+                <a:srgbClr val="FFFFFF">
+                  <a:alpha val="0"/>
+                </a:srgbClr>
+              </a:clrTo>
+            </a:clrChange>
+            <a:extLst>
+              <a:ext uri="{28A0092B-C50C-407E-A947-70E740481C1C}">
+                <a14:useLocalDpi xmlns:a14="http://schemas.microsoft.com/office/drawing/2010/main" val="0"/>
+              </a:ext>
+            </a:extLst>
+          </a:blip>
+          <a:srcRect b="15077"/>
+          <a:stretch/>
+        </p:blipFill>
+        <p:spPr>
+          <a:xfrm>
+            <a:off x="10460554" y="5574314"/>
+            <a:ext cx="1731446" cy="1172474"/>
+          </a:xfrm>
+          <a:prstGeom prst="rect">
+            <a:avLst/>
+          </a:prstGeom>
+        </p:spPr>
+      </p:pic>
+    </p:spTree>
+    <p:extLst>
+      <p:ext uri="{BB962C8B-B14F-4D97-AF65-F5344CB8AC3E}">
+        <p14:creationId xmlns:p14="http://schemas.microsoft.com/office/powerpoint/2010/main" val="4186884305"/>
+      </p:ext>
+    </p:extLst>
+  </p:cSld>
+  <p:clrMapOvr>
+    <a:masterClrMapping/>
+  </p:clrMapOvr>
+</p:sld>
+</file>
+
 <file path=ppt/slides/slide2.xml><?xml version="1.0" encoding="utf-8"?>
 <p:sld xmlns:a="http://schemas.openxmlformats.org/drawingml/2006/main" xmlns:r="http://schemas.openxmlformats.org/officeDocument/2006/relationships" xmlns:p="http://schemas.openxmlformats.org/presentationml/2006/main">
   <p:cSld>
@@ -7248,7 +11084,7 @@
         </p:nvSpPr>
         <p:spPr>
           <a:xfrm>
-            <a:off x="4789054" y="2133715"/>
+            <a:off x="4827154" y="2133715"/>
             <a:ext cx="2964468" cy="3767328"/>
           </a:xfrm>
         </p:spPr>
@@ -7314,7 +11150,7 @@
         </p:nvSpPr>
         <p:spPr>
           <a:xfrm>
-            <a:off x="9029480" y="2158429"/>
+            <a:off x="8750080" y="2158429"/>
             <a:ext cx="2964468" cy="3767328"/>
           </a:xfrm>
         </p:spPr>
@@ -7423,84 +11259,156 @@
           <a:p>
             <a:r>
               <a:rPr lang="en-US" dirty="0" smtClean="0"/>
-              <a:t>What Do Grate people Do?</a:t>
+              <a:t>What Do Grate People Do?</a:t>
             </a:r>
             <a:endParaRPr lang="en-US" dirty="0"/>
           </a:p>
         </p:txBody>
       </p:sp>
-      <p:sp>
-        <p:nvSpPr>
-          <p:cNvPr id="3" name="Content Placeholder 2"/>
-          <p:cNvSpPr>
-            <a:spLocks noGrp="1"/>
-          </p:cNvSpPr>
-          <p:nvPr>
-            <p:ph idx="1"/>
-          </p:nvPr>
-        </p:nvSpPr>
-        <p:spPr/>
-        <p:txBody>
-          <a:bodyPr/>
-          <a:lstStyle/>
-          <a:p>
-            <a:pPr>
-              <a:buClr>
-                <a:schemeClr val="accent1"/>
-              </a:buClr>
-              <a:buFont typeface="Wingdings" panose="05000000000000000000" pitchFamily="2" charset="2"/>
-              <a:buChar char="§"/>
-            </a:pPr>
-            <a:r>
-              <a:rPr lang="en-US" dirty="0" smtClean="0"/>
-              <a:t>  Genetic Algorithms are a powerful tool that can be used in a variety of situations in order to find the near optimal solution to a poorly defined problem. </a:t>
-            </a:r>
-          </a:p>
-          <a:p>
-            <a:pPr>
-              <a:buClr>
-                <a:schemeClr val="accent1"/>
-              </a:buClr>
-              <a:buFont typeface="Wingdings" panose="05000000000000000000" pitchFamily="2" charset="2"/>
-              <a:buChar char="§"/>
-            </a:pPr>
-            <a:r>
-              <a:rPr lang="en-US" dirty="0"/>
-              <a:t> </a:t>
-            </a:r>
-            <a:r>
-              <a:rPr lang="en-US" dirty="0" smtClean="0"/>
-              <a:t> It has real world applications in </a:t>
-            </a:r>
-            <a:r>
-              <a:rPr lang="en-CA" dirty="0"/>
-              <a:t>automated design, bioinformatics, economics, game theory, and training neural </a:t>
-            </a:r>
-            <a:r>
-              <a:rPr lang="en-CA" dirty="0" smtClean="0"/>
-              <a:t>networks.</a:t>
-            </a:r>
-          </a:p>
-          <a:p>
-            <a:pPr>
-              <a:buClr>
-                <a:schemeClr val="accent1"/>
-              </a:buClr>
-              <a:buFont typeface="Wingdings" panose="05000000000000000000" pitchFamily="2" charset="2"/>
-              <a:buChar char="§"/>
-            </a:pPr>
-            <a:r>
-              <a:rPr lang="en-US" dirty="0"/>
-              <a:t> </a:t>
-            </a:r>
-            <a:r>
-              <a:rPr lang="en-US" dirty="0" smtClean="0"/>
-              <a:t> Grate’s goal is to educate students and professionals alike on the power of Genetic Algorithms</a:t>
-            </a:r>
-            <a:endParaRPr lang="en-CA" dirty="0"/>
-          </a:p>
-        </p:txBody>
-      </p:sp>
+      <p:pic>
+        <p:nvPicPr>
+          <p:cNvPr id="1026" name="Picture 2" descr="https://public-media.interaction-design.org/images/courses/course_cover_image_courseseriesID_6.jpg"/>
+          <p:cNvPicPr>
+            <a:picLocks noChangeAspect="1" noChangeArrowheads="1"/>
+          </p:cNvPicPr>
+          <p:nvPr/>
+        </p:nvPicPr>
+        <p:blipFill>
+          <a:blip r:embed="rId3">
+            <a:extLst>
+              <a:ext uri="{28A0092B-C50C-407E-A947-70E740481C1C}">
+                <a14:useLocalDpi xmlns:a14="http://schemas.microsoft.com/office/drawing/2010/main" val="0"/>
+              </a:ext>
+            </a:extLst>
+          </a:blip>
+          <a:srcRect/>
+          <a:stretch>
+            <a:fillRect/>
+          </a:stretch>
+        </p:blipFill>
+        <p:spPr bwMode="auto">
+          <a:xfrm>
+            <a:off x="612776" y="2662237"/>
+            <a:ext cx="3545416" cy="2659063"/>
+          </a:xfrm>
+          <a:prstGeom prst="rect">
+            <a:avLst/>
+          </a:prstGeom>
+          <a:noFill/>
+          <a:extLst>
+            <a:ext uri="{909E8E84-426E-40DD-AFC4-6F175D3DCCD1}">
+              <a14:hiddenFill xmlns:a14="http://schemas.microsoft.com/office/drawing/2010/main">
+                <a:solidFill>
+                  <a:srgbClr val="FFFFFF"/>
+                </a:solidFill>
+              </a14:hiddenFill>
+            </a:ext>
+          </a:extLst>
+        </p:spPr>
+      </p:pic>
+      <p:pic>
+        <p:nvPicPr>
+          <p:cNvPr id="1028" name="Picture 4" descr="Image result for code"/>
+          <p:cNvPicPr>
+            <a:picLocks noChangeAspect="1" noChangeArrowheads="1"/>
+          </p:cNvPicPr>
+          <p:nvPr/>
+        </p:nvPicPr>
+        <p:blipFill>
+          <a:blip r:embed="rId4">
+            <a:extLst>
+              <a:ext uri="{BEBA8EAE-BF5A-486C-A8C5-ECC9F3942E4B}">
+                <a14:imgProps xmlns:a14="http://schemas.microsoft.com/office/drawing/2010/main">
+                  <a14:imgLayer r:embed="rId5">
+                    <a14:imgEffect>
+                      <a14:colorTemperature colorTemp="4700"/>
+                    </a14:imgEffect>
+                  </a14:imgLayer>
+                </a14:imgProps>
+              </a:ext>
+              <a:ext uri="{28A0092B-C50C-407E-A947-70E740481C1C}">
+                <a14:useLocalDpi xmlns:a14="http://schemas.microsoft.com/office/drawing/2010/main" val="0"/>
+              </a:ext>
+            </a:extLst>
+          </a:blip>
+          <a:srcRect/>
+          <a:stretch>
+            <a:fillRect/>
+          </a:stretch>
+        </p:blipFill>
+        <p:spPr bwMode="auto">
+          <a:xfrm>
+            <a:off x="4613275" y="2030410"/>
+            <a:ext cx="3810000" cy="3524251"/>
+          </a:xfrm>
+          <a:prstGeom prst="rect">
+            <a:avLst/>
+          </a:prstGeom>
+          <a:noFill/>
+          <a:extLst>
+            <a:ext uri="{909E8E84-426E-40DD-AFC4-6F175D3DCCD1}">
+              <a14:hiddenFill xmlns:a14="http://schemas.microsoft.com/office/drawing/2010/main">
+                <a:solidFill>
+                  <a:srgbClr val="FFFFFF"/>
+                </a:solidFill>
+              </a14:hiddenFill>
+            </a:ext>
+          </a:extLst>
+        </p:spPr>
+      </p:pic>
+      <p:pic>
+        <p:nvPicPr>
+          <p:cNvPr id="1030" name="Picture 6" descr="Image result for document"/>
+          <p:cNvPicPr>
+            <a:picLocks noChangeAspect="1" noChangeArrowheads="1"/>
+          </p:cNvPicPr>
+          <p:nvPr/>
+        </p:nvPicPr>
+        <p:blipFill>
+          <a:blip r:embed="rId6">
+            <a:extLst>
+              <a:ext uri="{BEBA8EAE-BF5A-486C-A8C5-ECC9F3942E4B}">
+                <a14:imgProps xmlns:a14="http://schemas.microsoft.com/office/drawing/2010/main">
+                  <a14:imgLayer r:embed="rId7">
+                    <a14:imgEffect>
+                      <a14:colorTemperature colorTemp="5900"/>
+                    </a14:imgEffect>
+                    <a14:imgEffect>
+                      <a14:saturation sat="400000"/>
+                    </a14:imgEffect>
+                  </a14:imgLayer>
+                </a14:imgProps>
+              </a:ext>
+              <a:ext uri="{28A0092B-C50C-407E-A947-70E740481C1C}">
+                <a14:useLocalDpi xmlns:a14="http://schemas.microsoft.com/office/drawing/2010/main" val="0"/>
+              </a:ext>
+            </a:extLst>
+          </a:blip>
+          <a:srcRect/>
+          <a:stretch>
+            <a:fillRect/>
+          </a:stretch>
+        </p:blipFill>
+        <p:spPr bwMode="auto">
+          <a:xfrm>
+            <a:off x="7991475" y="2475259"/>
+            <a:ext cx="4345545" cy="3033015"/>
+          </a:xfrm>
+          <a:prstGeom prst="rect">
+            <a:avLst/>
+          </a:prstGeom>
+          <a:noFill/>
+          <a:extLst>
+            <a:ext uri="{909E8E84-426E-40DD-AFC4-6F175D3DCCD1}">
+              <a14:hiddenFill xmlns:a14="http://schemas.microsoft.com/office/drawing/2010/main">
+                <a:solidFill>
+                  <a:srgbClr val="FFFFFF"/>
+                </a:solidFill>
+              </a14:hiddenFill>
+            </a:ext>
+          </a:extLst>
+        </p:spPr>
+      </p:pic>
     </p:spTree>
     <p:extLst>
       <p:ext uri="{BB962C8B-B14F-4D97-AF65-F5344CB8AC3E}">
@@ -7548,7 +11456,7 @@
           <a:p>
             <a:r>
               <a:rPr lang="en-CA" dirty="0" smtClean="0"/>
-              <a:t>Well… What is a Genetic Algorithm?</a:t>
+              <a:t>So…</a:t>
             </a:r>
             <a:endParaRPr lang="en-CA" dirty="0"/>
           </a:p>
@@ -7578,33 +11486,28 @@
             </a:pPr>
             <a:r>
               <a:rPr lang="en-US" dirty="0"/>
-              <a:t>  </a:t>
+              <a:t> </a:t>
             </a:r>
             <a:r>
               <a:rPr lang="en-US" dirty="0" smtClean="0"/>
-              <a:t>In essence, Genetic Algorithms simulates the process of natural selection in order to                       </a:t>
-            </a:r>
-            <a:r>
-              <a:rPr lang="en-US" u="sng" dirty="0" smtClean="0"/>
-              <a:t>evolve</a:t>
-            </a:r>
-            <a:r>
-              <a:rPr lang="en-US" dirty="0" smtClean="0"/>
-              <a:t> members of a </a:t>
-            </a:r>
-            <a:r>
-              <a:rPr lang="en-US" u="sng" dirty="0" smtClean="0"/>
-              <a:t>population</a:t>
-            </a:r>
-            <a:r>
-              <a:rPr lang="en-US" dirty="0" smtClean="0"/>
-              <a:t> according to a </a:t>
-            </a:r>
-            <a:r>
-              <a:rPr lang="en-US" u="sng" dirty="0" smtClean="0"/>
-              <a:t>fitness criteria</a:t>
-            </a:r>
-            <a:endParaRPr lang="en-US" dirty="0"/>
+              <a:t>G</a:t>
+            </a:r>
+            <a:r>
+              <a:rPr lang="en-CA" dirty="0" smtClean="0"/>
+              <a:t>rate </a:t>
+            </a:r>
+            <a:r>
+              <a:rPr lang="en-CA" dirty="0" err="1" smtClean="0"/>
+              <a:t>reimplemented</a:t>
+            </a:r>
+            <a:r>
+              <a:rPr lang="en-CA" dirty="0"/>
+              <a:t> </a:t>
+            </a:r>
+            <a:r>
+              <a:rPr lang="en-CA" dirty="0" smtClean="0"/>
+              <a:t>Genetic Cars by Rednhut.org</a:t>
+            </a:r>
           </a:p>
           <a:p>
             <a:pPr>
@@ -7614,7 +11517,14 @@
               <a:buFont typeface="Wingdings" panose="05000000000000000000" pitchFamily="2" charset="2"/>
               <a:buChar char="§"/>
             </a:pPr>
-            <a:endParaRPr lang="en-US" u="sng" dirty="0" smtClean="0"/>
+            <a:r>
+              <a:rPr lang="en-CA" dirty="0"/>
+              <a:t> </a:t>
+            </a:r>
+            <a:r>
+              <a:rPr lang="en-CA" dirty="0" smtClean="0"/>
+              <a:t>Genetic Cars is a cars generation simulation designed to show the effects of a Genetic Algorithm over time.</a:t>
+            </a:r>
           </a:p>
           <a:p>
             <a:pPr>
@@ -7624,54 +11534,63 @@
               <a:buFont typeface="Wingdings" panose="05000000000000000000" pitchFamily="2" charset="2"/>
               <a:buChar char="§"/>
             </a:pPr>
-            <a:endParaRPr lang="en-US" u="sng" dirty="0"/>
+            <a:r>
+              <a:rPr lang="en-CA" dirty="0" smtClean="0"/>
+              <a:t> Cars are generated and they are made to run through a track.</a:t>
+            </a:r>
+          </a:p>
+          <a:p>
+            <a:pPr>
+              <a:buClr>
+                <a:schemeClr val="accent1"/>
+              </a:buClr>
+              <a:buFont typeface="Wingdings" panose="05000000000000000000" pitchFamily="2" charset="2"/>
+              <a:buChar char="§"/>
+            </a:pPr>
+            <a:r>
+              <a:rPr lang="en-CA" dirty="0"/>
+              <a:t> </a:t>
+            </a:r>
+            <a:r>
+              <a:rPr lang="en-CA" dirty="0" smtClean="0"/>
+              <a:t>The cars that got the furthest are selected to produce the next generation of cars.</a:t>
+            </a:r>
+          </a:p>
+          <a:p>
+            <a:pPr>
+              <a:buClr>
+                <a:schemeClr val="accent1"/>
+              </a:buClr>
+              <a:buFont typeface="Wingdings" panose="05000000000000000000" pitchFamily="2" charset="2"/>
+              <a:buChar char="§"/>
+            </a:pPr>
+            <a:r>
+              <a:rPr lang="en-CA" dirty="0"/>
+              <a:t> </a:t>
+            </a:r>
+            <a:r>
+              <a:rPr lang="en-CA" dirty="0" smtClean="0"/>
+              <a:t> Text on the bottom shows the results of each generation.</a:t>
+            </a:r>
+            <a:endParaRPr lang="en-CA" dirty="0"/>
           </a:p>
         </p:txBody>
       </p:sp>
-      <p:graphicFrame>
-        <p:nvGraphicFramePr>
-          <p:cNvPr id="4" name="Diagram 3"/>
-          <p:cNvGraphicFramePr/>
-          <p:nvPr>
-            <p:extLst>
-              <p:ext uri="{D42A27DB-BD31-4B8C-83A1-F6EECF244321}">
-                <p14:modId xmlns:p14="http://schemas.microsoft.com/office/powerpoint/2010/main" val="1803114886"/>
-              </p:ext>
-            </p:extLst>
-          </p:nvPr>
-        </p:nvGraphicFramePr>
-        <p:xfrm>
-          <a:off x="3340100" y="2887133"/>
-          <a:ext cx="5410200" cy="3606800"/>
-        </p:xfrm>
-        <a:graphic>
-          <a:graphicData uri="http://schemas.openxmlformats.org/drawingml/2006/diagram">
-            <dgm:relIds xmlns:dgm="http://schemas.openxmlformats.org/drawingml/2006/diagram" xmlns:r="http://schemas.openxmlformats.org/officeDocument/2006/relationships" r:dm="rId2" r:lo="rId3" r:qs="rId4" r:cs="rId5"/>
-          </a:graphicData>
-        </a:graphic>
-      </p:graphicFrame>
     </p:spTree>
     <p:extLst>
       <p:ext uri="{BB962C8B-B14F-4D97-AF65-F5344CB8AC3E}">
-        <p14:creationId xmlns:p14="http://schemas.microsoft.com/office/powerpoint/2010/main" val="3311378066"/>
+        <p14:creationId xmlns:p14="http://schemas.microsoft.com/office/powerpoint/2010/main" val="2586700736"/>
       </p:ext>
     </p:extLst>
   </p:cSld>
   <p:clrMapOvr>
     <a:masterClrMapping/>
   </p:clrMapOvr>
-  <p:timing>
-    <p:tnLst>
-      <p:par>
-        <p:cTn id="1" dur="indefinite" restart="never" nodeType="tmRoot"/>
-      </p:par>
-    </p:tnLst>
-  </p:timing>
 </p:sld>
 </file>
 
 <file path=ppt/slides/slide5.xml><?xml version="1.0" encoding="utf-8"?>
-<p:sld xmlns:a="http://schemas.openxmlformats.org/drawingml/2006/main" xmlns:r="http://schemas.openxmlformats.org/officeDocument/2006/relationships" xmlns:p="http://schemas.openxmlformats.org/presentationml/2006/main">
+<p:sld xmlns:a="http://schemas.openxmlformats.org/drawingml/2006/main" xmlns:r="http://schemas.openxmlformats.org/officeDocument/2006/relationships" xmlns:p="http://schemas.openxmlformats.org/presentationml/2006/main" show="0">
   <p:cSld>
     <p:spTree>
       <p:nvGrpSpPr>
@@ -7704,136 +11623,59 @@
           <a:p>
             <a:r>
               <a:rPr lang="en-CA" dirty="0" smtClean="0"/>
-              <a:t>What EXCATLY Did Grate Do?</a:t>
+              <a:t>Well… What is a Genetic Algorithm?</a:t>
             </a:r>
             <a:endParaRPr lang="en-CA" dirty="0"/>
           </a:p>
         </p:txBody>
       </p:sp>
-      <p:sp>
-        <p:nvSpPr>
-          <p:cNvPr id="3" name="Content Placeholder 2"/>
-          <p:cNvSpPr>
-            <a:spLocks noGrp="1"/>
-          </p:cNvSpPr>
+      <p:graphicFrame>
+        <p:nvGraphicFramePr>
+          <p:cNvPr id="4" name="Diagram 3"/>
+          <p:cNvGraphicFramePr/>
           <p:nvPr>
-            <p:ph idx="1"/>
+            <p:extLst>
+              <p:ext uri="{D42A27DB-BD31-4B8C-83A1-F6EECF244321}">
+                <p14:modId xmlns:p14="http://schemas.microsoft.com/office/powerpoint/2010/main" val="3644522492"/>
+              </p:ext>
+            </p:extLst>
           </p:nvPr>
-        </p:nvSpPr>
-        <p:spPr/>
-        <p:txBody>
-          <a:bodyPr/>
-          <a:lstStyle/>
-          <a:p>
-            <a:pPr>
-              <a:buClr>
-                <a:schemeClr val="accent1"/>
-              </a:buClr>
-              <a:buFont typeface="Wingdings" panose="05000000000000000000" pitchFamily="2" charset="2"/>
-              <a:buChar char="§"/>
-            </a:pPr>
-            <a:r>
-              <a:rPr lang="en-US" dirty="0"/>
-              <a:t> </a:t>
-            </a:r>
-            <a:r>
-              <a:rPr lang="en-US" dirty="0" smtClean="0"/>
-              <a:t>G</a:t>
-            </a:r>
-            <a:r>
-              <a:rPr lang="en-CA" dirty="0" smtClean="0"/>
-              <a:t>rate </a:t>
-            </a:r>
-            <a:r>
-              <a:rPr lang="en-CA" dirty="0" err="1" smtClean="0"/>
-              <a:t>reimplemented</a:t>
-            </a:r>
-            <a:r>
-              <a:rPr lang="en-CA" dirty="0"/>
-              <a:t> </a:t>
-            </a:r>
-            <a:r>
-              <a:rPr lang="en-CA" dirty="0" smtClean="0"/>
-              <a:t>Genetic Cars by Rednhut.org</a:t>
-            </a:r>
-          </a:p>
-          <a:p>
-            <a:pPr>
-              <a:buClr>
-                <a:schemeClr val="accent1"/>
-              </a:buClr>
-              <a:buFont typeface="Wingdings" panose="05000000000000000000" pitchFamily="2" charset="2"/>
-              <a:buChar char="§"/>
-            </a:pPr>
-            <a:r>
-              <a:rPr lang="en-CA" dirty="0"/>
-              <a:t> </a:t>
-            </a:r>
-            <a:r>
-              <a:rPr lang="en-CA" dirty="0" smtClean="0"/>
-              <a:t>Genetic Cars is a cars generation simulation designed to show the effects of a Genetic Algorithm over time.</a:t>
-            </a:r>
-          </a:p>
-          <a:p>
-            <a:pPr>
-              <a:buClr>
-                <a:schemeClr val="accent1"/>
-              </a:buClr>
-              <a:buFont typeface="Wingdings" panose="05000000000000000000" pitchFamily="2" charset="2"/>
-              <a:buChar char="§"/>
-            </a:pPr>
-            <a:r>
-              <a:rPr lang="en-CA" dirty="0" smtClean="0"/>
-              <a:t> Cars are generated and they are made to run through a track.</a:t>
-            </a:r>
-          </a:p>
-          <a:p>
-            <a:pPr>
-              <a:buClr>
-                <a:schemeClr val="accent1"/>
-              </a:buClr>
-              <a:buFont typeface="Wingdings" panose="05000000000000000000" pitchFamily="2" charset="2"/>
-              <a:buChar char="§"/>
-            </a:pPr>
-            <a:r>
-              <a:rPr lang="en-CA" dirty="0"/>
-              <a:t> </a:t>
-            </a:r>
-            <a:r>
-              <a:rPr lang="en-CA" dirty="0" smtClean="0"/>
-              <a:t>The cars that got the furthest are selected to produce the next generation of cars.</a:t>
-            </a:r>
-          </a:p>
-          <a:p>
-            <a:pPr>
-              <a:buClr>
-                <a:schemeClr val="accent1"/>
-              </a:buClr>
-              <a:buFont typeface="Wingdings" panose="05000000000000000000" pitchFamily="2" charset="2"/>
-              <a:buChar char="§"/>
-            </a:pPr>
-            <a:r>
-              <a:rPr lang="en-CA" dirty="0"/>
-              <a:t> </a:t>
-            </a:r>
-            <a:r>
-              <a:rPr lang="en-CA" dirty="0" smtClean="0"/>
-              <a:t> Text on the bottom shows the results of each generation.</a:t>
-            </a:r>
-            <a:endParaRPr lang="en-CA" dirty="0"/>
-          </a:p>
-        </p:txBody>
-      </p:sp>
+        </p:nvGraphicFramePr>
+        <p:xfrm>
+          <a:off x="2311400" y="1849966"/>
+          <a:ext cx="6985000" cy="4656667"/>
+        </p:xfrm>
+        <a:graphic>
+          <a:graphicData uri="http://schemas.openxmlformats.org/drawingml/2006/diagram">
+            <dgm:relIds xmlns:dgm="http://schemas.openxmlformats.org/drawingml/2006/diagram" xmlns:r="http://schemas.openxmlformats.org/officeDocument/2006/relationships" r:dm="rId2" r:lo="rId3" r:qs="rId4" r:cs="rId5"/>
+          </a:graphicData>
+        </a:graphic>
+      </p:graphicFrame>
     </p:spTree>
     <p:extLst>
       <p:ext uri="{BB962C8B-B14F-4D97-AF65-F5344CB8AC3E}">
-        <p14:creationId xmlns:p14="http://schemas.microsoft.com/office/powerpoint/2010/main" val="2586700736"/>
+        <p14:creationId xmlns:p14="http://schemas.microsoft.com/office/powerpoint/2010/main" val="3311378066"/>
       </p:ext>
     </p:extLst>
   </p:cSld>
   <p:clrMapOvr>
     <a:masterClrMapping/>
   </p:clrMapOvr>
+  <mc:AlternateContent xmlns:mc="http://schemas.openxmlformats.org/markup-compatibility/2006">
+    <mc:Choice xmlns:p14="http://schemas.microsoft.com/office/powerpoint/2010/main" Requires="p14">
+      <p:transition spd="slow" p14:dur="2000"/>
+    </mc:Choice>
+    <mc:Fallback>
+      <p:transition spd="slow"/>
+    </mc:Fallback>
+  </mc:AlternateContent>
+  <p:timing>
+    <p:tnLst>
+      <p:par>
+        <p:cTn id="1" dur="indefinite" restart="never" nodeType="tmRoot"/>
+      </p:par>
+    </p:tnLst>
+  </p:timing>
 </p:sld>
 </file>
 
@@ -7871,11 +11713,19 @@
           <a:p>
             <a:r>
               <a:rPr lang="en-US" dirty="0" smtClean="0"/>
-              <a:t>Introducing </a:t>
+              <a:t>Proof or </a:t>
+            </a:r>
+            <a:r>
+              <a:rPr lang="en-US" dirty="0" smtClean="0"/>
+              <a:t>It </a:t>
             </a:r>
             <a:r>
               <a:rPr lang="en-US" dirty="0" err="1" smtClean="0"/>
-              <a:t>GrateBox</a:t>
+              <a:t>Ain’t</a:t>
+            </a:r>
+            <a:r>
+              <a:rPr lang="en-US" dirty="0" smtClean="0"/>
+              <a:t> Real</a:t>
             </a:r>
             <a:endParaRPr lang="en-US" dirty="0"/>
           </a:p>
@@ -7904,6 +11754,201 @@
           </a:p>
         </p:txBody>
       </p:sp>
+      <p:pic>
+        <p:nvPicPr>
+          <p:cNvPr id="6" name="Picture 5"/>
+          <p:cNvPicPr>
+            <a:picLocks noChangeAspect="1"/>
+          </p:cNvPicPr>
+          <p:nvPr/>
+        </p:nvPicPr>
+        <p:blipFill rotWithShape="1">
+          <a:blip r:embed="rId3">
+            <a:clrChange>
+              <a:clrFrom>
+                <a:srgbClr val="FFFFFF"/>
+              </a:clrFrom>
+              <a:clrTo>
+                <a:srgbClr val="FFFFFF">
+                  <a:alpha val="0"/>
+                </a:srgbClr>
+              </a:clrTo>
+            </a:clrChange>
+            <a:extLst>
+              <a:ext uri="{28A0092B-C50C-407E-A947-70E740481C1C}">
+                <a14:useLocalDpi xmlns:a14="http://schemas.microsoft.com/office/drawing/2010/main" val="0"/>
+              </a:ext>
+            </a:extLst>
+          </a:blip>
+          <a:srcRect b="15077"/>
+          <a:stretch/>
+        </p:blipFill>
+        <p:spPr>
+          <a:xfrm>
+            <a:off x="10460554" y="5574314"/>
+            <a:ext cx="1731446" cy="1172474"/>
+          </a:xfrm>
+          <a:prstGeom prst="rect">
+            <a:avLst/>
+          </a:prstGeom>
+        </p:spPr>
+      </p:pic>
+      <p:sp>
+        <p:nvSpPr>
+          <p:cNvPr id="2" name="AutoShape 2" descr="Image result for ubuntu"/>
+          <p:cNvSpPr>
+            <a:spLocks noChangeAspect="1" noChangeArrowheads="1"/>
+          </p:cNvSpPr>
+          <p:nvPr/>
+        </p:nvSpPr>
+        <p:spPr bwMode="auto">
+          <a:xfrm>
+            <a:off x="155575" y="-144463"/>
+            <a:ext cx="304800" cy="304801"/>
+          </a:xfrm>
+          <a:prstGeom prst="rect">
+            <a:avLst/>
+          </a:prstGeom>
+          <a:noFill/>
+          <a:extLst>
+            <a:ext uri="{909E8E84-426E-40DD-AFC4-6F175D3DCCD1}">
+              <a14:hiddenFill xmlns:a14="http://schemas.microsoft.com/office/drawing/2010/main">
+                <a:solidFill>
+                  <a:srgbClr val="FFFFFF"/>
+                </a:solidFill>
+              </a14:hiddenFill>
+            </a:ext>
+          </a:extLst>
+        </p:spPr>
+        <p:txBody>
+          <a:bodyPr vert="horz" wrap="square" lIns="91440" tIns="45720" rIns="91440" bIns="45720" numCol="1" anchor="t" anchorCtr="0" compatLnSpc="1">
+            <a:prstTxWarp prst="textNoShape">
+              <a:avLst/>
+            </a:prstTxWarp>
+          </a:bodyPr>
+          <a:lstStyle/>
+          <a:p>
+            <a:endParaRPr lang="en-CA"/>
+          </a:p>
+        </p:txBody>
+      </p:sp>
+      <p:sp>
+        <p:nvSpPr>
+          <p:cNvPr id="3" name="AutoShape 4" descr="Image result for ubuntu"/>
+          <p:cNvSpPr>
+            <a:spLocks noChangeAspect="1" noChangeArrowheads="1"/>
+          </p:cNvSpPr>
+          <p:nvPr/>
+        </p:nvSpPr>
+        <p:spPr bwMode="auto">
+          <a:xfrm>
+            <a:off x="307975" y="7937"/>
+            <a:ext cx="304800" cy="304801"/>
+          </a:xfrm>
+          <a:prstGeom prst="rect">
+            <a:avLst/>
+          </a:prstGeom>
+          <a:noFill/>
+          <a:extLst>
+            <a:ext uri="{909E8E84-426E-40DD-AFC4-6F175D3DCCD1}">
+              <a14:hiddenFill xmlns:a14="http://schemas.microsoft.com/office/drawing/2010/main">
+                <a:solidFill>
+                  <a:srgbClr val="FFFFFF"/>
+                </a:solidFill>
+              </a14:hiddenFill>
+            </a:ext>
+          </a:extLst>
+        </p:spPr>
+        <p:txBody>
+          <a:bodyPr vert="horz" wrap="square" lIns="91440" tIns="45720" rIns="91440" bIns="45720" numCol="1" anchor="t" anchorCtr="0" compatLnSpc="1">
+            <a:prstTxWarp prst="textNoShape">
+              <a:avLst/>
+            </a:prstTxWarp>
+          </a:bodyPr>
+          <a:lstStyle/>
+          <a:p>
+            <a:endParaRPr lang="en-CA"/>
+          </a:p>
+        </p:txBody>
+      </p:sp>
+      <p:sp>
+        <p:nvSpPr>
+          <p:cNvPr id="7" name="AutoShape 6" descr="Image result for ubuntu"/>
+          <p:cNvSpPr>
+            <a:spLocks noChangeAspect="1" noChangeArrowheads="1"/>
+          </p:cNvSpPr>
+          <p:nvPr/>
+        </p:nvSpPr>
+        <p:spPr bwMode="auto">
+          <a:xfrm>
+            <a:off x="460375" y="160337"/>
+            <a:ext cx="304800" cy="304801"/>
+          </a:xfrm>
+          <a:prstGeom prst="rect">
+            <a:avLst/>
+          </a:prstGeom>
+          <a:noFill/>
+          <a:extLst>
+            <a:ext uri="{909E8E84-426E-40DD-AFC4-6F175D3DCCD1}">
+              <a14:hiddenFill xmlns:a14="http://schemas.microsoft.com/office/drawing/2010/main">
+                <a:solidFill>
+                  <a:srgbClr val="FFFFFF"/>
+                </a:solidFill>
+              </a14:hiddenFill>
+            </a:ext>
+          </a:extLst>
+        </p:spPr>
+        <p:txBody>
+          <a:bodyPr vert="horz" wrap="square" lIns="91440" tIns="45720" rIns="91440" bIns="45720" numCol="1" anchor="t" anchorCtr="0" compatLnSpc="1">
+            <a:prstTxWarp prst="textNoShape">
+              <a:avLst/>
+            </a:prstTxWarp>
+          </a:bodyPr>
+          <a:lstStyle/>
+          <a:p>
+            <a:endParaRPr lang="en-CA"/>
+          </a:p>
+        </p:txBody>
+      </p:sp>
+      <p:sp>
+        <p:nvSpPr>
+          <p:cNvPr id="8" name="AutoShape 8" descr="Image result for ubuntu"/>
+          <p:cNvSpPr>
+            <a:spLocks noChangeAspect="1" noChangeArrowheads="1"/>
+          </p:cNvSpPr>
+          <p:nvPr/>
+        </p:nvSpPr>
+        <p:spPr bwMode="auto">
+          <a:xfrm>
+            <a:off x="612775" y="312737"/>
+            <a:ext cx="304800" cy="304801"/>
+          </a:xfrm>
+          <a:prstGeom prst="rect">
+            <a:avLst/>
+          </a:prstGeom>
+          <a:noFill/>
+          <a:extLst>
+            <a:ext uri="{909E8E84-426E-40DD-AFC4-6F175D3DCCD1}">
+              <a14:hiddenFill xmlns:a14="http://schemas.microsoft.com/office/drawing/2010/main">
+                <a:solidFill>
+                  <a:srgbClr val="FFFFFF"/>
+                </a:solidFill>
+              </a14:hiddenFill>
+            </a:ext>
+          </a:extLst>
+        </p:spPr>
+        <p:txBody>
+          <a:bodyPr vert="horz" wrap="square" lIns="91440" tIns="45720" rIns="91440" bIns="45720" numCol="1" anchor="t" anchorCtr="0" compatLnSpc="1">
+            <a:prstTxWarp prst="textNoShape">
+              <a:avLst/>
+            </a:prstTxWarp>
+          </a:bodyPr>
+          <a:lstStyle/>
+          <a:p>
+            <a:endParaRPr lang="en-CA"/>
+          </a:p>
+        </p:txBody>
+      </p:sp>
     </p:spTree>
     <p:extLst>
       <p:ext uri="{BB962C8B-B14F-4D97-AF65-F5344CB8AC3E}">
@@ -7914,6 +11959,13 @@
   <p:clrMapOvr>
     <a:masterClrMapping/>
   </p:clrMapOvr>
+  <p:timing>
+    <p:tnLst>
+      <p:par>
+        <p:cTn id="1" dur="indefinite" restart="never" nodeType="tmRoot"/>
+      </p:par>
+    </p:tnLst>
+  </p:timing>
 </p:sld>
 </file>
 
@@ -7936,7 +11988,7 @@
       </p:grpSpPr>
       <p:sp>
         <p:nvSpPr>
-          <p:cNvPr id="4" name="Title 3"/>
+          <p:cNvPr id="2" name="Title 1"/>
           <p:cNvSpPr>
             <a:spLocks noGrp="1"/>
           </p:cNvSpPr>
@@ -7951,7 +12003,7 @@
           <a:p>
             <a:r>
               <a:rPr lang="en-CA" dirty="0" smtClean="0"/>
-              <a:t>Meet Portability</a:t>
+              <a:t>Why Is Grate So Great?</a:t>
             </a:r>
             <a:endParaRPr lang="en-CA" dirty="0"/>
           </a:p>
@@ -7959,234 +12011,82 @@
       </p:sp>
       <p:sp>
         <p:nvSpPr>
-          <p:cNvPr id="5" name="Content Placeholder 4"/>
+          <p:cNvPr id="3" name="Text Placeholder 2"/>
           <p:cNvSpPr>
             <a:spLocks noGrp="1"/>
           </p:cNvSpPr>
           <p:nvPr>
-            <p:ph idx="1"/>
+            <p:ph type="body" idx="1"/>
           </p:nvPr>
         </p:nvSpPr>
         <p:spPr/>
         <p:txBody>
-          <a:bodyPr>
-            <a:normAutofit fontScale="92500" lnSpcReduction="10000"/>
-          </a:bodyPr>
+          <a:bodyPr/>
           <a:lstStyle/>
           <a:p>
-            <a:pPr>
-              <a:buClr>
-                <a:schemeClr val="accent1"/>
-              </a:buClr>
-              <a:buFont typeface="Wingdings" panose="05000000000000000000" pitchFamily="2" charset="2"/>
-              <a:buChar char="§"/>
-            </a:pPr>
             <a:r>
               <a:rPr lang="en-US" dirty="0"/>
-              <a:t> </a:t>
-            </a:r>
-            <a:r>
-              <a:rPr lang="en-US" dirty="0" err="1" smtClean="0"/>
-              <a:t>GrateBox</a:t>
+              <a:t>“Don’t Be An Ass” – Eric </a:t>
+            </a:r>
+            <a:r>
+              <a:rPr lang="en-US" dirty="0" err="1"/>
+              <a:t>Chaput</a:t>
+            </a:r>
+            <a:r>
+              <a:rPr lang="en-US" dirty="0"/>
+              <a:t>, </a:t>
             </a:r>
             <a:r>
               <a:rPr lang="en-US" dirty="0" smtClean="0"/>
-              <a:t> supports </a:t>
-            </a:r>
-            <a:r>
-              <a:rPr lang="en-US" b="1" dirty="0" smtClean="0"/>
-              <a:t>all</a:t>
-            </a:r>
-            <a:r>
-              <a:rPr lang="en-US" dirty="0" smtClean="0"/>
-              <a:t> major operating systems and platforms including:</a:t>
-            </a:r>
-          </a:p>
-          <a:p>
-            <a:pPr lvl="5">
-              <a:buClr>
-                <a:schemeClr val="accent1"/>
-              </a:buClr>
-              <a:buFont typeface="Wingdings" panose="05000000000000000000" pitchFamily="2" charset="2"/>
-              <a:buChar char="§"/>
-            </a:pPr>
-            <a:r>
-              <a:rPr lang="en-US" dirty="0" smtClean="0"/>
-              <a:t>Windows</a:t>
-            </a:r>
-          </a:p>
-          <a:p>
-            <a:pPr lvl="5">
-              <a:buClr>
-                <a:schemeClr val="accent1"/>
-              </a:buClr>
-              <a:buFont typeface="Wingdings" panose="05000000000000000000" pitchFamily="2" charset="2"/>
-              <a:buChar char="§"/>
-            </a:pPr>
-            <a:r>
-              <a:rPr lang="en-US" dirty="0" err="1" smtClean="0"/>
-              <a:t>MacOS</a:t>
+              <a:t>2016</a:t>
             </a:r>
             <a:endParaRPr lang="en-US" dirty="0"/>
-          </a:p>
-          <a:p>
-            <a:pPr lvl="5">
-              <a:buClr>
-                <a:schemeClr val="accent1"/>
-              </a:buClr>
-              <a:buFont typeface="Wingdings" panose="05000000000000000000" pitchFamily="2" charset="2"/>
-              <a:buChar char="§"/>
-            </a:pPr>
-            <a:r>
-              <a:rPr lang="en-US" dirty="0" smtClean="0"/>
-              <a:t>Ubuntu Linux</a:t>
-            </a:r>
-          </a:p>
-          <a:p>
-            <a:pPr lvl="5">
-              <a:buClr>
-                <a:schemeClr val="accent1"/>
-              </a:buClr>
-              <a:buFont typeface="Wingdings" panose="05000000000000000000" pitchFamily="2" charset="2"/>
-              <a:buChar char="§"/>
-            </a:pPr>
-            <a:r>
-              <a:rPr lang="en-US" dirty="0" smtClean="0"/>
-              <a:t>iOS</a:t>
-            </a:r>
-          </a:p>
-          <a:p>
-            <a:pPr lvl="5">
-              <a:buClr>
-                <a:schemeClr val="accent1"/>
-              </a:buClr>
-              <a:buFont typeface="Wingdings" panose="05000000000000000000" pitchFamily="2" charset="2"/>
-              <a:buChar char="§"/>
-            </a:pPr>
-            <a:r>
-              <a:rPr lang="en-US" dirty="0" smtClean="0"/>
-              <a:t>Android</a:t>
-            </a:r>
-            <a:endParaRPr lang="en-US" dirty="0"/>
-          </a:p>
-          <a:p>
-            <a:pPr>
-              <a:buClr>
-                <a:schemeClr val="accent1"/>
-              </a:buClr>
-              <a:buFont typeface="Wingdings" panose="05000000000000000000" pitchFamily="2" charset="2"/>
-              <a:buChar char="§"/>
-            </a:pPr>
-            <a:r>
-              <a:rPr lang="en-US" dirty="0" smtClean="0"/>
-              <a:t>  </a:t>
-            </a:r>
-            <a:r>
-              <a:rPr lang="en-US" dirty="0" err="1" smtClean="0"/>
-              <a:t>GrateBox</a:t>
-            </a:r>
-            <a:r>
-              <a:rPr lang="en-US" dirty="0" smtClean="0"/>
-              <a:t> supports </a:t>
-            </a:r>
-            <a:r>
-              <a:rPr lang="en-US" b="1" dirty="0" smtClean="0"/>
-              <a:t>all </a:t>
-            </a:r>
-            <a:r>
-              <a:rPr lang="en-US" dirty="0" smtClean="0"/>
-              <a:t>major internet browsers including:</a:t>
-            </a:r>
-          </a:p>
-          <a:p>
-            <a:pPr lvl="5">
-              <a:buClr>
-                <a:schemeClr val="accent1"/>
-              </a:buClr>
-              <a:buFont typeface="Wingdings" panose="05000000000000000000" pitchFamily="2" charset="2"/>
-              <a:buChar char="§"/>
-            </a:pPr>
-            <a:r>
-              <a:rPr lang="en-US" dirty="0" smtClean="0"/>
-              <a:t>Internet Explorer</a:t>
-            </a:r>
-          </a:p>
-          <a:p>
-            <a:pPr lvl="5">
-              <a:buClr>
-                <a:schemeClr val="accent1"/>
-              </a:buClr>
-              <a:buFont typeface="Wingdings" panose="05000000000000000000" pitchFamily="2" charset="2"/>
-              <a:buChar char="§"/>
-            </a:pPr>
-            <a:r>
-              <a:rPr lang="en-US" dirty="0" smtClean="0"/>
-              <a:t>Mozilla </a:t>
-            </a:r>
-            <a:r>
-              <a:rPr lang="en-US" dirty="0" err="1" smtClean="0"/>
-              <a:t>FireFox</a:t>
-            </a:r>
-            <a:endParaRPr lang="en-US" dirty="0" smtClean="0"/>
-          </a:p>
-          <a:p>
-            <a:pPr lvl="5">
-              <a:buClr>
-                <a:schemeClr val="accent1"/>
-              </a:buClr>
-              <a:buFont typeface="Wingdings" panose="05000000000000000000" pitchFamily="2" charset="2"/>
-              <a:buChar char="§"/>
-            </a:pPr>
-            <a:r>
-              <a:rPr lang="en-US" dirty="0" smtClean="0"/>
-              <a:t>Google Chrome</a:t>
-            </a:r>
-          </a:p>
-          <a:p>
-            <a:pPr lvl="5">
-              <a:buClr>
-                <a:schemeClr val="accent1"/>
-              </a:buClr>
-              <a:buFont typeface="Wingdings" panose="05000000000000000000" pitchFamily="2" charset="2"/>
-              <a:buChar char="§"/>
-            </a:pPr>
-            <a:r>
-              <a:rPr lang="en-US" dirty="0" smtClean="0"/>
-              <a:t>Microsoft Edge</a:t>
-            </a:r>
-          </a:p>
-          <a:p>
-            <a:pPr lvl="5">
-              <a:buClr>
-                <a:schemeClr val="accent1"/>
-              </a:buClr>
-              <a:buFont typeface="Wingdings" panose="05000000000000000000" pitchFamily="2" charset="2"/>
-              <a:buChar char="§"/>
-            </a:pPr>
-            <a:r>
-              <a:rPr lang="en-US" dirty="0" smtClean="0"/>
-              <a:t>Safari</a:t>
-            </a:r>
-          </a:p>
-          <a:p>
-            <a:pPr lvl="5">
-              <a:buClr>
-                <a:schemeClr val="accent1"/>
-              </a:buClr>
-              <a:buFont typeface="Wingdings" panose="05000000000000000000" pitchFamily="2" charset="2"/>
-              <a:buChar char="§"/>
-            </a:pPr>
-            <a:r>
-              <a:rPr lang="en-US" dirty="0" smtClean="0"/>
-              <a:t>Opera</a:t>
-            </a:r>
           </a:p>
         </p:txBody>
       </p:sp>
+      <p:pic>
+        <p:nvPicPr>
+          <p:cNvPr id="4" name="Picture 3"/>
+          <p:cNvPicPr>
+            <a:picLocks noChangeAspect="1"/>
+          </p:cNvPicPr>
+          <p:nvPr/>
+        </p:nvPicPr>
+        <p:blipFill rotWithShape="1">
+          <a:blip r:embed="rId2">
+            <a:clrChange>
+              <a:clrFrom>
+                <a:srgbClr val="FFFFFF"/>
+              </a:clrFrom>
+              <a:clrTo>
+                <a:srgbClr val="FFFFFF">
+                  <a:alpha val="0"/>
+                </a:srgbClr>
+              </a:clrTo>
+            </a:clrChange>
+            <a:extLst>
+              <a:ext uri="{28A0092B-C50C-407E-A947-70E740481C1C}">
+                <a14:useLocalDpi xmlns:a14="http://schemas.microsoft.com/office/drawing/2010/main" val="0"/>
+              </a:ext>
+            </a:extLst>
+          </a:blip>
+          <a:srcRect b="15077"/>
+          <a:stretch/>
+        </p:blipFill>
+        <p:spPr>
+          <a:xfrm>
+            <a:off x="10460554" y="5574314"/>
+            <a:ext cx="1731446" cy="1172474"/>
+          </a:xfrm>
+          <a:prstGeom prst="rect">
+            <a:avLst/>
+          </a:prstGeom>
+        </p:spPr>
+      </p:pic>
     </p:spTree>
     <p:extLst>
       <p:ext uri="{BB962C8B-B14F-4D97-AF65-F5344CB8AC3E}">
-        <p14:creationId xmlns:p14="http://schemas.microsoft.com/office/powerpoint/2010/main" val="775267141"/>
+        <p14:creationId xmlns:p14="http://schemas.microsoft.com/office/powerpoint/2010/main" val="2492592726"/>
       </p:ext>
     </p:extLst>
   </p:cSld>
@@ -8228,7 +12128,263 @@
           <a:bodyPr/>
           <a:lstStyle/>
           <a:p>
-            <a:endParaRPr lang="en-US"/>
+            <a:r>
+              <a:rPr lang="en-CA" dirty="0" smtClean="0"/>
+              <a:t>Three Pillars of </a:t>
+            </a:r>
+            <a:r>
+              <a:rPr lang="en-CA" dirty="0" err="1" smtClean="0"/>
+              <a:t>Grateness</a:t>
+            </a:r>
+            <a:endParaRPr lang="en-CA" dirty="0"/>
+          </a:p>
+        </p:txBody>
+      </p:sp>
+      <p:graphicFrame>
+        <p:nvGraphicFramePr>
+          <p:cNvPr id="6" name="Content Placeholder 5"/>
+          <p:cNvGraphicFramePr>
+            <a:graphicFrameLocks noGrp="1"/>
+          </p:cNvGraphicFramePr>
+          <p:nvPr>
+            <p:ph idx="1"/>
+            <p:extLst>
+              <p:ext uri="{D42A27DB-BD31-4B8C-83A1-F6EECF244321}">
+                <p14:modId xmlns:p14="http://schemas.microsoft.com/office/powerpoint/2010/main" val="781129093"/>
+              </p:ext>
+            </p:extLst>
+          </p:nvPr>
+        </p:nvGraphicFramePr>
+        <p:xfrm>
+          <a:off x="676275" y="2011363"/>
+          <a:ext cx="10753725" cy="3767137"/>
+        </p:xfrm>
+        <a:graphic>
+          <a:graphicData uri="http://schemas.openxmlformats.org/drawingml/2006/diagram">
+            <dgm:relIds xmlns:dgm="http://schemas.openxmlformats.org/drawingml/2006/diagram" xmlns:r="http://schemas.openxmlformats.org/officeDocument/2006/relationships" r:dm="rId2" r:lo="rId3" r:qs="rId4" r:cs="rId5"/>
+          </a:graphicData>
+        </a:graphic>
+      </p:graphicFrame>
+      <p:pic>
+        <p:nvPicPr>
+          <p:cNvPr id="1026" name="Picture 2" descr="http://www.newmediarights.org/files/u955/Domenieks%20Data%20Portability%20Logo.jpg"/>
+          <p:cNvPicPr>
+            <a:picLocks noChangeAspect="1" noChangeArrowheads="1"/>
+          </p:cNvPicPr>
+          <p:nvPr/>
+        </p:nvPicPr>
+        <p:blipFill>
+          <a:blip r:embed="rId7">
+            <a:clrChange>
+              <a:clrFrom>
+                <a:srgbClr val="FFFFFF"/>
+              </a:clrFrom>
+              <a:clrTo>
+                <a:srgbClr val="FFFFFF">
+                  <a:alpha val="0"/>
+                </a:srgbClr>
+              </a:clrTo>
+            </a:clrChange>
+            <a:duotone>
+              <a:prstClr val="black"/>
+              <a:schemeClr val="accent5">
+                <a:tint val="45000"/>
+                <a:satMod val="400000"/>
+              </a:schemeClr>
+            </a:duotone>
+            <a:extLst>
+              <a:ext uri="{28A0092B-C50C-407E-A947-70E740481C1C}">
+                <a14:useLocalDpi xmlns:a14="http://schemas.microsoft.com/office/drawing/2010/main" val="0"/>
+              </a:ext>
+            </a:extLst>
+          </a:blip>
+          <a:srcRect/>
+          <a:stretch>
+            <a:fillRect/>
+          </a:stretch>
+        </p:blipFill>
+        <p:spPr bwMode="auto">
+          <a:xfrm>
+            <a:off x="434975" y="2717800"/>
+            <a:ext cx="3810000" cy="2857500"/>
+          </a:xfrm>
+          <a:prstGeom prst="rect">
+            <a:avLst/>
+          </a:prstGeom>
+          <a:noFill/>
+          <a:extLst>
+            <a:ext uri="{909E8E84-426E-40DD-AFC4-6F175D3DCCD1}">
+              <a14:hiddenFill xmlns:a14="http://schemas.microsoft.com/office/drawing/2010/main">
+                <a:solidFill>
+                  <a:srgbClr val="FFFFFF"/>
+                </a:solidFill>
+              </a14:hiddenFill>
+            </a:ext>
+          </a:extLst>
+        </p:spPr>
+      </p:pic>
+      <p:pic>
+        <p:nvPicPr>
+          <p:cNvPr id="1028" name="Picture 4" descr="Image result for reusability"/>
+          <p:cNvPicPr>
+            <a:picLocks noChangeAspect="1" noChangeArrowheads="1"/>
+          </p:cNvPicPr>
+          <p:nvPr/>
+        </p:nvPicPr>
+        <p:blipFill>
+          <a:blip r:embed="rId8">
+            <a:duotone>
+              <a:schemeClr val="accent5">
+                <a:shade val="45000"/>
+                <a:satMod val="135000"/>
+              </a:schemeClr>
+              <a:prstClr val="white"/>
+            </a:duotone>
+            <a:extLst>
+              <a:ext uri="{BEBA8EAE-BF5A-486C-A8C5-ECC9F3942E4B}">
+                <a14:imgProps xmlns:a14="http://schemas.microsoft.com/office/drawing/2010/main">
+                  <a14:imgLayer r:embed="rId9">
+                    <a14:imgEffect>
+                      <a14:colorTemperature colorTemp="5300"/>
+                    </a14:imgEffect>
+                    <a14:imgEffect>
+                      <a14:saturation sat="400000"/>
+                    </a14:imgEffect>
+                    <a14:imgEffect>
+                      <a14:brightnessContrast bright="-40000" contrast="40000"/>
+                    </a14:imgEffect>
+                  </a14:imgLayer>
+                </a14:imgProps>
+              </a:ext>
+              <a:ext uri="{28A0092B-C50C-407E-A947-70E740481C1C}">
+                <a14:useLocalDpi xmlns:a14="http://schemas.microsoft.com/office/drawing/2010/main" val="0"/>
+              </a:ext>
+            </a:extLst>
+          </a:blip>
+          <a:srcRect/>
+          <a:stretch>
+            <a:fillRect/>
+          </a:stretch>
+        </p:blipFill>
+        <p:spPr bwMode="auto">
+          <a:xfrm>
+            <a:off x="8626475" y="3032125"/>
+            <a:ext cx="2324100" cy="2228850"/>
+          </a:xfrm>
+          <a:prstGeom prst="rect">
+            <a:avLst/>
+          </a:prstGeom>
+          <a:noFill/>
+          <a:extLst>
+            <a:ext uri="{909E8E84-426E-40DD-AFC4-6F175D3DCCD1}">
+              <a14:hiddenFill xmlns:a14="http://schemas.microsoft.com/office/drawing/2010/main">
+                <a:solidFill>
+                  <a:srgbClr val="FFFFFF"/>
+                </a:solidFill>
+              </a14:hiddenFill>
+            </a:ext>
+          </a:extLst>
+        </p:spPr>
+      </p:pic>
+      <p:pic>
+        <p:nvPicPr>
+          <p:cNvPr id="1030" name="Picture 6" descr="http://www.pixelstalk.net/wp-content/uploads/2016/06/Minimal-Wallpapers-HD-For-Desktop.jpg"/>
+          <p:cNvPicPr>
+            <a:picLocks noChangeAspect="1" noChangeArrowheads="1"/>
+          </p:cNvPicPr>
+          <p:nvPr/>
+        </p:nvPicPr>
+        <p:blipFill rotWithShape="1">
+          <a:blip r:embed="rId10">
+            <a:clrChange>
+              <a:clrFrom>
+                <a:srgbClr val="94C2CF"/>
+              </a:clrFrom>
+              <a:clrTo>
+                <a:srgbClr val="94C2CF">
+                  <a:alpha val="0"/>
+                </a:srgbClr>
+              </a:clrTo>
+            </a:clrChange>
+            <a:extLst>
+              <a:ext uri="{28A0092B-C50C-407E-A947-70E740481C1C}">
+                <a14:useLocalDpi xmlns:a14="http://schemas.microsoft.com/office/drawing/2010/main" val="0"/>
+              </a:ext>
+            </a:extLst>
+          </a:blip>
+          <a:srcRect l="44149" t="38241" r="42518" b="38179"/>
+          <a:stretch/>
+        </p:blipFill>
+        <p:spPr bwMode="auto">
+          <a:xfrm>
+            <a:off x="4622800" y="3365500"/>
+            <a:ext cx="2438400" cy="2425700"/>
+          </a:xfrm>
+          <a:prstGeom prst="rect">
+            <a:avLst/>
+          </a:prstGeom>
+          <a:noFill/>
+          <a:extLst>
+            <a:ext uri="{909E8E84-426E-40DD-AFC4-6F175D3DCCD1}">
+              <a14:hiddenFill xmlns:a14="http://schemas.microsoft.com/office/drawing/2010/main">
+                <a:solidFill>
+                  <a:srgbClr val="FFFFFF"/>
+                </a:solidFill>
+              </a14:hiddenFill>
+            </a:ext>
+          </a:extLst>
+        </p:spPr>
+      </p:pic>
+    </p:spTree>
+    <p:extLst>
+      <p:ext uri="{BB962C8B-B14F-4D97-AF65-F5344CB8AC3E}">
+        <p14:creationId xmlns:p14="http://schemas.microsoft.com/office/powerpoint/2010/main" val="147692478"/>
+      </p:ext>
+    </p:extLst>
+  </p:cSld>
+  <p:clrMapOvr>
+    <a:masterClrMapping/>
+  </p:clrMapOvr>
+</p:sld>
+</file>
+
+<file path=ppt/slides/slide9.xml><?xml version="1.0" encoding="utf-8"?>
+<p:sld xmlns:a="http://schemas.openxmlformats.org/drawingml/2006/main" xmlns:r="http://schemas.openxmlformats.org/officeDocument/2006/relationships" xmlns:p="http://schemas.openxmlformats.org/presentationml/2006/main">
+  <p:cSld>
+    <p:spTree>
+      <p:nvGrpSpPr>
+        <p:cNvPr id="1" name=""/>
+        <p:cNvGrpSpPr/>
+        <p:nvPr/>
+      </p:nvGrpSpPr>
+      <p:grpSpPr>
+        <a:xfrm>
+          <a:off x="0" y="0"/>
+          <a:ext cx="0" cy="0"/>
+          <a:chOff x="0" y="0"/>
+          <a:chExt cx="0" cy="0"/>
+        </a:xfrm>
+      </p:grpSpPr>
+      <p:sp>
+        <p:nvSpPr>
+          <p:cNvPr id="4" name="Title 3"/>
+          <p:cNvSpPr>
+            <a:spLocks noGrp="1"/>
+          </p:cNvSpPr>
+          <p:nvPr>
+            <p:ph type="title"/>
+          </p:nvPr>
+        </p:nvSpPr>
+        <p:spPr/>
+        <p:txBody>
+          <a:bodyPr/>
+          <a:lstStyle/>
+          <a:p>
+            <a:r>
+              <a:rPr lang="en-CA" dirty="0" smtClean="0"/>
+              <a:t>Meet Portability</a:t>
+            </a:r>
+            <a:endParaRPr lang="en-CA" dirty="0"/>
           </a:p>
         </p:txBody>
       </p:sp>
@@ -8239,47 +12395,663 @@
             <a:spLocks noGrp="1"/>
           </p:cNvSpPr>
           <p:nvPr>
-            <p:ph sz="half" idx="1"/>
+            <p:ph idx="1"/>
           </p:nvPr>
         </p:nvSpPr>
         <p:spPr/>
         <p:txBody>
-          <a:bodyPr/>
+          <a:bodyPr>
+            <a:normAutofit/>
+          </a:bodyPr>
           <a:lstStyle/>
           <a:p>
-            <a:endParaRPr lang="en-US"/>
+            <a:pPr>
+              <a:buClr>
+                <a:schemeClr val="accent1"/>
+              </a:buClr>
+              <a:buFont typeface="Wingdings" panose="05000000000000000000" pitchFamily="2" charset="2"/>
+              <a:buChar char="§"/>
+            </a:pPr>
+            <a:r>
+              <a:rPr lang="en-US" dirty="0"/>
+              <a:t> </a:t>
+            </a:r>
+            <a:r>
+              <a:rPr lang="en-US" dirty="0" err="1" smtClean="0"/>
+              <a:t>GrateBox</a:t>
+            </a:r>
+            <a:r>
+              <a:rPr lang="en-US" dirty="0" smtClean="0"/>
+              <a:t> supports </a:t>
+            </a:r>
+            <a:r>
+              <a:rPr lang="en-US" b="1" dirty="0" smtClean="0"/>
+              <a:t>all</a:t>
+            </a:r>
+            <a:r>
+              <a:rPr lang="en-US" dirty="0" smtClean="0"/>
+              <a:t> major operating systems and </a:t>
+            </a:r>
+            <a:r>
+              <a:rPr lang="en-US" dirty="0" smtClean="0"/>
+              <a:t>platforms.</a:t>
+            </a:r>
+            <a:endParaRPr lang="en-US" dirty="0" smtClean="0"/>
+          </a:p>
+        </p:txBody>
+      </p:sp>
+      <p:pic>
+        <p:nvPicPr>
+          <p:cNvPr id="2052" name="Picture 4" descr="Image result for windows"/>
+          <p:cNvPicPr>
+            <a:picLocks noChangeAspect="1" noChangeArrowheads="1"/>
+          </p:cNvPicPr>
+          <p:nvPr/>
+        </p:nvPicPr>
+        <p:blipFill>
+          <a:blip r:embed="rId2">
+            <a:extLst>
+              <a:ext uri="{28A0092B-C50C-407E-A947-70E740481C1C}">
+                <a14:useLocalDpi xmlns:a14="http://schemas.microsoft.com/office/drawing/2010/main" val="0"/>
+              </a:ext>
+            </a:extLst>
+          </a:blip>
+          <a:srcRect/>
+          <a:stretch>
+            <a:fillRect/>
+          </a:stretch>
+        </p:blipFill>
+        <p:spPr bwMode="auto">
+          <a:xfrm>
+            <a:off x="4918075" y="1620838"/>
+            <a:ext cx="4622801" cy="4047410"/>
+          </a:xfrm>
+          <a:prstGeom prst="rect">
+            <a:avLst/>
+          </a:prstGeom>
+          <a:noFill/>
+          <a:extLst>
+            <a:ext uri="{909E8E84-426E-40DD-AFC4-6F175D3DCCD1}">
+              <a14:hiddenFill xmlns:a14="http://schemas.microsoft.com/office/drawing/2010/main">
+                <a:solidFill>
+                  <a:srgbClr val="FFFFFF"/>
+                </a:solidFill>
+              </a14:hiddenFill>
+            </a:ext>
+          </a:extLst>
+        </p:spPr>
+      </p:pic>
+      <p:pic>
+        <p:nvPicPr>
+          <p:cNvPr id="2054" name="Picture 6" descr="Image result for macosx"/>
+          <p:cNvPicPr>
+            <a:picLocks noChangeAspect="1" noChangeArrowheads="1"/>
+          </p:cNvPicPr>
+          <p:nvPr/>
+        </p:nvPicPr>
+        <p:blipFill>
+          <a:blip r:embed="rId3">
+            <a:extLst>
+              <a:ext uri="{28A0092B-C50C-407E-A947-70E740481C1C}">
+                <a14:useLocalDpi xmlns:a14="http://schemas.microsoft.com/office/drawing/2010/main" val="0"/>
+              </a:ext>
+            </a:extLst>
+          </a:blip>
+          <a:srcRect/>
+          <a:stretch>
+            <a:fillRect/>
+          </a:stretch>
+        </p:blipFill>
+        <p:spPr bwMode="auto">
+          <a:xfrm>
+            <a:off x="511175" y="2413000"/>
+            <a:ext cx="2857500" cy="2857500"/>
+          </a:xfrm>
+          <a:prstGeom prst="rect">
+            <a:avLst/>
+          </a:prstGeom>
+          <a:noFill/>
+          <a:extLst>
+            <a:ext uri="{909E8E84-426E-40DD-AFC4-6F175D3DCCD1}">
+              <a14:hiddenFill xmlns:a14="http://schemas.microsoft.com/office/drawing/2010/main">
+                <a:solidFill>
+                  <a:srgbClr val="FFFFFF"/>
+                </a:solidFill>
+              </a14:hiddenFill>
+            </a:ext>
+          </a:extLst>
+        </p:spPr>
+      </p:pic>
+      <p:sp>
+        <p:nvSpPr>
+          <p:cNvPr id="2" name="AutoShape 10" descr="Image result for ubuntu"/>
+          <p:cNvSpPr>
+            <a:spLocks noChangeAspect="1" noChangeArrowheads="1"/>
+          </p:cNvSpPr>
+          <p:nvPr/>
+        </p:nvSpPr>
+        <p:spPr bwMode="auto">
+          <a:xfrm>
+            <a:off x="155575" y="-144463"/>
+            <a:ext cx="304800" cy="304801"/>
+          </a:xfrm>
+          <a:prstGeom prst="rect">
+            <a:avLst/>
+          </a:prstGeom>
+          <a:noFill/>
+          <a:extLst>
+            <a:ext uri="{909E8E84-426E-40DD-AFC4-6F175D3DCCD1}">
+              <a14:hiddenFill xmlns:a14="http://schemas.microsoft.com/office/drawing/2010/main">
+                <a:solidFill>
+                  <a:srgbClr val="FFFFFF"/>
+                </a:solidFill>
+              </a14:hiddenFill>
+            </a:ext>
+          </a:extLst>
+        </p:spPr>
+        <p:txBody>
+          <a:bodyPr vert="horz" wrap="square" lIns="91440" tIns="45720" rIns="91440" bIns="45720" numCol="1" anchor="t" anchorCtr="0" compatLnSpc="1">
+            <a:prstTxWarp prst="textNoShape">
+              <a:avLst/>
+            </a:prstTxWarp>
+          </a:bodyPr>
+          <a:lstStyle/>
+          <a:p>
+            <a:endParaRPr lang="en-CA"/>
           </a:p>
         </p:txBody>
       </p:sp>
       <p:sp>
         <p:nvSpPr>
-          <p:cNvPr id="6" name="Content Placeholder 5"/>
+          <p:cNvPr id="3" name="AutoShape 12" descr="Image result for ubuntu"/>
           <p:cNvSpPr>
-            <a:spLocks noGrp="1"/>
+            <a:spLocks noChangeAspect="1" noChangeArrowheads="1"/>
           </p:cNvSpPr>
-          <p:nvPr>
-            <p:ph sz="half" idx="2"/>
-          </p:nvPr>
+          <p:nvPr/>
         </p:nvSpPr>
-        <p:spPr/>
+        <p:spPr bwMode="auto">
+          <a:xfrm>
+            <a:off x="307975" y="7937"/>
+            <a:ext cx="304800" cy="304801"/>
+          </a:xfrm>
+          <a:prstGeom prst="rect">
+            <a:avLst/>
+          </a:prstGeom>
+          <a:noFill/>
+          <a:extLst>
+            <a:ext uri="{909E8E84-426E-40DD-AFC4-6F175D3DCCD1}">
+              <a14:hiddenFill xmlns:a14="http://schemas.microsoft.com/office/drawing/2010/main">
+                <a:solidFill>
+                  <a:srgbClr val="FFFFFF"/>
+                </a:solidFill>
+              </a14:hiddenFill>
+            </a:ext>
+          </a:extLst>
+        </p:spPr>
         <p:txBody>
-          <a:bodyPr/>
+          <a:bodyPr vert="horz" wrap="square" lIns="91440" tIns="45720" rIns="91440" bIns="45720" numCol="1" anchor="t" anchorCtr="0" compatLnSpc="1">
+            <a:prstTxWarp prst="textNoShape">
+              <a:avLst/>
+            </a:prstTxWarp>
+          </a:bodyPr>
           <a:lstStyle/>
           <a:p>
-            <a:endParaRPr lang="en-US"/>
+            <a:endParaRPr lang="en-CA"/>
           </a:p>
         </p:txBody>
       </p:sp>
+      <p:sp>
+        <p:nvSpPr>
+          <p:cNvPr id="6" name="AutoShape 14" descr="Image result for ubuntu"/>
+          <p:cNvSpPr>
+            <a:spLocks noChangeAspect="1" noChangeArrowheads="1"/>
+          </p:cNvSpPr>
+          <p:nvPr/>
+        </p:nvSpPr>
+        <p:spPr bwMode="auto">
+          <a:xfrm>
+            <a:off x="460375" y="160337"/>
+            <a:ext cx="304800" cy="304801"/>
+          </a:xfrm>
+          <a:prstGeom prst="rect">
+            <a:avLst/>
+          </a:prstGeom>
+          <a:noFill/>
+          <a:extLst>
+            <a:ext uri="{909E8E84-426E-40DD-AFC4-6F175D3DCCD1}">
+              <a14:hiddenFill xmlns:a14="http://schemas.microsoft.com/office/drawing/2010/main">
+                <a:solidFill>
+                  <a:srgbClr val="FFFFFF"/>
+                </a:solidFill>
+              </a14:hiddenFill>
+            </a:ext>
+          </a:extLst>
+        </p:spPr>
+        <p:txBody>
+          <a:bodyPr vert="horz" wrap="square" lIns="91440" tIns="45720" rIns="91440" bIns="45720" numCol="1" anchor="t" anchorCtr="0" compatLnSpc="1">
+            <a:prstTxWarp prst="textNoShape">
+              <a:avLst/>
+            </a:prstTxWarp>
+          </a:bodyPr>
+          <a:lstStyle/>
+          <a:p>
+            <a:endParaRPr lang="en-CA"/>
+          </a:p>
+        </p:txBody>
+      </p:sp>
+      <p:sp>
+        <p:nvSpPr>
+          <p:cNvPr id="7" name="AutoShape 16" descr="Image result for ubuntu"/>
+          <p:cNvSpPr>
+            <a:spLocks noChangeAspect="1" noChangeArrowheads="1"/>
+          </p:cNvSpPr>
+          <p:nvPr/>
+        </p:nvSpPr>
+        <p:spPr bwMode="auto">
+          <a:xfrm>
+            <a:off x="612775" y="312737"/>
+            <a:ext cx="304800" cy="304801"/>
+          </a:xfrm>
+          <a:prstGeom prst="rect">
+            <a:avLst/>
+          </a:prstGeom>
+          <a:noFill/>
+          <a:extLst>
+            <a:ext uri="{909E8E84-426E-40DD-AFC4-6F175D3DCCD1}">
+              <a14:hiddenFill xmlns:a14="http://schemas.microsoft.com/office/drawing/2010/main">
+                <a:solidFill>
+                  <a:srgbClr val="FFFFFF"/>
+                </a:solidFill>
+              </a14:hiddenFill>
+            </a:ext>
+          </a:extLst>
+        </p:spPr>
+        <p:txBody>
+          <a:bodyPr vert="horz" wrap="square" lIns="91440" tIns="45720" rIns="91440" bIns="45720" numCol="1" anchor="t" anchorCtr="0" compatLnSpc="1">
+            <a:prstTxWarp prst="textNoShape">
+              <a:avLst/>
+            </a:prstTxWarp>
+          </a:bodyPr>
+          <a:lstStyle/>
+          <a:p>
+            <a:endParaRPr lang="en-CA"/>
+          </a:p>
+        </p:txBody>
+      </p:sp>
+      <p:sp>
+        <p:nvSpPr>
+          <p:cNvPr id="8" name="AutoShape 18" descr="Image result for ubuntu"/>
+          <p:cNvSpPr>
+            <a:spLocks noChangeAspect="1" noChangeArrowheads="1"/>
+          </p:cNvSpPr>
+          <p:nvPr/>
+        </p:nvSpPr>
+        <p:spPr bwMode="auto">
+          <a:xfrm>
+            <a:off x="765175" y="465137"/>
+            <a:ext cx="304800" cy="304801"/>
+          </a:xfrm>
+          <a:prstGeom prst="rect">
+            <a:avLst/>
+          </a:prstGeom>
+          <a:noFill/>
+          <a:extLst>
+            <a:ext uri="{909E8E84-426E-40DD-AFC4-6F175D3DCCD1}">
+              <a14:hiddenFill xmlns:a14="http://schemas.microsoft.com/office/drawing/2010/main">
+                <a:solidFill>
+                  <a:srgbClr val="FFFFFF"/>
+                </a:solidFill>
+              </a14:hiddenFill>
+            </a:ext>
+          </a:extLst>
+        </p:spPr>
+        <p:txBody>
+          <a:bodyPr vert="horz" wrap="square" lIns="91440" tIns="45720" rIns="91440" bIns="45720" numCol="1" anchor="t" anchorCtr="0" compatLnSpc="1">
+            <a:prstTxWarp prst="textNoShape">
+              <a:avLst/>
+            </a:prstTxWarp>
+          </a:bodyPr>
+          <a:lstStyle/>
+          <a:p>
+            <a:endParaRPr lang="en-CA"/>
+          </a:p>
+        </p:txBody>
+      </p:sp>
+      <p:sp>
+        <p:nvSpPr>
+          <p:cNvPr id="9" name="AutoShape 20" descr="Image result for ubuntu"/>
+          <p:cNvSpPr>
+            <a:spLocks noChangeAspect="1" noChangeArrowheads="1"/>
+          </p:cNvSpPr>
+          <p:nvPr/>
+        </p:nvSpPr>
+        <p:spPr bwMode="auto">
+          <a:xfrm>
+            <a:off x="917575" y="617537"/>
+            <a:ext cx="304800" cy="304801"/>
+          </a:xfrm>
+          <a:prstGeom prst="rect">
+            <a:avLst/>
+          </a:prstGeom>
+          <a:noFill/>
+          <a:extLst>
+            <a:ext uri="{909E8E84-426E-40DD-AFC4-6F175D3DCCD1}">
+              <a14:hiddenFill xmlns:a14="http://schemas.microsoft.com/office/drawing/2010/main">
+                <a:solidFill>
+                  <a:srgbClr val="FFFFFF"/>
+                </a:solidFill>
+              </a14:hiddenFill>
+            </a:ext>
+          </a:extLst>
+        </p:spPr>
+        <p:txBody>
+          <a:bodyPr vert="horz" wrap="square" lIns="91440" tIns="45720" rIns="91440" bIns="45720" numCol="1" anchor="t" anchorCtr="0" compatLnSpc="1">
+            <a:prstTxWarp prst="textNoShape">
+              <a:avLst/>
+            </a:prstTxWarp>
+          </a:bodyPr>
+          <a:lstStyle/>
+          <a:p>
+            <a:endParaRPr lang="en-CA"/>
+          </a:p>
+        </p:txBody>
+      </p:sp>
+      <p:sp>
+        <p:nvSpPr>
+          <p:cNvPr id="10" name="AutoShape 22" descr="Image result for ubuntu"/>
+          <p:cNvSpPr>
+            <a:spLocks noChangeAspect="1" noChangeArrowheads="1"/>
+          </p:cNvSpPr>
+          <p:nvPr/>
+        </p:nvSpPr>
+        <p:spPr bwMode="auto">
+          <a:xfrm>
+            <a:off x="1069975" y="769937"/>
+            <a:ext cx="304800" cy="304801"/>
+          </a:xfrm>
+          <a:prstGeom prst="rect">
+            <a:avLst/>
+          </a:prstGeom>
+          <a:noFill/>
+          <a:extLst>
+            <a:ext uri="{909E8E84-426E-40DD-AFC4-6F175D3DCCD1}">
+              <a14:hiddenFill xmlns:a14="http://schemas.microsoft.com/office/drawing/2010/main">
+                <a:solidFill>
+                  <a:srgbClr val="FFFFFF"/>
+                </a:solidFill>
+              </a14:hiddenFill>
+            </a:ext>
+          </a:extLst>
+        </p:spPr>
+        <p:txBody>
+          <a:bodyPr vert="horz" wrap="square" lIns="91440" tIns="45720" rIns="91440" bIns="45720" numCol="1" anchor="t" anchorCtr="0" compatLnSpc="1">
+            <a:prstTxWarp prst="textNoShape">
+              <a:avLst/>
+            </a:prstTxWarp>
+          </a:bodyPr>
+          <a:lstStyle/>
+          <a:p>
+            <a:endParaRPr lang="en-CA"/>
+          </a:p>
+        </p:txBody>
+      </p:sp>
+      <p:sp>
+        <p:nvSpPr>
+          <p:cNvPr id="11" name="AutoShape 24" descr="Image result for ubuntu"/>
+          <p:cNvSpPr>
+            <a:spLocks noChangeAspect="1" noChangeArrowheads="1"/>
+          </p:cNvSpPr>
+          <p:nvPr/>
+        </p:nvSpPr>
+        <p:spPr bwMode="auto">
+          <a:xfrm>
+            <a:off x="1222375" y="922337"/>
+            <a:ext cx="304800" cy="304801"/>
+          </a:xfrm>
+          <a:prstGeom prst="rect">
+            <a:avLst/>
+          </a:prstGeom>
+          <a:noFill/>
+          <a:extLst>
+            <a:ext uri="{909E8E84-426E-40DD-AFC4-6F175D3DCCD1}">
+              <a14:hiddenFill xmlns:a14="http://schemas.microsoft.com/office/drawing/2010/main">
+                <a:solidFill>
+                  <a:srgbClr val="FFFFFF"/>
+                </a:solidFill>
+              </a14:hiddenFill>
+            </a:ext>
+          </a:extLst>
+        </p:spPr>
+        <p:txBody>
+          <a:bodyPr vert="horz" wrap="square" lIns="91440" tIns="45720" rIns="91440" bIns="45720" numCol="1" anchor="t" anchorCtr="0" compatLnSpc="1">
+            <a:prstTxWarp prst="textNoShape">
+              <a:avLst/>
+            </a:prstTxWarp>
+          </a:bodyPr>
+          <a:lstStyle/>
+          <a:p>
+            <a:endParaRPr lang="en-CA"/>
+          </a:p>
+        </p:txBody>
+      </p:sp>
+      <p:sp>
+        <p:nvSpPr>
+          <p:cNvPr id="12" name="AutoShape 26" descr="Image result for ubuntu"/>
+          <p:cNvSpPr>
+            <a:spLocks noChangeAspect="1" noChangeArrowheads="1"/>
+          </p:cNvSpPr>
+          <p:nvPr/>
+        </p:nvSpPr>
+        <p:spPr bwMode="auto">
+          <a:xfrm>
+            <a:off x="1374775" y="1074737"/>
+            <a:ext cx="304800" cy="304801"/>
+          </a:xfrm>
+          <a:prstGeom prst="rect">
+            <a:avLst/>
+          </a:prstGeom>
+          <a:noFill/>
+          <a:extLst>
+            <a:ext uri="{909E8E84-426E-40DD-AFC4-6F175D3DCCD1}">
+              <a14:hiddenFill xmlns:a14="http://schemas.microsoft.com/office/drawing/2010/main">
+                <a:solidFill>
+                  <a:srgbClr val="FFFFFF"/>
+                </a:solidFill>
+              </a14:hiddenFill>
+            </a:ext>
+          </a:extLst>
+        </p:spPr>
+        <p:txBody>
+          <a:bodyPr vert="horz" wrap="square" lIns="91440" tIns="45720" rIns="91440" bIns="45720" numCol="1" anchor="t" anchorCtr="0" compatLnSpc="1">
+            <a:prstTxWarp prst="textNoShape">
+              <a:avLst/>
+            </a:prstTxWarp>
+          </a:bodyPr>
+          <a:lstStyle/>
+          <a:p>
+            <a:endParaRPr lang="en-CA"/>
+          </a:p>
+        </p:txBody>
+      </p:sp>
+      <p:sp>
+        <p:nvSpPr>
+          <p:cNvPr id="13" name="AutoShape 28" descr="Image result for ubuntu"/>
+          <p:cNvSpPr>
+            <a:spLocks noChangeAspect="1" noChangeArrowheads="1"/>
+          </p:cNvSpPr>
+          <p:nvPr/>
+        </p:nvSpPr>
+        <p:spPr bwMode="auto">
+          <a:xfrm>
+            <a:off x="1527175" y="1227137"/>
+            <a:ext cx="304800" cy="304801"/>
+          </a:xfrm>
+          <a:prstGeom prst="rect">
+            <a:avLst/>
+          </a:prstGeom>
+          <a:noFill/>
+          <a:extLst>
+            <a:ext uri="{909E8E84-426E-40DD-AFC4-6F175D3DCCD1}">
+              <a14:hiddenFill xmlns:a14="http://schemas.microsoft.com/office/drawing/2010/main">
+                <a:solidFill>
+                  <a:srgbClr val="FFFFFF"/>
+                </a:solidFill>
+              </a14:hiddenFill>
+            </a:ext>
+          </a:extLst>
+        </p:spPr>
+        <p:txBody>
+          <a:bodyPr vert="horz" wrap="square" lIns="91440" tIns="45720" rIns="91440" bIns="45720" numCol="1" anchor="t" anchorCtr="0" compatLnSpc="1">
+            <a:prstTxWarp prst="textNoShape">
+              <a:avLst/>
+            </a:prstTxWarp>
+          </a:bodyPr>
+          <a:lstStyle/>
+          <a:p>
+            <a:endParaRPr lang="en-CA"/>
+          </a:p>
+        </p:txBody>
+      </p:sp>
+      <p:pic>
+        <p:nvPicPr>
+          <p:cNvPr id="2078" name="Picture 30" descr="Image result for ubuntu"/>
+          <p:cNvPicPr>
+            <a:picLocks noChangeAspect="1" noChangeArrowheads="1"/>
+          </p:cNvPicPr>
+          <p:nvPr/>
+        </p:nvPicPr>
+        <p:blipFill>
+          <a:blip r:embed="rId4">
+            <a:extLst>
+              <a:ext uri="{28A0092B-C50C-407E-A947-70E740481C1C}">
+                <a14:useLocalDpi xmlns:a14="http://schemas.microsoft.com/office/drawing/2010/main" val="0"/>
+              </a:ext>
+            </a:extLst>
+          </a:blip>
+          <a:srcRect/>
+          <a:stretch>
+            <a:fillRect/>
+          </a:stretch>
+        </p:blipFill>
+        <p:spPr bwMode="auto">
+          <a:xfrm>
+            <a:off x="3597275" y="4051300"/>
+            <a:ext cx="2438400" cy="2438400"/>
+          </a:xfrm>
+          <a:prstGeom prst="rect">
+            <a:avLst/>
+          </a:prstGeom>
+          <a:noFill/>
+          <a:extLst>
+            <a:ext uri="{909E8E84-426E-40DD-AFC4-6F175D3DCCD1}">
+              <a14:hiddenFill xmlns:a14="http://schemas.microsoft.com/office/drawing/2010/main">
+                <a:solidFill>
+                  <a:srgbClr val="FFFFFF"/>
+                </a:solidFill>
+              </a14:hiddenFill>
+            </a:ext>
+          </a:extLst>
+        </p:spPr>
+      </p:pic>
+      <p:pic>
+        <p:nvPicPr>
+          <p:cNvPr id="2080" name="Picture 32" descr="Image result for ios"/>
+          <p:cNvPicPr>
+            <a:picLocks noChangeAspect="1" noChangeArrowheads="1"/>
+          </p:cNvPicPr>
+          <p:nvPr/>
+        </p:nvPicPr>
+        <p:blipFill>
+          <a:blip r:embed="rId5">
+            <a:extLst>
+              <a:ext uri="{28A0092B-C50C-407E-A947-70E740481C1C}">
+                <a14:useLocalDpi xmlns:a14="http://schemas.microsoft.com/office/drawing/2010/main" val="0"/>
+              </a:ext>
+            </a:extLst>
+          </a:blip>
+          <a:srcRect/>
+          <a:stretch>
+            <a:fillRect/>
+          </a:stretch>
+        </p:blipFill>
+        <p:spPr bwMode="auto">
+          <a:xfrm>
+            <a:off x="7913686" y="5029474"/>
+            <a:ext cx="2638425" cy="1561826"/>
+          </a:xfrm>
+          <a:prstGeom prst="rect">
+            <a:avLst/>
+          </a:prstGeom>
+          <a:noFill/>
+          <a:extLst>
+            <a:ext uri="{909E8E84-426E-40DD-AFC4-6F175D3DCCD1}">
+              <a14:hiddenFill xmlns:a14="http://schemas.microsoft.com/office/drawing/2010/main">
+                <a:solidFill>
+                  <a:srgbClr val="FFFFFF"/>
+                </a:solidFill>
+              </a14:hiddenFill>
+            </a:ext>
+          </a:extLst>
+        </p:spPr>
+      </p:pic>
+      <p:pic>
+        <p:nvPicPr>
+          <p:cNvPr id="2082" name="Picture 34" descr="Image result for android"/>
+          <p:cNvPicPr>
+            <a:picLocks noChangeAspect="1" noChangeArrowheads="1"/>
+          </p:cNvPicPr>
+          <p:nvPr/>
+        </p:nvPicPr>
+        <p:blipFill>
+          <a:blip r:embed="rId6">
+            <a:extLst>
+              <a:ext uri="{28A0092B-C50C-407E-A947-70E740481C1C}">
+                <a14:useLocalDpi xmlns:a14="http://schemas.microsoft.com/office/drawing/2010/main" val="0"/>
+              </a:ext>
+            </a:extLst>
+          </a:blip>
+          <a:srcRect/>
+          <a:stretch>
+            <a:fillRect/>
+          </a:stretch>
+        </p:blipFill>
+        <p:spPr bwMode="auto">
+          <a:xfrm>
+            <a:off x="9232899" y="2417405"/>
+            <a:ext cx="2428875" cy="2428875"/>
+          </a:xfrm>
+          <a:prstGeom prst="rect">
+            <a:avLst/>
+          </a:prstGeom>
+          <a:noFill/>
+          <a:extLst>
+            <a:ext uri="{909E8E84-426E-40DD-AFC4-6F175D3DCCD1}">
+              <a14:hiddenFill xmlns:a14="http://schemas.microsoft.com/office/drawing/2010/main">
+                <a:solidFill>
+                  <a:srgbClr val="FFFFFF"/>
+                </a:solidFill>
+              </a14:hiddenFill>
+            </a:ext>
+          </a:extLst>
+        </p:spPr>
+      </p:pic>
     </p:spTree>
     <p:extLst>
       <p:ext uri="{BB962C8B-B14F-4D97-AF65-F5344CB8AC3E}">
-        <p14:creationId xmlns:p14="http://schemas.microsoft.com/office/powerpoint/2010/main" val="2144433454"/>
+        <p14:creationId xmlns:p14="http://schemas.microsoft.com/office/powerpoint/2010/main" val="1087068017"/>
       </p:ext>
     </p:extLst>
   </p:cSld>
   <p:clrMapOvr>
     <a:masterClrMapping/>
   </p:clrMapOvr>
+  <p:timing>
+    <p:tnLst>
+      <p:par>
+        <p:cTn id="1" dur="indefinite" restart="never" nodeType="tmRoot"/>
+      </p:par>
+    </p:tnLst>
+  </p:timing>
 </p:sld>
 </file>
 

--- a/Presentation.pptx
+++ b/Presentation.pptx
@@ -20,8 +20,8 @@
     <p:sldId id="264" r:id="rId11"/>
     <p:sldId id="267" r:id="rId12"/>
     <p:sldId id="269" r:id="rId13"/>
-    <p:sldId id="271" r:id="rId14"/>
-    <p:sldId id="270" r:id="rId15"/>
+    <p:sldId id="270" r:id="rId14"/>
+    <p:sldId id="271" r:id="rId15"/>
     <p:sldId id="272" r:id="rId16"/>
   </p:sldIdLst>
   <p:sldSz cx="12192000" cy="6858000"/>
@@ -123,7 +123,7 @@
   </p:defaultTextStyle>
   <p:extLst>
     <p:ext uri="{EFAFB233-063F-42B5-8137-9DF3F51BA10A}">
-      <p15:sldGuideLst xmlns:p15="http://schemas.microsoft.com/office/powerpoint/2012/main" xmlns=""/>
+      <p15:sldGuideLst xmlns="" xmlns:p15="http://schemas.microsoft.com/office/powerpoint/2012/main"/>
     </p:ext>
   </p:extLst>
 </p:presentation>
@@ -2040,8 +2040,8 @@
     <dgm:cxn modelId="{7977E879-23AF-4355-88F6-CEC12AF3F17F}" srcId="{5A31DD65-6A23-4A96-8AA4-937C9F473A1B}" destId="{C4926E18-DEF9-424B-B2A9-F23898D34B72}" srcOrd="1" destOrd="0" parTransId="{885183CF-D81E-453D-ADF8-D2477BD1CAB5}" sibTransId="{1C982C65-B470-4FF5-8F70-DC848FE4139A}"/>
     <dgm:cxn modelId="{11E13666-A0C2-4C19-8FC8-471DEB618DD2}" type="presOf" srcId="{E0136D70-D16B-4F12-B33A-F946998B1887}" destId="{8C02EF4C-48DF-42A5-A40C-0F48C14E5256}" srcOrd="0" destOrd="0" presId="urn:microsoft.com/office/officeart/2005/8/layout/cycle2"/>
     <dgm:cxn modelId="{60813F41-66CD-4C67-851C-AC9F053ED22F}" type="presOf" srcId="{1692019D-9163-467C-8365-A7A5A70F0177}" destId="{9D315564-F76F-433C-958A-873B30D82F08}" srcOrd="0" destOrd="0" presId="urn:microsoft.com/office/officeart/2005/8/layout/cycle2"/>
+    <dgm:cxn modelId="{7C6A8688-DA83-459C-B34A-517B06E41478}" type="presOf" srcId="{5D1D4291-E7CD-40D6-AE96-87FFE6495F01}" destId="{AA7BBA46-3746-4402-8F12-8263CCD81017}" srcOrd="0" destOrd="0" presId="urn:microsoft.com/office/officeart/2005/8/layout/cycle2"/>
     <dgm:cxn modelId="{6A60EE44-C04D-4DCF-99DA-ABFEB0CB39F7}" type="presOf" srcId="{92E8EA80-B1B1-44FA-816B-39D877F416AC}" destId="{5B119983-4A13-4C5E-951C-AFFAB54D829A}" srcOrd="1" destOrd="0" presId="urn:microsoft.com/office/officeart/2005/8/layout/cycle2"/>
-    <dgm:cxn modelId="{7C6A8688-DA83-459C-B34A-517B06E41478}" type="presOf" srcId="{5D1D4291-E7CD-40D6-AE96-87FFE6495F01}" destId="{AA7BBA46-3746-4402-8F12-8263CCD81017}" srcOrd="0" destOrd="0" presId="urn:microsoft.com/office/officeart/2005/8/layout/cycle2"/>
     <dgm:cxn modelId="{7FBC1174-1CAC-48E2-B2A4-C556E0D41E7C}" type="presOf" srcId="{F22906F3-B47B-45B7-9B14-4FD8B8E8BBAE}" destId="{61F3795E-695C-44AC-8BA6-9B259FD3BC9C}" srcOrd="1" destOrd="0" presId="urn:microsoft.com/office/officeart/2005/8/layout/cycle2"/>
     <dgm:cxn modelId="{5448BA92-E3F2-445B-8AE8-5E736D9A5333}" type="presOf" srcId="{92E8EA80-B1B1-44FA-816B-39D877F416AC}" destId="{55BCCD0A-B83F-4063-9417-3F4A26376EB4}" srcOrd="0" destOrd="0" presId="urn:microsoft.com/office/officeart/2005/8/layout/cycle2"/>
     <dgm:cxn modelId="{D7BFFF2A-F9ED-49EC-9596-9907CCFB9868}" type="presOf" srcId="{D1411753-4EFD-4826-AF76-87EA7D8DB46B}" destId="{8A158840-F645-4D70-8E21-73D9E9FCD3A4}" srcOrd="0" destOrd="0" presId="urn:microsoft.com/office/officeart/2005/8/layout/cycle2"/>
@@ -5902,7 +5902,7 @@
           <a:p>
             <a:fld id="{51A22B42-34D3-4B01-BF3D-F69359E82423}" type="datetimeFigureOut">
               <a:rPr lang="en-US"/>
-              <a:t>11/27/2016</a:t>
+              <a:t>11/28/2016</a:t>
             </a:fld>
             <a:endParaRPr lang="en-US"/>
           </a:p>
@@ -6577,7 +6577,7 @@
             <a:fld id="{5586B75A-687E-405C-8A0B-8D00578BA2C3}" type="datetimeFigureOut">
               <a:rPr lang="en-US" dirty="0"/>
               <a:pPr/>
-              <a:t>11/27/2016</a:t>
+              <a:t>11/28/2016</a:t>
             </a:fld>
             <a:endParaRPr lang="en-US" dirty="0"/>
           </a:p>
@@ -6743,7 +6743,7 @@
           <a:p>
             <a:fld id="{5F4E5243-F52A-4D37-9694-EB26C6C31910}" type="datetimeFigureOut">
               <a:rPr lang="en-US" dirty="0"/>
-              <a:t>11/27/2016</a:t>
+              <a:t>11/28/2016</a:t>
             </a:fld>
             <a:endParaRPr lang="en-US" dirty="0"/>
           </a:p>
@@ -6918,7 +6918,7 @@
           <a:p>
             <a:fld id="{3A77B6E1-634A-48DC-9E8B-D894023267EF}" type="datetimeFigureOut">
               <a:rPr lang="en-US" dirty="0"/>
-              <a:t>11/27/2016</a:t>
+              <a:t>11/28/2016</a:t>
             </a:fld>
             <a:endParaRPr lang="en-US" dirty="0"/>
           </a:p>
@@ -7083,7 +7083,7 @@
           <a:p>
             <a:fld id="{7B2D3E9E-A95C-48F2-B4BF-A71542E0BE9A}" type="datetimeFigureOut">
               <a:rPr lang="en-US" dirty="0"/>
-              <a:t>11/27/2016</a:t>
+              <a:t>11/28/2016</a:t>
             </a:fld>
             <a:endParaRPr lang="en-US" dirty="0"/>
           </a:p>
@@ -7343,7 +7343,7 @@
             <a:fld id="{5586B75A-687E-405C-8A0B-8D00578BA2C3}" type="datetimeFigureOut">
               <a:rPr lang="en-US" dirty="0"/>
               <a:pPr/>
-              <a:t>11/27/2016</a:t>
+              <a:t>11/28/2016</a:t>
             </a:fld>
             <a:endParaRPr lang="en-US" dirty="0"/>
           </a:p>
@@ -7627,7 +7627,7 @@
           <a:p>
             <a:fld id="{F12952B5-7A2F-4CC8-B7CE-9234E21C2837}" type="datetimeFigureOut">
               <a:rPr lang="en-US" dirty="0"/>
-              <a:t>11/27/2016</a:t>
+              <a:t>11/28/2016</a:t>
             </a:fld>
             <a:endParaRPr lang="en-US" dirty="0"/>
           </a:p>
@@ -8051,7 +8051,7 @@
           <a:p>
             <a:fld id="{CE1DA07A-9201-4B4B-BAF2-015AFA30F520}" type="datetimeFigureOut">
               <a:rPr lang="en-US" dirty="0"/>
-              <a:t>11/27/2016</a:t>
+              <a:t>11/28/2016</a:t>
             </a:fld>
             <a:endParaRPr lang="en-US" dirty="0"/>
           </a:p>
@@ -8164,7 +8164,7 @@
           <a:p>
             <a:fld id="{73D7E00A-486F-4252-8B1D-E32645521F49}" type="datetimeFigureOut">
               <a:rPr lang="en-US" dirty="0"/>
-              <a:t>11/27/2016</a:t>
+              <a:t>11/28/2016</a:t>
             </a:fld>
             <a:endParaRPr lang="en-US" dirty="0"/>
           </a:p>
@@ -8254,7 +8254,7 @@
           <a:p>
             <a:fld id="{8DDF5F92-E675-4B36-9A60-69A962A68675}" type="datetimeFigureOut">
               <a:rPr lang="en-US" dirty="0"/>
-              <a:t>11/27/2016</a:t>
+              <a:t>11/28/2016</a:t>
             </a:fld>
             <a:endParaRPr lang="en-US" dirty="0"/>
           </a:p>
@@ -8605,7 +8605,7 @@
           <a:p>
             <a:fld id="{AF6E2C9B-5FA2-460D-9BE7-B0812FC2A6FF}" type="datetimeFigureOut">
               <a:rPr lang="en-US" dirty="0"/>
-              <a:t>11/27/2016</a:t>
+              <a:t>11/28/2016</a:t>
             </a:fld>
             <a:endParaRPr lang="en-US" dirty="0"/>
           </a:p>
@@ -8905,7 +8905,7 @@
             <a:fld id="{5586B75A-687E-405C-8A0B-8D00578BA2C3}" type="datetimeFigureOut">
               <a:rPr lang="en-US" dirty="0"/>
               <a:pPr/>
-              <a:t>11/27/2016</a:t>
+              <a:t>11/28/2016</a:t>
             </a:fld>
             <a:endParaRPr lang="en-US" dirty="0"/>
           </a:p>
@@ -9115,7 +9115,7 @@
             <a:fld id="{5586B75A-687E-405C-8A0B-8D00578BA2C3}" type="datetimeFigureOut">
               <a:rPr lang="en-US" dirty="0"/>
               <a:pPr/>
-              <a:t>11/27/2016</a:t>
+              <a:t>11/28/2016</a:t>
             </a:fld>
             <a:endParaRPr lang="en-US" dirty="0"/>
           </a:p>
@@ -9643,6 +9643,13 @@
   <p:clrMapOvr>
     <a:masterClrMapping/>
   </p:clrMapOvr>
+  <p:timing>
+    <p:tnLst>
+      <p:par>
+        <p:cTn id="1" dur="indefinite" restart="never" nodeType="tmRoot"/>
+      </p:par>
+    </p:tnLst>
+  </p:timing>
 </p:sld>
 </file>
 
@@ -9738,7 +9745,6 @@
               <a:rPr lang="en-US" dirty="0" smtClean="0"/>
               <a:t>major web browsers.</a:t>
             </a:r>
-            <a:endParaRPr lang="en-US" dirty="0" smtClean="0"/>
           </a:p>
         </p:txBody>
       </p:sp>
@@ -10444,6 +10450,13 @@
   <p:clrMapOvr>
     <a:masterClrMapping/>
   </p:clrMapOvr>
+  <p:timing>
+    <p:tnLst>
+      <p:par>
+        <p:cTn id="1" dur="indefinite" restart="never" nodeType="tmRoot"/>
+      </p:par>
+    </p:tnLst>
+  </p:timing>
 </p:sld>
 </file>
 
@@ -10588,6 +10601,13 @@
   <p:clrMapOvr>
     <a:masterClrMapping/>
   </p:clrMapOvr>
+  <p:timing>
+    <p:tnLst>
+      <p:par>
+        <p:cTn id="1" dur="indefinite" restart="never" nodeType="tmRoot"/>
+      </p:par>
+    </p:tnLst>
+  </p:timing>
 </p:sld>
 </file>
 
@@ -10625,7 +10645,7 @@
           <a:p>
             <a:r>
               <a:rPr lang="en-CA" dirty="0" smtClean="0"/>
-              <a:t>Want to Play Again?</a:t>
+              <a:t>Something for the Developers Too!</a:t>
             </a:r>
             <a:endParaRPr lang="en-CA" dirty="0"/>
           </a:p>
@@ -10659,17 +10679,8 @@
             </a:r>
             <a:r>
               <a:rPr lang="en-US" dirty="0" smtClean="0"/>
-              <a:t>Everyday is a new adventure with </a:t>
-            </a:r>
-            <a:r>
-              <a:rPr lang="en-US" dirty="0" err="1" smtClean="0"/>
-              <a:t>GrateBox</a:t>
-            </a:r>
-            <a:r>
-              <a:rPr lang="en-US" dirty="0"/>
-              <a:t>!</a:t>
-            </a:r>
-            <a:endParaRPr lang="en-US" dirty="0" smtClean="0"/>
+              <a:t>Interested in getting into Genetic Algorithms as a developer?</a:t>
+            </a:r>
           </a:p>
           <a:p>
             <a:pPr>
@@ -10685,7 +10696,15 @@
             </a:r>
             <a:r>
               <a:rPr lang="en-US" dirty="0" smtClean="0"/>
-              <a:t>The random nature of Genetic Algorithm allows for new cars to be generated with each generation.</a:t>
+              <a:t> </a:t>
+            </a:r>
+            <a:r>
+              <a:rPr lang="en-US" dirty="0" err="1" smtClean="0"/>
+              <a:t>GrateBox</a:t>
+            </a:r>
+            <a:r>
+              <a:rPr lang="en-US" dirty="0" smtClean="0"/>
+              <a:t> is meticulously documented so anyone can contribute to the ever-growing body of code.</a:t>
             </a:r>
           </a:p>
           <a:p>
@@ -10702,7 +10721,7 @@
             </a:r>
             <a:r>
               <a:rPr lang="en-US" dirty="0" smtClean="0"/>
-              <a:t> Every time you run the program, you’re bound to see new cars with new designs!</a:t>
+              <a:t> Our open source license allows anyone to modify, redistribute, and share the code.</a:t>
             </a:r>
             <a:endParaRPr lang="en-CA" dirty="0"/>
           </a:p>
@@ -10711,13 +10730,226 @@
     </p:spTree>
     <p:extLst>
       <p:ext uri="{BB962C8B-B14F-4D97-AF65-F5344CB8AC3E}">
-        <p14:creationId xmlns:p14="http://schemas.microsoft.com/office/powerpoint/2010/main" val="3053256050"/>
+        <p14:creationId xmlns:p14="http://schemas.microsoft.com/office/powerpoint/2010/main" val="1667083250"/>
       </p:ext>
     </p:extLst>
   </p:cSld>
   <p:clrMapOvr>
     <a:masterClrMapping/>
   </p:clrMapOvr>
+  <p:timing>
+    <p:tnLst>
+      <p:par>
+        <p:cTn id="1" dur="indefinite" restart="never" nodeType="tmRoot">
+          <p:childTnLst>
+            <p:seq concurrent="1" nextAc="seek">
+              <p:cTn id="2" dur="indefinite" nodeType="mainSeq">
+                <p:childTnLst>
+                  <p:par>
+                    <p:cTn id="3" fill="hold">
+                      <p:stCondLst>
+                        <p:cond delay="indefinite"/>
+                      </p:stCondLst>
+                      <p:childTnLst>
+                        <p:par>
+                          <p:cTn id="4" fill="hold">
+                            <p:stCondLst>
+                              <p:cond delay="0"/>
+                            </p:stCondLst>
+                            <p:childTnLst>
+                              <p:par>
+                                <p:cTn id="5" presetID="10" presetClass="entr" presetSubtype="0" fill="hold" nodeType="clickEffect">
+                                  <p:stCondLst>
+                                    <p:cond delay="0"/>
+                                  </p:stCondLst>
+                                  <p:childTnLst>
+                                    <p:set>
+                                      <p:cBhvr>
+                                        <p:cTn id="6" dur="1" fill="hold">
+                                          <p:stCondLst>
+                                            <p:cond delay="0"/>
+                                          </p:stCondLst>
+                                        </p:cTn>
+                                        <p:tgtEl>
+                                          <p:spTgt spid="3">
+                                            <p:txEl>
+                                              <p:pRg st="0" end="0"/>
+                                            </p:txEl>
+                                          </p:spTgt>
+                                        </p:tgtEl>
+                                        <p:attrNameLst>
+                                          <p:attrName>style.visibility</p:attrName>
+                                        </p:attrNameLst>
+                                      </p:cBhvr>
+                                      <p:to>
+                                        <p:strVal val="visible"/>
+                                      </p:to>
+                                    </p:set>
+                                    <p:animEffect transition="in" filter="fade">
+                                      <p:cBhvr>
+                                        <p:cTn id="7" dur="500"/>
+                                        <p:tgtEl>
+                                          <p:spTgt spid="3">
+                                            <p:txEl>
+                                              <p:pRg st="0" end="0"/>
+                                            </p:txEl>
+                                          </p:spTgt>
+                                        </p:tgtEl>
+                                      </p:cBhvr>
+                                    </p:animEffect>
+                                  </p:childTnLst>
+                                </p:cTn>
+                              </p:par>
+                            </p:childTnLst>
+                          </p:cTn>
+                        </p:par>
+                      </p:childTnLst>
+                    </p:cTn>
+                  </p:par>
+                  <p:par>
+                    <p:cTn id="8" fill="hold">
+                      <p:stCondLst>
+                        <p:cond delay="indefinite"/>
+                      </p:stCondLst>
+                      <p:childTnLst>
+                        <p:par>
+                          <p:cTn id="9" fill="hold">
+                            <p:stCondLst>
+                              <p:cond delay="0"/>
+                            </p:stCondLst>
+                            <p:childTnLst>
+                              <p:par>
+                                <p:cTn id="10" presetID="10" presetClass="entr" presetSubtype="0" fill="hold" nodeType="clickEffect">
+                                  <p:stCondLst>
+                                    <p:cond delay="0"/>
+                                  </p:stCondLst>
+                                  <p:childTnLst>
+                                    <p:set>
+                                      <p:cBhvr>
+                                        <p:cTn id="11" dur="1" fill="hold">
+                                          <p:stCondLst>
+                                            <p:cond delay="0"/>
+                                          </p:stCondLst>
+                                        </p:cTn>
+                                        <p:tgtEl>
+                                          <p:spTgt spid="3">
+                                            <p:txEl>
+                                              <p:pRg st="1" end="1"/>
+                                            </p:txEl>
+                                          </p:spTgt>
+                                        </p:tgtEl>
+                                        <p:attrNameLst>
+                                          <p:attrName>style.visibility</p:attrName>
+                                        </p:attrNameLst>
+                                      </p:cBhvr>
+                                      <p:to>
+                                        <p:strVal val="visible"/>
+                                      </p:to>
+                                    </p:set>
+                                    <p:animEffect transition="in" filter="fade">
+                                      <p:cBhvr>
+                                        <p:cTn id="12" dur="500"/>
+                                        <p:tgtEl>
+                                          <p:spTgt spid="3">
+                                            <p:txEl>
+                                              <p:pRg st="1" end="1"/>
+                                            </p:txEl>
+                                          </p:spTgt>
+                                        </p:tgtEl>
+                                      </p:cBhvr>
+                                    </p:animEffect>
+                                  </p:childTnLst>
+                                </p:cTn>
+                              </p:par>
+                            </p:childTnLst>
+                          </p:cTn>
+                        </p:par>
+                      </p:childTnLst>
+                    </p:cTn>
+                  </p:par>
+                  <p:par>
+                    <p:cTn id="13" fill="hold">
+                      <p:stCondLst>
+                        <p:cond delay="indefinite"/>
+                      </p:stCondLst>
+                      <p:childTnLst>
+                        <p:par>
+                          <p:cTn id="14" fill="hold">
+                            <p:stCondLst>
+                              <p:cond delay="0"/>
+                            </p:stCondLst>
+                            <p:childTnLst>
+                              <p:par>
+                                <p:cTn id="15" presetID="10" presetClass="entr" presetSubtype="0" fill="hold" nodeType="clickEffect">
+                                  <p:stCondLst>
+                                    <p:cond delay="0"/>
+                                  </p:stCondLst>
+                                  <p:childTnLst>
+                                    <p:set>
+                                      <p:cBhvr>
+                                        <p:cTn id="16" dur="1" fill="hold">
+                                          <p:stCondLst>
+                                            <p:cond delay="0"/>
+                                          </p:stCondLst>
+                                        </p:cTn>
+                                        <p:tgtEl>
+                                          <p:spTgt spid="3">
+                                            <p:txEl>
+                                              <p:pRg st="2" end="2"/>
+                                            </p:txEl>
+                                          </p:spTgt>
+                                        </p:tgtEl>
+                                        <p:attrNameLst>
+                                          <p:attrName>style.visibility</p:attrName>
+                                        </p:attrNameLst>
+                                      </p:cBhvr>
+                                      <p:to>
+                                        <p:strVal val="visible"/>
+                                      </p:to>
+                                    </p:set>
+                                    <p:animEffect transition="in" filter="fade">
+                                      <p:cBhvr>
+                                        <p:cTn id="17" dur="500"/>
+                                        <p:tgtEl>
+                                          <p:spTgt spid="3">
+                                            <p:txEl>
+                                              <p:pRg st="2" end="2"/>
+                                            </p:txEl>
+                                          </p:spTgt>
+                                        </p:tgtEl>
+                                      </p:cBhvr>
+                                    </p:animEffect>
+                                  </p:childTnLst>
+                                </p:cTn>
+                              </p:par>
+                            </p:childTnLst>
+                          </p:cTn>
+                        </p:par>
+                      </p:childTnLst>
+                    </p:cTn>
+                  </p:par>
+                </p:childTnLst>
+              </p:cTn>
+              <p:prevCondLst>
+                <p:cond evt="onPrev" delay="0">
+                  <p:tgtEl>
+                    <p:sldTgt/>
+                  </p:tgtEl>
+                </p:cond>
+              </p:prevCondLst>
+              <p:nextCondLst>
+                <p:cond evt="onNext" delay="0">
+                  <p:tgtEl>
+                    <p:sldTgt/>
+                  </p:tgtEl>
+                </p:cond>
+              </p:nextCondLst>
+            </p:seq>
+          </p:childTnLst>
+        </p:cTn>
+      </p:par>
+    </p:tnLst>
+  </p:timing>
 </p:sld>
 </file>
 
@@ -10755,7 +10987,7 @@
           <a:p>
             <a:r>
               <a:rPr lang="en-CA" dirty="0" smtClean="0"/>
-              <a:t>Something for the Developers Too!</a:t>
+              <a:t>Want to Play Again?</a:t>
             </a:r>
             <a:endParaRPr lang="en-CA" dirty="0"/>
           </a:p>
@@ -10789,8 +11021,17 @@
             </a:r>
             <a:r>
               <a:rPr lang="en-US" dirty="0" smtClean="0"/>
-              <a:t>Interested in getting into Genetic Algorithms as a developer?</a:t>
-            </a:r>
+              <a:t>Everyday is a new adventure with </a:t>
+            </a:r>
+            <a:r>
+              <a:rPr lang="en-US" dirty="0" err="1" smtClean="0"/>
+              <a:t>GrateBox</a:t>
+            </a:r>
+            <a:r>
+              <a:rPr lang="en-US" dirty="0"/>
+              <a:t>!</a:t>
+            </a:r>
+            <a:endParaRPr lang="en-US" dirty="0" smtClean="0"/>
           </a:p>
           <a:p>
             <a:pPr>
@@ -10806,15 +11047,7 @@
             </a:r>
             <a:r>
               <a:rPr lang="en-US" dirty="0" smtClean="0"/>
-              <a:t> </a:t>
-            </a:r>
-            <a:r>
-              <a:rPr lang="en-US" dirty="0" err="1" smtClean="0"/>
-              <a:t>GrateBox</a:t>
-            </a:r>
-            <a:r>
-              <a:rPr lang="en-US" dirty="0" smtClean="0"/>
-              <a:t> is meticulously documented so anyone can contribute to the ever-growing body of code.</a:t>
+              <a:t>The random nature of Genetic Algorithm allows for new cars to be generated with each generation.</a:t>
             </a:r>
           </a:p>
           <a:p>
@@ -10831,7 +11064,7 @@
             </a:r>
             <a:r>
               <a:rPr lang="en-US" dirty="0" smtClean="0"/>
-              <a:t> Our open source license allows anyone to modify, redistribute, and share the code.</a:t>
+              <a:t> Every time you run the program, you’re bound to see new cars with new designs!</a:t>
             </a:r>
             <a:endParaRPr lang="en-CA" dirty="0"/>
           </a:p>
@@ -10840,13 +11073,226 @@
     </p:spTree>
     <p:extLst>
       <p:ext uri="{BB962C8B-B14F-4D97-AF65-F5344CB8AC3E}">
-        <p14:creationId xmlns:p14="http://schemas.microsoft.com/office/powerpoint/2010/main" val="1667083250"/>
+        <p14:creationId xmlns:p14="http://schemas.microsoft.com/office/powerpoint/2010/main" val="3053256050"/>
       </p:ext>
     </p:extLst>
   </p:cSld>
   <p:clrMapOvr>
     <a:masterClrMapping/>
   </p:clrMapOvr>
+  <p:timing>
+    <p:tnLst>
+      <p:par>
+        <p:cTn id="1" dur="indefinite" restart="never" nodeType="tmRoot">
+          <p:childTnLst>
+            <p:seq concurrent="1" nextAc="seek">
+              <p:cTn id="2" dur="indefinite" nodeType="mainSeq">
+                <p:childTnLst>
+                  <p:par>
+                    <p:cTn id="3" fill="hold">
+                      <p:stCondLst>
+                        <p:cond delay="indefinite"/>
+                      </p:stCondLst>
+                      <p:childTnLst>
+                        <p:par>
+                          <p:cTn id="4" fill="hold">
+                            <p:stCondLst>
+                              <p:cond delay="0"/>
+                            </p:stCondLst>
+                            <p:childTnLst>
+                              <p:par>
+                                <p:cTn id="5" presetID="10" presetClass="entr" presetSubtype="0" fill="hold" nodeType="clickEffect">
+                                  <p:stCondLst>
+                                    <p:cond delay="0"/>
+                                  </p:stCondLst>
+                                  <p:childTnLst>
+                                    <p:set>
+                                      <p:cBhvr>
+                                        <p:cTn id="6" dur="1" fill="hold">
+                                          <p:stCondLst>
+                                            <p:cond delay="0"/>
+                                          </p:stCondLst>
+                                        </p:cTn>
+                                        <p:tgtEl>
+                                          <p:spTgt spid="3">
+                                            <p:txEl>
+                                              <p:pRg st="0" end="0"/>
+                                            </p:txEl>
+                                          </p:spTgt>
+                                        </p:tgtEl>
+                                        <p:attrNameLst>
+                                          <p:attrName>style.visibility</p:attrName>
+                                        </p:attrNameLst>
+                                      </p:cBhvr>
+                                      <p:to>
+                                        <p:strVal val="visible"/>
+                                      </p:to>
+                                    </p:set>
+                                    <p:animEffect transition="in" filter="fade">
+                                      <p:cBhvr>
+                                        <p:cTn id="7" dur="500"/>
+                                        <p:tgtEl>
+                                          <p:spTgt spid="3">
+                                            <p:txEl>
+                                              <p:pRg st="0" end="0"/>
+                                            </p:txEl>
+                                          </p:spTgt>
+                                        </p:tgtEl>
+                                      </p:cBhvr>
+                                    </p:animEffect>
+                                  </p:childTnLst>
+                                </p:cTn>
+                              </p:par>
+                            </p:childTnLst>
+                          </p:cTn>
+                        </p:par>
+                      </p:childTnLst>
+                    </p:cTn>
+                  </p:par>
+                  <p:par>
+                    <p:cTn id="8" fill="hold">
+                      <p:stCondLst>
+                        <p:cond delay="indefinite"/>
+                      </p:stCondLst>
+                      <p:childTnLst>
+                        <p:par>
+                          <p:cTn id="9" fill="hold">
+                            <p:stCondLst>
+                              <p:cond delay="0"/>
+                            </p:stCondLst>
+                            <p:childTnLst>
+                              <p:par>
+                                <p:cTn id="10" presetID="10" presetClass="entr" presetSubtype="0" fill="hold" nodeType="clickEffect">
+                                  <p:stCondLst>
+                                    <p:cond delay="0"/>
+                                  </p:stCondLst>
+                                  <p:childTnLst>
+                                    <p:set>
+                                      <p:cBhvr>
+                                        <p:cTn id="11" dur="1" fill="hold">
+                                          <p:stCondLst>
+                                            <p:cond delay="0"/>
+                                          </p:stCondLst>
+                                        </p:cTn>
+                                        <p:tgtEl>
+                                          <p:spTgt spid="3">
+                                            <p:txEl>
+                                              <p:pRg st="1" end="1"/>
+                                            </p:txEl>
+                                          </p:spTgt>
+                                        </p:tgtEl>
+                                        <p:attrNameLst>
+                                          <p:attrName>style.visibility</p:attrName>
+                                        </p:attrNameLst>
+                                      </p:cBhvr>
+                                      <p:to>
+                                        <p:strVal val="visible"/>
+                                      </p:to>
+                                    </p:set>
+                                    <p:animEffect transition="in" filter="fade">
+                                      <p:cBhvr>
+                                        <p:cTn id="12" dur="500"/>
+                                        <p:tgtEl>
+                                          <p:spTgt spid="3">
+                                            <p:txEl>
+                                              <p:pRg st="1" end="1"/>
+                                            </p:txEl>
+                                          </p:spTgt>
+                                        </p:tgtEl>
+                                      </p:cBhvr>
+                                    </p:animEffect>
+                                  </p:childTnLst>
+                                </p:cTn>
+                              </p:par>
+                            </p:childTnLst>
+                          </p:cTn>
+                        </p:par>
+                      </p:childTnLst>
+                    </p:cTn>
+                  </p:par>
+                  <p:par>
+                    <p:cTn id="13" fill="hold">
+                      <p:stCondLst>
+                        <p:cond delay="indefinite"/>
+                      </p:stCondLst>
+                      <p:childTnLst>
+                        <p:par>
+                          <p:cTn id="14" fill="hold">
+                            <p:stCondLst>
+                              <p:cond delay="0"/>
+                            </p:stCondLst>
+                            <p:childTnLst>
+                              <p:par>
+                                <p:cTn id="15" presetID="10" presetClass="entr" presetSubtype="0" fill="hold" nodeType="clickEffect">
+                                  <p:stCondLst>
+                                    <p:cond delay="0"/>
+                                  </p:stCondLst>
+                                  <p:childTnLst>
+                                    <p:set>
+                                      <p:cBhvr>
+                                        <p:cTn id="16" dur="1" fill="hold">
+                                          <p:stCondLst>
+                                            <p:cond delay="0"/>
+                                          </p:stCondLst>
+                                        </p:cTn>
+                                        <p:tgtEl>
+                                          <p:spTgt spid="3">
+                                            <p:txEl>
+                                              <p:pRg st="2" end="2"/>
+                                            </p:txEl>
+                                          </p:spTgt>
+                                        </p:tgtEl>
+                                        <p:attrNameLst>
+                                          <p:attrName>style.visibility</p:attrName>
+                                        </p:attrNameLst>
+                                      </p:cBhvr>
+                                      <p:to>
+                                        <p:strVal val="visible"/>
+                                      </p:to>
+                                    </p:set>
+                                    <p:animEffect transition="in" filter="fade">
+                                      <p:cBhvr>
+                                        <p:cTn id="17" dur="500"/>
+                                        <p:tgtEl>
+                                          <p:spTgt spid="3">
+                                            <p:txEl>
+                                              <p:pRg st="2" end="2"/>
+                                            </p:txEl>
+                                          </p:spTgt>
+                                        </p:tgtEl>
+                                      </p:cBhvr>
+                                    </p:animEffect>
+                                  </p:childTnLst>
+                                </p:cTn>
+                              </p:par>
+                            </p:childTnLst>
+                          </p:cTn>
+                        </p:par>
+                      </p:childTnLst>
+                    </p:cTn>
+                  </p:par>
+                </p:childTnLst>
+              </p:cTn>
+              <p:prevCondLst>
+                <p:cond evt="onPrev" delay="0">
+                  <p:tgtEl>
+                    <p:sldTgt/>
+                  </p:tgtEl>
+                </p:cond>
+              </p:prevCondLst>
+              <p:nextCondLst>
+                <p:cond evt="onNext" delay="0">
+                  <p:tgtEl>
+                    <p:sldTgt/>
+                  </p:tgtEl>
+                </p:cond>
+              </p:nextCondLst>
+            </p:seq>
+          </p:childTnLst>
+        </p:cTn>
+      </p:par>
+    </p:tnLst>
+  </p:timing>
 </p:sld>
 </file>
 
@@ -11419,6 +11865,187 @@
   <p:clrMapOvr>
     <a:masterClrMapping/>
   </p:clrMapOvr>
+  <p:timing>
+    <p:tnLst>
+      <p:par>
+        <p:cTn id="1" dur="indefinite" restart="never" nodeType="tmRoot">
+          <p:childTnLst>
+            <p:seq concurrent="1" nextAc="seek">
+              <p:cTn id="2" dur="indefinite" nodeType="mainSeq">
+                <p:childTnLst>
+                  <p:par>
+                    <p:cTn id="3" fill="hold">
+                      <p:stCondLst>
+                        <p:cond delay="indefinite"/>
+                      </p:stCondLst>
+                      <p:childTnLst>
+                        <p:par>
+                          <p:cTn id="4" fill="hold">
+                            <p:stCondLst>
+                              <p:cond delay="0"/>
+                            </p:stCondLst>
+                            <p:childTnLst>
+                              <p:par>
+                                <p:cTn id="5" presetID="10" presetClass="entr" presetSubtype="0" fill="hold" nodeType="clickEffect">
+                                  <p:stCondLst>
+                                    <p:cond delay="0"/>
+                                  </p:stCondLst>
+                                  <p:childTnLst>
+                                    <p:set>
+                                      <p:cBhvr>
+                                        <p:cTn id="6" dur="1" fill="hold">
+                                          <p:stCondLst>
+                                            <p:cond delay="0"/>
+                                          </p:stCondLst>
+                                        </p:cTn>
+                                        <p:tgtEl>
+                                          <p:spTgt spid="1026"/>
+                                        </p:tgtEl>
+                                        <p:attrNameLst>
+                                          <p:attrName>style.visibility</p:attrName>
+                                        </p:attrNameLst>
+                                      </p:cBhvr>
+                                      <p:to>
+                                        <p:strVal val="visible"/>
+                                      </p:to>
+                                    </p:set>
+                                    <p:animEffect transition="in" filter="fade">
+                                      <p:cBhvr>
+                                        <p:cTn id="7" dur="500"/>
+                                        <p:tgtEl>
+                                          <p:spTgt spid="1026"/>
+                                        </p:tgtEl>
+                                      </p:cBhvr>
+                                    </p:animEffect>
+                                  </p:childTnLst>
+                                </p:cTn>
+                              </p:par>
+                            </p:childTnLst>
+                          </p:cTn>
+                        </p:par>
+                      </p:childTnLst>
+                    </p:cTn>
+                  </p:par>
+                  <p:par>
+                    <p:cTn id="8" fill="hold">
+                      <p:stCondLst>
+                        <p:cond delay="indefinite"/>
+                      </p:stCondLst>
+                      <p:childTnLst>
+                        <p:par>
+                          <p:cTn id="9" fill="hold">
+                            <p:stCondLst>
+                              <p:cond delay="0"/>
+                            </p:stCondLst>
+                            <p:childTnLst>
+                              <p:par>
+                                <p:cTn id="10" presetID="1" presetClass="entr" presetSubtype="0" fill="hold" nodeType="clickEffect">
+                                  <p:stCondLst>
+                                    <p:cond delay="0"/>
+                                  </p:stCondLst>
+                                  <p:childTnLst>
+                                    <p:set>
+                                      <p:cBhvr>
+                                        <p:cTn id="11" dur="1" fill="hold">
+                                          <p:stCondLst>
+                                            <p:cond delay="0"/>
+                                          </p:stCondLst>
+                                        </p:cTn>
+                                        <p:tgtEl>
+                                          <p:spTgt spid="1028"/>
+                                        </p:tgtEl>
+                                        <p:attrNameLst>
+                                          <p:attrName>style.visibility</p:attrName>
+                                        </p:attrNameLst>
+                                      </p:cBhvr>
+                                      <p:to>
+                                        <p:strVal val="visible"/>
+                                      </p:to>
+                                    </p:set>
+                                  </p:childTnLst>
+                                </p:cTn>
+                              </p:par>
+                            </p:childTnLst>
+                          </p:cTn>
+                        </p:par>
+                      </p:childTnLst>
+                    </p:cTn>
+                  </p:par>
+                  <p:par>
+                    <p:cTn id="12" fill="hold">
+                      <p:stCondLst>
+                        <p:cond delay="indefinite"/>
+                      </p:stCondLst>
+                      <p:childTnLst>
+                        <p:par>
+                          <p:cTn id="13" fill="hold">
+                            <p:stCondLst>
+                              <p:cond delay="0"/>
+                            </p:stCondLst>
+                            <p:childTnLst>
+                              <p:par>
+                                <p:cTn id="14" presetID="10" presetClass="entr" presetSubtype="0" fill="hold" nodeType="clickEffect">
+                                  <p:stCondLst>
+                                    <p:cond delay="0"/>
+                                  </p:stCondLst>
+                                  <p:childTnLst>
+                                    <p:set>
+                                      <p:cBhvr>
+                                        <p:cTn id="15" dur="1" fill="hold">
+                                          <p:stCondLst>
+                                            <p:cond delay="0"/>
+                                          </p:stCondLst>
+                                        </p:cTn>
+                                        <p:tgtEl>
+                                          <p:spTgt spid="1030"/>
+                                        </p:tgtEl>
+                                        <p:attrNameLst>
+                                          <p:attrName>style.visibility</p:attrName>
+                                        </p:attrNameLst>
+                                      </p:cBhvr>
+                                      <p:to>
+                                        <p:strVal val="visible"/>
+                                      </p:to>
+                                    </p:set>
+                                    <p:animEffect transition="in" filter="fade">
+                                      <p:cBhvr>
+                                        <p:cTn id="16" dur="500"/>
+                                        <p:tgtEl>
+                                          <p:spTgt spid="1030"/>
+                                        </p:tgtEl>
+                                      </p:cBhvr>
+                                    </p:animEffect>
+                                  </p:childTnLst>
+                                </p:cTn>
+                              </p:par>
+                            </p:childTnLst>
+                          </p:cTn>
+                        </p:par>
+                      </p:childTnLst>
+                    </p:cTn>
+                  </p:par>
+                </p:childTnLst>
+              </p:cTn>
+              <p:prevCondLst>
+                <p:cond evt="onPrev" delay="0">
+                  <p:tgtEl>
+                    <p:sldTgt/>
+                  </p:tgtEl>
+                </p:cond>
+              </p:prevCondLst>
+              <p:nextCondLst>
+                <p:cond evt="onNext" delay="0">
+                  <p:tgtEl>
+                    <p:sldTgt/>
+                  </p:tgtEl>
+                </p:cond>
+              </p:nextCondLst>
+            </p:seq>
+          </p:childTnLst>
+        </p:cTn>
+      </p:par>
+    </p:tnLst>
+  </p:timing>
 </p:sld>
 </file>
 
@@ -11586,6 +12213,341 @@
   <p:clrMapOvr>
     <a:masterClrMapping/>
   </p:clrMapOvr>
+  <p:timing>
+    <p:tnLst>
+      <p:par>
+        <p:cTn id="1" dur="indefinite" restart="never" nodeType="tmRoot">
+          <p:childTnLst>
+            <p:seq concurrent="1" nextAc="seek">
+              <p:cTn id="2" dur="indefinite" nodeType="mainSeq">
+                <p:childTnLst>
+                  <p:par>
+                    <p:cTn id="3" fill="hold">
+                      <p:stCondLst>
+                        <p:cond delay="indefinite"/>
+                      </p:stCondLst>
+                      <p:childTnLst>
+                        <p:par>
+                          <p:cTn id="4" fill="hold">
+                            <p:stCondLst>
+                              <p:cond delay="0"/>
+                            </p:stCondLst>
+                            <p:childTnLst>
+                              <p:par>
+                                <p:cTn id="5" presetID="10" presetClass="entr" presetSubtype="0" fill="hold" nodeType="clickEffect">
+                                  <p:stCondLst>
+                                    <p:cond delay="0"/>
+                                  </p:stCondLst>
+                                  <p:childTnLst>
+                                    <p:set>
+                                      <p:cBhvr>
+                                        <p:cTn id="6" dur="1" fill="hold">
+                                          <p:stCondLst>
+                                            <p:cond delay="0"/>
+                                          </p:stCondLst>
+                                        </p:cTn>
+                                        <p:tgtEl>
+                                          <p:spTgt spid="3">
+                                            <p:txEl>
+                                              <p:pRg st="0" end="0"/>
+                                            </p:txEl>
+                                          </p:spTgt>
+                                        </p:tgtEl>
+                                        <p:attrNameLst>
+                                          <p:attrName>style.visibility</p:attrName>
+                                        </p:attrNameLst>
+                                      </p:cBhvr>
+                                      <p:to>
+                                        <p:strVal val="visible"/>
+                                      </p:to>
+                                    </p:set>
+                                    <p:animEffect transition="in" filter="fade">
+                                      <p:cBhvr>
+                                        <p:cTn id="7" dur="500"/>
+                                        <p:tgtEl>
+                                          <p:spTgt spid="3">
+                                            <p:txEl>
+                                              <p:pRg st="0" end="0"/>
+                                            </p:txEl>
+                                          </p:spTgt>
+                                        </p:tgtEl>
+                                      </p:cBhvr>
+                                    </p:animEffect>
+                                  </p:childTnLst>
+                                </p:cTn>
+                              </p:par>
+                            </p:childTnLst>
+                          </p:cTn>
+                        </p:par>
+                      </p:childTnLst>
+                    </p:cTn>
+                  </p:par>
+                  <p:par>
+                    <p:cTn id="8" fill="hold">
+                      <p:stCondLst>
+                        <p:cond delay="indefinite"/>
+                      </p:stCondLst>
+                      <p:childTnLst>
+                        <p:par>
+                          <p:cTn id="9" fill="hold">
+                            <p:stCondLst>
+                              <p:cond delay="0"/>
+                            </p:stCondLst>
+                            <p:childTnLst>
+                              <p:par>
+                                <p:cTn id="10" presetID="10" presetClass="entr" presetSubtype="0" fill="hold" nodeType="clickEffect">
+                                  <p:stCondLst>
+                                    <p:cond delay="0"/>
+                                  </p:stCondLst>
+                                  <p:childTnLst>
+                                    <p:set>
+                                      <p:cBhvr>
+                                        <p:cTn id="11" dur="1" fill="hold">
+                                          <p:stCondLst>
+                                            <p:cond delay="0"/>
+                                          </p:stCondLst>
+                                        </p:cTn>
+                                        <p:tgtEl>
+                                          <p:spTgt spid="3">
+                                            <p:txEl>
+                                              <p:pRg st="1" end="1"/>
+                                            </p:txEl>
+                                          </p:spTgt>
+                                        </p:tgtEl>
+                                        <p:attrNameLst>
+                                          <p:attrName>style.visibility</p:attrName>
+                                        </p:attrNameLst>
+                                      </p:cBhvr>
+                                      <p:to>
+                                        <p:strVal val="visible"/>
+                                      </p:to>
+                                    </p:set>
+                                    <p:animEffect transition="in" filter="fade">
+                                      <p:cBhvr>
+                                        <p:cTn id="12" dur="500"/>
+                                        <p:tgtEl>
+                                          <p:spTgt spid="3">
+                                            <p:txEl>
+                                              <p:pRg st="1" end="1"/>
+                                            </p:txEl>
+                                          </p:spTgt>
+                                        </p:tgtEl>
+                                      </p:cBhvr>
+                                    </p:animEffect>
+                                  </p:childTnLst>
+                                </p:cTn>
+                              </p:par>
+                            </p:childTnLst>
+                          </p:cTn>
+                        </p:par>
+                      </p:childTnLst>
+                    </p:cTn>
+                  </p:par>
+                  <p:par>
+                    <p:cTn id="13" fill="hold">
+                      <p:stCondLst>
+                        <p:cond delay="indefinite"/>
+                      </p:stCondLst>
+                      <p:childTnLst>
+                        <p:par>
+                          <p:cTn id="14" fill="hold">
+                            <p:stCondLst>
+                              <p:cond delay="0"/>
+                            </p:stCondLst>
+                            <p:childTnLst>
+                              <p:par>
+                                <p:cTn id="15" presetID="10" presetClass="entr" presetSubtype="0" fill="hold" nodeType="clickEffect">
+                                  <p:stCondLst>
+                                    <p:cond delay="0"/>
+                                  </p:stCondLst>
+                                  <p:childTnLst>
+                                    <p:set>
+                                      <p:cBhvr>
+                                        <p:cTn id="16" dur="1" fill="hold">
+                                          <p:stCondLst>
+                                            <p:cond delay="0"/>
+                                          </p:stCondLst>
+                                        </p:cTn>
+                                        <p:tgtEl>
+                                          <p:spTgt spid="3">
+                                            <p:txEl>
+                                              <p:pRg st="2" end="2"/>
+                                            </p:txEl>
+                                          </p:spTgt>
+                                        </p:tgtEl>
+                                        <p:attrNameLst>
+                                          <p:attrName>style.visibility</p:attrName>
+                                        </p:attrNameLst>
+                                      </p:cBhvr>
+                                      <p:to>
+                                        <p:strVal val="visible"/>
+                                      </p:to>
+                                    </p:set>
+                                    <p:animEffect transition="in" filter="fade">
+                                      <p:cBhvr>
+                                        <p:cTn id="17" dur="500"/>
+                                        <p:tgtEl>
+                                          <p:spTgt spid="3">
+                                            <p:txEl>
+                                              <p:pRg st="2" end="2"/>
+                                            </p:txEl>
+                                          </p:spTgt>
+                                        </p:tgtEl>
+                                      </p:cBhvr>
+                                    </p:animEffect>
+                                  </p:childTnLst>
+                                </p:cTn>
+                              </p:par>
+                            </p:childTnLst>
+                          </p:cTn>
+                        </p:par>
+                      </p:childTnLst>
+                    </p:cTn>
+                  </p:par>
+                  <p:par>
+                    <p:cTn id="18" fill="hold">
+                      <p:stCondLst>
+                        <p:cond delay="indefinite"/>
+                      </p:stCondLst>
+                      <p:childTnLst>
+                        <p:par>
+                          <p:cTn id="19" fill="hold">
+                            <p:stCondLst>
+                              <p:cond delay="0"/>
+                            </p:stCondLst>
+                            <p:childTnLst>
+                              <p:par>
+                                <p:cTn id="20" presetID="10" presetClass="entr" presetSubtype="0" fill="hold" nodeType="clickEffect">
+                                  <p:stCondLst>
+                                    <p:cond delay="0"/>
+                                  </p:stCondLst>
+                                  <p:childTnLst>
+                                    <p:set>
+                                      <p:cBhvr>
+                                        <p:cTn id="21" dur="1" fill="hold">
+                                          <p:stCondLst>
+                                            <p:cond delay="0"/>
+                                          </p:stCondLst>
+                                        </p:cTn>
+                                        <p:tgtEl>
+                                          <p:spTgt spid="3">
+                                            <p:txEl>
+                                              <p:pRg st="3" end="3"/>
+                                            </p:txEl>
+                                          </p:spTgt>
+                                        </p:tgtEl>
+                                        <p:attrNameLst>
+                                          <p:attrName>style.visibility</p:attrName>
+                                        </p:attrNameLst>
+                                      </p:cBhvr>
+                                      <p:to>
+                                        <p:strVal val="visible"/>
+                                      </p:to>
+                                    </p:set>
+                                    <p:animEffect transition="in" filter="fade">
+                                      <p:cBhvr>
+                                        <p:cTn id="22" dur="500"/>
+                                        <p:tgtEl>
+                                          <p:spTgt spid="3">
+                                            <p:txEl>
+                                              <p:pRg st="3" end="3"/>
+                                            </p:txEl>
+                                          </p:spTgt>
+                                        </p:tgtEl>
+                                      </p:cBhvr>
+                                    </p:animEffect>
+                                  </p:childTnLst>
+                                </p:cTn>
+                              </p:par>
+                            </p:childTnLst>
+                          </p:cTn>
+                        </p:par>
+                      </p:childTnLst>
+                    </p:cTn>
+                  </p:par>
+                  <p:par>
+                    <p:cTn id="23" fill="hold">
+                      <p:stCondLst>
+                        <p:cond delay="indefinite"/>
+                      </p:stCondLst>
+                      <p:childTnLst>
+                        <p:par>
+                          <p:cTn id="24" fill="hold">
+                            <p:stCondLst>
+                              <p:cond delay="0"/>
+                            </p:stCondLst>
+                            <p:childTnLst>
+                              <p:par>
+                                <p:cTn id="25" presetID="10" presetClass="entr" presetSubtype="0" fill="hold" nodeType="clickEffect">
+                                  <p:stCondLst>
+                                    <p:cond delay="0"/>
+                                  </p:stCondLst>
+                                  <p:childTnLst>
+                                    <p:set>
+                                      <p:cBhvr>
+                                        <p:cTn id="26" dur="1" fill="hold">
+                                          <p:stCondLst>
+                                            <p:cond delay="0"/>
+                                          </p:stCondLst>
+                                        </p:cTn>
+                                        <p:tgtEl>
+                                          <p:spTgt spid="3">
+                                            <p:txEl>
+                                              <p:pRg st="4" end="4"/>
+                                            </p:txEl>
+                                          </p:spTgt>
+                                        </p:tgtEl>
+                                        <p:attrNameLst>
+                                          <p:attrName>style.visibility</p:attrName>
+                                        </p:attrNameLst>
+                                      </p:cBhvr>
+                                      <p:to>
+                                        <p:strVal val="visible"/>
+                                      </p:to>
+                                    </p:set>
+                                    <p:animEffect transition="in" filter="fade">
+                                      <p:cBhvr>
+                                        <p:cTn id="27" dur="500"/>
+                                        <p:tgtEl>
+                                          <p:spTgt spid="3">
+                                            <p:txEl>
+                                              <p:pRg st="4" end="4"/>
+                                            </p:txEl>
+                                          </p:spTgt>
+                                        </p:tgtEl>
+                                      </p:cBhvr>
+                                    </p:animEffect>
+                                  </p:childTnLst>
+                                </p:cTn>
+                              </p:par>
+                            </p:childTnLst>
+                          </p:cTn>
+                        </p:par>
+                      </p:childTnLst>
+                    </p:cTn>
+                  </p:par>
+                </p:childTnLst>
+              </p:cTn>
+              <p:prevCondLst>
+                <p:cond evt="onPrev" delay="0">
+                  <p:tgtEl>
+                    <p:sldTgt/>
+                  </p:tgtEl>
+                </p:cond>
+              </p:prevCondLst>
+              <p:nextCondLst>
+                <p:cond evt="onNext" delay="0">
+                  <p:tgtEl>
+                    <p:sldTgt/>
+                  </p:tgtEl>
+                </p:cond>
+              </p:nextCondLst>
+            </p:seq>
+          </p:childTnLst>
+        </p:cTn>
+      </p:par>
+    </p:tnLst>
+  </p:timing>
 </p:sld>
 </file>
 
@@ -11661,11 +12623,11 @@
   <p:clrMapOvr>
     <a:masterClrMapping/>
   </p:clrMapOvr>
-  <mc:AlternateContent xmlns:mc="http://schemas.openxmlformats.org/markup-compatibility/2006">
-    <mc:Choice xmlns:p14="http://schemas.microsoft.com/office/powerpoint/2010/main" Requires="p14">
+  <mc:AlternateContent xmlns:mc="http://schemas.openxmlformats.org/markup-compatibility/2006" xmlns:p14="http://schemas.microsoft.com/office/powerpoint/2010/main">
+    <mc:Choice Requires="p14">
       <p:transition spd="slow" p14:dur="2000"/>
     </mc:Choice>
-    <mc:Fallback>
+    <mc:Fallback xmlns="">
       <p:transition spd="slow"/>
     </mc:Fallback>
   </mc:AlternateContent>
@@ -11713,11 +12675,7 @@
           <a:p>
             <a:r>
               <a:rPr lang="en-US" dirty="0" smtClean="0"/>
-              <a:t>Proof or </a:t>
-            </a:r>
-            <a:r>
-              <a:rPr lang="en-US" dirty="0" smtClean="0"/>
-              <a:t>It </a:t>
+              <a:t>Proof or It </a:t>
             </a:r>
             <a:r>
               <a:rPr lang="en-US" dirty="0" err="1" smtClean="0"/>
@@ -12093,6 +13051,13 @@
   <p:clrMapOvr>
     <a:masterClrMapping/>
   </p:clrMapOvr>
+  <p:timing>
+    <p:tnLst>
+      <p:par>
+        <p:cTn id="1" dur="indefinite" restart="never" nodeType="tmRoot"/>
+      </p:par>
+    </p:tnLst>
+  </p:timing>
 </p:sld>
 </file>
 
@@ -12345,6 +13310,13 @@
   <p:clrMapOvr>
     <a:masterClrMapping/>
   </p:clrMapOvr>
+  <p:timing>
+    <p:tnLst>
+      <p:par>
+        <p:cTn id="1" dur="indefinite" restart="never" nodeType="tmRoot"/>
+      </p:par>
+    </p:tnLst>
+  </p:timing>
 </p:sld>
 </file>
 
@@ -12430,13 +13402,8 @@
             </a:r>
             <a:r>
               <a:rPr lang="en-US" dirty="0" smtClean="0"/>
-              <a:t> major operating systems and </a:t>
-            </a:r>
-            <a:r>
-              <a:rPr lang="en-US" dirty="0" smtClean="0"/>
-              <a:t>platforms.</a:t>
-            </a:r>
-            <a:endParaRPr lang="en-US" dirty="0" smtClean="0"/>
+              <a:t> major operating systems and platforms.</a:t>
+            </a:r>
           </a:p>
         </p:txBody>
       </p:sp>
@@ -13286,7 +14253,7 @@
   <a:extraClrSchemeLst/>
   <a:extLst>
     <a:ext uri="{05A4C25C-085E-4340-85A3-A5531E510DB2}">
-      <thm15:themeFamily xmlns:thm15="http://schemas.microsoft.com/office/thememl/2012/main" xmlns="" name="Metropolitan" id="{4C5440D6-04D2-4954-96CF-F251137069B2}" vid="{9FF7CA0D-8839-4012-B51C-B152F9BD654A}"/>
+      <thm15:themeFamily xmlns="" xmlns:thm15="http://schemas.microsoft.com/office/thememl/2012/main" name="Metropolitan" id="{4C5440D6-04D2-4954-96CF-F251137069B2}" vid="{9FF7CA0D-8839-4012-B51C-B152F9BD654A}"/>
     </a:ext>
   </a:extLst>
 </a:theme>
@@ -13581,7 +14548,7 @@
   <a:extraClrSchemeLst/>
   <a:extLst>
     <a:ext uri="{05A4C25C-085E-4340-85A3-A5531E510DB2}">
-      <thm15:themeFamily xmlns:thm15="http://schemas.microsoft.com/office/thememl/2012/main" xmlns="" name="Office Theme" id="{62F939B6-93AF-4DB8-9C6B-D6C7DFDC589F}" vid="{4A3C46E8-61CC-4603-A589-7422A47A8E4A}"/>
+      <thm15:themeFamily xmlns="" xmlns:thm15="http://schemas.microsoft.com/office/thememl/2012/main" name="Office Theme" id="{62F939B6-93AF-4DB8-9C6B-D6C7DFDC589F}" vid="{4A3C46E8-61CC-4603-A589-7422A47A8E4A}"/>
     </a:ext>
   </a:extLst>
 </a:theme>

--- a/Presentation.pptx
+++ b/Presentation.pptx
@@ -11,8 +11,8 @@
     <p:sldId id="256" r:id="rId2"/>
     <p:sldId id="260" r:id="rId3"/>
     <p:sldId id="257" r:id="rId4"/>
-    <p:sldId id="261" r:id="rId5"/>
-    <p:sldId id="262" r:id="rId6"/>
+    <p:sldId id="262" r:id="rId5"/>
+    <p:sldId id="261" r:id="rId6"/>
     <p:sldId id="258" r:id="rId7"/>
     <p:sldId id="268" r:id="rId8"/>
     <p:sldId id="265" r:id="rId9"/>
@@ -123,7 +123,7 @@
   </p:defaultTextStyle>
   <p:extLst>
     <p:ext uri="{EFAFB233-063F-42B5-8137-9DF3F51BA10A}">
-      <p15:sldGuideLst xmlns="" xmlns:p15="http://schemas.microsoft.com/office/powerpoint/2012/main"/>
+      <p15:sldGuideLst xmlns:p15="http://schemas.microsoft.com/office/powerpoint/2012/main" xmlns=""/>
     </p:ext>
   </p:extLst>
 </p:presentation>
@@ -2040,8 +2040,8 @@
     <dgm:cxn modelId="{7977E879-23AF-4355-88F6-CEC12AF3F17F}" srcId="{5A31DD65-6A23-4A96-8AA4-937C9F473A1B}" destId="{C4926E18-DEF9-424B-B2A9-F23898D34B72}" srcOrd="1" destOrd="0" parTransId="{885183CF-D81E-453D-ADF8-D2477BD1CAB5}" sibTransId="{1C982C65-B470-4FF5-8F70-DC848FE4139A}"/>
     <dgm:cxn modelId="{11E13666-A0C2-4C19-8FC8-471DEB618DD2}" type="presOf" srcId="{E0136D70-D16B-4F12-B33A-F946998B1887}" destId="{8C02EF4C-48DF-42A5-A40C-0F48C14E5256}" srcOrd="0" destOrd="0" presId="urn:microsoft.com/office/officeart/2005/8/layout/cycle2"/>
     <dgm:cxn modelId="{60813F41-66CD-4C67-851C-AC9F053ED22F}" type="presOf" srcId="{1692019D-9163-467C-8365-A7A5A70F0177}" destId="{9D315564-F76F-433C-958A-873B30D82F08}" srcOrd="0" destOrd="0" presId="urn:microsoft.com/office/officeart/2005/8/layout/cycle2"/>
+    <dgm:cxn modelId="{6A60EE44-C04D-4DCF-99DA-ABFEB0CB39F7}" type="presOf" srcId="{92E8EA80-B1B1-44FA-816B-39D877F416AC}" destId="{5B119983-4A13-4C5E-951C-AFFAB54D829A}" srcOrd="1" destOrd="0" presId="urn:microsoft.com/office/officeart/2005/8/layout/cycle2"/>
     <dgm:cxn modelId="{7C6A8688-DA83-459C-B34A-517B06E41478}" type="presOf" srcId="{5D1D4291-E7CD-40D6-AE96-87FFE6495F01}" destId="{AA7BBA46-3746-4402-8F12-8263CCD81017}" srcOrd="0" destOrd="0" presId="urn:microsoft.com/office/officeart/2005/8/layout/cycle2"/>
-    <dgm:cxn modelId="{6A60EE44-C04D-4DCF-99DA-ABFEB0CB39F7}" type="presOf" srcId="{92E8EA80-B1B1-44FA-816B-39D877F416AC}" destId="{5B119983-4A13-4C5E-951C-AFFAB54D829A}" srcOrd="1" destOrd="0" presId="urn:microsoft.com/office/officeart/2005/8/layout/cycle2"/>
     <dgm:cxn modelId="{7FBC1174-1CAC-48E2-B2A4-C556E0D41E7C}" type="presOf" srcId="{F22906F3-B47B-45B7-9B14-4FD8B8E8BBAE}" destId="{61F3795E-695C-44AC-8BA6-9B259FD3BC9C}" srcOrd="1" destOrd="0" presId="urn:microsoft.com/office/officeart/2005/8/layout/cycle2"/>
     <dgm:cxn modelId="{5448BA92-E3F2-445B-8AE8-5E736D9A5333}" type="presOf" srcId="{92E8EA80-B1B1-44FA-816B-39D877F416AC}" destId="{55BCCD0A-B83F-4063-9417-3F4A26376EB4}" srcOrd="0" destOrd="0" presId="urn:microsoft.com/office/officeart/2005/8/layout/cycle2"/>
     <dgm:cxn modelId="{D7BFFF2A-F9ED-49EC-9596-9907CCFB9868}" type="presOf" srcId="{D1411753-4EFD-4826-AF76-87EA7D8DB46B}" destId="{8A158840-F645-4D70-8E21-73D9E9FCD3A4}" srcOrd="0" destOrd="0" presId="urn:microsoft.com/office/officeart/2005/8/layout/cycle2"/>
@@ -10397,7 +10397,7 @@
           <a:p>
             <a:r>
               <a:rPr lang="en-CA" dirty="0" smtClean="0"/>
-              <a:t>Machine Learning Made Simple</a:t>
+              <a:t>Simplicity is Bliss</a:t>
             </a:r>
             <a:endParaRPr lang="en-CA" dirty="0"/>
           </a:p>
@@ -10494,7 +10494,7 @@
           <a:p>
             <a:r>
               <a:rPr lang="en-CA" dirty="0" smtClean="0"/>
-              <a:t>Machine Learning Made Simple</a:t>
+              <a:t>Users Think It’s Grate!</a:t>
             </a:r>
             <a:endParaRPr lang="en-CA" dirty="0"/>
           </a:p>
@@ -11047,7 +11047,15 @@
             </a:r>
             <a:r>
               <a:rPr lang="en-US" dirty="0" smtClean="0"/>
-              <a:t>The random nature of Genetic Algorithm allows for new cars to be generated with each generation.</a:t>
+              <a:t>The random nature of Genetic </a:t>
+            </a:r>
+            <a:r>
+              <a:rPr lang="en-US" dirty="0" smtClean="0"/>
+              <a:t>Algorithms allow </a:t>
+            </a:r>
+            <a:r>
+              <a:rPr lang="en-US" dirty="0" smtClean="0"/>
+              <a:t>for new cars to be generated with each generation.</a:t>
             </a:r>
           </a:p>
           <a:p>
@@ -11064,7 +11072,15 @@
             </a:r>
             <a:r>
               <a:rPr lang="en-US" dirty="0" smtClean="0"/>
-              <a:t> Every time you run the program, you’re bound to see new cars with new designs!</a:t>
+              <a:t> Every time you run the program, you’re bound to see new </a:t>
+            </a:r>
+            <a:r>
+              <a:rPr lang="en-US" dirty="0" smtClean="0"/>
+              <a:t>cars on with </a:t>
+            </a:r>
+            <a:r>
+              <a:rPr lang="en-US" dirty="0" smtClean="0"/>
+              <a:t>new designs!</a:t>
             </a:r>
             <a:endParaRPr lang="en-CA" dirty="0"/>
           </a:p>
@@ -11408,6 +11424,13 @@
   <p:clrMapOvr>
     <a:masterClrMapping/>
   </p:clrMapOvr>
+  <p:timing>
+    <p:tnLst>
+      <p:par>
+        <p:cTn id="1" dur="indefinite" restart="never" nodeType="tmRoot"/>
+      </p:par>
+    </p:tnLst>
+  </p:timing>
 </p:sld>
 </file>
 
@@ -12083,7 +12106,105 @@
           <a:p>
             <a:r>
               <a:rPr lang="en-CA" dirty="0" smtClean="0"/>
-              <a:t>So…</a:t>
+              <a:t>Well… What is a Genetic Algorithm?</a:t>
+            </a:r>
+            <a:endParaRPr lang="en-CA" dirty="0"/>
+          </a:p>
+        </p:txBody>
+      </p:sp>
+      <p:graphicFrame>
+        <p:nvGraphicFramePr>
+          <p:cNvPr id="4" name="Diagram 3"/>
+          <p:cNvGraphicFramePr/>
+          <p:nvPr>
+            <p:extLst>
+              <p:ext uri="{D42A27DB-BD31-4B8C-83A1-F6EECF244321}">
+                <p14:modId xmlns:p14="http://schemas.microsoft.com/office/powerpoint/2010/main" val="3644522492"/>
+              </p:ext>
+            </p:extLst>
+          </p:nvPr>
+        </p:nvGraphicFramePr>
+        <p:xfrm>
+          <a:off x="2311400" y="1849966"/>
+          <a:ext cx="6985000" cy="4656667"/>
+        </p:xfrm>
+        <a:graphic>
+          <a:graphicData uri="http://schemas.openxmlformats.org/drawingml/2006/diagram">
+            <dgm:relIds xmlns:dgm="http://schemas.openxmlformats.org/drawingml/2006/diagram" xmlns:r="http://schemas.openxmlformats.org/officeDocument/2006/relationships" r:dm="rId2" r:lo="rId3" r:qs="rId4" r:cs="rId5"/>
+          </a:graphicData>
+        </a:graphic>
+      </p:graphicFrame>
+    </p:spTree>
+    <p:extLst>
+      <p:ext uri="{BB962C8B-B14F-4D97-AF65-F5344CB8AC3E}">
+        <p14:creationId xmlns:p14="http://schemas.microsoft.com/office/powerpoint/2010/main" val="3311378066"/>
+      </p:ext>
+    </p:extLst>
+  </p:cSld>
+  <p:clrMapOvr>
+    <a:masterClrMapping/>
+  </p:clrMapOvr>
+  <mc:AlternateContent xmlns:mc="http://schemas.openxmlformats.org/markup-compatibility/2006">
+    <mc:Choice xmlns:p14="http://schemas.microsoft.com/office/powerpoint/2010/main" Requires="p14">
+      <p:transition spd="slow" p14:dur="2000"/>
+    </mc:Choice>
+    <mc:Fallback>
+      <p:transition spd="slow"/>
+    </mc:Fallback>
+  </mc:AlternateContent>
+  <p:timing>
+    <p:tnLst>
+      <p:par>
+        <p:cTn id="1" dur="indefinite" restart="never" nodeType="tmRoot"/>
+      </p:par>
+    </p:tnLst>
+  </p:timing>
+</p:sld>
+</file>
+
+<file path=ppt/slides/slide5.xml><?xml version="1.0" encoding="utf-8"?>
+<p:sld xmlns:a="http://schemas.openxmlformats.org/drawingml/2006/main" xmlns:r="http://schemas.openxmlformats.org/officeDocument/2006/relationships" xmlns:p="http://schemas.openxmlformats.org/presentationml/2006/main">
+  <p:cSld>
+    <p:spTree>
+      <p:nvGrpSpPr>
+        <p:cNvPr id="1" name=""/>
+        <p:cNvGrpSpPr/>
+        <p:nvPr/>
+      </p:nvGrpSpPr>
+      <p:grpSpPr>
+        <a:xfrm>
+          <a:off x="0" y="0"/>
+          <a:ext cx="0" cy="0"/>
+          <a:chOff x="0" y="0"/>
+          <a:chExt cx="0" cy="0"/>
+        </a:xfrm>
+      </p:grpSpPr>
+      <p:sp>
+        <p:nvSpPr>
+          <p:cNvPr id="2" name="Title 1"/>
+          <p:cNvSpPr>
+            <a:spLocks noGrp="1"/>
+          </p:cNvSpPr>
+          <p:nvPr>
+            <p:ph type="title"/>
+          </p:nvPr>
+        </p:nvSpPr>
+        <p:spPr/>
+        <p:txBody>
+          <a:bodyPr/>
+          <a:lstStyle/>
+          <a:p>
+            <a:r>
+              <a:rPr lang="en-CA" dirty="0" smtClean="0"/>
+              <a:t>What is </a:t>
+            </a:r>
+            <a:r>
+              <a:rPr lang="en-CA" dirty="0" err="1" smtClean="0"/>
+              <a:t>GrateBox</a:t>
+            </a:r>
+            <a:r>
+              <a:rPr lang="en-CA" dirty="0" smtClean="0"/>
+              <a:t>?</a:t>
             </a:r>
             <a:endParaRPr lang="en-CA" dirty="0"/>
           </a:p>
@@ -12128,7 +12249,7 @@
               <a:t>reimplemented</a:t>
             </a:r>
             <a:r>
-              <a:rPr lang="en-CA" dirty="0"/>
+              <a:rPr lang="en-CA" dirty="0" smtClean="0"/>
               <a:t> </a:t>
             </a:r>
             <a:r>
@@ -12150,7 +12271,15 @@
             </a:r>
             <a:r>
               <a:rPr lang="en-CA" dirty="0" smtClean="0"/>
-              <a:t>Genetic Cars is a cars generation simulation designed to show the effects of a Genetic Algorithm over time.</a:t>
+              <a:t>Genetic Cars is a </a:t>
+            </a:r>
+            <a:r>
+              <a:rPr lang="en-CA" dirty="0" smtClean="0"/>
+              <a:t>car simulation </a:t>
+            </a:r>
+            <a:r>
+              <a:rPr lang="en-CA" dirty="0" smtClean="0"/>
+              <a:t>designed to show the effects of a Genetic Algorithm over time.</a:t>
             </a:r>
           </a:p>
           <a:p>
@@ -12180,7 +12309,15 @@
             </a:r>
             <a:r>
               <a:rPr lang="en-CA" dirty="0" smtClean="0"/>
-              <a:t>The cars that got the furthest are selected to produce the next generation of cars.</a:t>
+              <a:t>The cars that </a:t>
+            </a:r>
+            <a:r>
+              <a:rPr lang="en-CA" dirty="0" smtClean="0"/>
+              <a:t>get </a:t>
+            </a:r>
+            <a:r>
+              <a:rPr lang="en-CA" dirty="0" smtClean="0"/>
+              <a:t>the furthest are selected to produce the next generation of cars.</a:t>
             </a:r>
           </a:p>
           <a:p>
@@ -12551,96 +12688,6 @@
 </p:sld>
 </file>
 
-<file path=ppt/slides/slide5.xml><?xml version="1.0" encoding="utf-8"?>
-<p:sld xmlns:a="http://schemas.openxmlformats.org/drawingml/2006/main" xmlns:r="http://schemas.openxmlformats.org/officeDocument/2006/relationships" xmlns:p="http://schemas.openxmlformats.org/presentationml/2006/main" show="0">
-  <p:cSld>
-    <p:spTree>
-      <p:nvGrpSpPr>
-        <p:cNvPr id="1" name=""/>
-        <p:cNvGrpSpPr/>
-        <p:nvPr/>
-      </p:nvGrpSpPr>
-      <p:grpSpPr>
-        <a:xfrm>
-          <a:off x="0" y="0"/>
-          <a:ext cx="0" cy="0"/>
-          <a:chOff x="0" y="0"/>
-          <a:chExt cx="0" cy="0"/>
-        </a:xfrm>
-      </p:grpSpPr>
-      <p:sp>
-        <p:nvSpPr>
-          <p:cNvPr id="2" name="Title 1"/>
-          <p:cNvSpPr>
-            <a:spLocks noGrp="1"/>
-          </p:cNvSpPr>
-          <p:nvPr>
-            <p:ph type="title"/>
-          </p:nvPr>
-        </p:nvSpPr>
-        <p:spPr/>
-        <p:txBody>
-          <a:bodyPr/>
-          <a:lstStyle/>
-          <a:p>
-            <a:r>
-              <a:rPr lang="en-CA" dirty="0" smtClean="0"/>
-              <a:t>Well… What is a Genetic Algorithm?</a:t>
-            </a:r>
-            <a:endParaRPr lang="en-CA" dirty="0"/>
-          </a:p>
-        </p:txBody>
-      </p:sp>
-      <p:graphicFrame>
-        <p:nvGraphicFramePr>
-          <p:cNvPr id="4" name="Diagram 3"/>
-          <p:cNvGraphicFramePr/>
-          <p:nvPr>
-            <p:extLst>
-              <p:ext uri="{D42A27DB-BD31-4B8C-83A1-F6EECF244321}">
-                <p14:modId xmlns:p14="http://schemas.microsoft.com/office/powerpoint/2010/main" val="3644522492"/>
-              </p:ext>
-            </p:extLst>
-          </p:nvPr>
-        </p:nvGraphicFramePr>
-        <p:xfrm>
-          <a:off x="2311400" y="1849966"/>
-          <a:ext cx="6985000" cy="4656667"/>
-        </p:xfrm>
-        <a:graphic>
-          <a:graphicData uri="http://schemas.openxmlformats.org/drawingml/2006/diagram">
-            <dgm:relIds xmlns:dgm="http://schemas.openxmlformats.org/drawingml/2006/diagram" xmlns:r="http://schemas.openxmlformats.org/officeDocument/2006/relationships" r:dm="rId2" r:lo="rId3" r:qs="rId4" r:cs="rId5"/>
-          </a:graphicData>
-        </a:graphic>
-      </p:graphicFrame>
-    </p:spTree>
-    <p:extLst>
-      <p:ext uri="{BB962C8B-B14F-4D97-AF65-F5344CB8AC3E}">
-        <p14:creationId xmlns:p14="http://schemas.microsoft.com/office/powerpoint/2010/main" val="3311378066"/>
-      </p:ext>
-    </p:extLst>
-  </p:cSld>
-  <p:clrMapOvr>
-    <a:masterClrMapping/>
-  </p:clrMapOvr>
-  <mc:AlternateContent xmlns:mc="http://schemas.openxmlformats.org/markup-compatibility/2006" xmlns:p14="http://schemas.microsoft.com/office/powerpoint/2010/main">
-    <mc:Choice Requires="p14">
-      <p:transition spd="slow" p14:dur="2000"/>
-    </mc:Choice>
-    <mc:Fallback xmlns="">
-      <p:transition spd="slow"/>
-    </mc:Fallback>
-  </mc:AlternateContent>
-  <p:timing>
-    <p:tnLst>
-      <p:par>
-        <p:cTn id="1" dur="indefinite" restart="never" nodeType="tmRoot"/>
-      </p:par>
-    </p:tnLst>
-  </p:timing>
-</p:sld>
-</file>
-
 <file path=ppt/slides/slide6.xml><?xml version="1.0" encoding="utf-8"?>
 <p:sld xmlns:a="http://schemas.openxmlformats.org/drawingml/2006/main" xmlns:r="http://schemas.openxmlformats.org/officeDocument/2006/relationships" xmlns:p="http://schemas.openxmlformats.org/presentationml/2006/main">
   <p:cSld>
@@ -12675,15 +12722,7 @@
           <a:p>
             <a:r>
               <a:rPr lang="en-US" dirty="0" smtClean="0"/>
-              <a:t>Proof or It </a:t>
-            </a:r>
-            <a:r>
-              <a:rPr lang="en-US" dirty="0" err="1" smtClean="0"/>
-              <a:t>Ain’t</a:t>
-            </a:r>
-            <a:r>
-              <a:rPr lang="en-US" dirty="0" smtClean="0"/>
-              <a:t> Real</a:t>
+              <a:t>Let’s Play!</a:t>
             </a:r>
             <a:endParaRPr lang="en-US" dirty="0"/>
           </a:p>
@@ -12706,7 +12745,15 @@
           <a:p>
             <a:r>
               <a:rPr lang="en-US" dirty="0" smtClean="0"/>
-              <a:t>“Shit’s Lit” – Anonymous Survey Respondent</a:t>
+              <a:t>“</a:t>
+            </a:r>
+            <a:r>
+              <a:rPr lang="en-US" dirty="0" smtClean="0"/>
+              <a:t>Don’t crash my browser!</a:t>
+            </a:r>
+            <a:r>
+              <a:rPr lang="en-US" dirty="0" smtClean="0"/>
+              <a:t>” – Anonymous Survey Respondent</a:t>
             </a:r>
             <a:endParaRPr lang="en-US" dirty="0"/>
           </a:p>
@@ -13402,7 +13449,11 @@
             </a:r>
             <a:r>
               <a:rPr lang="en-US" dirty="0" smtClean="0"/>
-              <a:t> major operating systems and platforms.</a:t>
+              <a:t> </a:t>
+            </a:r>
+            <a:r>
+              <a:rPr lang="en-US" dirty="0" smtClean="0"/>
+              <a:t>major operating systems and platforms.</a:t>
             </a:r>
           </a:p>
         </p:txBody>
@@ -14253,7 +14304,7 @@
   <a:extraClrSchemeLst/>
   <a:extLst>
     <a:ext uri="{05A4C25C-085E-4340-85A3-A5531E510DB2}">
-      <thm15:themeFamily xmlns="" xmlns:thm15="http://schemas.microsoft.com/office/thememl/2012/main" name="Metropolitan" id="{4C5440D6-04D2-4954-96CF-F251137069B2}" vid="{9FF7CA0D-8839-4012-B51C-B152F9BD654A}"/>
+      <thm15:themeFamily xmlns:thm15="http://schemas.microsoft.com/office/thememl/2012/main" xmlns="" name="Metropolitan" id="{4C5440D6-04D2-4954-96CF-F251137069B2}" vid="{9FF7CA0D-8839-4012-B51C-B152F9BD654A}"/>
     </a:ext>
   </a:extLst>
 </a:theme>
@@ -14548,7 +14599,7 @@
   <a:extraClrSchemeLst/>
   <a:extLst>
     <a:ext uri="{05A4C25C-085E-4340-85A3-A5531E510DB2}">
-      <thm15:themeFamily xmlns="" xmlns:thm15="http://schemas.microsoft.com/office/thememl/2012/main" name="Office Theme" id="{62F939B6-93AF-4DB8-9C6B-D6C7DFDC589F}" vid="{4A3C46E8-61CC-4603-A589-7422A47A8E4A}"/>
+      <thm15:themeFamily xmlns:thm15="http://schemas.microsoft.com/office/thememl/2012/main" xmlns="" name="Office Theme" id="{62F939B6-93AF-4DB8-9C6B-D6C7DFDC589F}" vid="{4A3C46E8-61CC-4603-A589-7422A47A8E4A}"/>
     </a:ext>
   </a:extLst>
 </a:theme>

--- a/Presentation.pptx
+++ b/Presentation.pptx
@@ -123,7 +123,7 @@
   </p:defaultTextStyle>
   <p:extLst>
     <p:ext uri="{EFAFB233-063F-42B5-8137-9DF3F51BA10A}">
-      <p15:sldGuideLst xmlns:p15="http://schemas.microsoft.com/office/powerpoint/2012/main" xmlns=""/>
+      <p15:sldGuideLst xmlns="" xmlns:p15="http://schemas.microsoft.com/office/powerpoint/2012/main"/>
     </p:ext>
   </p:extLst>
 </p:presentation>
@@ -2040,8 +2040,8 @@
     <dgm:cxn modelId="{7977E879-23AF-4355-88F6-CEC12AF3F17F}" srcId="{5A31DD65-6A23-4A96-8AA4-937C9F473A1B}" destId="{C4926E18-DEF9-424B-B2A9-F23898D34B72}" srcOrd="1" destOrd="0" parTransId="{885183CF-D81E-453D-ADF8-D2477BD1CAB5}" sibTransId="{1C982C65-B470-4FF5-8F70-DC848FE4139A}"/>
     <dgm:cxn modelId="{11E13666-A0C2-4C19-8FC8-471DEB618DD2}" type="presOf" srcId="{E0136D70-D16B-4F12-B33A-F946998B1887}" destId="{8C02EF4C-48DF-42A5-A40C-0F48C14E5256}" srcOrd="0" destOrd="0" presId="urn:microsoft.com/office/officeart/2005/8/layout/cycle2"/>
     <dgm:cxn modelId="{60813F41-66CD-4C67-851C-AC9F053ED22F}" type="presOf" srcId="{1692019D-9163-467C-8365-A7A5A70F0177}" destId="{9D315564-F76F-433C-958A-873B30D82F08}" srcOrd="0" destOrd="0" presId="urn:microsoft.com/office/officeart/2005/8/layout/cycle2"/>
+    <dgm:cxn modelId="{7C6A8688-DA83-459C-B34A-517B06E41478}" type="presOf" srcId="{5D1D4291-E7CD-40D6-AE96-87FFE6495F01}" destId="{AA7BBA46-3746-4402-8F12-8263CCD81017}" srcOrd="0" destOrd="0" presId="urn:microsoft.com/office/officeart/2005/8/layout/cycle2"/>
     <dgm:cxn modelId="{6A60EE44-C04D-4DCF-99DA-ABFEB0CB39F7}" type="presOf" srcId="{92E8EA80-B1B1-44FA-816B-39D877F416AC}" destId="{5B119983-4A13-4C5E-951C-AFFAB54D829A}" srcOrd="1" destOrd="0" presId="urn:microsoft.com/office/officeart/2005/8/layout/cycle2"/>
-    <dgm:cxn modelId="{7C6A8688-DA83-459C-B34A-517B06E41478}" type="presOf" srcId="{5D1D4291-E7CD-40D6-AE96-87FFE6495F01}" destId="{AA7BBA46-3746-4402-8F12-8263CCD81017}" srcOrd="0" destOrd="0" presId="urn:microsoft.com/office/officeart/2005/8/layout/cycle2"/>
     <dgm:cxn modelId="{7FBC1174-1CAC-48E2-B2A4-C556E0D41E7C}" type="presOf" srcId="{F22906F3-B47B-45B7-9B14-4FD8B8E8BBAE}" destId="{61F3795E-695C-44AC-8BA6-9B259FD3BC9C}" srcOrd="1" destOrd="0" presId="urn:microsoft.com/office/officeart/2005/8/layout/cycle2"/>
     <dgm:cxn modelId="{5448BA92-E3F2-445B-8AE8-5E736D9A5333}" type="presOf" srcId="{92E8EA80-B1B1-44FA-816B-39D877F416AC}" destId="{55BCCD0A-B83F-4063-9417-3F4A26376EB4}" srcOrd="0" destOrd="0" presId="urn:microsoft.com/office/officeart/2005/8/layout/cycle2"/>
     <dgm:cxn modelId="{D7BFFF2A-F9ED-49EC-9596-9907CCFB9868}" type="presOf" srcId="{D1411753-4EFD-4826-AF76-87EA7D8DB46B}" destId="{8A158840-F645-4D70-8E21-73D9E9FCD3A4}" srcOrd="0" destOrd="0" presId="urn:microsoft.com/office/officeart/2005/8/layout/cycle2"/>
@@ -5902,7 +5902,7 @@
           <a:p>
             <a:fld id="{51A22B42-34D3-4B01-BF3D-F69359E82423}" type="datetimeFigureOut">
               <a:rPr lang="en-US"/>
-              <a:t>11/28/2016</a:t>
+              <a:t>12/1/2016</a:t>
             </a:fld>
             <a:endParaRPr lang="en-US"/>
           </a:p>
@@ -6577,7 +6577,7 @@
             <a:fld id="{5586B75A-687E-405C-8A0B-8D00578BA2C3}" type="datetimeFigureOut">
               <a:rPr lang="en-US" dirty="0"/>
               <a:pPr/>
-              <a:t>11/28/2016</a:t>
+              <a:t>12/1/2016</a:t>
             </a:fld>
             <a:endParaRPr lang="en-US" dirty="0"/>
           </a:p>
@@ -6743,7 +6743,7 @@
           <a:p>
             <a:fld id="{5F4E5243-F52A-4D37-9694-EB26C6C31910}" type="datetimeFigureOut">
               <a:rPr lang="en-US" dirty="0"/>
-              <a:t>11/28/2016</a:t>
+              <a:t>12/1/2016</a:t>
             </a:fld>
             <a:endParaRPr lang="en-US" dirty="0"/>
           </a:p>
@@ -6918,7 +6918,7 @@
           <a:p>
             <a:fld id="{3A77B6E1-634A-48DC-9E8B-D894023267EF}" type="datetimeFigureOut">
               <a:rPr lang="en-US" dirty="0"/>
-              <a:t>11/28/2016</a:t>
+              <a:t>12/1/2016</a:t>
             </a:fld>
             <a:endParaRPr lang="en-US" dirty="0"/>
           </a:p>
@@ -7083,7 +7083,7 @@
           <a:p>
             <a:fld id="{7B2D3E9E-A95C-48F2-B4BF-A71542E0BE9A}" type="datetimeFigureOut">
               <a:rPr lang="en-US" dirty="0"/>
-              <a:t>11/28/2016</a:t>
+              <a:t>12/1/2016</a:t>
             </a:fld>
             <a:endParaRPr lang="en-US" dirty="0"/>
           </a:p>
@@ -7343,7 +7343,7 @@
             <a:fld id="{5586B75A-687E-405C-8A0B-8D00578BA2C3}" type="datetimeFigureOut">
               <a:rPr lang="en-US" dirty="0"/>
               <a:pPr/>
-              <a:t>11/28/2016</a:t>
+              <a:t>12/1/2016</a:t>
             </a:fld>
             <a:endParaRPr lang="en-US" dirty="0"/>
           </a:p>
@@ -7627,7 +7627,7 @@
           <a:p>
             <a:fld id="{F12952B5-7A2F-4CC8-B7CE-9234E21C2837}" type="datetimeFigureOut">
               <a:rPr lang="en-US" dirty="0"/>
-              <a:t>11/28/2016</a:t>
+              <a:t>12/1/2016</a:t>
             </a:fld>
             <a:endParaRPr lang="en-US" dirty="0"/>
           </a:p>
@@ -8051,7 +8051,7 @@
           <a:p>
             <a:fld id="{CE1DA07A-9201-4B4B-BAF2-015AFA30F520}" type="datetimeFigureOut">
               <a:rPr lang="en-US" dirty="0"/>
-              <a:t>11/28/2016</a:t>
+              <a:t>12/1/2016</a:t>
             </a:fld>
             <a:endParaRPr lang="en-US" dirty="0"/>
           </a:p>
@@ -8164,7 +8164,7 @@
           <a:p>
             <a:fld id="{73D7E00A-486F-4252-8B1D-E32645521F49}" type="datetimeFigureOut">
               <a:rPr lang="en-US" dirty="0"/>
-              <a:t>11/28/2016</a:t>
+              <a:t>12/1/2016</a:t>
             </a:fld>
             <a:endParaRPr lang="en-US" dirty="0"/>
           </a:p>
@@ -8254,7 +8254,7 @@
           <a:p>
             <a:fld id="{8DDF5F92-E675-4B36-9A60-69A962A68675}" type="datetimeFigureOut">
               <a:rPr lang="en-US" dirty="0"/>
-              <a:t>11/28/2016</a:t>
+              <a:t>12/1/2016</a:t>
             </a:fld>
             <a:endParaRPr lang="en-US" dirty="0"/>
           </a:p>
@@ -8605,7 +8605,7 @@
           <a:p>
             <a:fld id="{AF6E2C9B-5FA2-460D-9BE7-B0812FC2A6FF}" type="datetimeFigureOut">
               <a:rPr lang="en-US" dirty="0"/>
-              <a:t>11/28/2016</a:t>
+              <a:t>12/1/2016</a:t>
             </a:fld>
             <a:endParaRPr lang="en-US" dirty="0"/>
           </a:p>
@@ -8905,7 +8905,7 @@
             <a:fld id="{5586B75A-687E-405C-8A0B-8D00578BA2C3}" type="datetimeFigureOut">
               <a:rPr lang="en-US" dirty="0"/>
               <a:pPr/>
-              <a:t>11/28/2016</a:t>
+              <a:t>12/1/2016</a:t>
             </a:fld>
             <a:endParaRPr lang="en-US" dirty="0"/>
           </a:p>
@@ -9115,7 +9115,7 @@
             <a:fld id="{5586B75A-687E-405C-8A0B-8D00578BA2C3}" type="datetimeFigureOut">
               <a:rPr lang="en-US" dirty="0"/>
               <a:pPr/>
-              <a:t>11/28/2016</a:t>
+              <a:t>12/1/2016</a:t>
             </a:fld>
             <a:endParaRPr lang="en-US" dirty="0"/>
           </a:p>
@@ -10440,6 +10440,60 @@
           </a:p>
         </p:txBody>
       </p:sp>
+      <p:pic>
+        <p:nvPicPr>
+          <p:cNvPr id="1026" name="Picture 2"/>
+          <p:cNvPicPr>
+            <a:picLocks noChangeAspect="1" noChangeArrowheads="1"/>
+          </p:cNvPicPr>
+          <p:nvPr/>
+        </p:nvPicPr>
+        <p:blipFill>
+          <a:blip r:embed="rId2">
+            <a:extLst>
+              <a:ext uri="{28A0092B-C50C-407E-A947-70E740481C1C}">
+                <a14:useLocalDpi xmlns:a14="http://schemas.microsoft.com/office/drawing/2010/main" val="0"/>
+              </a:ext>
+            </a:extLst>
+          </a:blip>
+          <a:srcRect/>
+          <a:stretch>
+            <a:fillRect/>
+          </a:stretch>
+        </p:blipFill>
+        <p:spPr bwMode="auto">
+          <a:xfrm>
+            <a:off x="2209800" y="2679700"/>
+            <a:ext cx="6705600" cy="3771900"/>
+          </a:xfrm>
+          <a:prstGeom prst="rect">
+            <a:avLst/>
+          </a:prstGeom>
+          <a:noFill/>
+          <a:ln>
+            <a:noFill/>
+          </a:ln>
+          <a:extLst>
+            <a:ext uri="{909E8E84-426E-40DD-AFC4-6F175D3DCCD1}">
+              <a14:hiddenFill xmlns:a14="http://schemas.microsoft.com/office/drawing/2010/main">
+                <a:solidFill>
+                  <a:schemeClr val="accent1"/>
+                </a:solidFill>
+              </a14:hiddenFill>
+            </a:ext>
+            <a:ext uri="{91240B29-F687-4F45-9708-019B960494DF}">
+              <a14:hiddenLine xmlns:a14="http://schemas.microsoft.com/office/drawing/2010/main" w="9525">
+                <a:solidFill>
+                  <a:schemeClr val="tx1"/>
+                </a:solidFill>
+                <a:miter lim="800000"/>
+                <a:headEnd/>
+                <a:tailEnd/>
+              </a14:hiddenLine>
+            </a:ext>
+          </a:extLst>
+        </p:spPr>
+      </p:pic>
     </p:spTree>
     <p:extLst>
       <p:ext uri="{BB962C8B-B14F-4D97-AF65-F5344CB8AC3E}">
@@ -11047,15 +11101,7 @@
             </a:r>
             <a:r>
               <a:rPr lang="en-US" dirty="0" smtClean="0"/>
-              <a:t>The random nature of Genetic </a:t>
-            </a:r>
-            <a:r>
-              <a:rPr lang="en-US" dirty="0" smtClean="0"/>
-              <a:t>Algorithms allow </a:t>
-            </a:r>
-            <a:r>
-              <a:rPr lang="en-US" dirty="0" smtClean="0"/>
-              <a:t>for new cars to be generated with each generation.</a:t>
+              <a:t>The random nature of Genetic Algorithms allow for new cars to be generated with each generation.</a:t>
             </a:r>
           </a:p>
           <a:p>
@@ -11072,15 +11118,7 @@
             </a:r>
             <a:r>
               <a:rPr lang="en-US" dirty="0" smtClean="0"/>
-              <a:t> Every time you run the program, you’re bound to see new </a:t>
-            </a:r>
-            <a:r>
-              <a:rPr lang="en-US" dirty="0" smtClean="0"/>
-              <a:t>cars on with </a:t>
-            </a:r>
-            <a:r>
-              <a:rPr lang="en-US" dirty="0" smtClean="0"/>
-              <a:t>new designs!</a:t>
+              <a:t> Every time you run the program, you’re bound to see new cars on with new designs!</a:t>
             </a:r>
             <a:endParaRPr lang="en-CA" dirty="0"/>
           </a:p>
@@ -11346,7 +11384,7 @@
           <a:p>
             <a:r>
               <a:rPr lang="en-CA" dirty="0" smtClean="0"/>
-              <a:t>So, Let’s Play…</a:t>
+              <a:t>And so…</a:t>
             </a:r>
             <a:endParaRPr lang="en-CA" dirty="0"/>
           </a:p>
@@ -11427,7 +11465,91 @@
   <p:timing>
     <p:tnLst>
       <p:par>
-        <p:cTn id="1" dur="indefinite" restart="never" nodeType="tmRoot"/>
+        <p:cTn id="1" dur="indefinite" restart="never" nodeType="tmRoot">
+          <p:childTnLst>
+            <p:seq concurrent="1" nextAc="seek">
+              <p:cTn id="2" dur="indefinite" nodeType="mainSeq">
+                <p:childTnLst>
+                  <p:par>
+                    <p:cTn id="3" fill="hold">
+                      <p:stCondLst>
+                        <p:cond delay="indefinite"/>
+                      </p:stCondLst>
+                      <p:childTnLst>
+                        <p:par>
+                          <p:cTn id="4" fill="hold">
+                            <p:stCondLst>
+                              <p:cond delay="0"/>
+                            </p:stCondLst>
+                            <p:childTnLst>
+                              <p:par>
+                                <p:cTn id="5" presetID="10" presetClass="entr" presetSubtype="0" fill="hold" nodeType="clickEffect">
+                                  <p:stCondLst>
+                                    <p:cond delay="0"/>
+                                  </p:stCondLst>
+                                  <p:childTnLst>
+                                    <p:set>
+                                      <p:cBhvr>
+                                        <p:cTn id="6" dur="1" fill="hold">
+                                          <p:stCondLst>
+                                            <p:cond delay="0"/>
+                                          </p:stCondLst>
+                                        </p:cTn>
+                                        <p:tgtEl>
+                                          <p:spTgt spid="5">
+                                            <p:txEl>
+                                              <p:pRg st="0" end="0"/>
+                                            </p:txEl>
+                                          </p:spTgt>
+                                        </p:tgtEl>
+                                        <p:attrNameLst>
+                                          <p:attrName>style.visibility</p:attrName>
+                                        </p:attrNameLst>
+                                      </p:cBhvr>
+                                      <p:to>
+                                        <p:strVal val="visible"/>
+                                      </p:to>
+                                    </p:set>
+                                    <p:animEffect transition="in" filter="fade">
+                                      <p:cBhvr>
+                                        <p:cTn id="7" dur="500"/>
+                                        <p:tgtEl>
+                                          <p:spTgt spid="5">
+                                            <p:txEl>
+                                              <p:pRg st="0" end="0"/>
+                                            </p:txEl>
+                                          </p:spTgt>
+                                        </p:tgtEl>
+                                      </p:cBhvr>
+                                    </p:animEffect>
+                                  </p:childTnLst>
+                                </p:cTn>
+                              </p:par>
+                            </p:childTnLst>
+                          </p:cTn>
+                        </p:par>
+                      </p:childTnLst>
+                    </p:cTn>
+                  </p:par>
+                </p:childTnLst>
+              </p:cTn>
+              <p:prevCondLst>
+                <p:cond evt="onPrev" delay="0">
+                  <p:tgtEl>
+                    <p:sldTgt/>
+                  </p:tgtEl>
+                </p:cond>
+              </p:prevCondLst>
+              <p:nextCondLst>
+                <p:cond evt="onNext" delay="0">
+                  <p:tgtEl>
+                    <p:sldTgt/>
+                  </p:tgtEl>
+                </p:cond>
+              </p:nextCondLst>
+            </p:seq>
+          </p:childTnLst>
+        </p:cTn>
       </p:par>
     </p:tnLst>
   </p:timing>
@@ -12144,11 +12266,11 @@
   <p:clrMapOvr>
     <a:masterClrMapping/>
   </p:clrMapOvr>
-  <mc:AlternateContent xmlns:mc="http://schemas.openxmlformats.org/markup-compatibility/2006">
-    <mc:Choice xmlns:p14="http://schemas.microsoft.com/office/powerpoint/2010/main" Requires="p14">
+  <mc:AlternateContent xmlns:mc="http://schemas.openxmlformats.org/markup-compatibility/2006" xmlns:p14="http://schemas.microsoft.com/office/powerpoint/2010/main">
+    <mc:Choice Requires="p14">
       <p:transition spd="slow" p14:dur="2000"/>
     </mc:Choice>
-    <mc:Fallback>
+    <mc:Fallback xmlns="">
       <p:transition spd="slow"/>
     </mc:Fallback>
   </mc:AlternateContent>
@@ -12250,11 +12372,7 @@
             </a:r>
             <a:r>
               <a:rPr lang="en-CA" dirty="0" smtClean="0"/>
-              <a:t> </a:t>
-            </a:r>
-            <a:r>
-              <a:rPr lang="en-CA" dirty="0" smtClean="0"/>
-              <a:t>Genetic Cars by Rednhut.org</a:t>
+              <a:t> Genetic Cars by Rednhut.org</a:t>
             </a:r>
           </a:p>
           <a:p>
@@ -12271,15 +12389,7 @@
             </a:r>
             <a:r>
               <a:rPr lang="en-CA" dirty="0" smtClean="0"/>
-              <a:t>Genetic Cars is a </a:t>
-            </a:r>
-            <a:r>
-              <a:rPr lang="en-CA" dirty="0" smtClean="0"/>
-              <a:t>car simulation </a:t>
-            </a:r>
-            <a:r>
-              <a:rPr lang="en-CA" dirty="0" smtClean="0"/>
-              <a:t>designed to show the effects of a Genetic Algorithm over time.</a:t>
+              <a:t>Genetic Cars is a car simulation designed to show the effects of a Genetic Algorithm over time.</a:t>
             </a:r>
           </a:p>
           <a:p>
@@ -12309,15 +12419,7 @@
             </a:r>
             <a:r>
               <a:rPr lang="en-CA" dirty="0" smtClean="0"/>
-              <a:t>The cars that </a:t>
-            </a:r>
-            <a:r>
-              <a:rPr lang="en-CA" dirty="0" smtClean="0"/>
-              <a:t>get </a:t>
-            </a:r>
-            <a:r>
-              <a:rPr lang="en-CA" dirty="0" smtClean="0"/>
-              <a:t>the furthest are selected to produce the next generation of cars.</a:t>
+              <a:t>The cars that get the furthest are selected to produce the next generation of cars.</a:t>
             </a:r>
           </a:p>
           <a:p>
@@ -12745,15 +12847,7 @@
           <a:p>
             <a:r>
               <a:rPr lang="en-US" dirty="0" smtClean="0"/>
-              <a:t>“</a:t>
-            </a:r>
-            <a:r>
-              <a:rPr lang="en-US" dirty="0" smtClean="0"/>
-              <a:t>Don’t crash my browser!</a:t>
-            </a:r>
-            <a:r>
-              <a:rPr lang="en-US" dirty="0" smtClean="0"/>
-              <a:t>” – Anonymous Survey Respondent</a:t>
+              <a:t>“Don’t crash my browser!” – Anonymous Survey Respondent</a:t>
             </a:r>
             <a:endParaRPr lang="en-US" dirty="0"/>
           </a:p>
@@ -13449,11 +13543,7 @@
             </a:r>
             <a:r>
               <a:rPr lang="en-US" dirty="0" smtClean="0"/>
-              <a:t> </a:t>
-            </a:r>
-            <a:r>
-              <a:rPr lang="en-US" dirty="0" smtClean="0"/>
-              <a:t>major operating systems and platforms.</a:t>
+              <a:t> major operating systems and platforms.</a:t>
             </a:r>
           </a:p>
         </p:txBody>
@@ -14304,7 +14394,7 @@
   <a:extraClrSchemeLst/>
   <a:extLst>
     <a:ext uri="{05A4C25C-085E-4340-85A3-A5531E510DB2}">
-      <thm15:themeFamily xmlns:thm15="http://schemas.microsoft.com/office/thememl/2012/main" xmlns="" name="Metropolitan" id="{4C5440D6-04D2-4954-96CF-F251137069B2}" vid="{9FF7CA0D-8839-4012-B51C-B152F9BD654A}"/>
+      <thm15:themeFamily xmlns="" xmlns:thm15="http://schemas.microsoft.com/office/thememl/2012/main" name="Metropolitan" id="{4C5440D6-04D2-4954-96CF-F251137069B2}" vid="{9FF7CA0D-8839-4012-B51C-B152F9BD654A}"/>
     </a:ext>
   </a:extLst>
 </a:theme>
@@ -14599,7 +14689,7 @@
   <a:extraClrSchemeLst/>
   <a:extLst>
     <a:ext uri="{05A4C25C-085E-4340-85A3-A5531E510DB2}">
-      <thm15:themeFamily xmlns:thm15="http://schemas.microsoft.com/office/thememl/2012/main" xmlns="" name="Office Theme" id="{62F939B6-93AF-4DB8-9C6B-D6C7DFDC589F}" vid="{4A3C46E8-61CC-4603-A589-7422A47A8E4A}"/>
+      <thm15:themeFamily xmlns="" xmlns:thm15="http://schemas.microsoft.com/office/thememl/2012/main" name="Office Theme" id="{62F939B6-93AF-4DB8-9C6B-D6C7DFDC589F}" vid="{4A3C46E8-61CC-4603-A589-7422A47A8E4A}"/>
     </a:ext>
   </a:extLst>
 </a:theme>

--- a/Presentation.pptx
+++ b/Presentation.pptx
@@ -123,7 +123,7 @@
   </p:defaultTextStyle>
   <p:extLst>
     <p:ext uri="{EFAFB233-063F-42B5-8137-9DF3F51BA10A}">
-      <p15:sldGuideLst xmlns="" xmlns:p15="http://schemas.microsoft.com/office/powerpoint/2012/main"/>
+      <p15:sldGuideLst xmlns:p15="http://schemas.microsoft.com/office/powerpoint/2012/main" xmlns=""/>
     </p:ext>
   </p:extLst>
 </p:presentation>
@@ -1683,7 +1683,7 @@
         <a:p>
           <a:r>
             <a:rPr lang="en-CA" dirty="0" smtClean="0"/>
-            <a:t>Mutate</a:t>
+            <a:t>Simulate</a:t>
           </a:r>
           <a:endParaRPr lang="en-CA" dirty="0"/>
         </a:p>
@@ -1720,7 +1720,7 @@
         <a:p>
           <a:r>
             <a:rPr lang="en-CA" dirty="0" smtClean="0"/>
-            <a:t>Simulate</a:t>
+            <a:t>Rank</a:t>
           </a:r>
           <a:endParaRPr lang="en-CA" dirty="0"/>
         </a:p>
@@ -1757,7 +1757,7 @@
         <a:p>
           <a:r>
             <a:rPr lang="en-CA" dirty="0" smtClean="0"/>
-            <a:t>Rank</a:t>
+            <a:t>Select</a:t>
           </a:r>
           <a:endParaRPr lang="en-CA" dirty="0"/>
         </a:p>
@@ -1794,7 +1794,7 @@
         <a:p>
           <a:r>
             <a:rPr lang="en-CA" dirty="0" smtClean="0"/>
-            <a:t>Select</a:t>
+            <a:t>Mutate</a:t>
           </a:r>
           <a:endParaRPr lang="en-CA" dirty="0"/>
         </a:p>
@@ -2040,8 +2040,8 @@
     <dgm:cxn modelId="{7977E879-23AF-4355-88F6-CEC12AF3F17F}" srcId="{5A31DD65-6A23-4A96-8AA4-937C9F473A1B}" destId="{C4926E18-DEF9-424B-B2A9-F23898D34B72}" srcOrd="1" destOrd="0" parTransId="{885183CF-D81E-453D-ADF8-D2477BD1CAB5}" sibTransId="{1C982C65-B470-4FF5-8F70-DC848FE4139A}"/>
     <dgm:cxn modelId="{11E13666-A0C2-4C19-8FC8-471DEB618DD2}" type="presOf" srcId="{E0136D70-D16B-4F12-B33A-F946998B1887}" destId="{8C02EF4C-48DF-42A5-A40C-0F48C14E5256}" srcOrd="0" destOrd="0" presId="urn:microsoft.com/office/officeart/2005/8/layout/cycle2"/>
     <dgm:cxn modelId="{60813F41-66CD-4C67-851C-AC9F053ED22F}" type="presOf" srcId="{1692019D-9163-467C-8365-A7A5A70F0177}" destId="{9D315564-F76F-433C-958A-873B30D82F08}" srcOrd="0" destOrd="0" presId="urn:microsoft.com/office/officeart/2005/8/layout/cycle2"/>
+    <dgm:cxn modelId="{6A60EE44-C04D-4DCF-99DA-ABFEB0CB39F7}" type="presOf" srcId="{92E8EA80-B1B1-44FA-816B-39D877F416AC}" destId="{5B119983-4A13-4C5E-951C-AFFAB54D829A}" srcOrd="1" destOrd="0" presId="urn:microsoft.com/office/officeart/2005/8/layout/cycle2"/>
     <dgm:cxn modelId="{7C6A8688-DA83-459C-B34A-517B06E41478}" type="presOf" srcId="{5D1D4291-E7CD-40D6-AE96-87FFE6495F01}" destId="{AA7BBA46-3746-4402-8F12-8263CCD81017}" srcOrd="0" destOrd="0" presId="urn:microsoft.com/office/officeart/2005/8/layout/cycle2"/>
-    <dgm:cxn modelId="{6A60EE44-C04D-4DCF-99DA-ABFEB0CB39F7}" type="presOf" srcId="{92E8EA80-B1B1-44FA-816B-39D877F416AC}" destId="{5B119983-4A13-4C5E-951C-AFFAB54D829A}" srcOrd="1" destOrd="0" presId="urn:microsoft.com/office/officeart/2005/8/layout/cycle2"/>
     <dgm:cxn modelId="{7FBC1174-1CAC-48E2-B2A4-C556E0D41E7C}" type="presOf" srcId="{F22906F3-B47B-45B7-9B14-4FD8B8E8BBAE}" destId="{61F3795E-695C-44AC-8BA6-9B259FD3BC9C}" srcOrd="1" destOrd="0" presId="urn:microsoft.com/office/officeart/2005/8/layout/cycle2"/>
     <dgm:cxn modelId="{5448BA92-E3F2-445B-8AE8-5E736D9A5333}" type="presOf" srcId="{92E8EA80-B1B1-44FA-816B-39D877F416AC}" destId="{55BCCD0A-B83F-4063-9417-3F4A26376EB4}" srcOrd="0" destOrd="0" presId="urn:microsoft.com/office/officeart/2005/8/layout/cycle2"/>
     <dgm:cxn modelId="{D7BFFF2A-F9ED-49EC-9596-9907CCFB9868}" type="presOf" srcId="{D1411753-4EFD-4826-AF76-87EA7D8DB46B}" destId="{8A158840-F645-4D70-8E21-73D9E9FCD3A4}" srcOrd="0" destOrd="0" presId="urn:microsoft.com/office/officeart/2005/8/layout/cycle2"/>
@@ -2571,7 +2571,7 @@
           </a:pPr>
           <a:r>
             <a:rPr lang="en-CA" sz="1900" kern="1200" dirty="0" smtClean="0"/>
-            <a:t>Mutate</a:t>
+            <a:t>Simulate</a:t>
           </a:r>
           <a:endParaRPr lang="en-CA" sz="1900" kern="1200" dirty="0"/>
         </a:p>
@@ -2717,7 +2717,7 @@
           </a:pPr>
           <a:r>
             <a:rPr lang="en-CA" sz="1900" kern="1200" dirty="0" smtClean="0"/>
-            <a:t>Simulate</a:t>
+            <a:t>Rank</a:t>
           </a:r>
           <a:endParaRPr lang="en-CA" sz="1900" kern="1200" dirty="0"/>
         </a:p>
@@ -2863,7 +2863,7 @@
           </a:pPr>
           <a:r>
             <a:rPr lang="en-CA" sz="1900" kern="1200" dirty="0" smtClean="0"/>
-            <a:t>Rank</a:t>
+            <a:t>Select</a:t>
           </a:r>
           <a:endParaRPr lang="en-CA" sz="1900" kern="1200" dirty="0"/>
         </a:p>
@@ -3009,7 +3009,7 @@
           </a:pPr>
           <a:r>
             <a:rPr lang="en-CA" sz="1900" kern="1200" dirty="0" smtClean="0"/>
-            <a:t>Select</a:t>
+            <a:t>Mutate</a:t>
           </a:r>
           <a:endParaRPr lang="en-CA" sz="1900" kern="1200" dirty="0"/>
         </a:p>
@@ -9590,6 +9590,10 @@
           <a:bodyPr/>
           <a:lstStyle/>
           <a:p>
+            <a:r>
+              <a:rPr lang="en-US" dirty="0" smtClean="0"/>
+              <a:t>Team 8</a:t>
+            </a:r>
             <a:endParaRPr lang="en-US" dirty="0" smtClean="0"/>
           </a:p>
         </p:txBody>
@@ -10781,6 +10785,47 @@
           </a:p>
         </p:txBody>
       </p:sp>
+      <p:pic>
+        <p:nvPicPr>
+          <p:cNvPr id="4" name="Picture 2" descr="Image result for open source"/>
+          <p:cNvPicPr>
+            <a:picLocks noChangeAspect="1" noChangeArrowheads="1"/>
+          </p:cNvPicPr>
+          <p:nvPr/>
+        </p:nvPicPr>
+        <p:blipFill>
+          <a:blip r:embed="rId2">
+            <a:extLst>
+              <a:ext uri="{28A0092B-C50C-407E-A947-70E740481C1C}">
+                <a14:useLocalDpi xmlns:a14="http://schemas.microsoft.com/office/drawing/2010/main" val="0"/>
+              </a:ext>
+            </a:extLst>
+          </a:blip>
+          <a:srcRect/>
+          <a:stretch>
+            <a:fillRect/>
+          </a:stretch>
+        </p:blipFill>
+        <p:spPr bwMode="auto">
+          <a:xfrm>
+            <a:off x="3517899" y="3852269"/>
+            <a:ext cx="5083175" cy="2653306"/>
+          </a:xfrm>
+          <a:prstGeom prst="rect">
+            <a:avLst/>
+          </a:prstGeom>
+          <a:noFill/>
+          <a:extLst>
+            <a:ext uri="{909E8E84-426E-40DD-AFC4-6F175D3DCCD1}">
+              <a14:hiddenFill xmlns:a14="http://schemas.microsoft.com/office/drawing/2010/main">
+                <a:solidFill>
+                  <a:srgbClr val="FFFFFF"/>
+                </a:solidFill>
+              </a14:hiddenFill>
+            </a:ext>
+          </a:extLst>
+        </p:spPr>
+      </p:pic>
     </p:spTree>
     <p:extLst>
       <p:ext uri="{BB962C8B-B14F-4D97-AF65-F5344CB8AC3E}">
@@ -10976,6 +11021,41 @@
                                   </p:childTnLst>
                                 </p:cTn>
                               </p:par>
+                              <p:par>
+                                <p:cTn id="18" presetID="10" presetClass="entr" presetSubtype="0" fill="hold" nodeType="withEffect">
+                                  <p:stCondLst>
+                                    <p:cond delay="0"/>
+                                  </p:stCondLst>
+                                  <p:childTnLst>
+                                    <p:set>
+                                      <p:cBhvr>
+                                        <p:cTn id="19" dur="1" fill="hold">
+                                          <p:stCondLst>
+                                            <p:cond delay="0"/>
+                                          </p:stCondLst>
+                                        </p:cTn>
+                                        <p:tgtEl>
+                                          <p:spTgt spid="4"/>
+                                        </p:tgtEl>
+                                        <p:attrNameLst>
+                                          <p:attrName>style.visibility</p:attrName>
+                                        </p:attrNameLst>
+                                      </p:cBhvr>
+                                      <p:to>
+                                        <p:strVal val="visible"/>
+                                      </p:to>
+                                    </p:set>
+                                    <p:animEffect transition="in" filter="fade">
+                                      <p:cBhvr>
+                                        <p:cTn id="20" dur="500"/>
+                                        <p:tgtEl>
+                                          <p:spTgt spid="4"/>
+                                        </p:tgtEl>
+                                      </p:cBhvr>
+                                    </p:animEffect>
+                                  </p:childTnLst>
+                                </p:cTn>
+                              </p:par>
                             </p:childTnLst>
                           </p:cTn>
                         </p:par>
@@ -11124,6 +11204,47 @@
           </a:p>
         </p:txBody>
       </p:sp>
+      <p:pic>
+        <p:nvPicPr>
+          <p:cNvPr id="1028" name="Picture 4" descr="Image result for play"/>
+          <p:cNvPicPr>
+            <a:picLocks noChangeAspect="1" noChangeArrowheads="1"/>
+          </p:cNvPicPr>
+          <p:nvPr/>
+        </p:nvPicPr>
+        <p:blipFill>
+          <a:blip r:embed="rId2">
+            <a:extLst>
+              <a:ext uri="{28A0092B-C50C-407E-A947-70E740481C1C}">
+                <a14:useLocalDpi xmlns:a14="http://schemas.microsoft.com/office/drawing/2010/main" val="0"/>
+              </a:ext>
+            </a:extLst>
+          </a:blip>
+          <a:srcRect/>
+          <a:stretch>
+            <a:fillRect/>
+          </a:stretch>
+        </p:blipFill>
+        <p:spPr bwMode="auto">
+          <a:xfrm>
+            <a:off x="4625975" y="3990975"/>
+            <a:ext cx="2438400" cy="2438400"/>
+          </a:xfrm>
+          <a:prstGeom prst="rect">
+            <a:avLst/>
+          </a:prstGeom>
+          <a:noFill/>
+          <a:extLst>
+            <a:ext uri="{909E8E84-426E-40DD-AFC4-6F175D3DCCD1}">
+              <a14:hiddenFill xmlns:a14="http://schemas.microsoft.com/office/drawing/2010/main">
+                <a:solidFill>
+                  <a:srgbClr val="FFFFFF"/>
+                </a:solidFill>
+              </a14:hiddenFill>
+            </a:ext>
+          </a:extLst>
+        </p:spPr>
+      </p:pic>
     </p:spTree>
     <p:extLst>
       <p:ext uri="{BB962C8B-B14F-4D97-AF65-F5344CB8AC3E}">
@@ -11319,6 +11440,41 @@
                                   </p:childTnLst>
                                 </p:cTn>
                               </p:par>
+                              <p:par>
+                                <p:cTn id="18" presetID="10" presetClass="entr" presetSubtype="0" fill="hold" nodeType="withEffect">
+                                  <p:stCondLst>
+                                    <p:cond delay="0"/>
+                                  </p:stCondLst>
+                                  <p:childTnLst>
+                                    <p:set>
+                                      <p:cBhvr>
+                                        <p:cTn id="19" dur="1" fill="hold">
+                                          <p:stCondLst>
+                                            <p:cond delay="0"/>
+                                          </p:stCondLst>
+                                        </p:cTn>
+                                        <p:tgtEl>
+                                          <p:spTgt spid="1028"/>
+                                        </p:tgtEl>
+                                        <p:attrNameLst>
+                                          <p:attrName>style.visibility</p:attrName>
+                                        </p:attrNameLst>
+                                      </p:cBhvr>
+                                      <p:to>
+                                        <p:strVal val="visible"/>
+                                      </p:to>
+                                    </p:set>
+                                    <p:animEffect transition="in" filter="fade">
+                                      <p:cBhvr>
+                                        <p:cTn id="20" dur="500"/>
+                                        <p:tgtEl>
+                                          <p:spTgt spid="1028"/>
+                                        </p:tgtEl>
+                                      </p:cBhvr>
+                                    </p:animEffect>
+                                  </p:childTnLst>
+                                </p:cTn>
+                              </p:par>
                             </p:childTnLst>
                           </p:cTn>
                         </p:par>
@@ -11641,23 +11797,20 @@
           <a:p>
             <a:pPr algn="ctr"/>
             <a:r>
-              <a:rPr lang="en-US" dirty="0" smtClean="0"/>
-              <a:t>Eric </a:t>
-            </a:r>
-            <a:r>
               <a:rPr lang="en-US" dirty="0" err="1" smtClean="0"/>
-              <a:t>Chaput</a:t>
+              <a:t>Jin</a:t>
             </a:r>
             <a:r>
               <a:rPr lang="en-US" dirty="0" smtClean="0"/>
-              <a:t>, </a:t>
+              <a:t> Liu</a:t>
             </a:r>
+            <a:endParaRPr lang="en-US" dirty="0" smtClean="0"/>
           </a:p>
           <a:p>
             <a:pPr algn="ctr"/>
             <a:r>
               <a:rPr lang="en-US" dirty="0" smtClean="0"/>
-              <a:t>Technical Evangelist</a:t>
+              <a:t>Code Ninja</a:t>
             </a:r>
             <a:endParaRPr lang="en-US" dirty="0"/>
           </a:p>
@@ -11716,8 +11869,13 @@
             <a:pPr algn="ctr"/>
             <a:r>
               <a:rPr lang="en-US" dirty="0" smtClean="0"/>
-              <a:t>Kelvin Lin,</a:t>
+              <a:t>Kelvin </a:t>
             </a:r>
+            <a:r>
+              <a:rPr lang="en-US" dirty="0" smtClean="0"/>
+              <a:t>Lin</a:t>
+            </a:r>
+            <a:endParaRPr lang="en-US" dirty="0" smtClean="0"/>
           </a:p>
           <a:p>
             <a:pPr algn="ctr"/>
@@ -11774,28 +11932,64 @@
           <a:p>
             <a:pPr algn="ctr"/>
             <a:r>
-              <a:rPr lang="en-US" dirty="0" err="1" smtClean="0"/>
-              <a:t>Jin</a:t>
+              <a:rPr lang="en-US" dirty="0" smtClean="0"/>
+              <a:t>Eric </a:t>
             </a:r>
             <a:r>
-              <a:rPr lang="en-US" dirty="0"/>
-              <a:t> </a:t>
+              <a:rPr lang="en-US" dirty="0" err="1" smtClean="0"/>
+              <a:t>Chaput</a:t>
             </a:r>
-            <a:r>
-              <a:rPr lang="en-US" dirty="0" smtClean="0"/>
-              <a:t>Liu,</a:t>
-            </a:r>
+            <a:endParaRPr lang="en-US" dirty="0" smtClean="0"/>
           </a:p>
           <a:p>
             <a:pPr algn="ctr"/>
             <a:r>
               <a:rPr lang="en-US" dirty="0" smtClean="0"/>
-              <a:t>Code Ninja</a:t>
+              <a:t>Technical Evangelist</a:t>
             </a:r>
             <a:endParaRPr lang="en-US" dirty="0"/>
           </a:p>
         </p:txBody>
       </p:sp>
+      <p:pic>
+        <p:nvPicPr>
+          <p:cNvPr id="3076" name="Picture 4" descr="https://scontent-yyz1-1.xx.fbcdn.net/v/t35.0-12/15064895_1525182984161893_585749578_o.jpg?oh=c5e24bd6550bd9e337ea1a5a15753eb5&amp;oe=5843114E"/>
+          <p:cNvPicPr>
+            <a:picLocks noChangeAspect="1" noChangeArrowheads="1"/>
+          </p:cNvPicPr>
+          <p:nvPr/>
+        </p:nvPicPr>
+        <p:blipFill rotWithShape="1">
+          <a:blip r:embed="rId3">
+            <a:extLst>
+              <a:ext uri="{28A0092B-C50C-407E-A947-70E740481C1C}">
+                <a14:useLocalDpi xmlns:a14="http://schemas.microsoft.com/office/drawing/2010/main" val="0"/>
+              </a:ext>
+            </a:extLst>
+          </a:blip>
+          <a:srcRect t="21276"/>
+          <a:stretch/>
+        </p:blipFill>
+        <p:spPr bwMode="auto">
+          <a:xfrm>
+            <a:off x="857250" y="1838997"/>
+            <a:ext cx="10788650" cy="2960016"/>
+          </a:xfrm>
+          <a:prstGeom prst="rect">
+            <a:avLst/>
+          </a:prstGeom>
+          <a:noFill/>
+          <a:extLst>
+            <a:ext uri="{909E8E84-426E-40DD-AFC4-6F175D3DCCD1}">
+              <a14:hiddenFill xmlns:a14="http://schemas.microsoft.com/office/drawing/2010/main">
+                <a:solidFill>
+                  <a:srgbClr val="FFFFFF"/>
+                </a:solidFill>
+              </a14:hiddenFill>
+            </a:ext>
+          </a:extLst>
+        </p:spPr>
+      </p:pic>
     </p:spTree>
     <p:extLst>
       <p:ext uri="{BB962C8B-B14F-4D97-AF65-F5344CB8AC3E}">
@@ -12241,7 +12435,7 @@
           <p:nvPr>
             <p:extLst>
               <p:ext uri="{D42A27DB-BD31-4B8C-83A1-F6EECF244321}">
-                <p14:modId xmlns:p14="http://schemas.microsoft.com/office/powerpoint/2010/main" val="3644522492"/>
+                <p14:modId xmlns:p14="http://schemas.microsoft.com/office/powerpoint/2010/main" val="3538511356"/>
               </p:ext>
             </p:extLst>
           </p:nvPr>
@@ -12846,8 +13040,8 @@
           <a:lstStyle/>
           <a:p>
             <a:r>
-              <a:rPr lang="en-US" dirty="0" smtClean="0"/>
-              <a:t>“Don’t crash my browser!” – Anonymous Survey Respondent</a:t>
+              <a:rPr lang="en-US" dirty="0"/>
+              <a:t>http://ugweb.cas.mcmaster.ca/~linkk4/</a:t>
             </a:r>
             <a:endParaRPr lang="en-US" dirty="0"/>
           </a:p>
@@ -13123,22 +13317,6 @@
           <a:bodyPr/>
           <a:lstStyle/>
           <a:p>
-            <a:r>
-              <a:rPr lang="en-US" dirty="0"/>
-              <a:t>“Don’t Be An Ass” – Eric </a:t>
-            </a:r>
-            <a:r>
-              <a:rPr lang="en-US" dirty="0" err="1"/>
-              <a:t>Chaput</a:t>
-            </a:r>
-            <a:r>
-              <a:rPr lang="en-US" dirty="0"/>
-              <a:t>, </a:t>
-            </a:r>
-            <a:r>
-              <a:rPr lang="en-US" dirty="0" smtClean="0"/>
-              <a:t>2016</a:t>
-            </a:r>
             <a:endParaRPr lang="en-US" dirty="0"/>
           </a:p>
         </p:txBody>
@@ -14394,7 +14572,7 @@
   <a:extraClrSchemeLst/>
   <a:extLst>
     <a:ext uri="{05A4C25C-085E-4340-85A3-A5531E510DB2}">
-      <thm15:themeFamily xmlns="" xmlns:thm15="http://schemas.microsoft.com/office/thememl/2012/main" name="Metropolitan" id="{4C5440D6-04D2-4954-96CF-F251137069B2}" vid="{9FF7CA0D-8839-4012-B51C-B152F9BD654A}"/>
+      <thm15:themeFamily xmlns:thm15="http://schemas.microsoft.com/office/thememl/2012/main" xmlns="" name="Metropolitan" id="{4C5440D6-04D2-4954-96CF-F251137069B2}" vid="{9FF7CA0D-8839-4012-B51C-B152F9BD654A}"/>
     </a:ext>
   </a:extLst>
 </a:theme>
@@ -14689,7 +14867,7 @@
   <a:extraClrSchemeLst/>
   <a:extLst>
     <a:ext uri="{05A4C25C-085E-4340-85A3-A5531E510DB2}">
-      <thm15:themeFamily xmlns="" xmlns:thm15="http://schemas.microsoft.com/office/thememl/2012/main" name="Office Theme" id="{62F939B6-93AF-4DB8-9C6B-D6C7DFDC589F}" vid="{4A3C46E8-61CC-4603-A589-7422A47A8E4A}"/>
+      <thm15:themeFamily xmlns:thm15="http://schemas.microsoft.com/office/thememl/2012/main" xmlns="" name="Office Theme" id="{62F939B6-93AF-4DB8-9C6B-D6C7DFDC589F}" vid="{4A3C46E8-61CC-4603-A589-7422A47A8E4A}"/>
     </a:ext>
   </a:extLst>
 </a:theme>

--- a/Presentation.pptx
+++ b/Presentation.pptx
@@ -123,7 +123,7 @@
   </p:defaultTextStyle>
   <p:extLst>
     <p:ext uri="{EFAFB233-063F-42B5-8137-9DF3F51BA10A}">
-      <p15:sldGuideLst xmlns:p15="http://schemas.microsoft.com/office/powerpoint/2012/main" xmlns=""/>
+      <p15:sldGuideLst xmlns="" xmlns:p15="http://schemas.microsoft.com/office/powerpoint/2012/main"/>
     </p:ext>
   </p:extLst>
 </p:presentation>
@@ -2040,8 +2040,8 @@
     <dgm:cxn modelId="{7977E879-23AF-4355-88F6-CEC12AF3F17F}" srcId="{5A31DD65-6A23-4A96-8AA4-937C9F473A1B}" destId="{C4926E18-DEF9-424B-B2A9-F23898D34B72}" srcOrd="1" destOrd="0" parTransId="{885183CF-D81E-453D-ADF8-D2477BD1CAB5}" sibTransId="{1C982C65-B470-4FF5-8F70-DC848FE4139A}"/>
     <dgm:cxn modelId="{11E13666-A0C2-4C19-8FC8-471DEB618DD2}" type="presOf" srcId="{E0136D70-D16B-4F12-B33A-F946998B1887}" destId="{8C02EF4C-48DF-42A5-A40C-0F48C14E5256}" srcOrd="0" destOrd="0" presId="urn:microsoft.com/office/officeart/2005/8/layout/cycle2"/>
     <dgm:cxn modelId="{60813F41-66CD-4C67-851C-AC9F053ED22F}" type="presOf" srcId="{1692019D-9163-467C-8365-A7A5A70F0177}" destId="{9D315564-F76F-433C-958A-873B30D82F08}" srcOrd="0" destOrd="0" presId="urn:microsoft.com/office/officeart/2005/8/layout/cycle2"/>
+    <dgm:cxn modelId="{7C6A8688-DA83-459C-B34A-517B06E41478}" type="presOf" srcId="{5D1D4291-E7CD-40D6-AE96-87FFE6495F01}" destId="{AA7BBA46-3746-4402-8F12-8263CCD81017}" srcOrd="0" destOrd="0" presId="urn:microsoft.com/office/officeart/2005/8/layout/cycle2"/>
     <dgm:cxn modelId="{6A60EE44-C04D-4DCF-99DA-ABFEB0CB39F7}" type="presOf" srcId="{92E8EA80-B1B1-44FA-816B-39D877F416AC}" destId="{5B119983-4A13-4C5E-951C-AFFAB54D829A}" srcOrd="1" destOrd="0" presId="urn:microsoft.com/office/officeart/2005/8/layout/cycle2"/>
-    <dgm:cxn modelId="{7C6A8688-DA83-459C-B34A-517B06E41478}" type="presOf" srcId="{5D1D4291-E7CD-40D6-AE96-87FFE6495F01}" destId="{AA7BBA46-3746-4402-8F12-8263CCD81017}" srcOrd="0" destOrd="0" presId="urn:microsoft.com/office/officeart/2005/8/layout/cycle2"/>
     <dgm:cxn modelId="{7FBC1174-1CAC-48E2-B2A4-C556E0D41E7C}" type="presOf" srcId="{F22906F3-B47B-45B7-9B14-4FD8B8E8BBAE}" destId="{61F3795E-695C-44AC-8BA6-9B259FD3BC9C}" srcOrd="1" destOrd="0" presId="urn:microsoft.com/office/officeart/2005/8/layout/cycle2"/>
     <dgm:cxn modelId="{5448BA92-E3F2-445B-8AE8-5E736D9A5333}" type="presOf" srcId="{92E8EA80-B1B1-44FA-816B-39D877F416AC}" destId="{55BCCD0A-B83F-4063-9417-3F4A26376EB4}" srcOrd="0" destOrd="0" presId="urn:microsoft.com/office/officeart/2005/8/layout/cycle2"/>
     <dgm:cxn modelId="{D7BFFF2A-F9ED-49EC-9596-9907CCFB9868}" type="presOf" srcId="{D1411753-4EFD-4826-AF76-87EA7D8DB46B}" destId="{8A158840-F645-4D70-8E21-73D9E9FCD3A4}" srcOrd="0" destOrd="0" presId="urn:microsoft.com/office/officeart/2005/8/layout/cycle2"/>
@@ -5902,7 +5902,7 @@
           <a:p>
             <a:fld id="{51A22B42-34D3-4B01-BF3D-F69359E82423}" type="datetimeFigureOut">
               <a:rPr lang="en-US"/>
-              <a:t>12/1/2016</a:t>
+              <a:t>12/2/2016</a:t>
             </a:fld>
             <a:endParaRPr lang="en-US"/>
           </a:p>
@@ -6577,7 +6577,7 @@
             <a:fld id="{5586B75A-687E-405C-8A0B-8D00578BA2C3}" type="datetimeFigureOut">
               <a:rPr lang="en-US" dirty="0"/>
               <a:pPr/>
-              <a:t>12/1/2016</a:t>
+              <a:t>12/2/2016</a:t>
             </a:fld>
             <a:endParaRPr lang="en-US" dirty="0"/>
           </a:p>
@@ -6743,7 +6743,7 @@
           <a:p>
             <a:fld id="{5F4E5243-F52A-4D37-9694-EB26C6C31910}" type="datetimeFigureOut">
               <a:rPr lang="en-US" dirty="0"/>
-              <a:t>12/1/2016</a:t>
+              <a:t>12/2/2016</a:t>
             </a:fld>
             <a:endParaRPr lang="en-US" dirty="0"/>
           </a:p>
@@ -6918,7 +6918,7 @@
           <a:p>
             <a:fld id="{3A77B6E1-634A-48DC-9E8B-D894023267EF}" type="datetimeFigureOut">
               <a:rPr lang="en-US" dirty="0"/>
-              <a:t>12/1/2016</a:t>
+              <a:t>12/2/2016</a:t>
             </a:fld>
             <a:endParaRPr lang="en-US" dirty="0"/>
           </a:p>
@@ -7083,7 +7083,7 @@
           <a:p>
             <a:fld id="{7B2D3E9E-A95C-48F2-B4BF-A71542E0BE9A}" type="datetimeFigureOut">
               <a:rPr lang="en-US" dirty="0"/>
-              <a:t>12/1/2016</a:t>
+              <a:t>12/2/2016</a:t>
             </a:fld>
             <a:endParaRPr lang="en-US" dirty="0"/>
           </a:p>
@@ -7343,7 +7343,7 @@
             <a:fld id="{5586B75A-687E-405C-8A0B-8D00578BA2C3}" type="datetimeFigureOut">
               <a:rPr lang="en-US" dirty="0"/>
               <a:pPr/>
-              <a:t>12/1/2016</a:t>
+              <a:t>12/2/2016</a:t>
             </a:fld>
             <a:endParaRPr lang="en-US" dirty="0"/>
           </a:p>
@@ -7627,7 +7627,7 @@
           <a:p>
             <a:fld id="{F12952B5-7A2F-4CC8-B7CE-9234E21C2837}" type="datetimeFigureOut">
               <a:rPr lang="en-US" dirty="0"/>
-              <a:t>12/1/2016</a:t>
+              <a:t>12/2/2016</a:t>
             </a:fld>
             <a:endParaRPr lang="en-US" dirty="0"/>
           </a:p>
@@ -8051,7 +8051,7 @@
           <a:p>
             <a:fld id="{CE1DA07A-9201-4B4B-BAF2-015AFA30F520}" type="datetimeFigureOut">
               <a:rPr lang="en-US" dirty="0"/>
-              <a:t>12/1/2016</a:t>
+              <a:t>12/2/2016</a:t>
             </a:fld>
             <a:endParaRPr lang="en-US" dirty="0"/>
           </a:p>
@@ -8164,7 +8164,7 @@
           <a:p>
             <a:fld id="{73D7E00A-486F-4252-8B1D-E32645521F49}" type="datetimeFigureOut">
               <a:rPr lang="en-US" dirty="0"/>
-              <a:t>12/1/2016</a:t>
+              <a:t>12/2/2016</a:t>
             </a:fld>
             <a:endParaRPr lang="en-US" dirty="0"/>
           </a:p>
@@ -8254,7 +8254,7 @@
           <a:p>
             <a:fld id="{8DDF5F92-E675-4B36-9A60-69A962A68675}" type="datetimeFigureOut">
               <a:rPr lang="en-US" dirty="0"/>
-              <a:t>12/1/2016</a:t>
+              <a:t>12/2/2016</a:t>
             </a:fld>
             <a:endParaRPr lang="en-US" dirty="0"/>
           </a:p>
@@ -8605,7 +8605,7 @@
           <a:p>
             <a:fld id="{AF6E2C9B-5FA2-460D-9BE7-B0812FC2A6FF}" type="datetimeFigureOut">
               <a:rPr lang="en-US" dirty="0"/>
-              <a:t>12/1/2016</a:t>
+              <a:t>12/2/2016</a:t>
             </a:fld>
             <a:endParaRPr lang="en-US" dirty="0"/>
           </a:p>
@@ -8905,7 +8905,7 @@
             <a:fld id="{5586B75A-687E-405C-8A0B-8D00578BA2C3}" type="datetimeFigureOut">
               <a:rPr lang="en-US" dirty="0"/>
               <a:pPr/>
-              <a:t>12/1/2016</a:t>
+              <a:t>12/2/2016</a:t>
             </a:fld>
             <a:endParaRPr lang="en-US" dirty="0"/>
           </a:p>
@@ -9115,7 +9115,7 @@
             <a:fld id="{5586B75A-687E-405C-8A0B-8D00578BA2C3}" type="datetimeFigureOut">
               <a:rPr lang="en-US" dirty="0"/>
               <a:pPr/>
-              <a:t>12/1/2016</a:t>
+              <a:t>12/2/2016</a:t>
             </a:fld>
             <a:endParaRPr lang="en-US" dirty="0"/>
           </a:p>
@@ -9594,7 +9594,6 @@
               <a:rPr lang="en-US" dirty="0" smtClean="0"/>
               <a:t>Team 8</a:t>
             </a:r>
-            <a:endParaRPr lang="en-US" dirty="0" smtClean="0"/>
           </a:p>
         </p:txBody>
       </p:sp>
@@ -10597,7 +10596,7 @@
       </p:sp>
       <p:pic>
         <p:nvPicPr>
-          <p:cNvPr id="5122" name="Picture 2"/>
+          <p:cNvPr id="1026" name="Picture 2"/>
           <p:cNvPicPr>
             <a:picLocks noChangeAspect="1" noChangeArrowheads="1"/>
           </p:cNvPicPr>
@@ -10618,8 +10617,8 @@
         </p:blipFill>
         <p:spPr bwMode="auto">
           <a:xfrm>
-            <a:off x="2965450" y="2967037"/>
-            <a:ext cx="6438900" cy="3438525"/>
+            <a:off x="2060575" y="2927350"/>
+            <a:ext cx="8020464" cy="3448050"/>
           </a:xfrm>
           <a:prstGeom prst="rect">
             <a:avLst/>
@@ -11804,7 +11803,6 @@
               <a:rPr lang="en-US" dirty="0" smtClean="0"/>
               <a:t> Liu</a:t>
             </a:r>
-            <a:endParaRPr lang="en-US" dirty="0" smtClean="0"/>
           </a:p>
           <a:p>
             <a:pPr algn="ctr"/>
@@ -11869,13 +11867,8 @@
             <a:pPr algn="ctr"/>
             <a:r>
               <a:rPr lang="en-US" dirty="0" smtClean="0"/>
-              <a:t>Kelvin </a:t>
+              <a:t>Kelvin Lin</a:t>
             </a:r>
-            <a:r>
-              <a:rPr lang="en-US" dirty="0" smtClean="0"/>
-              <a:t>Lin</a:t>
-            </a:r>
-            <a:endParaRPr lang="en-US" dirty="0" smtClean="0"/>
           </a:p>
           <a:p>
             <a:pPr algn="ctr"/>
@@ -13043,7 +13036,6 @@
               <a:rPr lang="en-US" dirty="0"/>
               <a:t>http://ugweb.cas.mcmaster.ca/~linkk4/</a:t>
             </a:r>
-            <a:endParaRPr lang="en-US" dirty="0"/>
           </a:p>
         </p:txBody>
       </p:sp>
@@ -14572,7 +14564,7 @@
   <a:extraClrSchemeLst/>
   <a:extLst>
     <a:ext uri="{05A4C25C-085E-4340-85A3-A5531E510DB2}">
-      <thm15:themeFamily xmlns:thm15="http://schemas.microsoft.com/office/thememl/2012/main" xmlns="" name="Metropolitan" id="{4C5440D6-04D2-4954-96CF-F251137069B2}" vid="{9FF7CA0D-8839-4012-B51C-B152F9BD654A}"/>
+      <thm15:themeFamily xmlns="" xmlns:thm15="http://schemas.microsoft.com/office/thememl/2012/main" name="Metropolitan" id="{4C5440D6-04D2-4954-96CF-F251137069B2}" vid="{9FF7CA0D-8839-4012-B51C-B152F9BD654A}"/>
     </a:ext>
   </a:extLst>
 </a:theme>
@@ -14867,7 +14859,7 @@
   <a:extraClrSchemeLst/>
   <a:extLst>
     <a:ext uri="{05A4C25C-085E-4340-85A3-A5531E510DB2}">
-      <thm15:themeFamily xmlns:thm15="http://schemas.microsoft.com/office/thememl/2012/main" xmlns="" name="Office Theme" id="{62F939B6-93AF-4DB8-9C6B-D6C7DFDC589F}" vid="{4A3C46E8-61CC-4603-A589-7422A47A8E4A}"/>
+      <thm15:themeFamily xmlns="" xmlns:thm15="http://schemas.microsoft.com/office/thememl/2012/main" name="Office Theme" id="{62F939B6-93AF-4DB8-9C6B-D6C7DFDC589F}" vid="{4A3C46E8-61CC-4603-A589-7422A47A8E4A}"/>
     </a:ext>
   </a:extLst>
 </a:theme>

--- a/Presentation.pptx
+++ b/Presentation.pptx
@@ -123,7 +123,7 @@
   </p:defaultTextStyle>
   <p:extLst>
     <p:ext uri="{EFAFB233-063F-42B5-8137-9DF3F51BA10A}">
-      <p15:sldGuideLst xmlns="" xmlns:p15="http://schemas.microsoft.com/office/powerpoint/2012/main"/>
+      <p15:sldGuideLst xmlns:p15="http://schemas.microsoft.com/office/powerpoint/2012/main" xmlns=""/>
     </p:ext>
   </p:extLst>
 </p:presentation>
@@ -2040,8 +2040,8 @@
     <dgm:cxn modelId="{7977E879-23AF-4355-88F6-CEC12AF3F17F}" srcId="{5A31DD65-6A23-4A96-8AA4-937C9F473A1B}" destId="{C4926E18-DEF9-424B-B2A9-F23898D34B72}" srcOrd="1" destOrd="0" parTransId="{885183CF-D81E-453D-ADF8-D2477BD1CAB5}" sibTransId="{1C982C65-B470-4FF5-8F70-DC848FE4139A}"/>
     <dgm:cxn modelId="{11E13666-A0C2-4C19-8FC8-471DEB618DD2}" type="presOf" srcId="{E0136D70-D16B-4F12-B33A-F946998B1887}" destId="{8C02EF4C-48DF-42A5-A40C-0F48C14E5256}" srcOrd="0" destOrd="0" presId="urn:microsoft.com/office/officeart/2005/8/layout/cycle2"/>
     <dgm:cxn modelId="{60813F41-66CD-4C67-851C-AC9F053ED22F}" type="presOf" srcId="{1692019D-9163-467C-8365-A7A5A70F0177}" destId="{9D315564-F76F-433C-958A-873B30D82F08}" srcOrd="0" destOrd="0" presId="urn:microsoft.com/office/officeart/2005/8/layout/cycle2"/>
+    <dgm:cxn modelId="{6A60EE44-C04D-4DCF-99DA-ABFEB0CB39F7}" type="presOf" srcId="{92E8EA80-B1B1-44FA-816B-39D877F416AC}" destId="{5B119983-4A13-4C5E-951C-AFFAB54D829A}" srcOrd="1" destOrd="0" presId="urn:microsoft.com/office/officeart/2005/8/layout/cycle2"/>
     <dgm:cxn modelId="{7C6A8688-DA83-459C-B34A-517B06E41478}" type="presOf" srcId="{5D1D4291-E7CD-40D6-AE96-87FFE6495F01}" destId="{AA7BBA46-3746-4402-8F12-8263CCD81017}" srcOrd="0" destOrd="0" presId="urn:microsoft.com/office/officeart/2005/8/layout/cycle2"/>
-    <dgm:cxn modelId="{6A60EE44-C04D-4DCF-99DA-ABFEB0CB39F7}" type="presOf" srcId="{92E8EA80-B1B1-44FA-816B-39D877F416AC}" destId="{5B119983-4A13-4C5E-951C-AFFAB54D829A}" srcOrd="1" destOrd="0" presId="urn:microsoft.com/office/officeart/2005/8/layout/cycle2"/>
     <dgm:cxn modelId="{7FBC1174-1CAC-48E2-B2A4-C556E0D41E7C}" type="presOf" srcId="{F22906F3-B47B-45B7-9B14-4FD8B8E8BBAE}" destId="{61F3795E-695C-44AC-8BA6-9B259FD3BC9C}" srcOrd="1" destOrd="0" presId="urn:microsoft.com/office/officeart/2005/8/layout/cycle2"/>
     <dgm:cxn modelId="{5448BA92-E3F2-445B-8AE8-5E736D9A5333}" type="presOf" srcId="{92E8EA80-B1B1-44FA-816B-39D877F416AC}" destId="{55BCCD0A-B83F-4063-9417-3F4A26376EB4}" srcOrd="0" destOrd="0" presId="urn:microsoft.com/office/officeart/2005/8/layout/cycle2"/>
     <dgm:cxn modelId="{D7BFFF2A-F9ED-49EC-9596-9907CCFB9868}" type="presOf" srcId="{D1411753-4EFD-4826-AF76-87EA7D8DB46B}" destId="{8A158840-F645-4D70-8E21-73D9E9FCD3A4}" srcOrd="0" destOrd="0" presId="urn:microsoft.com/office/officeart/2005/8/layout/cycle2"/>
@@ -10589,8 +10589,13 @@
             </a:r>
             <a:r>
               <a:rPr lang="en-CA" dirty="0" smtClean="0"/>
-              <a:t> 3/3 for overall user experience.</a:t>
+              <a:t> 3/3 for overall </a:t>
             </a:r>
+            <a:r>
+              <a:rPr lang="en-CA" dirty="0" smtClean="0"/>
+              <a:t>simplicity.</a:t>
+            </a:r>
+            <a:endParaRPr lang="en-CA" dirty="0" smtClean="0"/>
           </a:p>
         </p:txBody>
       </p:sp>
@@ -10617,8 +10622,8 @@
         </p:blipFill>
         <p:spPr bwMode="auto">
           <a:xfrm>
-            <a:off x="2060575" y="2927350"/>
-            <a:ext cx="8020464" cy="3448050"/>
+            <a:off x="1438275" y="2578100"/>
+            <a:ext cx="8832850" cy="3797300"/>
           </a:xfrm>
           <a:prstGeom prst="rect">
             <a:avLst/>
@@ -14564,7 +14569,7 @@
   <a:extraClrSchemeLst/>
   <a:extLst>
     <a:ext uri="{05A4C25C-085E-4340-85A3-A5531E510DB2}">
-      <thm15:themeFamily xmlns="" xmlns:thm15="http://schemas.microsoft.com/office/thememl/2012/main" name="Metropolitan" id="{4C5440D6-04D2-4954-96CF-F251137069B2}" vid="{9FF7CA0D-8839-4012-B51C-B152F9BD654A}"/>
+      <thm15:themeFamily xmlns:thm15="http://schemas.microsoft.com/office/thememl/2012/main" xmlns="" name="Metropolitan" id="{4C5440D6-04D2-4954-96CF-F251137069B2}" vid="{9FF7CA0D-8839-4012-B51C-B152F9BD654A}"/>
     </a:ext>
   </a:extLst>
 </a:theme>
@@ -14859,7 +14864,7 @@
   <a:extraClrSchemeLst/>
   <a:extLst>
     <a:ext uri="{05A4C25C-085E-4340-85A3-A5531E510DB2}">
-      <thm15:themeFamily xmlns="" xmlns:thm15="http://schemas.microsoft.com/office/thememl/2012/main" name="Office Theme" id="{62F939B6-93AF-4DB8-9C6B-D6C7DFDC589F}" vid="{4A3C46E8-61CC-4603-A589-7422A47A8E4A}"/>
+      <thm15:themeFamily xmlns:thm15="http://schemas.microsoft.com/office/thememl/2012/main" xmlns="" name="Office Theme" id="{62F939B6-93AF-4DB8-9C6B-D6C7DFDC589F}" vid="{4A3C46E8-61CC-4603-A589-7422A47A8E4A}"/>
     </a:ext>
   </a:extLst>
 </a:theme>

--- a/Presentation.pptx
+++ b/Presentation.pptx
@@ -5,7 +5,7 @@
     <p:sldMasterId id="2147483840" r:id="rId1"/>
   </p:sldMasterIdLst>
   <p:notesMasterIdLst>
-    <p:notesMasterId r:id="rId17"/>
+    <p:notesMasterId r:id="rId18"/>
   </p:notesMasterIdLst>
   <p:sldIdLst>
     <p:sldId id="256" r:id="rId2"/>
@@ -14,15 +14,16 @@
     <p:sldId id="262" r:id="rId5"/>
     <p:sldId id="261" r:id="rId6"/>
     <p:sldId id="258" r:id="rId7"/>
-    <p:sldId id="268" r:id="rId8"/>
-    <p:sldId id="265" r:id="rId9"/>
-    <p:sldId id="266" r:id="rId10"/>
-    <p:sldId id="264" r:id="rId11"/>
-    <p:sldId id="267" r:id="rId12"/>
-    <p:sldId id="269" r:id="rId13"/>
-    <p:sldId id="270" r:id="rId14"/>
-    <p:sldId id="271" r:id="rId15"/>
-    <p:sldId id="272" r:id="rId16"/>
+    <p:sldId id="273" r:id="rId8"/>
+    <p:sldId id="268" r:id="rId9"/>
+    <p:sldId id="265" r:id="rId10"/>
+    <p:sldId id="266" r:id="rId11"/>
+    <p:sldId id="264" r:id="rId12"/>
+    <p:sldId id="267" r:id="rId13"/>
+    <p:sldId id="269" r:id="rId14"/>
+    <p:sldId id="270" r:id="rId15"/>
+    <p:sldId id="271" r:id="rId16"/>
+    <p:sldId id="272" r:id="rId17"/>
   </p:sldIdLst>
   <p:sldSz cx="12192000" cy="6858000"/>
   <p:notesSz cx="6858000" cy="9144000"/>
@@ -127,6 +128,322 @@
     </p:ext>
   </p:extLst>
 </p:presentation>
+</file>
+
+<file path=ppt/charts/chart1.xml><?xml version="1.0" encoding="utf-8"?>
+<c:chartSpace xmlns:c="http://schemas.openxmlformats.org/drawingml/2006/chart" xmlns:a="http://schemas.openxmlformats.org/drawingml/2006/main" xmlns:r="http://schemas.openxmlformats.org/officeDocument/2006/relationships">
+  <c:date1904 val="0"/>
+  <c:lang val="en-CA"/>
+  <c:roundedCorners val="0"/>
+  <mc:AlternateContent xmlns:mc="http://schemas.openxmlformats.org/markup-compatibility/2006">
+    <mc:Choice xmlns:c14="http://schemas.microsoft.com/office/drawing/2007/8/2/chart" Requires="c14">
+      <c14:style val="102"/>
+    </mc:Choice>
+    <mc:Fallback>
+      <c:style val="2"/>
+    </mc:Fallback>
+  </mc:AlternateContent>
+  <c:chart>
+    <c:title>
+      <c:tx>
+        <c:rich>
+          <a:bodyPr/>
+          <a:lstStyle/>
+          <a:p>
+            <a:pPr>
+              <a:defRPr/>
+            </a:pPr>
+            <a:r>
+              <a:rPr lang="en-US"/>
+              <a:t>Number of Cycles Lived per Generation</a:t>
+            </a:r>
+          </a:p>
+        </c:rich>
+      </c:tx>
+      <c:layout/>
+      <c:overlay val="0"/>
+    </c:title>
+    <c:autoTitleDeleted val="0"/>
+    <c:plotArea>
+      <c:layout/>
+      <c:lineChart>
+        <c:grouping val="standard"/>
+        <c:varyColors val="0"/>
+        <c:ser>
+          <c:idx val="1"/>
+          <c:order val="0"/>
+          <c:tx>
+            <c:strRef>
+              <c:f>Sheet1!$B$1</c:f>
+              <c:strCache>
+                <c:ptCount val="1"/>
+                <c:pt idx="0">
+                  <c:v>Number of Cycles</c:v>
+                </c:pt>
+              </c:strCache>
+            </c:strRef>
+          </c:tx>
+          <c:spPr>
+            <a:ln>
+              <a:solidFill>
+                <a:schemeClr val="accent1"/>
+              </a:solidFill>
+            </a:ln>
+          </c:spPr>
+          <c:marker>
+            <c:spPr>
+              <a:solidFill>
+                <a:schemeClr val="accent1"/>
+              </a:solidFill>
+              <a:ln>
+                <a:solidFill>
+                  <a:schemeClr val="accent1"/>
+                </a:solidFill>
+              </a:ln>
+            </c:spPr>
+          </c:marker>
+          <c:val>
+            <c:numRef>
+              <c:f>Sheet1!$B$2:$B$41</c:f>
+              <c:numCache>
+                <c:formatCode>General</c:formatCode>
+                <c:ptCount val="40"/>
+                <c:pt idx="0">
+                  <c:v>771</c:v>
+                </c:pt>
+                <c:pt idx="1">
+                  <c:v>1538</c:v>
+                </c:pt>
+                <c:pt idx="2">
+                  <c:v>3975</c:v>
+                </c:pt>
+                <c:pt idx="3">
+                  <c:v>670</c:v>
+                </c:pt>
+                <c:pt idx="4">
+                  <c:v>736</c:v>
+                </c:pt>
+                <c:pt idx="5">
+                  <c:v>756</c:v>
+                </c:pt>
+                <c:pt idx="6">
+                  <c:v>997</c:v>
+                </c:pt>
+                <c:pt idx="7">
+                  <c:v>1010</c:v>
+                </c:pt>
+                <c:pt idx="8">
+                  <c:v>688</c:v>
+                </c:pt>
+                <c:pt idx="9">
+                  <c:v>945</c:v>
+                </c:pt>
+                <c:pt idx="10">
+                  <c:v>7988</c:v>
+                </c:pt>
+                <c:pt idx="11">
+                  <c:v>7936</c:v>
+                </c:pt>
+                <c:pt idx="12">
+                  <c:v>7340</c:v>
+                </c:pt>
+                <c:pt idx="13">
+                  <c:v>6988</c:v>
+                </c:pt>
+                <c:pt idx="14">
+                  <c:v>7912</c:v>
+                </c:pt>
+                <c:pt idx="15">
+                  <c:v>6919</c:v>
+                </c:pt>
+                <c:pt idx="16">
+                  <c:v>7723</c:v>
+                </c:pt>
+                <c:pt idx="17">
+                  <c:v>6602</c:v>
+                </c:pt>
+                <c:pt idx="18">
+                  <c:v>8039</c:v>
+                </c:pt>
+                <c:pt idx="19">
+                  <c:v>7890</c:v>
+                </c:pt>
+                <c:pt idx="20">
+                  <c:v>6044</c:v>
+                </c:pt>
+                <c:pt idx="21">
+                  <c:v>8062</c:v>
+                </c:pt>
+                <c:pt idx="22">
+                  <c:v>6881</c:v>
+                </c:pt>
+                <c:pt idx="23">
+                  <c:v>6095</c:v>
+                </c:pt>
+                <c:pt idx="24">
+                  <c:v>7626</c:v>
+                </c:pt>
+                <c:pt idx="25">
+                  <c:v>7729</c:v>
+                </c:pt>
+                <c:pt idx="26">
+                  <c:v>3582</c:v>
+                </c:pt>
+                <c:pt idx="27">
+                  <c:v>7052</c:v>
+                </c:pt>
+                <c:pt idx="28">
+                  <c:v>5930</c:v>
+                </c:pt>
+                <c:pt idx="29">
+                  <c:v>1445</c:v>
+                </c:pt>
+                <c:pt idx="30">
+                  <c:v>1484</c:v>
+                </c:pt>
+                <c:pt idx="31">
+                  <c:v>7295</c:v>
+                </c:pt>
+                <c:pt idx="32">
+                  <c:v>6862</c:v>
+                </c:pt>
+                <c:pt idx="33">
+                  <c:v>5887</c:v>
+                </c:pt>
+                <c:pt idx="34">
+                  <c:v>6992</c:v>
+                </c:pt>
+                <c:pt idx="35">
+                  <c:v>7289</c:v>
+                </c:pt>
+                <c:pt idx="36">
+                  <c:v>7686</c:v>
+                </c:pt>
+                <c:pt idx="37">
+                  <c:v>5899</c:v>
+                </c:pt>
+                <c:pt idx="38">
+                  <c:v>1438</c:v>
+                </c:pt>
+                <c:pt idx="39">
+                  <c:v>6521</c:v>
+                </c:pt>
+              </c:numCache>
+            </c:numRef>
+          </c:val>
+          <c:smooth val="0"/>
+        </c:ser>
+        <c:dLbls>
+          <c:showLegendKey val="0"/>
+          <c:showVal val="0"/>
+          <c:showCatName val="0"/>
+          <c:showSerName val="0"/>
+          <c:showPercent val="0"/>
+          <c:showBubbleSize val="0"/>
+        </c:dLbls>
+        <c:marker val="1"/>
+        <c:smooth val="0"/>
+        <c:axId val="166628864"/>
+        <c:axId val="6779392"/>
+      </c:lineChart>
+      <c:catAx>
+        <c:axId val="166628864"/>
+        <c:scaling>
+          <c:orientation val="minMax"/>
+        </c:scaling>
+        <c:delete val="0"/>
+        <c:axPos val="b"/>
+        <c:title>
+          <c:tx>
+            <c:rich>
+              <a:bodyPr/>
+              <a:lstStyle/>
+              <a:p>
+                <a:pPr>
+                  <a:defRPr/>
+                </a:pPr>
+                <a:r>
+                  <a:rPr lang="en-CA"/>
+                  <a:t>Generation</a:t>
+                </a:r>
+              </a:p>
+            </c:rich>
+          </c:tx>
+          <c:layout/>
+          <c:overlay val="0"/>
+        </c:title>
+        <c:majorTickMark val="out"/>
+        <c:minorTickMark val="none"/>
+        <c:tickLblPos val="nextTo"/>
+        <c:crossAx val="6779392"/>
+        <c:crosses val="autoZero"/>
+        <c:auto val="1"/>
+        <c:lblAlgn val="ctr"/>
+        <c:lblOffset val="100"/>
+        <c:noMultiLvlLbl val="0"/>
+      </c:catAx>
+      <c:valAx>
+        <c:axId val="6779392"/>
+        <c:scaling>
+          <c:orientation val="minMax"/>
+        </c:scaling>
+        <c:delete val="0"/>
+        <c:axPos val="l"/>
+        <c:majorGridlines/>
+        <c:title>
+          <c:tx>
+            <c:rich>
+              <a:bodyPr rot="0" vert="horz"/>
+              <a:lstStyle/>
+              <a:p>
+                <a:pPr>
+                  <a:defRPr/>
+                </a:pPr>
+                <a:r>
+                  <a:rPr lang="en-CA" dirty="0"/>
+                  <a:t>Number</a:t>
+                </a:r>
+              </a:p>
+              <a:p>
+                <a:pPr>
+                  <a:defRPr/>
+                </a:pPr>
+                <a:r>
+                  <a:rPr lang="en-CA" dirty="0"/>
+                  <a:t>of</a:t>
+                </a:r>
+              </a:p>
+              <a:p>
+                <a:pPr>
+                  <a:defRPr/>
+                </a:pPr>
+                <a:r>
+                  <a:rPr lang="en-CA" dirty="0"/>
+                  <a:t>Cycles</a:t>
+                </a:r>
+              </a:p>
+            </c:rich>
+          </c:tx>
+          <c:layout/>
+          <c:overlay val="0"/>
+        </c:title>
+        <c:numFmt formatCode="General" sourceLinked="1"/>
+        <c:majorTickMark val="out"/>
+        <c:minorTickMark val="none"/>
+        <c:tickLblPos val="nextTo"/>
+        <c:crossAx val="166628864"/>
+        <c:crosses val="autoZero"/>
+        <c:crossBetween val="between"/>
+      </c:valAx>
+    </c:plotArea>
+    <c:plotVisOnly val="1"/>
+    <c:dispBlanksAs val="gap"/>
+    <c:showDLblsOverMax val="0"/>
+  </c:chart>
+  <c:externalData r:id="rId1">
+    <c:autoUpdate val="0"/>
+  </c:externalData>
+</c:chartSpace>
 </file>
 
 <file path=ppt/diagrams/colors1.xml><?xml version="1.0" encoding="utf-8"?>
@@ -3100,216 +3417,6 @@
       <dsp:cNvGrpSpPr/>
     </dsp:nvGrpSpPr>
     <dsp:grpSpPr/>
-    <dsp:sp modelId="{9A721A4D-6E1A-434D-B41E-D8D73502A968}">
-      <dsp:nvSpPr>
-        <dsp:cNvPr id="0" name=""/>
-        <dsp:cNvSpPr/>
-      </dsp:nvSpPr>
-      <dsp:spPr>
-        <a:xfrm>
-          <a:off x="1312" y="0"/>
-          <a:ext cx="3413047" cy="3767137"/>
-        </a:xfrm>
-        <a:prstGeom prst="roundRect">
-          <a:avLst>
-            <a:gd name="adj" fmla="val 10000"/>
-          </a:avLst>
-        </a:prstGeom>
-        <a:solidFill>
-          <a:schemeClr val="accent1">
-            <a:tint val="40000"/>
-            <a:hueOff val="0"/>
-            <a:satOff val="0"/>
-            <a:lumOff val="0"/>
-            <a:alphaOff val="0"/>
-          </a:schemeClr>
-        </a:solidFill>
-        <a:ln>
-          <a:noFill/>
-        </a:ln>
-        <a:effectLst/>
-      </dsp:spPr>
-      <dsp:style>
-        <a:lnRef idx="0">
-          <a:scrgbClr r="0" g="0" b="0"/>
-        </a:lnRef>
-        <a:fillRef idx="1">
-          <a:scrgbClr r="0" g="0" b="0"/>
-        </a:fillRef>
-        <a:effectRef idx="0">
-          <a:scrgbClr r="0" g="0" b="0"/>
-        </a:effectRef>
-        <a:fontRef idx="minor"/>
-      </dsp:style>
-      <dsp:txBody>
-        <a:bodyPr spcFirstLastPara="0" vert="horz" wrap="square" lIns="198120" tIns="198120" rIns="198120" bIns="198120" numCol="1" spcCol="1270" anchor="ctr" anchorCtr="0">
-          <a:noAutofit/>
-        </a:bodyPr>
-        <a:lstStyle/>
-        <a:p>
-          <a:pPr lvl="0" algn="ctr" defTabSz="2311400">
-            <a:lnSpc>
-              <a:spcPct val="90000"/>
-            </a:lnSpc>
-            <a:spcBef>
-              <a:spcPct val="0"/>
-            </a:spcBef>
-            <a:spcAft>
-              <a:spcPct val="35000"/>
-            </a:spcAft>
-          </a:pPr>
-          <a:r>
-            <a:rPr lang="en-CA" sz="5200" kern="1200" dirty="0" smtClean="0"/>
-            <a:t>Portability</a:t>
-          </a:r>
-          <a:endParaRPr lang="en-CA" sz="5200" kern="1200" dirty="0"/>
-        </a:p>
-      </dsp:txBody>
-      <dsp:txXfrm>
-        <a:off x="1312" y="0"/>
-        <a:ext cx="3413047" cy="1130141"/>
-      </dsp:txXfrm>
-    </dsp:sp>
-    <dsp:sp modelId="{A5704B7A-E30A-424F-921E-18D199ED3C6F}">
-      <dsp:nvSpPr>
-        <dsp:cNvPr id="0" name=""/>
-        <dsp:cNvSpPr/>
-      </dsp:nvSpPr>
-      <dsp:spPr>
-        <a:xfrm>
-          <a:off x="3670338" y="0"/>
-          <a:ext cx="3413047" cy="3767137"/>
-        </a:xfrm>
-        <a:prstGeom prst="roundRect">
-          <a:avLst>
-            <a:gd name="adj" fmla="val 10000"/>
-          </a:avLst>
-        </a:prstGeom>
-        <a:solidFill>
-          <a:schemeClr val="accent1">
-            <a:tint val="40000"/>
-            <a:hueOff val="0"/>
-            <a:satOff val="0"/>
-            <a:lumOff val="0"/>
-            <a:alphaOff val="0"/>
-          </a:schemeClr>
-        </a:solidFill>
-        <a:ln>
-          <a:noFill/>
-        </a:ln>
-        <a:effectLst/>
-      </dsp:spPr>
-      <dsp:style>
-        <a:lnRef idx="0">
-          <a:scrgbClr r="0" g="0" b="0"/>
-        </a:lnRef>
-        <a:fillRef idx="1">
-          <a:scrgbClr r="0" g="0" b="0"/>
-        </a:fillRef>
-        <a:effectRef idx="0">
-          <a:scrgbClr r="0" g="0" b="0"/>
-        </a:effectRef>
-        <a:fontRef idx="minor"/>
-      </dsp:style>
-      <dsp:txBody>
-        <a:bodyPr spcFirstLastPara="0" vert="horz" wrap="square" lIns="198120" tIns="198120" rIns="198120" bIns="198120" numCol="1" spcCol="1270" anchor="ctr" anchorCtr="0">
-          <a:noAutofit/>
-        </a:bodyPr>
-        <a:lstStyle/>
-        <a:p>
-          <a:pPr lvl="0" algn="ctr" defTabSz="2311400">
-            <a:lnSpc>
-              <a:spcPct val="90000"/>
-            </a:lnSpc>
-            <a:spcBef>
-              <a:spcPct val="0"/>
-            </a:spcBef>
-            <a:spcAft>
-              <a:spcPct val="35000"/>
-            </a:spcAft>
-          </a:pPr>
-          <a:r>
-            <a:rPr lang="en-CA" sz="5200" kern="1200" dirty="0" smtClean="0"/>
-            <a:t>Simplicity</a:t>
-          </a:r>
-          <a:endParaRPr lang="en-CA" sz="5200" kern="1200" dirty="0"/>
-        </a:p>
-      </dsp:txBody>
-      <dsp:txXfrm>
-        <a:off x="3670338" y="0"/>
-        <a:ext cx="3413047" cy="1130141"/>
-      </dsp:txXfrm>
-    </dsp:sp>
-    <dsp:sp modelId="{373B1A94-283C-4792-BF3F-E51E34177409}">
-      <dsp:nvSpPr>
-        <dsp:cNvPr id="0" name=""/>
-        <dsp:cNvSpPr/>
-      </dsp:nvSpPr>
-      <dsp:spPr>
-        <a:xfrm>
-          <a:off x="7339364" y="0"/>
-          <a:ext cx="3413047" cy="3767137"/>
-        </a:xfrm>
-        <a:prstGeom prst="roundRect">
-          <a:avLst>
-            <a:gd name="adj" fmla="val 10000"/>
-          </a:avLst>
-        </a:prstGeom>
-        <a:solidFill>
-          <a:schemeClr val="accent1">
-            <a:tint val="40000"/>
-            <a:hueOff val="0"/>
-            <a:satOff val="0"/>
-            <a:lumOff val="0"/>
-            <a:alphaOff val="0"/>
-          </a:schemeClr>
-        </a:solidFill>
-        <a:ln>
-          <a:noFill/>
-        </a:ln>
-        <a:effectLst/>
-      </dsp:spPr>
-      <dsp:style>
-        <a:lnRef idx="0">
-          <a:scrgbClr r="0" g="0" b="0"/>
-        </a:lnRef>
-        <a:fillRef idx="1">
-          <a:scrgbClr r="0" g="0" b="0"/>
-        </a:fillRef>
-        <a:effectRef idx="0">
-          <a:scrgbClr r="0" g="0" b="0"/>
-        </a:effectRef>
-        <a:fontRef idx="minor"/>
-      </dsp:style>
-      <dsp:txBody>
-        <a:bodyPr spcFirstLastPara="0" vert="horz" wrap="square" lIns="198120" tIns="198120" rIns="198120" bIns="198120" numCol="1" spcCol="1270" anchor="ctr" anchorCtr="0">
-          <a:noAutofit/>
-        </a:bodyPr>
-        <a:lstStyle/>
-        <a:p>
-          <a:pPr lvl="0" algn="ctr" defTabSz="2311400">
-            <a:lnSpc>
-              <a:spcPct val="90000"/>
-            </a:lnSpc>
-            <a:spcBef>
-              <a:spcPct val="0"/>
-            </a:spcBef>
-            <a:spcAft>
-              <a:spcPct val="35000"/>
-            </a:spcAft>
-          </a:pPr>
-          <a:r>
-            <a:rPr lang="en-CA" sz="5200" kern="1200" dirty="0" smtClean="0"/>
-            <a:t>Reusability</a:t>
-          </a:r>
-          <a:endParaRPr lang="en-CA" sz="5200" kern="1200" dirty="0"/>
-        </a:p>
-      </dsp:txBody>
-      <dsp:txXfrm>
-        <a:off x="7339364" y="0"/>
-        <a:ext cx="3413047" cy="1130141"/>
-      </dsp:txXfrm>
-    </dsp:sp>
   </dsp:spTree>
 </dsp:drawing>
 </file>
@@ -9725,6 +9832,708 @@
               <a:t> </a:t>
             </a:r>
             <a:r>
+              <a:rPr lang="en-US" dirty="0" err="1" smtClean="0"/>
+              <a:t>GrateBox</a:t>
+            </a:r>
+            <a:r>
+              <a:rPr lang="en-US" dirty="0" smtClean="0"/>
+              <a:t> supports </a:t>
+            </a:r>
+            <a:r>
+              <a:rPr lang="en-US" b="1" dirty="0" smtClean="0"/>
+              <a:t>all</a:t>
+            </a:r>
+            <a:r>
+              <a:rPr lang="en-US" dirty="0" smtClean="0"/>
+              <a:t> major operating systems and platforms.</a:t>
+            </a:r>
+          </a:p>
+        </p:txBody>
+      </p:sp>
+      <p:pic>
+        <p:nvPicPr>
+          <p:cNvPr id="2052" name="Picture 4" descr="Image result for windows"/>
+          <p:cNvPicPr>
+            <a:picLocks noChangeAspect="1" noChangeArrowheads="1"/>
+          </p:cNvPicPr>
+          <p:nvPr/>
+        </p:nvPicPr>
+        <p:blipFill>
+          <a:blip r:embed="rId2">
+            <a:extLst>
+              <a:ext uri="{28A0092B-C50C-407E-A947-70E740481C1C}">
+                <a14:useLocalDpi xmlns:a14="http://schemas.microsoft.com/office/drawing/2010/main" val="0"/>
+              </a:ext>
+            </a:extLst>
+          </a:blip>
+          <a:srcRect/>
+          <a:stretch>
+            <a:fillRect/>
+          </a:stretch>
+        </p:blipFill>
+        <p:spPr bwMode="auto">
+          <a:xfrm>
+            <a:off x="4918075" y="1620838"/>
+            <a:ext cx="4622801" cy="4047410"/>
+          </a:xfrm>
+          <a:prstGeom prst="rect">
+            <a:avLst/>
+          </a:prstGeom>
+          <a:noFill/>
+          <a:extLst>
+            <a:ext uri="{909E8E84-426E-40DD-AFC4-6F175D3DCCD1}">
+              <a14:hiddenFill xmlns:a14="http://schemas.microsoft.com/office/drawing/2010/main">
+                <a:solidFill>
+                  <a:srgbClr val="FFFFFF"/>
+                </a:solidFill>
+              </a14:hiddenFill>
+            </a:ext>
+          </a:extLst>
+        </p:spPr>
+      </p:pic>
+      <p:pic>
+        <p:nvPicPr>
+          <p:cNvPr id="2054" name="Picture 6" descr="Image result for macosx"/>
+          <p:cNvPicPr>
+            <a:picLocks noChangeAspect="1" noChangeArrowheads="1"/>
+          </p:cNvPicPr>
+          <p:nvPr/>
+        </p:nvPicPr>
+        <p:blipFill>
+          <a:blip r:embed="rId3">
+            <a:extLst>
+              <a:ext uri="{28A0092B-C50C-407E-A947-70E740481C1C}">
+                <a14:useLocalDpi xmlns:a14="http://schemas.microsoft.com/office/drawing/2010/main" val="0"/>
+              </a:ext>
+            </a:extLst>
+          </a:blip>
+          <a:srcRect/>
+          <a:stretch>
+            <a:fillRect/>
+          </a:stretch>
+        </p:blipFill>
+        <p:spPr bwMode="auto">
+          <a:xfrm>
+            <a:off x="511175" y="2413000"/>
+            <a:ext cx="2857500" cy="2857500"/>
+          </a:xfrm>
+          <a:prstGeom prst="rect">
+            <a:avLst/>
+          </a:prstGeom>
+          <a:noFill/>
+          <a:extLst>
+            <a:ext uri="{909E8E84-426E-40DD-AFC4-6F175D3DCCD1}">
+              <a14:hiddenFill xmlns:a14="http://schemas.microsoft.com/office/drawing/2010/main">
+                <a:solidFill>
+                  <a:srgbClr val="FFFFFF"/>
+                </a:solidFill>
+              </a14:hiddenFill>
+            </a:ext>
+          </a:extLst>
+        </p:spPr>
+      </p:pic>
+      <p:sp>
+        <p:nvSpPr>
+          <p:cNvPr id="2" name="AutoShape 10" descr="Image result for ubuntu"/>
+          <p:cNvSpPr>
+            <a:spLocks noChangeAspect="1" noChangeArrowheads="1"/>
+          </p:cNvSpPr>
+          <p:nvPr/>
+        </p:nvSpPr>
+        <p:spPr bwMode="auto">
+          <a:xfrm>
+            <a:off x="155575" y="-144463"/>
+            <a:ext cx="304800" cy="304801"/>
+          </a:xfrm>
+          <a:prstGeom prst="rect">
+            <a:avLst/>
+          </a:prstGeom>
+          <a:noFill/>
+          <a:extLst>
+            <a:ext uri="{909E8E84-426E-40DD-AFC4-6F175D3DCCD1}">
+              <a14:hiddenFill xmlns:a14="http://schemas.microsoft.com/office/drawing/2010/main">
+                <a:solidFill>
+                  <a:srgbClr val="FFFFFF"/>
+                </a:solidFill>
+              </a14:hiddenFill>
+            </a:ext>
+          </a:extLst>
+        </p:spPr>
+        <p:txBody>
+          <a:bodyPr vert="horz" wrap="square" lIns="91440" tIns="45720" rIns="91440" bIns="45720" numCol="1" anchor="t" anchorCtr="0" compatLnSpc="1">
+            <a:prstTxWarp prst="textNoShape">
+              <a:avLst/>
+            </a:prstTxWarp>
+          </a:bodyPr>
+          <a:lstStyle/>
+          <a:p>
+            <a:endParaRPr lang="en-CA"/>
+          </a:p>
+        </p:txBody>
+      </p:sp>
+      <p:sp>
+        <p:nvSpPr>
+          <p:cNvPr id="3" name="AutoShape 12" descr="Image result for ubuntu"/>
+          <p:cNvSpPr>
+            <a:spLocks noChangeAspect="1" noChangeArrowheads="1"/>
+          </p:cNvSpPr>
+          <p:nvPr/>
+        </p:nvSpPr>
+        <p:spPr bwMode="auto">
+          <a:xfrm>
+            <a:off x="307975" y="7937"/>
+            <a:ext cx="304800" cy="304801"/>
+          </a:xfrm>
+          <a:prstGeom prst="rect">
+            <a:avLst/>
+          </a:prstGeom>
+          <a:noFill/>
+          <a:extLst>
+            <a:ext uri="{909E8E84-426E-40DD-AFC4-6F175D3DCCD1}">
+              <a14:hiddenFill xmlns:a14="http://schemas.microsoft.com/office/drawing/2010/main">
+                <a:solidFill>
+                  <a:srgbClr val="FFFFFF"/>
+                </a:solidFill>
+              </a14:hiddenFill>
+            </a:ext>
+          </a:extLst>
+        </p:spPr>
+        <p:txBody>
+          <a:bodyPr vert="horz" wrap="square" lIns="91440" tIns="45720" rIns="91440" bIns="45720" numCol="1" anchor="t" anchorCtr="0" compatLnSpc="1">
+            <a:prstTxWarp prst="textNoShape">
+              <a:avLst/>
+            </a:prstTxWarp>
+          </a:bodyPr>
+          <a:lstStyle/>
+          <a:p>
+            <a:endParaRPr lang="en-CA"/>
+          </a:p>
+        </p:txBody>
+      </p:sp>
+      <p:sp>
+        <p:nvSpPr>
+          <p:cNvPr id="6" name="AutoShape 14" descr="Image result for ubuntu"/>
+          <p:cNvSpPr>
+            <a:spLocks noChangeAspect="1" noChangeArrowheads="1"/>
+          </p:cNvSpPr>
+          <p:nvPr/>
+        </p:nvSpPr>
+        <p:spPr bwMode="auto">
+          <a:xfrm>
+            <a:off x="460375" y="160337"/>
+            <a:ext cx="304800" cy="304801"/>
+          </a:xfrm>
+          <a:prstGeom prst="rect">
+            <a:avLst/>
+          </a:prstGeom>
+          <a:noFill/>
+          <a:extLst>
+            <a:ext uri="{909E8E84-426E-40DD-AFC4-6F175D3DCCD1}">
+              <a14:hiddenFill xmlns:a14="http://schemas.microsoft.com/office/drawing/2010/main">
+                <a:solidFill>
+                  <a:srgbClr val="FFFFFF"/>
+                </a:solidFill>
+              </a14:hiddenFill>
+            </a:ext>
+          </a:extLst>
+        </p:spPr>
+        <p:txBody>
+          <a:bodyPr vert="horz" wrap="square" lIns="91440" tIns="45720" rIns="91440" bIns="45720" numCol="1" anchor="t" anchorCtr="0" compatLnSpc="1">
+            <a:prstTxWarp prst="textNoShape">
+              <a:avLst/>
+            </a:prstTxWarp>
+          </a:bodyPr>
+          <a:lstStyle/>
+          <a:p>
+            <a:endParaRPr lang="en-CA"/>
+          </a:p>
+        </p:txBody>
+      </p:sp>
+      <p:sp>
+        <p:nvSpPr>
+          <p:cNvPr id="7" name="AutoShape 16" descr="Image result for ubuntu"/>
+          <p:cNvSpPr>
+            <a:spLocks noChangeAspect="1" noChangeArrowheads="1"/>
+          </p:cNvSpPr>
+          <p:nvPr/>
+        </p:nvSpPr>
+        <p:spPr bwMode="auto">
+          <a:xfrm>
+            <a:off x="612775" y="312737"/>
+            <a:ext cx="304800" cy="304801"/>
+          </a:xfrm>
+          <a:prstGeom prst="rect">
+            <a:avLst/>
+          </a:prstGeom>
+          <a:noFill/>
+          <a:extLst>
+            <a:ext uri="{909E8E84-426E-40DD-AFC4-6F175D3DCCD1}">
+              <a14:hiddenFill xmlns:a14="http://schemas.microsoft.com/office/drawing/2010/main">
+                <a:solidFill>
+                  <a:srgbClr val="FFFFFF"/>
+                </a:solidFill>
+              </a14:hiddenFill>
+            </a:ext>
+          </a:extLst>
+        </p:spPr>
+        <p:txBody>
+          <a:bodyPr vert="horz" wrap="square" lIns="91440" tIns="45720" rIns="91440" bIns="45720" numCol="1" anchor="t" anchorCtr="0" compatLnSpc="1">
+            <a:prstTxWarp prst="textNoShape">
+              <a:avLst/>
+            </a:prstTxWarp>
+          </a:bodyPr>
+          <a:lstStyle/>
+          <a:p>
+            <a:endParaRPr lang="en-CA"/>
+          </a:p>
+        </p:txBody>
+      </p:sp>
+      <p:sp>
+        <p:nvSpPr>
+          <p:cNvPr id="8" name="AutoShape 18" descr="Image result for ubuntu"/>
+          <p:cNvSpPr>
+            <a:spLocks noChangeAspect="1" noChangeArrowheads="1"/>
+          </p:cNvSpPr>
+          <p:nvPr/>
+        </p:nvSpPr>
+        <p:spPr bwMode="auto">
+          <a:xfrm>
+            <a:off x="765175" y="465137"/>
+            <a:ext cx="304800" cy="304801"/>
+          </a:xfrm>
+          <a:prstGeom prst="rect">
+            <a:avLst/>
+          </a:prstGeom>
+          <a:noFill/>
+          <a:extLst>
+            <a:ext uri="{909E8E84-426E-40DD-AFC4-6F175D3DCCD1}">
+              <a14:hiddenFill xmlns:a14="http://schemas.microsoft.com/office/drawing/2010/main">
+                <a:solidFill>
+                  <a:srgbClr val="FFFFFF"/>
+                </a:solidFill>
+              </a14:hiddenFill>
+            </a:ext>
+          </a:extLst>
+        </p:spPr>
+        <p:txBody>
+          <a:bodyPr vert="horz" wrap="square" lIns="91440" tIns="45720" rIns="91440" bIns="45720" numCol="1" anchor="t" anchorCtr="0" compatLnSpc="1">
+            <a:prstTxWarp prst="textNoShape">
+              <a:avLst/>
+            </a:prstTxWarp>
+          </a:bodyPr>
+          <a:lstStyle/>
+          <a:p>
+            <a:endParaRPr lang="en-CA"/>
+          </a:p>
+        </p:txBody>
+      </p:sp>
+      <p:sp>
+        <p:nvSpPr>
+          <p:cNvPr id="9" name="AutoShape 20" descr="Image result for ubuntu"/>
+          <p:cNvSpPr>
+            <a:spLocks noChangeAspect="1" noChangeArrowheads="1"/>
+          </p:cNvSpPr>
+          <p:nvPr/>
+        </p:nvSpPr>
+        <p:spPr bwMode="auto">
+          <a:xfrm>
+            <a:off x="917575" y="617537"/>
+            <a:ext cx="304800" cy="304801"/>
+          </a:xfrm>
+          <a:prstGeom prst="rect">
+            <a:avLst/>
+          </a:prstGeom>
+          <a:noFill/>
+          <a:extLst>
+            <a:ext uri="{909E8E84-426E-40DD-AFC4-6F175D3DCCD1}">
+              <a14:hiddenFill xmlns:a14="http://schemas.microsoft.com/office/drawing/2010/main">
+                <a:solidFill>
+                  <a:srgbClr val="FFFFFF"/>
+                </a:solidFill>
+              </a14:hiddenFill>
+            </a:ext>
+          </a:extLst>
+        </p:spPr>
+        <p:txBody>
+          <a:bodyPr vert="horz" wrap="square" lIns="91440" tIns="45720" rIns="91440" bIns="45720" numCol="1" anchor="t" anchorCtr="0" compatLnSpc="1">
+            <a:prstTxWarp prst="textNoShape">
+              <a:avLst/>
+            </a:prstTxWarp>
+          </a:bodyPr>
+          <a:lstStyle/>
+          <a:p>
+            <a:endParaRPr lang="en-CA"/>
+          </a:p>
+        </p:txBody>
+      </p:sp>
+      <p:sp>
+        <p:nvSpPr>
+          <p:cNvPr id="10" name="AutoShape 22" descr="Image result for ubuntu"/>
+          <p:cNvSpPr>
+            <a:spLocks noChangeAspect="1" noChangeArrowheads="1"/>
+          </p:cNvSpPr>
+          <p:nvPr/>
+        </p:nvSpPr>
+        <p:spPr bwMode="auto">
+          <a:xfrm>
+            <a:off x="1069975" y="769937"/>
+            <a:ext cx="304800" cy="304801"/>
+          </a:xfrm>
+          <a:prstGeom prst="rect">
+            <a:avLst/>
+          </a:prstGeom>
+          <a:noFill/>
+          <a:extLst>
+            <a:ext uri="{909E8E84-426E-40DD-AFC4-6F175D3DCCD1}">
+              <a14:hiddenFill xmlns:a14="http://schemas.microsoft.com/office/drawing/2010/main">
+                <a:solidFill>
+                  <a:srgbClr val="FFFFFF"/>
+                </a:solidFill>
+              </a14:hiddenFill>
+            </a:ext>
+          </a:extLst>
+        </p:spPr>
+        <p:txBody>
+          <a:bodyPr vert="horz" wrap="square" lIns="91440" tIns="45720" rIns="91440" bIns="45720" numCol="1" anchor="t" anchorCtr="0" compatLnSpc="1">
+            <a:prstTxWarp prst="textNoShape">
+              <a:avLst/>
+            </a:prstTxWarp>
+          </a:bodyPr>
+          <a:lstStyle/>
+          <a:p>
+            <a:endParaRPr lang="en-CA"/>
+          </a:p>
+        </p:txBody>
+      </p:sp>
+      <p:sp>
+        <p:nvSpPr>
+          <p:cNvPr id="11" name="AutoShape 24" descr="Image result for ubuntu"/>
+          <p:cNvSpPr>
+            <a:spLocks noChangeAspect="1" noChangeArrowheads="1"/>
+          </p:cNvSpPr>
+          <p:nvPr/>
+        </p:nvSpPr>
+        <p:spPr bwMode="auto">
+          <a:xfrm>
+            <a:off x="1222375" y="922337"/>
+            <a:ext cx="304800" cy="304801"/>
+          </a:xfrm>
+          <a:prstGeom prst="rect">
+            <a:avLst/>
+          </a:prstGeom>
+          <a:noFill/>
+          <a:extLst>
+            <a:ext uri="{909E8E84-426E-40DD-AFC4-6F175D3DCCD1}">
+              <a14:hiddenFill xmlns:a14="http://schemas.microsoft.com/office/drawing/2010/main">
+                <a:solidFill>
+                  <a:srgbClr val="FFFFFF"/>
+                </a:solidFill>
+              </a14:hiddenFill>
+            </a:ext>
+          </a:extLst>
+        </p:spPr>
+        <p:txBody>
+          <a:bodyPr vert="horz" wrap="square" lIns="91440" tIns="45720" rIns="91440" bIns="45720" numCol="1" anchor="t" anchorCtr="0" compatLnSpc="1">
+            <a:prstTxWarp prst="textNoShape">
+              <a:avLst/>
+            </a:prstTxWarp>
+          </a:bodyPr>
+          <a:lstStyle/>
+          <a:p>
+            <a:endParaRPr lang="en-CA"/>
+          </a:p>
+        </p:txBody>
+      </p:sp>
+      <p:sp>
+        <p:nvSpPr>
+          <p:cNvPr id="12" name="AutoShape 26" descr="Image result for ubuntu"/>
+          <p:cNvSpPr>
+            <a:spLocks noChangeAspect="1" noChangeArrowheads="1"/>
+          </p:cNvSpPr>
+          <p:nvPr/>
+        </p:nvSpPr>
+        <p:spPr bwMode="auto">
+          <a:xfrm>
+            <a:off x="1374775" y="1074737"/>
+            <a:ext cx="304800" cy="304801"/>
+          </a:xfrm>
+          <a:prstGeom prst="rect">
+            <a:avLst/>
+          </a:prstGeom>
+          <a:noFill/>
+          <a:extLst>
+            <a:ext uri="{909E8E84-426E-40DD-AFC4-6F175D3DCCD1}">
+              <a14:hiddenFill xmlns:a14="http://schemas.microsoft.com/office/drawing/2010/main">
+                <a:solidFill>
+                  <a:srgbClr val="FFFFFF"/>
+                </a:solidFill>
+              </a14:hiddenFill>
+            </a:ext>
+          </a:extLst>
+        </p:spPr>
+        <p:txBody>
+          <a:bodyPr vert="horz" wrap="square" lIns="91440" tIns="45720" rIns="91440" bIns="45720" numCol="1" anchor="t" anchorCtr="0" compatLnSpc="1">
+            <a:prstTxWarp prst="textNoShape">
+              <a:avLst/>
+            </a:prstTxWarp>
+          </a:bodyPr>
+          <a:lstStyle/>
+          <a:p>
+            <a:endParaRPr lang="en-CA"/>
+          </a:p>
+        </p:txBody>
+      </p:sp>
+      <p:sp>
+        <p:nvSpPr>
+          <p:cNvPr id="13" name="AutoShape 28" descr="Image result for ubuntu"/>
+          <p:cNvSpPr>
+            <a:spLocks noChangeAspect="1" noChangeArrowheads="1"/>
+          </p:cNvSpPr>
+          <p:nvPr/>
+        </p:nvSpPr>
+        <p:spPr bwMode="auto">
+          <a:xfrm>
+            <a:off x="1527175" y="1227137"/>
+            <a:ext cx="304800" cy="304801"/>
+          </a:xfrm>
+          <a:prstGeom prst="rect">
+            <a:avLst/>
+          </a:prstGeom>
+          <a:noFill/>
+          <a:extLst>
+            <a:ext uri="{909E8E84-426E-40DD-AFC4-6F175D3DCCD1}">
+              <a14:hiddenFill xmlns:a14="http://schemas.microsoft.com/office/drawing/2010/main">
+                <a:solidFill>
+                  <a:srgbClr val="FFFFFF"/>
+                </a:solidFill>
+              </a14:hiddenFill>
+            </a:ext>
+          </a:extLst>
+        </p:spPr>
+        <p:txBody>
+          <a:bodyPr vert="horz" wrap="square" lIns="91440" tIns="45720" rIns="91440" bIns="45720" numCol="1" anchor="t" anchorCtr="0" compatLnSpc="1">
+            <a:prstTxWarp prst="textNoShape">
+              <a:avLst/>
+            </a:prstTxWarp>
+          </a:bodyPr>
+          <a:lstStyle/>
+          <a:p>
+            <a:endParaRPr lang="en-CA"/>
+          </a:p>
+        </p:txBody>
+      </p:sp>
+      <p:pic>
+        <p:nvPicPr>
+          <p:cNvPr id="2078" name="Picture 30" descr="Image result for ubuntu"/>
+          <p:cNvPicPr>
+            <a:picLocks noChangeAspect="1" noChangeArrowheads="1"/>
+          </p:cNvPicPr>
+          <p:nvPr/>
+        </p:nvPicPr>
+        <p:blipFill>
+          <a:blip r:embed="rId4">
+            <a:extLst>
+              <a:ext uri="{28A0092B-C50C-407E-A947-70E740481C1C}">
+                <a14:useLocalDpi xmlns:a14="http://schemas.microsoft.com/office/drawing/2010/main" val="0"/>
+              </a:ext>
+            </a:extLst>
+          </a:blip>
+          <a:srcRect/>
+          <a:stretch>
+            <a:fillRect/>
+          </a:stretch>
+        </p:blipFill>
+        <p:spPr bwMode="auto">
+          <a:xfrm>
+            <a:off x="3597275" y="4051300"/>
+            <a:ext cx="2438400" cy="2438400"/>
+          </a:xfrm>
+          <a:prstGeom prst="rect">
+            <a:avLst/>
+          </a:prstGeom>
+          <a:noFill/>
+          <a:extLst>
+            <a:ext uri="{909E8E84-426E-40DD-AFC4-6F175D3DCCD1}">
+              <a14:hiddenFill xmlns:a14="http://schemas.microsoft.com/office/drawing/2010/main">
+                <a:solidFill>
+                  <a:srgbClr val="FFFFFF"/>
+                </a:solidFill>
+              </a14:hiddenFill>
+            </a:ext>
+          </a:extLst>
+        </p:spPr>
+      </p:pic>
+      <p:pic>
+        <p:nvPicPr>
+          <p:cNvPr id="2080" name="Picture 32" descr="Image result for ios"/>
+          <p:cNvPicPr>
+            <a:picLocks noChangeAspect="1" noChangeArrowheads="1"/>
+          </p:cNvPicPr>
+          <p:nvPr/>
+        </p:nvPicPr>
+        <p:blipFill>
+          <a:blip r:embed="rId5">
+            <a:extLst>
+              <a:ext uri="{28A0092B-C50C-407E-A947-70E740481C1C}">
+                <a14:useLocalDpi xmlns:a14="http://schemas.microsoft.com/office/drawing/2010/main" val="0"/>
+              </a:ext>
+            </a:extLst>
+          </a:blip>
+          <a:srcRect/>
+          <a:stretch>
+            <a:fillRect/>
+          </a:stretch>
+        </p:blipFill>
+        <p:spPr bwMode="auto">
+          <a:xfrm>
+            <a:off x="7913686" y="5029474"/>
+            <a:ext cx="2638425" cy="1561826"/>
+          </a:xfrm>
+          <a:prstGeom prst="rect">
+            <a:avLst/>
+          </a:prstGeom>
+          <a:noFill/>
+          <a:extLst>
+            <a:ext uri="{909E8E84-426E-40DD-AFC4-6F175D3DCCD1}">
+              <a14:hiddenFill xmlns:a14="http://schemas.microsoft.com/office/drawing/2010/main">
+                <a:solidFill>
+                  <a:srgbClr val="FFFFFF"/>
+                </a:solidFill>
+              </a14:hiddenFill>
+            </a:ext>
+          </a:extLst>
+        </p:spPr>
+      </p:pic>
+      <p:pic>
+        <p:nvPicPr>
+          <p:cNvPr id="2082" name="Picture 34" descr="Image result for android"/>
+          <p:cNvPicPr>
+            <a:picLocks noChangeAspect="1" noChangeArrowheads="1"/>
+          </p:cNvPicPr>
+          <p:nvPr/>
+        </p:nvPicPr>
+        <p:blipFill>
+          <a:blip r:embed="rId6">
+            <a:extLst>
+              <a:ext uri="{28A0092B-C50C-407E-A947-70E740481C1C}">
+                <a14:useLocalDpi xmlns:a14="http://schemas.microsoft.com/office/drawing/2010/main" val="0"/>
+              </a:ext>
+            </a:extLst>
+          </a:blip>
+          <a:srcRect/>
+          <a:stretch>
+            <a:fillRect/>
+          </a:stretch>
+        </p:blipFill>
+        <p:spPr bwMode="auto">
+          <a:xfrm>
+            <a:off x="9232899" y="2417405"/>
+            <a:ext cx="2428875" cy="2428875"/>
+          </a:xfrm>
+          <a:prstGeom prst="rect">
+            <a:avLst/>
+          </a:prstGeom>
+          <a:noFill/>
+          <a:extLst>
+            <a:ext uri="{909E8E84-426E-40DD-AFC4-6F175D3DCCD1}">
+              <a14:hiddenFill xmlns:a14="http://schemas.microsoft.com/office/drawing/2010/main">
+                <a:solidFill>
+                  <a:srgbClr val="FFFFFF"/>
+                </a:solidFill>
+              </a14:hiddenFill>
+            </a:ext>
+          </a:extLst>
+        </p:spPr>
+      </p:pic>
+    </p:spTree>
+    <p:extLst>
+      <p:ext uri="{BB962C8B-B14F-4D97-AF65-F5344CB8AC3E}">
+        <p14:creationId xmlns:p14="http://schemas.microsoft.com/office/powerpoint/2010/main" val="1087068017"/>
+      </p:ext>
+    </p:extLst>
+  </p:cSld>
+  <p:clrMapOvr>
+    <a:masterClrMapping/>
+  </p:clrMapOvr>
+  <p:timing>
+    <p:tnLst>
+      <p:par>
+        <p:cTn id="1" dur="indefinite" restart="never" nodeType="tmRoot"/>
+      </p:par>
+    </p:tnLst>
+  </p:timing>
+</p:sld>
+</file>
+
+<file path=ppt/slides/slide11.xml><?xml version="1.0" encoding="utf-8"?>
+<p:sld xmlns:a="http://schemas.openxmlformats.org/drawingml/2006/main" xmlns:r="http://schemas.openxmlformats.org/officeDocument/2006/relationships" xmlns:p="http://schemas.openxmlformats.org/presentationml/2006/main">
+  <p:cSld>
+    <p:spTree>
+      <p:nvGrpSpPr>
+        <p:cNvPr id="1" name=""/>
+        <p:cNvGrpSpPr/>
+        <p:nvPr/>
+      </p:nvGrpSpPr>
+      <p:grpSpPr>
+        <a:xfrm>
+          <a:off x="0" y="0"/>
+          <a:ext cx="0" cy="0"/>
+          <a:chOff x="0" y="0"/>
+          <a:chExt cx="0" cy="0"/>
+        </a:xfrm>
+      </p:grpSpPr>
+      <p:sp>
+        <p:nvSpPr>
+          <p:cNvPr id="4" name="Title 3"/>
+          <p:cNvSpPr>
+            <a:spLocks noGrp="1"/>
+          </p:cNvSpPr>
+          <p:nvPr>
+            <p:ph type="title"/>
+          </p:nvPr>
+        </p:nvSpPr>
+        <p:spPr/>
+        <p:txBody>
+          <a:bodyPr/>
+          <a:lstStyle/>
+          <a:p>
+            <a:r>
+              <a:rPr lang="en-CA" dirty="0" smtClean="0"/>
+              <a:t>Meet Portability</a:t>
+            </a:r>
+            <a:endParaRPr lang="en-CA" dirty="0"/>
+          </a:p>
+        </p:txBody>
+      </p:sp>
+      <p:sp>
+        <p:nvSpPr>
+          <p:cNvPr id="5" name="Content Placeholder 4"/>
+          <p:cNvSpPr>
+            <a:spLocks noGrp="1"/>
+          </p:cNvSpPr>
+          <p:nvPr>
+            <p:ph idx="1"/>
+          </p:nvPr>
+        </p:nvSpPr>
+        <p:spPr/>
+        <p:txBody>
+          <a:bodyPr>
+            <a:normAutofit/>
+          </a:bodyPr>
+          <a:lstStyle/>
+          <a:p>
+            <a:pPr>
+              <a:buClr>
+                <a:schemeClr val="accent1"/>
+              </a:buClr>
+              <a:buFont typeface="Wingdings" panose="05000000000000000000" pitchFamily="2" charset="2"/>
+              <a:buChar char="§"/>
+            </a:pPr>
+            <a:r>
+              <a:rPr lang="en-US" dirty="0"/>
+              <a:t> </a:t>
+            </a:r>
+            <a:r>
               <a:rPr lang="en-US" dirty="0" smtClean="0"/>
               <a:t> As an web application, </a:t>
             </a:r>
@@ -10366,7 +11175,7 @@
 </p:sld>
 </file>
 
-<file path=ppt/slides/slide11.xml><?xml version="1.0" encoding="utf-8"?>
+<file path=ppt/slides/slide12.xml><?xml version="1.0" encoding="utf-8"?>
 <p:sld xmlns:a="http://schemas.openxmlformats.org/drawingml/2006/main" xmlns:r="http://schemas.openxmlformats.org/officeDocument/2006/relationships" xmlns:p="http://schemas.openxmlformats.org/presentationml/2006/main">
   <p:cSld>
     <p:spTree>
@@ -10517,7 +11326,7 @@
 </p:sld>
 </file>
 
-<file path=ppt/slides/slide12.xml><?xml version="1.0" encoding="utf-8"?>
+<file path=ppt/slides/slide13.xml><?xml version="1.0" encoding="utf-8"?>
 <p:sld xmlns:a="http://schemas.openxmlformats.org/drawingml/2006/main" xmlns:r="http://schemas.openxmlformats.org/officeDocument/2006/relationships" xmlns:p="http://schemas.openxmlformats.org/presentationml/2006/main">
   <p:cSld>
     <p:spTree>
@@ -10589,13 +11398,8 @@
             </a:r>
             <a:r>
               <a:rPr lang="en-CA" dirty="0" smtClean="0"/>
-              <a:t> 3/3 for overall </a:t>
+              <a:t> 3/3 for overall simplicity.</a:t>
             </a:r>
-            <a:r>
-              <a:rPr lang="en-CA" dirty="0" smtClean="0"/>
-              <a:t>simplicity.</a:t>
-            </a:r>
-            <a:endParaRPr lang="en-CA" dirty="0" smtClean="0"/>
           </a:p>
         </p:txBody>
       </p:sp>
@@ -10673,7 +11477,7 @@
 </p:sld>
 </file>
 
-<file path=ppt/slides/slide13.xml><?xml version="1.0" encoding="utf-8"?>
+<file path=ppt/slides/slide14.xml><?xml version="1.0" encoding="utf-8"?>
 <p:sld xmlns:a="http://schemas.openxmlformats.org/drawingml/2006/main" xmlns:r="http://schemas.openxmlformats.org/officeDocument/2006/relationships" xmlns:p="http://schemas.openxmlformats.org/presentationml/2006/main">
   <p:cSld>
     <p:spTree>
@@ -10799,7 +11603,23 @@
         </p:nvPicPr>
         <p:blipFill>
           <a:blip r:embed="rId2">
+            <a:duotone>
+              <a:prstClr val="black"/>
+              <a:schemeClr val="accent1">
+                <a:tint val="45000"/>
+                <a:satMod val="400000"/>
+              </a:schemeClr>
+            </a:duotone>
             <a:extLst>
+              <a:ext uri="{BEBA8EAE-BF5A-486C-A8C5-ECC9F3942E4B}">
+                <a14:imgProps xmlns:a14="http://schemas.microsoft.com/office/drawing/2010/main">
+                  <a14:imgLayer r:embed="rId3">
+                    <a14:imgEffect>
+                      <a14:brightnessContrast bright="40000" contrast="-20000"/>
+                    </a14:imgEffect>
+                  </a14:imgLayer>
+                </a14:imgProps>
+              </a:ext>
               <a:ext uri="{28A0092B-C50C-407E-A947-70E740481C1C}">
                 <a14:useLocalDpi xmlns:a14="http://schemas.microsoft.com/office/drawing/2010/main" val="0"/>
               </a:ext>
@@ -11091,7 +11911,7 @@
 </p:sld>
 </file>
 
-<file path=ppt/slides/slide14.xml><?xml version="1.0" encoding="utf-8"?>
+<file path=ppt/slides/slide15.xml><?xml version="1.0" encoding="utf-8"?>
 <p:sld xmlns:a="http://schemas.openxmlformats.org/drawingml/2006/main" xmlns:r="http://schemas.openxmlformats.org/officeDocument/2006/relationships" xmlns:p="http://schemas.openxmlformats.org/presentationml/2006/main">
   <p:cSld>
     <p:spTree>
@@ -11510,7 +12330,7 @@
 </p:sld>
 </file>
 
-<file path=ppt/slides/slide15.xml><?xml version="1.0" encoding="utf-8"?>
+<file path=ppt/slides/slide16.xml><?xml version="1.0" encoding="utf-8"?>
 <p:sld xmlns:a="http://schemas.openxmlformats.org/drawingml/2006/main" xmlns:r="http://schemas.openxmlformats.org/officeDocument/2006/relationships" xmlns:p="http://schemas.openxmlformats.org/presentationml/2006/main">
   <p:cSld>
     <p:spTree>
@@ -11768,7 +12588,7 @@
         </p:nvSpPr>
         <p:spPr>
           <a:xfrm>
-            <a:off x="587756" y="2137834"/>
+            <a:off x="727456" y="2137834"/>
             <a:ext cx="2964468" cy="3767328"/>
           </a:xfrm>
         </p:spPr>
@@ -11831,7 +12651,7 @@
         </p:nvSpPr>
         <p:spPr>
           <a:xfrm>
-            <a:off x="4827154" y="2133715"/>
+            <a:off x="4344554" y="2197215"/>
             <a:ext cx="2964468" cy="3767328"/>
           </a:xfrm>
         </p:spPr>
@@ -11897,7 +12717,7 @@
         </p:nvSpPr>
         <p:spPr>
           <a:xfrm>
-            <a:off x="8750080" y="2158429"/>
+            <a:off x="8140480" y="2158429"/>
             <a:ext cx="2964468" cy="3767328"/>
           </a:xfrm>
         </p:spPr>
@@ -11951,9 +12771,9 @@
       </p:sp>
       <p:pic>
         <p:nvPicPr>
-          <p:cNvPr id="3076" name="Picture 4" descr="https://scontent-yyz1-1.xx.fbcdn.net/v/t35.0-12/15064895_1525182984161893_585749578_o.jpg?oh=c5e24bd6550bd9e337ea1a5a15753eb5&amp;oe=5843114E"/>
+          <p:cNvPr id="2" name="Picture 1"/>
           <p:cNvPicPr>
-            <a:picLocks noChangeAspect="1" noChangeArrowheads="1"/>
+            <a:picLocks noChangeAspect="1"/>
           </p:cNvPicPr>
           <p:nvPr/>
         </p:nvPicPr>
@@ -11965,27 +12785,76 @@
               </a:ext>
             </a:extLst>
           </a:blip>
-          <a:srcRect t="21276"/>
+          <a:srcRect t="21192"/>
           <a:stretch/>
         </p:blipFill>
-        <p:spPr bwMode="auto">
+        <p:spPr>
           <a:xfrm>
-            <a:off x="857250" y="1838997"/>
-            <a:ext cx="10788650" cy="2960016"/>
+            <a:off x="1206499" y="1905000"/>
+            <a:ext cx="2157413" cy="3022600"/>
           </a:xfrm>
           <a:prstGeom prst="rect">
             <a:avLst/>
           </a:prstGeom>
-          <a:noFill/>
-          <a:extLst>
-            <a:ext uri="{909E8E84-426E-40DD-AFC4-6F175D3DCCD1}">
-              <a14:hiddenFill xmlns:a14="http://schemas.microsoft.com/office/drawing/2010/main">
-                <a:solidFill>
-                  <a:srgbClr val="FFFFFF"/>
-                </a:solidFill>
-              </a14:hiddenFill>
-            </a:ext>
-          </a:extLst>
+        </p:spPr>
+      </p:pic>
+      <p:pic>
+        <p:nvPicPr>
+          <p:cNvPr id="3" name="Picture 2"/>
+          <p:cNvPicPr>
+            <a:picLocks noChangeAspect="1"/>
+          </p:cNvPicPr>
+          <p:nvPr/>
+        </p:nvPicPr>
+        <p:blipFill rotWithShape="1">
+          <a:blip r:embed="rId4">
+            <a:extLst>
+              <a:ext uri="{28A0092B-C50C-407E-A947-70E740481C1C}">
+                <a14:useLocalDpi xmlns:a14="http://schemas.microsoft.com/office/drawing/2010/main" val="0"/>
+              </a:ext>
+            </a:extLst>
+          </a:blip>
+          <a:srcRect t="26111"/>
+          <a:stretch/>
+        </p:blipFill>
+        <p:spPr>
+          <a:xfrm>
+            <a:off x="8216900" y="1905000"/>
+            <a:ext cx="2784451" cy="2844800"/>
+          </a:xfrm>
+          <a:prstGeom prst="rect">
+            <a:avLst/>
+          </a:prstGeom>
+        </p:spPr>
+      </p:pic>
+      <p:pic>
+        <p:nvPicPr>
+          <p:cNvPr id="6" name="Picture 5"/>
+          <p:cNvPicPr>
+            <a:picLocks noChangeAspect="1"/>
+          </p:cNvPicPr>
+          <p:nvPr/>
+        </p:nvPicPr>
+        <p:blipFill>
+          <a:blip r:embed="rId5">
+            <a:extLst>
+              <a:ext uri="{28A0092B-C50C-407E-A947-70E740481C1C}">
+                <a14:useLocalDpi xmlns:a14="http://schemas.microsoft.com/office/drawing/2010/main" val="0"/>
+              </a:ext>
+            </a:extLst>
+          </a:blip>
+          <a:stretch>
+            <a:fillRect/>
+          </a:stretch>
+        </p:blipFill>
+        <p:spPr>
+          <a:xfrm>
+            <a:off x="4470400" y="1905000"/>
+            <a:ext cx="2844800" cy="2844800"/>
+          </a:xfrm>
+          <a:prstGeom prst="rect">
+            <a:avLst/>
+          </a:prstGeom>
         </p:spPr>
       </p:pic>
     </p:spTree>
@@ -13278,6 +14147,91 @@
       </p:grpSpPr>
       <p:sp>
         <p:nvSpPr>
+          <p:cNvPr id="4" name="Title 3"/>
+          <p:cNvSpPr>
+            <a:spLocks noGrp="1"/>
+          </p:cNvSpPr>
+          <p:nvPr>
+            <p:ph type="title"/>
+          </p:nvPr>
+        </p:nvSpPr>
+        <p:spPr/>
+        <p:txBody>
+          <a:bodyPr/>
+          <a:lstStyle/>
+          <a:p>
+            <a:r>
+              <a:rPr lang="en-CA" dirty="0" smtClean="0"/>
+              <a:t>Results?</a:t>
+            </a:r>
+            <a:endParaRPr lang="en-CA" dirty="0"/>
+          </a:p>
+        </p:txBody>
+      </p:sp>
+      <p:graphicFrame>
+        <p:nvGraphicFramePr>
+          <p:cNvPr id="6" name="Content Placeholder 5"/>
+          <p:cNvGraphicFramePr>
+            <a:graphicFrameLocks noGrp="1"/>
+          </p:cNvGraphicFramePr>
+          <p:nvPr>
+            <p:ph idx="1"/>
+            <p:extLst>
+              <p:ext uri="{D42A27DB-BD31-4B8C-83A1-F6EECF244321}">
+                <p14:modId xmlns:p14="http://schemas.microsoft.com/office/powerpoint/2010/main" val="74657389"/>
+              </p:ext>
+            </p:extLst>
+          </p:nvPr>
+        </p:nvGraphicFramePr>
+        <p:xfrm>
+          <a:off x="676275" y="2011363"/>
+          <a:ext cx="10753725" cy="3767137"/>
+        </p:xfrm>
+        <a:graphic>
+          <a:graphicData uri="http://schemas.openxmlformats.org/drawingml/2006/chart">
+            <c:chart xmlns:c="http://schemas.openxmlformats.org/drawingml/2006/chart" xmlns:r="http://schemas.openxmlformats.org/officeDocument/2006/relationships" r:id="rId2"/>
+          </a:graphicData>
+        </a:graphic>
+      </p:graphicFrame>
+    </p:spTree>
+    <p:extLst>
+      <p:ext uri="{BB962C8B-B14F-4D97-AF65-F5344CB8AC3E}">
+        <p14:creationId xmlns:p14="http://schemas.microsoft.com/office/powerpoint/2010/main" val="2163613838"/>
+      </p:ext>
+    </p:extLst>
+  </p:cSld>
+  <p:clrMapOvr>
+    <a:masterClrMapping/>
+  </p:clrMapOvr>
+  <p:timing>
+    <p:tnLst>
+      <p:par>
+        <p:cTn id="1" dur="indefinite" restart="never" nodeType="tmRoot"/>
+      </p:par>
+    </p:tnLst>
+  </p:timing>
+</p:sld>
+</file>
+
+<file path=ppt/slides/slide8.xml><?xml version="1.0" encoding="utf-8"?>
+<p:sld xmlns:a="http://schemas.openxmlformats.org/drawingml/2006/main" xmlns:r="http://schemas.openxmlformats.org/officeDocument/2006/relationships" xmlns:p="http://schemas.openxmlformats.org/presentationml/2006/main">
+  <p:cSld>
+    <p:spTree>
+      <p:nvGrpSpPr>
+        <p:cNvPr id="1" name=""/>
+        <p:cNvGrpSpPr/>
+        <p:nvPr/>
+      </p:nvGrpSpPr>
+      <p:grpSpPr>
+        <a:xfrm>
+          <a:off x="0" y="0"/>
+          <a:ext cx="0" cy="0"/>
+          <a:chOff x="0" y="0"/>
+          <a:chExt cx="0" cy="0"/>
+        </a:xfrm>
+      </p:grpSpPr>
+      <p:sp>
+        <p:nvSpPr>
           <p:cNvPr id="2" name="Title 1"/>
           <p:cNvSpPr>
             <a:spLocks noGrp="1"/>
@@ -13377,7 +14331,7 @@
 </p:sld>
 </file>
 
-<file path=ppt/slides/slide8.xml><?xml version="1.0" encoding="utf-8"?>
+<file path=ppt/slides/slide9.xml><?xml version="1.0" encoding="utf-8"?>
 <p:sld xmlns:a="http://schemas.openxmlformats.org/drawingml/2006/main" xmlns:r="http://schemas.openxmlformats.org/officeDocument/2006/relationships" xmlns:p="http://schemas.openxmlformats.org/presentationml/2006/main">
   <p:cSld>
     <p:spTree>
@@ -13620,708 +14574,6 @@
     <p:extLst>
       <p:ext uri="{BB962C8B-B14F-4D97-AF65-F5344CB8AC3E}">
         <p14:creationId xmlns:p14="http://schemas.microsoft.com/office/powerpoint/2010/main" val="147692478"/>
-      </p:ext>
-    </p:extLst>
-  </p:cSld>
-  <p:clrMapOvr>
-    <a:masterClrMapping/>
-  </p:clrMapOvr>
-  <p:timing>
-    <p:tnLst>
-      <p:par>
-        <p:cTn id="1" dur="indefinite" restart="never" nodeType="tmRoot"/>
-      </p:par>
-    </p:tnLst>
-  </p:timing>
-</p:sld>
-</file>
-
-<file path=ppt/slides/slide9.xml><?xml version="1.0" encoding="utf-8"?>
-<p:sld xmlns:a="http://schemas.openxmlformats.org/drawingml/2006/main" xmlns:r="http://schemas.openxmlformats.org/officeDocument/2006/relationships" xmlns:p="http://schemas.openxmlformats.org/presentationml/2006/main">
-  <p:cSld>
-    <p:spTree>
-      <p:nvGrpSpPr>
-        <p:cNvPr id="1" name=""/>
-        <p:cNvGrpSpPr/>
-        <p:nvPr/>
-      </p:nvGrpSpPr>
-      <p:grpSpPr>
-        <a:xfrm>
-          <a:off x="0" y="0"/>
-          <a:ext cx="0" cy="0"/>
-          <a:chOff x="0" y="0"/>
-          <a:chExt cx="0" cy="0"/>
-        </a:xfrm>
-      </p:grpSpPr>
-      <p:sp>
-        <p:nvSpPr>
-          <p:cNvPr id="4" name="Title 3"/>
-          <p:cNvSpPr>
-            <a:spLocks noGrp="1"/>
-          </p:cNvSpPr>
-          <p:nvPr>
-            <p:ph type="title"/>
-          </p:nvPr>
-        </p:nvSpPr>
-        <p:spPr/>
-        <p:txBody>
-          <a:bodyPr/>
-          <a:lstStyle/>
-          <a:p>
-            <a:r>
-              <a:rPr lang="en-CA" dirty="0" smtClean="0"/>
-              <a:t>Meet Portability</a:t>
-            </a:r>
-            <a:endParaRPr lang="en-CA" dirty="0"/>
-          </a:p>
-        </p:txBody>
-      </p:sp>
-      <p:sp>
-        <p:nvSpPr>
-          <p:cNvPr id="5" name="Content Placeholder 4"/>
-          <p:cNvSpPr>
-            <a:spLocks noGrp="1"/>
-          </p:cNvSpPr>
-          <p:nvPr>
-            <p:ph idx="1"/>
-          </p:nvPr>
-        </p:nvSpPr>
-        <p:spPr/>
-        <p:txBody>
-          <a:bodyPr>
-            <a:normAutofit/>
-          </a:bodyPr>
-          <a:lstStyle/>
-          <a:p>
-            <a:pPr>
-              <a:buClr>
-                <a:schemeClr val="accent1"/>
-              </a:buClr>
-              <a:buFont typeface="Wingdings" panose="05000000000000000000" pitchFamily="2" charset="2"/>
-              <a:buChar char="§"/>
-            </a:pPr>
-            <a:r>
-              <a:rPr lang="en-US" dirty="0"/>
-              <a:t> </a:t>
-            </a:r>
-            <a:r>
-              <a:rPr lang="en-US" dirty="0" err="1" smtClean="0"/>
-              <a:t>GrateBox</a:t>
-            </a:r>
-            <a:r>
-              <a:rPr lang="en-US" dirty="0" smtClean="0"/>
-              <a:t> supports </a:t>
-            </a:r>
-            <a:r>
-              <a:rPr lang="en-US" b="1" dirty="0" smtClean="0"/>
-              <a:t>all</a:t>
-            </a:r>
-            <a:r>
-              <a:rPr lang="en-US" dirty="0" smtClean="0"/>
-              <a:t> major operating systems and platforms.</a:t>
-            </a:r>
-          </a:p>
-        </p:txBody>
-      </p:sp>
-      <p:pic>
-        <p:nvPicPr>
-          <p:cNvPr id="2052" name="Picture 4" descr="Image result for windows"/>
-          <p:cNvPicPr>
-            <a:picLocks noChangeAspect="1" noChangeArrowheads="1"/>
-          </p:cNvPicPr>
-          <p:nvPr/>
-        </p:nvPicPr>
-        <p:blipFill>
-          <a:blip r:embed="rId2">
-            <a:extLst>
-              <a:ext uri="{28A0092B-C50C-407E-A947-70E740481C1C}">
-                <a14:useLocalDpi xmlns:a14="http://schemas.microsoft.com/office/drawing/2010/main" val="0"/>
-              </a:ext>
-            </a:extLst>
-          </a:blip>
-          <a:srcRect/>
-          <a:stretch>
-            <a:fillRect/>
-          </a:stretch>
-        </p:blipFill>
-        <p:spPr bwMode="auto">
-          <a:xfrm>
-            <a:off x="4918075" y="1620838"/>
-            <a:ext cx="4622801" cy="4047410"/>
-          </a:xfrm>
-          <a:prstGeom prst="rect">
-            <a:avLst/>
-          </a:prstGeom>
-          <a:noFill/>
-          <a:extLst>
-            <a:ext uri="{909E8E84-426E-40DD-AFC4-6F175D3DCCD1}">
-              <a14:hiddenFill xmlns:a14="http://schemas.microsoft.com/office/drawing/2010/main">
-                <a:solidFill>
-                  <a:srgbClr val="FFFFFF"/>
-                </a:solidFill>
-              </a14:hiddenFill>
-            </a:ext>
-          </a:extLst>
-        </p:spPr>
-      </p:pic>
-      <p:pic>
-        <p:nvPicPr>
-          <p:cNvPr id="2054" name="Picture 6" descr="Image result for macosx"/>
-          <p:cNvPicPr>
-            <a:picLocks noChangeAspect="1" noChangeArrowheads="1"/>
-          </p:cNvPicPr>
-          <p:nvPr/>
-        </p:nvPicPr>
-        <p:blipFill>
-          <a:blip r:embed="rId3">
-            <a:extLst>
-              <a:ext uri="{28A0092B-C50C-407E-A947-70E740481C1C}">
-                <a14:useLocalDpi xmlns:a14="http://schemas.microsoft.com/office/drawing/2010/main" val="0"/>
-              </a:ext>
-            </a:extLst>
-          </a:blip>
-          <a:srcRect/>
-          <a:stretch>
-            <a:fillRect/>
-          </a:stretch>
-        </p:blipFill>
-        <p:spPr bwMode="auto">
-          <a:xfrm>
-            <a:off x="511175" y="2413000"/>
-            <a:ext cx="2857500" cy="2857500"/>
-          </a:xfrm>
-          <a:prstGeom prst="rect">
-            <a:avLst/>
-          </a:prstGeom>
-          <a:noFill/>
-          <a:extLst>
-            <a:ext uri="{909E8E84-426E-40DD-AFC4-6F175D3DCCD1}">
-              <a14:hiddenFill xmlns:a14="http://schemas.microsoft.com/office/drawing/2010/main">
-                <a:solidFill>
-                  <a:srgbClr val="FFFFFF"/>
-                </a:solidFill>
-              </a14:hiddenFill>
-            </a:ext>
-          </a:extLst>
-        </p:spPr>
-      </p:pic>
-      <p:sp>
-        <p:nvSpPr>
-          <p:cNvPr id="2" name="AutoShape 10" descr="Image result for ubuntu"/>
-          <p:cNvSpPr>
-            <a:spLocks noChangeAspect="1" noChangeArrowheads="1"/>
-          </p:cNvSpPr>
-          <p:nvPr/>
-        </p:nvSpPr>
-        <p:spPr bwMode="auto">
-          <a:xfrm>
-            <a:off x="155575" y="-144463"/>
-            <a:ext cx="304800" cy="304801"/>
-          </a:xfrm>
-          <a:prstGeom prst="rect">
-            <a:avLst/>
-          </a:prstGeom>
-          <a:noFill/>
-          <a:extLst>
-            <a:ext uri="{909E8E84-426E-40DD-AFC4-6F175D3DCCD1}">
-              <a14:hiddenFill xmlns:a14="http://schemas.microsoft.com/office/drawing/2010/main">
-                <a:solidFill>
-                  <a:srgbClr val="FFFFFF"/>
-                </a:solidFill>
-              </a14:hiddenFill>
-            </a:ext>
-          </a:extLst>
-        </p:spPr>
-        <p:txBody>
-          <a:bodyPr vert="horz" wrap="square" lIns="91440" tIns="45720" rIns="91440" bIns="45720" numCol="1" anchor="t" anchorCtr="0" compatLnSpc="1">
-            <a:prstTxWarp prst="textNoShape">
-              <a:avLst/>
-            </a:prstTxWarp>
-          </a:bodyPr>
-          <a:lstStyle/>
-          <a:p>
-            <a:endParaRPr lang="en-CA"/>
-          </a:p>
-        </p:txBody>
-      </p:sp>
-      <p:sp>
-        <p:nvSpPr>
-          <p:cNvPr id="3" name="AutoShape 12" descr="Image result for ubuntu"/>
-          <p:cNvSpPr>
-            <a:spLocks noChangeAspect="1" noChangeArrowheads="1"/>
-          </p:cNvSpPr>
-          <p:nvPr/>
-        </p:nvSpPr>
-        <p:spPr bwMode="auto">
-          <a:xfrm>
-            <a:off x="307975" y="7937"/>
-            <a:ext cx="304800" cy="304801"/>
-          </a:xfrm>
-          <a:prstGeom prst="rect">
-            <a:avLst/>
-          </a:prstGeom>
-          <a:noFill/>
-          <a:extLst>
-            <a:ext uri="{909E8E84-426E-40DD-AFC4-6F175D3DCCD1}">
-              <a14:hiddenFill xmlns:a14="http://schemas.microsoft.com/office/drawing/2010/main">
-                <a:solidFill>
-                  <a:srgbClr val="FFFFFF"/>
-                </a:solidFill>
-              </a14:hiddenFill>
-            </a:ext>
-          </a:extLst>
-        </p:spPr>
-        <p:txBody>
-          <a:bodyPr vert="horz" wrap="square" lIns="91440" tIns="45720" rIns="91440" bIns="45720" numCol="1" anchor="t" anchorCtr="0" compatLnSpc="1">
-            <a:prstTxWarp prst="textNoShape">
-              <a:avLst/>
-            </a:prstTxWarp>
-          </a:bodyPr>
-          <a:lstStyle/>
-          <a:p>
-            <a:endParaRPr lang="en-CA"/>
-          </a:p>
-        </p:txBody>
-      </p:sp>
-      <p:sp>
-        <p:nvSpPr>
-          <p:cNvPr id="6" name="AutoShape 14" descr="Image result for ubuntu"/>
-          <p:cNvSpPr>
-            <a:spLocks noChangeAspect="1" noChangeArrowheads="1"/>
-          </p:cNvSpPr>
-          <p:nvPr/>
-        </p:nvSpPr>
-        <p:spPr bwMode="auto">
-          <a:xfrm>
-            <a:off x="460375" y="160337"/>
-            <a:ext cx="304800" cy="304801"/>
-          </a:xfrm>
-          <a:prstGeom prst="rect">
-            <a:avLst/>
-          </a:prstGeom>
-          <a:noFill/>
-          <a:extLst>
-            <a:ext uri="{909E8E84-426E-40DD-AFC4-6F175D3DCCD1}">
-              <a14:hiddenFill xmlns:a14="http://schemas.microsoft.com/office/drawing/2010/main">
-                <a:solidFill>
-                  <a:srgbClr val="FFFFFF"/>
-                </a:solidFill>
-              </a14:hiddenFill>
-            </a:ext>
-          </a:extLst>
-        </p:spPr>
-        <p:txBody>
-          <a:bodyPr vert="horz" wrap="square" lIns="91440" tIns="45720" rIns="91440" bIns="45720" numCol="1" anchor="t" anchorCtr="0" compatLnSpc="1">
-            <a:prstTxWarp prst="textNoShape">
-              <a:avLst/>
-            </a:prstTxWarp>
-          </a:bodyPr>
-          <a:lstStyle/>
-          <a:p>
-            <a:endParaRPr lang="en-CA"/>
-          </a:p>
-        </p:txBody>
-      </p:sp>
-      <p:sp>
-        <p:nvSpPr>
-          <p:cNvPr id="7" name="AutoShape 16" descr="Image result for ubuntu"/>
-          <p:cNvSpPr>
-            <a:spLocks noChangeAspect="1" noChangeArrowheads="1"/>
-          </p:cNvSpPr>
-          <p:nvPr/>
-        </p:nvSpPr>
-        <p:spPr bwMode="auto">
-          <a:xfrm>
-            <a:off x="612775" y="312737"/>
-            <a:ext cx="304800" cy="304801"/>
-          </a:xfrm>
-          <a:prstGeom prst="rect">
-            <a:avLst/>
-          </a:prstGeom>
-          <a:noFill/>
-          <a:extLst>
-            <a:ext uri="{909E8E84-426E-40DD-AFC4-6F175D3DCCD1}">
-              <a14:hiddenFill xmlns:a14="http://schemas.microsoft.com/office/drawing/2010/main">
-                <a:solidFill>
-                  <a:srgbClr val="FFFFFF"/>
-                </a:solidFill>
-              </a14:hiddenFill>
-            </a:ext>
-          </a:extLst>
-        </p:spPr>
-        <p:txBody>
-          <a:bodyPr vert="horz" wrap="square" lIns="91440" tIns="45720" rIns="91440" bIns="45720" numCol="1" anchor="t" anchorCtr="0" compatLnSpc="1">
-            <a:prstTxWarp prst="textNoShape">
-              <a:avLst/>
-            </a:prstTxWarp>
-          </a:bodyPr>
-          <a:lstStyle/>
-          <a:p>
-            <a:endParaRPr lang="en-CA"/>
-          </a:p>
-        </p:txBody>
-      </p:sp>
-      <p:sp>
-        <p:nvSpPr>
-          <p:cNvPr id="8" name="AutoShape 18" descr="Image result for ubuntu"/>
-          <p:cNvSpPr>
-            <a:spLocks noChangeAspect="1" noChangeArrowheads="1"/>
-          </p:cNvSpPr>
-          <p:nvPr/>
-        </p:nvSpPr>
-        <p:spPr bwMode="auto">
-          <a:xfrm>
-            <a:off x="765175" y="465137"/>
-            <a:ext cx="304800" cy="304801"/>
-          </a:xfrm>
-          <a:prstGeom prst="rect">
-            <a:avLst/>
-          </a:prstGeom>
-          <a:noFill/>
-          <a:extLst>
-            <a:ext uri="{909E8E84-426E-40DD-AFC4-6F175D3DCCD1}">
-              <a14:hiddenFill xmlns:a14="http://schemas.microsoft.com/office/drawing/2010/main">
-                <a:solidFill>
-                  <a:srgbClr val="FFFFFF"/>
-                </a:solidFill>
-              </a14:hiddenFill>
-            </a:ext>
-          </a:extLst>
-        </p:spPr>
-        <p:txBody>
-          <a:bodyPr vert="horz" wrap="square" lIns="91440" tIns="45720" rIns="91440" bIns="45720" numCol="1" anchor="t" anchorCtr="0" compatLnSpc="1">
-            <a:prstTxWarp prst="textNoShape">
-              <a:avLst/>
-            </a:prstTxWarp>
-          </a:bodyPr>
-          <a:lstStyle/>
-          <a:p>
-            <a:endParaRPr lang="en-CA"/>
-          </a:p>
-        </p:txBody>
-      </p:sp>
-      <p:sp>
-        <p:nvSpPr>
-          <p:cNvPr id="9" name="AutoShape 20" descr="Image result for ubuntu"/>
-          <p:cNvSpPr>
-            <a:spLocks noChangeAspect="1" noChangeArrowheads="1"/>
-          </p:cNvSpPr>
-          <p:nvPr/>
-        </p:nvSpPr>
-        <p:spPr bwMode="auto">
-          <a:xfrm>
-            <a:off x="917575" y="617537"/>
-            <a:ext cx="304800" cy="304801"/>
-          </a:xfrm>
-          <a:prstGeom prst="rect">
-            <a:avLst/>
-          </a:prstGeom>
-          <a:noFill/>
-          <a:extLst>
-            <a:ext uri="{909E8E84-426E-40DD-AFC4-6F175D3DCCD1}">
-              <a14:hiddenFill xmlns:a14="http://schemas.microsoft.com/office/drawing/2010/main">
-                <a:solidFill>
-                  <a:srgbClr val="FFFFFF"/>
-                </a:solidFill>
-              </a14:hiddenFill>
-            </a:ext>
-          </a:extLst>
-        </p:spPr>
-        <p:txBody>
-          <a:bodyPr vert="horz" wrap="square" lIns="91440" tIns="45720" rIns="91440" bIns="45720" numCol="1" anchor="t" anchorCtr="0" compatLnSpc="1">
-            <a:prstTxWarp prst="textNoShape">
-              <a:avLst/>
-            </a:prstTxWarp>
-          </a:bodyPr>
-          <a:lstStyle/>
-          <a:p>
-            <a:endParaRPr lang="en-CA"/>
-          </a:p>
-        </p:txBody>
-      </p:sp>
-      <p:sp>
-        <p:nvSpPr>
-          <p:cNvPr id="10" name="AutoShape 22" descr="Image result for ubuntu"/>
-          <p:cNvSpPr>
-            <a:spLocks noChangeAspect="1" noChangeArrowheads="1"/>
-          </p:cNvSpPr>
-          <p:nvPr/>
-        </p:nvSpPr>
-        <p:spPr bwMode="auto">
-          <a:xfrm>
-            <a:off x="1069975" y="769937"/>
-            <a:ext cx="304800" cy="304801"/>
-          </a:xfrm>
-          <a:prstGeom prst="rect">
-            <a:avLst/>
-          </a:prstGeom>
-          <a:noFill/>
-          <a:extLst>
-            <a:ext uri="{909E8E84-426E-40DD-AFC4-6F175D3DCCD1}">
-              <a14:hiddenFill xmlns:a14="http://schemas.microsoft.com/office/drawing/2010/main">
-                <a:solidFill>
-                  <a:srgbClr val="FFFFFF"/>
-                </a:solidFill>
-              </a14:hiddenFill>
-            </a:ext>
-          </a:extLst>
-        </p:spPr>
-        <p:txBody>
-          <a:bodyPr vert="horz" wrap="square" lIns="91440" tIns="45720" rIns="91440" bIns="45720" numCol="1" anchor="t" anchorCtr="0" compatLnSpc="1">
-            <a:prstTxWarp prst="textNoShape">
-              <a:avLst/>
-            </a:prstTxWarp>
-          </a:bodyPr>
-          <a:lstStyle/>
-          <a:p>
-            <a:endParaRPr lang="en-CA"/>
-          </a:p>
-        </p:txBody>
-      </p:sp>
-      <p:sp>
-        <p:nvSpPr>
-          <p:cNvPr id="11" name="AutoShape 24" descr="Image result for ubuntu"/>
-          <p:cNvSpPr>
-            <a:spLocks noChangeAspect="1" noChangeArrowheads="1"/>
-          </p:cNvSpPr>
-          <p:nvPr/>
-        </p:nvSpPr>
-        <p:spPr bwMode="auto">
-          <a:xfrm>
-            <a:off x="1222375" y="922337"/>
-            <a:ext cx="304800" cy="304801"/>
-          </a:xfrm>
-          <a:prstGeom prst="rect">
-            <a:avLst/>
-          </a:prstGeom>
-          <a:noFill/>
-          <a:extLst>
-            <a:ext uri="{909E8E84-426E-40DD-AFC4-6F175D3DCCD1}">
-              <a14:hiddenFill xmlns:a14="http://schemas.microsoft.com/office/drawing/2010/main">
-                <a:solidFill>
-                  <a:srgbClr val="FFFFFF"/>
-                </a:solidFill>
-              </a14:hiddenFill>
-            </a:ext>
-          </a:extLst>
-        </p:spPr>
-        <p:txBody>
-          <a:bodyPr vert="horz" wrap="square" lIns="91440" tIns="45720" rIns="91440" bIns="45720" numCol="1" anchor="t" anchorCtr="0" compatLnSpc="1">
-            <a:prstTxWarp prst="textNoShape">
-              <a:avLst/>
-            </a:prstTxWarp>
-          </a:bodyPr>
-          <a:lstStyle/>
-          <a:p>
-            <a:endParaRPr lang="en-CA"/>
-          </a:p>
-        </p:txBody>
-      </p:sp>
-      <p:sp>
-        <p:nvSpPr>
-          <p:cNvPr id="12" name="AutoShape 26" descr="Image result for ubuntu"/>
-          <p:cNvSpPr>
-            <a:spLocks noChangeAspect="1" noChangeArrowheads="1"/>
-          </p:cNvSpPr>
-          <p:nvPr/>
-        </p:nvSpPr>
-        <p:spPr bwMode="auto">
-          <a:xfrm>
-            <a:off x="1374775" y="1074737"/>
-            <a:ext cx="304800" cy="304801"/>
-          </a:xfrm>
-          <a:prstGeom prst="rect">
-            <a:avLst/>
-          </a:prstGeom>
-          <a:noFill/>
-          <a:extLst>
-            <a:ext uri="{909E8E84-426E-40DD-AFC4-6F175D3DCCD1}">
-              <a14:hiddenFill xmlns:a14="http://schemas.microsoft.com/office/drawing/2010/main">
-                <a:solidFill>
-                  <a:srgbClr val="FFFFFF"/>
-                </a:solidFill>
-              </a14:hiddenFill>
-            </a:ext>
-          </a:extLst>
-        </p:spPr>
-        <p:txBody>
-          <a:bodyPr vert="horz" wrap="square" lIns="91440" tIns="45720" rIns="91440" bIns="45720" numCol="1" anchor="t" anchorCtr="0" compatLnSpc="1">
-            <a:prstTxWarp prst="textNoShape">
-              <a:avLst/>
-            </a:prstTxWarp>
-          </a:bodyPr>
-          <a:lstStyle/>
-          <a:p>
-            <a:endParaRPr lang="en-CA"/>
-          </a:p>
-        </p:txBody>
-      </p:sp>
-      <p:sp>
-        <p:nvSpPr>
-          <p:cNvPr id="13" name="AutoShape 28" descr="Image result for ubuntu"/>
-          <p:cNvSpPr>
-            <a:spLocks noChangeAspect="1" noChangeArrowheads="1"/>
-          </p:cNvSpPr>
-          <p:nvPr/>
-        </p:nvSpPr>
-        <p:spPr bwMode="auto">
-          <a:xfrm>
-            <a:off x="1527175" y="1227137"/>
-            <a:ext cx="304800" cy="304801"/>
-          </a:xfrm>
-          <a:prstGeom prst="rect">
-            <a:avLst/>
-          </a:prstGeom>
-          <a:noFill/>
-          <a:extLst>
-            <a:ext uri="{909E8E84-426E-40DD-AFC4-6F175D3DCCD1}">
-              <a14:hiddenFill xmlns:a14="http://schemas.microsoft.com/office/drawing/2010/main">
-                <a:solidFill>
-                  <a:srgbClr val="FFFFFF"/>
-                </a:solidFill>
-              </a14:hiddenFill>
-            </a:ext>
-          </a:extLst>
-        </p:spPr>
-        <p:txBody>
-          <a:bodyPr vert="horz" wrap="square" lIns="91440" tIns="45720" rIns="91440" bIns="45720" numCol="1" anchor="t" anchorCtr="0" compatLnSpc="1">
-            <a:prstTxWarp prst="textNoShape">
-              <a:avLst/>
-            </a:prstTxWarp>
-          </a:bodyPr>
-          <a:lstStyle/>
-          <a:p>
-            <a:endParaRPr lang="en-CA"/>
-          </a:p>
-        </p:txBody>
-      </p:sp>
-      <p:pic>
-        <p:nvPicPr>
-          <p:cNvPr id="2078" name="Picture 30" descr="Image result for ubuntu"/>
-          <p:cNvPicPr>
-            <a:picLocks noChangeAspect="1" noChangeArrowheads="1"/>
-          </p:cNvPicPr>
-          <p:nvPr/>
-        </p:nvPicPr>
-        <p:blipFill>
-          <a:blip r:embed="rId4">
-            <a:extLst>
-              <a:ext uri="{28A0092B-C50C-407E-A947-70E740481C1C}">
-                <a14:useLocalDpi xmlns:a14="http://schemas.microsoft.com/office/drawing/2010/main" val="0"/>
-              </a:ext>
-            </a:extLst>
-          </a:blip>
-          <a:srcRect/>
-          <a:stretch>
-            <a:fillRect/>
-          </a:stretch>
-        </p:blipFill>
-        <p:spPr bwMode="auto">
-          <a:xfrm>
-            <a:off x="3597275" y="4051300"/>
-            <a:ext cx="2438400" cy="2438400"/>
-          </a:xfrm>
-          <a:prstGeom prst="rect">
-            <a:avLst/>
-          </a:prstGeom>
-          <a:noFill/>
-          <a:extLst>
-            <a:ext uri="{909E8E84-426E-40DD-AFC4-6F175D3DCCD1}">
-              <a14:hiddenFill xmlns:a14="http://schemas.microsoft.com/office/drawing/2010/main">
-                <a:solidFill>
-                  <a:srgbClr val="FFFFFF"/>
-                </a:solidFill>
-              </a14:hiddenFill>
-            </a:ext>
-          </a:extLst>
-        </p:spPr>
-      </p:pic>
-      <p:pic>
-        <p:nvPicPr>
-          <p:cNvPr id="2080" name="Picture 32" descr="Image result for ios"/>
-          <p:cNvPicPr>
-            <a:picLocks noChangeAspect="1" noChangeArrowheads="1"/>
-          </p:cNvPicPr>
-          <p:nvPr/>
-        </p:nvPicPr>
-        <p:blipFill>
-          <a:blip r:embed="rId5">
-            <a:extLst>
-              <a:ext uri="{28A0092B-C50C-407E-A947-70E740481C1C}">
-                <a14:useLocalDpi xmlns:a14="http://schemas.microsoft.com/office/drawing/2010/main" val="0"/>
-              </a:ext>
-            </a:extLst>
-          </a:blip>
-          <a:srcRect/>
-          <a:stretch>
-            <a:fillRect/>
-          </a:stretch>
-        </p:blipFill>
-        <p:spPr bwMode="auto">
-          <a:xfrm>
-            <a:off x="7913686" y="5029474"/>
-            <a:ext cx="2638425" cy="1561826"/>
-          </a:xfrm>
-          <a:prstGeom prst="rect">
-            <a:avLst/>
-          </a:prstGeom>
-          <a:noFill/>
-          <a:extLst>
-            <a:ext uri="{909E8E84-426E-40DD-AFC4-6F175D3DCCD1}">
-              <a14:hiddenFill xmlns:a14="http://schemas.microsoft.com/office/drawing/2010/main">
-                <a:solidFill>
-                  <a:srgbClr val="FFFFFF"/>
-                </a:solidFill>
-              </a14:hiddenFill>
-            </a:ext>
-          </a:extLst>
-        </p:spPr>
-      </p:pic>
-      <p:pic>
-        <p:nvPicPr>
-          <p:cNvPr id="2082" name="Picture 34" descr="Image result for android"/>
-          <p:cNvPicPr>
-            <a:picLocks noChangeAspect="1" noChangeArrowheads="1"/>
-          </p:cNvPicPr>
-          <p:nvPr/>
-        </p:nvPicPr>
-        <p:blipFill>
-          <a:blip r:embed="rId6">
-            <a:extLst>
-              <a:ext uri="{28A0092B-C50C-407E-A947-70E740481C1C}">
-                <a14:useLocalDpi xmlns:a14="http://schemas.microsoft.com/office/drawing/2010/main" val="0"/>
-              </a:ext>
-            </a:extLst>
-          </a:blip>
-          <a:srcRect/>
-          <a:stretch>
-            <a:fillRect/>
-          </a:stretch>
-        </p:blipFill>
-        <p:spPr bwMode="auto">
-          <a:xfrm>
-            <a:off x="9232899" y="2417405"/>
-            <a:ext cx="2428875" cy="2428875"/>
-          </a:xfrm>
-          <a:prstGeom prst="rect">
-            <a:avLst/>
-          </a:prstGeom>
-          <a:noFill/>
-          <a:extLst>
-            <a:ext uri="{909E8E84-426E-40DD-AFC4-6F175D3DCCD1}">
-              <a14:hiddenFill xmlns:a14="http://schemas.microsoft.com/office/drawing/2010/main">
-                <a:solidFill>
-                  <a:srgbClr val="FFFFFF"/>
-                </a:solidFill>
-              </a14:hiddenFill>
-            </a:ext>
-          </a:extLst>
-        </p:spPr>
-      </p:pic>
-    </p:spTree>
-    <p:extLst>
-      <p:ext uri="{BB962C8B-B14F-4D97-AF65-F5344CB8AC3E}">
-        <p14:creationId xmlns:p14="http://schemas.microsoft.com/office/powerpoint/2010/main" val="1087068017"/>
       </p:ext>
     </p:extLst>
   </p:cSld>

--- a/Presentation.pptx
+++ b/Presentation.pptx
@@ -124,7 +124,7 @@
   </p:defaultTextStyle>
   <p:extLst>
     <p:ext uri="{EFAFB233-063F-42B5-8137-9DF3F51BA10A}">
-      <p15:sldGuideLst xmlns:p15="http://schemas.microsoft.com/office/powerpoint/2012/main" xmlns=""/>
+      <p15:sldGuideLst xmlns="" xmlns:p15="http://schemas.microsoft.com/office/powerpoint/2012/main"/>
     </p:ext>
   </p:extLst>
 </p:presentation>
@@ -343,11 +343,11 @@
         </c:dLbls>
         <c:marker val="1"/>
         <c:smooth val="0"/>
-        <c:axId val="166628864"/>
-        <c:axId val="6779392"/>
+        <c:axId val="127833088"/>
+        <c:axId val="136279104"/>
       </c:lineChart>
       <c:catAx>
-        <c:axId val="166628864"/>
+        <c:axId val="127833088"/>
         <c:scaling>
           <c:orientation val="minMax"/>
         </c:scaling>
@@ -375,7 +375,7 @@
         <c:majorTickMark val="out"/>
         <c:minorTickMark val="none"/>
         <c:tickLblPos val="nextTo"/>
-        <c:crossAx val="6779392"/>
+        <c:crossAx val="136279104"/>
         <c:crosses val="autoZero"/>
         <c:auto val="1"/>
         <c:lblAlgn val="ctr"/>
@@ -383,7 +383,7 @@
         <c:noMultiLvlLbl val="0"/>
       </c:catAx>
       <c:valAx>
-        <c:axId val="6779392"/>
+        <c:axId val="136279104"/>
         <c:scaling>
           <c:orientation val="minMax"/>
         </c:scaling>
@@ -431,7 +431,7 @@
         <c:majorTickMark val="out"/>
         <c:minorTickMark val="none"/>
         <c:tickLblPos val="nextTo"/>
-        <c:crossAx val="166628864"/>
+        <c:crossAx val="127833088"/>
         <c:crosses val="autoZero"/>
         <c:crossBetween val="between"/>
       </c:valAx>
@@ -2357,8 +2357,8 @@
     <dgm:cxn modelId="{7977E879-23AF-4355-88F6-CEC12AF3F17F}" srcId="{5A31DD65-6A23-4A96-8AA4-937C9F473A1B}" destId="{C4926E18-DEF9-424B-B2A9-F23898D34B72}" srcOrd="1" destOrd="0" parTransId="{885183CF-D81E-453D-ADF8-D2477BD1CAB5}" sibTransId="{1C982C65-B470-4FF5-8F70-DC848FE4139A}"/>
     <dgm:cxn modelId="{11E13666-A0C2-4C19-8FC8-471DEB618DD2}" type="presOf" srcId="{E0136D70-D16B-4F12-B33A-F946998B1887}" destId="{8C02EF4C-48DF-42A5-A40C-0F48C14E5256}" srcOrd="0" destOrd="0" presId="urn:microsoft.com/office/officeart/2005/8/layout/cycle2"/>
     <dgm:cxn modelId="{60813F41-66CD-4C67-851C-AC9F053ED22F}" type="presOf" srcId="{1692019D-9163-467C-8365-A7A5A70F0177}" destId="{9D315564-F76F-433C-958A-873B30D82F08}" srcOrd="0" destOrd="0" presId="urn:microsoft.com/office/officeart/2005/8/layout/cycle2"/>
+    <dgm:cxn modelId="{7C6A8688-DA83-459C-B34A-517B06E41478}" type="presOf" srcId="{5D1D4291-E7CD-40D6-AE96-87FFE6495F01}" destId="{AA7BBA46-3746-4402-8F12-8263CCD81017}" srcOrd="0" destOrd="0" presId="urn:microsoft.com/office/officeart/2005/8/layout/cycle2"/>
     <dgm:cxn modelId="{6A60EE44-C04D-4DCF-99DA-ABFEB0CB39F7}" type="presOf" srcId="{92E8EA80-B1B1-44FA-816B-39D877F416AC}" destId="{5B119983-4A13-4C5E-951C-AFFAB54D829A}" srcOrd="1" destOrd="0" presId="urn:microsoft.com/office/officeart/2005/8/layout/cycle2"/>
-    <dgm:cxn modelId="{7C6A8688-DA83-459C-B34A-517B06E41478}" type="presOf" srcId="{5D1D4291-E7CD-40D6-AE96-87FFE6495F01}" destId="{AA7BBA46-3746-4402-8F12-8263CCD81017}" srcOrd="0" destOrd="0" presId="urn:microsoft.com/office/officeart/2005/8/layout/cycle2"/>
     <dgm:cxn modelId="{7FBC1174-1CAC-48E2-B2A4-C556E0D41E7C}" type="presOf" srcId="{F22906F3-B47B-45B7-9B14-4FD8B8E8BBAE}" destId="{61F3795E-695C-44AC-8BA6-9B259FD3BC9C}" srcOrd="1" destOrd="0" presId="urn:microsoft.com/office/officeart/2005/8/layout/cycle2"/>
     <dgm:cxn modelId="{5448BA92-E3F2-445B-8AE8-5E736D9A5333}" type="presOf" srcId="{92E8EA80-B1B1-44FA-816B-39D877F416AC}" destId="{55BCCD0A-B83F-4063-9417-3F4A26376EB4}" srcOrd="0" destOrd="0" presId="urn:microsoft.com/office/officeart/2005/8/layout/cycle2"/>
     <dgm:cxn modelId="{D7BFFF2A-F9ED-49EC-9596-9907CCFB9868}" type="presOf" srcId="{D1411753-4EFD-4826-AF76-87EA7D8DB46B}" destId="{8A158840-F645-4D70-8E21-73D9E9FCD3A4}" srcOrd="0" destOrd="0" presId="urn:microsoft.com/office/officeart/2005/8/layout/cycle2"/>
@@ -3417,6 +3417,216 @@
       <dsp:cNvGrpSpPr/>
     </dsp:nvGrpSpPr>
     <dsp:grpSpPr/>
+    <dsp:sp modelId="{9A721A4D-6E1A-434D-B41E-D8D73502A968}">
+      <dsp:nvSpPr>
+        <dsp:cNvPr id="0" name=""/>
+        <dsp:cNvSpPr/>
+      </dsp:nvSpPr>
+      <dsp:spPr>
+        <a:xfrm>
+          <a:off x="1312" y="0"/>
+          <a:ext cx="3413047" cy="3767137"/>
+        </a:xfrm>
+        <a:prstGeom prst="roundRect">
+          <a:avLst>
+            <a:gd name="adj" fmla="val 10000"/>
+          </a:avLst>
+        </a:prstGeom>
+        <a:solidFill>
+          <a:schemeClr val="accent1">
+            <a:tint val="40000"/>
+            <a:hueOff val="0"/>
+            <a:satOff val="0"/>
+            <a:lumOff val="0"/>
+            <a:alphaOff val="0"/>
+          </a:schemeClr>
+        </a:solidFill>
+        <a:ln>
+          <a:noFill/>
+        </a:ln>
+        <a:effectLst/>
+      </dsp:spPr>
+      <dsp:style>
+        <a:lnRef idx="0">
+          <a:scrgbClr r="0" g="0" b="0"/>
+        </a:lnRef>
+        <a:fillRef idx="1">
+          <a:scrgbClr r="0" g="0" b="0"/>
+        </a:fillRef>
+        <a:effectRef idx="0">
+          <a:scrgbClr r="0" g="0" b="0"/>
+        </a:effectRef>
+        <a:fontRef idx="minor"/>
+      </dsp:style>
+      <dsp:txBody>
+        <a:bodyPr spcFirstLastPara="0" vert="horz" wrap="square" lIns="198120" tIns="198120" rIns="198120" bIns="198120" numCol="1" spcCol="1270" anchor="ctr" anchorCtr="0">
+          <a:noAutofit/>
+        </a:bodyPr>
+        <a:lstStyle/>
+        <a:p>
+          <a:pPr lvl="0" algn="ctr" defTabSz="2311400">
+            <a:lnSpc>
+              <a:spcPct val="90000"/>
+            </a:lnSpc>
+            <a:spcBef>
+              <a:spcPct val="0"/>
+            </a:spcBef>
+            <a:spcAft>
+              <a:spcPct val="35000"/>
+            </a:spcAft>
+          </a:pPr>
+          <a:r>
+            <a:rPr lang="en-CA" sz="5200" kern="1200" dirty="0" smtClean="0"/>
+            <a:t>Portability</a:t>
+          </a:r>
+          <a:endParaRPr lang="en-CA" sz="5200" kern="1200" dirty="0"/>
+        </a:p>
+      </dsp:txBody>
+      <dsp:txXfrm>
+        <a:off x="1312" y="0"/>
+        <a:ext cx="3413047" cy="1130141"/>
+      </dsp:txXfrm>
+    </dsp:sp>
+    <dsp:sp modelId="{A5704B7A-E30A-424F-921E-18D199ED3C6F}">
+      <dsp:nvSpPr>
+        <dsp:cNvPr id="0" name=""/>
+        <dsp:cNvSpPr/>
+      </dsp:nvSpPr>
+      <dsp:spPr>
+        <a:xfrm>
+          <a:off x="3670338" y="0"/>
+          <a:ext cx="3413047" cy="3767137"/>
+        </a:xfrm>
+        <a:prstGeom prst="roundRect">
+          <a:avLst>
+            <a:gd name="adj" fmla="val 10000"/>
+          </a:avLst>
+        </a:prstGeom>
+        <a:solidFill>
+          <a:schemeClr val="accent1">
+            <a:tint val="40000"/>
+            <a:hueOff val="0"/>
+            <a:satOff val="0"/>
+            <a:lumOff val="0"/>
+            <a:alphaOff val="0"/>
+          </a:schemeClr>
+        </a:solidFill>
+        <a:ln>
+          <a:noFill/>
+        </a:ln>
+        <a:effectLst/>
+      </dsp:spPr>
+      <dsp:style>
+        <a:lnRef idx="0">
+          <a:scrgbClr r="0" g="0" b="0"/>
+        </a:lnRef>
+        <a:fillRef idx="1">
+          <a:scrgbClr r="0" g="0" b="0"/>
+        </a:fillRef>
+        <a:effectRef idx="0">
+          <a:scrgbClr r="0" g="0" b="0"/>
+        </a:effectRef>
+        <a:fontRef idx="minor"/>
+      </dsp:style>
+      <dsp:txBody>
+        <a:bodyPr spcFirstLastPara="0" vert="horz" wrap="square" lIns="198120" tIns="198120" rIns="198120" bIns="198120" numCol="1" spcCol="1270" anchor="ctr" anchorCtr="0">
+          <a:noAutofit/>
+        </a:bodyPr>
+        <a:lstStyle/>
+        <a:p>
+          <a:pPr lvl="0" algn="ctr" defTabSz="2311400">
+            <a:lnSpc>
+              <a:spcPct val="90000"/>
+            </a:lnSpc>
+            <a:spcBef>
+              <a:spcPct val="0"/>
+            </a:spcBef>
+            <a:spcAft>
+              <a:spcPct val="35000"/>
+            </a:spcAft>
+          </a:pPr>
+          <a:r>
+            <a:rPr lang="en-CA" sz="5200" kern="1200" dirty="0" smtClean="0"/>
+            <a:t>Simplicity</a:t>
+          </a:r>
+          <a:endParaRPr lang="en-CA" sz="5200" kern="1200" dirty="0"/>
+        </a:p>
+      </dsp:txBody>
+      <dsp:txXfrm>
+        <a:off x="3670338" y="0"/>
+        <a:ext cx="3413047" cy="1130141"/>
+      </dsp:txXfrm>
+    </dsp:sp>
+    <dsp:sp modelId="{373B1A94-283C-4792-BF3F-E51E34177409}">
+      <dsp:nvSpPr>
+        <dsp:cNvPr id="0" name=""/>
+        <dsp:cNvSpPr/>
+      </dsp:nvSpPr>
+      <dsp:spPr>
+        <a:xfrm>
+          <a:off x="7339364" y="0"/>
+          <a:ext cx="3413047" cy="3767137"/>
+        </a:xfrm>
+        <a:prstGeom prst="roundRect">
+          <a:avLst>
+            <a:gd name="adj" fmla="val 10000"/>
+          </a:avLst>
+        </a:prstGeom>
+        <a:solidFill>
+          <a:schemeClr val="accent1">
+            <a:tint val="40000"/>
+            <a:hueOff val="0"/>
+            <a:satOff val="0"/>
+            <a:lumOff val="0"/>
+            <a:alphaOff val="0"/>
+          </a:schemeClr>
+        </a:solidFill>
+        <a:ln>
+          <a:noFill/>
+        </a:ln>
+        <a:effectLst/>
+      </dsp:spPr>
+      <dsp:style>
+        <a:lnRef idx="0">
+          <a:scrgbClr r="0" g="0" b="0"/>
+        </a:lnRef>
+        <a:fillRef idx="1">
+          <a:scrgbClr r="0" g="0" b="0"/>
+        </a:fillRef>
+        <a:effectRef idx="0">
+          <a:scrgbClr r="0" g="0" b="0"/>
+        </a:effectRef>
+        <a:fontRef idx="minor"/>
+      </dsp:style>
+      <dsp:txBody>
+        <a:bodyPr spcFirstLastPara="0" vert="horz" wrap="square" lIns="198120" tIns="198120" rIns="198120" bIns="198120" numCol="1" spcCol="1270" anchor="ctr" anchorCtr="0">
+          <a:noAutofit/>
+        </a:bodyPr>
+        <a:lstStyle/>
+        <a:p>
+          <a:pPr lvl="0" algn="ctr" defTabSz="2311400">
+            <a:lnSpc>
+              <a:spcPct val="90000"/>
+            </a:lnSpc>
+            <a:spcBef>
+              <a:spcPct val="0"/>
+            </a:spcBef>
+            <a:spcAft>
+              <a:spcPct val="35000"/>
+            </a:spcAft>
+          </a:pPr>
+          <a:r>
+            <a:rPr lang="en-CA" sz="5200" kern="1200" dirty="0" smtClean="0"/>
+            <a:t>Reusability</a:t>
+          </a:r>
+          <a:endParaRPr lang="en-CA" sz="5200" kern="1200" dirty="0"/>
+        </a:p>
+      </dsp:txBody>
+      <dsp:txXfrm>
+        <a:off x="7339364" y="0"/>
+        <a:ext cx="3413047" cy="1130141"/>
+      </dsp:txXfrm>
+    </dsp:sp>
   </dsp:spTree>
 </dsp:drawing>
 </file>
@@ -13906,10 +14116,7 @@
           <a:bodyPr/>
           <a:lstStyle/>
           <a:p>
-            <a:r>
-              <a:rPr lang="en-US" dirty="0"/>
-              <a:t>http://ugweb.cas.mcmaster.ca/~linkk4/</a:t>
-            </a:r>
+            <a:endParaRPr lang="en-US" dirty="0"/>
           </a:p>
         </p:txBody>
       </p:sp>
@@ -14821,7 +15028,7 @@
   <a:extraClrSchemeLst/>
   <a:extLst>
     <a:ext uri="{05A4C25C-085E-4340-85A3-A5531E510DB2}">
-      <thm15:themeFamily xmlns:thm15="http://schemas.microsoft.com/office/thememl/2012/main" xmlns="" name="Metropolitan" id="{4C5440D6-04D2-4954-96CF-F251137069B2}" vid="{9FF7CA0D-8839-4012-B51C-B152F9BD654A}"/>
+      <thm15:themeFamily xmlns="" xmlns:thm15="http://schemas.microsoft.com/office/thememl/2012/main" name="Metropolitan" id="{4C5440D6-04D2-4954-96CF-F251137069B2}" vid="{9FF7CA0D-8839-4012-B51C-B152F9BD654A}"/>
     </a:ext>
   </a:extLst>
 </a:theme>
@@ -15116,7 +15323,7 @@
   <a:extraClrSchemeLst/>
   <a:extLst>
     <a:ext uri="{05A4C25C-085E-4340-85A3-A5531E510DB2}">
-      <thm15:themeFamily xmlns:thm15="http://schemas.microsoft.com/office/thememl/2012/main" xmlns="" name="Office Theme" id="{62F939B6-93AF-4DB8-9C6B-D6C7DFDC589F}" vid="{4A3C46E8-61CC-4603-A589-7422A47A8E4A}"/>
+      <thm15:themeFamily xmlns="" xmlns:thm15="http://schemas.microsoft.com/office/thememl/2012/main" name="Office Theme" id="{62F939B6-93AF-4DB8-9C6B-D6C7DFDC589F}" vid="{4A3C46E8-61CC-4603-A589-7422A47A8E4A}"/>
     </a:ext>
   </a:extLst>
 </a:theme>
